--- a/2021_졸업과제_1번째_진행보고.pptx
+++ b/2021_졸업과제_1번째_진행보고.pptx
@@ -2,7 +2,7 @@
 <file path=ppt/presentation.xml><?xml version="1.0" encoding="utf-8"?>
 <p:presentation xmlns:r="http://schemas.openxmlformats.org/officeDocument/2006/relationships" xmlns:c="http://schemas.openxmlformats.org/drawingml/2006/chart" xmlns:a="http://schemas.openxmlformats.org/drawingml/2006/main" xmlns:dgm="http://schemas.openxmlformats.org/drawingml/2006/diagram" xmlns:dsp="http://schemas.microsoft.com/office/drawing/2008/diagram" xmlns:p="http://schemas.openxmlformats.org/presentationml/2006/main" removePersonalInfoOnSave="1" autoCompressPictures="0">
   <p:sldMasterIdLst>
-    <p:sldMasterId id="2147483700" r:id="rId1"/>
+    <p:sldMasterId id="2147483718" r:id="rId1"/>
   </p:sldMasterIdLst>
   <p:notesMasterIdLst>
     <p:notesMasterId r:id="rId2"/>
@@ -231,7 +231,7 @@
               <a:pPr rtl="0">
                 <a:defRPr/>
               </a:pPr>
-              <a:t>2021/06/22</a:t>
+              <a:t>2021/06/23</a:t>
             </a:fld>
             <a:endParaRPr lang="zh-CN" altLang="en-US">
               <a:latin typeface="Microsoft YaHei UI"/>
@@ -439,7 +439,7 @@
               <a:pPr lvl="0">
                 <a:defRPr/>
               </a:pPr>
-              <a:t>2021/06/22</a:t>
+              <a:t>2021/06/23</a:t>
             </a:fld>
             <a:endParaRPr lang="zh-CN" altLang="en-US"/>
           </a:p>
@@ -15994,7 +15994,7 @@
 </file>
 
 <file path=ppt/slides/slide4.xml><?xml version="1.0" encoding="utf-8"?>
-<p:sld xmlns:a="http://schemas.openxmlformats.org/drawingml/2006/main" xmlns:r="http://schemas.openxmlformats.org/officeDocument/2006/relationships" xmlns:p="http://schemas.openxmlformats.org/presentationml/2006/main">
+<p:sld xmlns:r="http://schemas.openxmlformats.org/officeDocument/2006/relationships" xmlns:c="http://schemas.openxmlformats.org/drawingml/2006/chart" xmlns:a="http://schemas.openxmlformats.org/drawingml/2006/main" xmlns:dgm="http://schemas.openxmlformats.org/drawingml/2006/diagram" xmlns:dsp="http://schemas.microsoft.com/office/drawing/2008/diagram" xmlns:p="http://schemas.openxmlformats.org/presentationml/2006/main">
   <p:cSld>
     <p:spTree>
       <p:nvGrpSpPr>
@@ -16010,54 +16010,6 @@
           <a:chExt cx="0" cy="0"/>
         </a:xfrm>
       </p:grpSpPr>
-      <p:pic>
-        <p:nvPicPr>
-          <p:cNvPr id="18" name="그림 17"/>
-          <p:cNvPicPr>
-            <a:picLocks noChangeAspect="1"/>
-          </p:cNvPicPr>
-          <p:nvPr/>
-        </p:nvPicPr>
-        <p:blipFill>
-          <a:blip r:embed="rId2" cstate="print"/>
-          <a:stretch>
-            <a:fillRect/>
-          </a:stretch>
-        </p:blipFill>
-        <p:spPr>
-          <a:xfrm>
-            <a:off x="19161" y="2705304"/>
-            <a:ext cx="1474388" cy="1263779"/>
-          </a:xfrm>
-          <a:prstGeom prst="rect">
-            <a:avLst/>
-          </a:prstGeom>
-        </p:spPr>
-      </p:pic>
-      <p:pic>
-        <p:nvPicPr>
-          <p:cNvPr id="24" name="그림 23"/>
-          <p:cNvPicPr>
-            <a:picLocks noChangeAspect="1"/>
-          </p:cNvPicPr>
-          <p:nvPr/>
-        </p:nvPicPr>
-        <p:blipFill>
-          <a:blip r:embed="rId3" cstate="print"/>
-          <a:stretch>
-            <a:fillRect/>
-          </a:stretch>
-        </p:blipFill>
-        <p:spPr>
-          <a:xfrm>
-            <a:off x="10851233" y="381249"/>
-            <a:ext cx="1295620" cy="1295620"/>
-          </a:xfrm>
-          <a:prstGeom prst="rect">
-            <a:avLst/>
-          </a:prstGeom>
-        </p:spPr>
-      </p:pic>
       <p:sp>
         <p:nvSpPr>
           <p:cNvPr id="33" name="제목 1"/>
@@ -16065,7 +16017,7 @@
             <a:spLocks noGrp="1"/>
           </p:cNvSpPr>
           <p:nvPr>
-            <p:ph type="title"/>
+            <p:ph type="title" idx="0"/>
           </p:nvPr>
         </p:nvSpPr>
         <p:spPr>
@@ -16080,16 +16032,18 @@
           </a:bodyPr>
           <a:lstStyle/>
           <a:p>
-            <a:pPr algn="ctr"/>
-            <a:r>
-              <a:rPr lang="ko-KR" altLang="en-US" dirty="0"/>
+            <a:pPr algn="ctr">
+              <a:defRPr/>
+            </a:pPr>
+            <a:r>
+              <a:rPr lang="ko-KR" altLang="en-US"/>
               <a:t>과제 목표</a:t>
             </a:r>
             <a:r>
-              <a:rPr lang="en-US" altLang="ko-KR" dirty="0"/>
+              <a:rPr lang="en-US" altLang="ko-KR"/>
               <a:t>(System Diagram)</a:t>
             </a:r>
-            <a:endParaRPr lang="ko-KR" altLang="en-US" dirty="0"/>
+            <a:endParaRPr lang="ko-KR" altLang="en-US"/>
           </a:p>
         </p:txBody>
       </p:sp>
@@ -16101,8 +16055,8 @@
           </p:cNvPicPr>
           <p:nvPr/>
         </p:nvPicPr>
-        <p:blipFill>
-          <a:blip r:embed="rId4"/>
+        <p:blipFill rotWithShape="1">
+          <a:blip r:embed="rId2"/>
           <a:stretch>
             <a:fillRect/>
           </a:stretch>
@@ -16117,50 +16071,15 @@
           </a:prstGeom>
         </p:spPr>
       </p:pic>
-      <p:pic>
-        <p:nvPicPr>
-          <p:cNvPr id="3" name="그림 2">
-            <a:extLst>
-              <a:ext uri="{FF2B5EF4-FFF2-40B4-BE49-F238E27FC236}">
-                <a16:creationId xmlns:a16="http://schemas.microsoft.com/office/drawing/2014/main" id="{CFFAA36D-98EC-439A-931F-119145128C54}"/>
-              </a:ext>
-            </a:extLst>
-          </p:cNvPr>
-          <p:cNvPicPr>
-            <a:picLocks noChangeAspect="1"/>
-          </p:cNvPicPr>
-          <p:nvPr/>
-        </p:nvPicPr>
-        <p:blipFill rotWithShape="1">
-          <a:blip r:embed="rId5"/>
-          <a:srcRect l="12042" t="12902" r="15039" b="18565"/>
-          <a:stretch/>
-        </p:blipFill>
-        <p:spPr>
-          <a:xfrm>
-            <a:off x="469454" y="770091"/>
-            <a:ext cx="1295620" cy="1437605"/>
-          </a:xfrm>
-          <a:prstGeom prst="rect">
-            <a:avLst/>
-          </a:prstGeom>
-        </p:spPr>
-      </p:pic>
-      <p:sp>
-        <p:nvSpPr>
-          <p:cNvPr id="8" name="직사각형 7">
-            <a:extLst>
-              <a:ext uri="{FF2B5EF4-FFF2-40B4-BE49-F238E27FC236}">
-                <a16:creationId xmlns:a16="http://schemas.microsoft.com/office/drawing/2014/main" id="{8CC4812D-D443-41CA-83DF-0E498CA276ED}"/>
-              </a:ext>
-            </a:extLst>
-          </p:cNvPr>
+      <p:sp>
+        <p:nvSpPr>
+          <p:cNvPr id="8" name="직사각형 7"/>
           <p:cNvSpPr/>
           <p:nvPr/>
         </p:nvSpPr>
         <p:spPr>
           <a:xfrm>
-            <a:off x="1560932" y="1088392"/>
+            <a:off x="1261200" y="1126492"/>
             <a:ext cx="3600000" cy="5468670"/>
           </a:xfrm>
           <a:prstGeom prst="rect">
@@ -16184,13 +16103,15 @@
           </a:fontRef>
         </p:style>
         <p:txBody>
-          <a:bodyPr rtlCol="0" anchor="ctr"/>
+          <a:bodyPr anchor="ctr"/>
           <a:lstStyle/>
           <a:p>
-            <a:pPr algn="ctr"/>
-            <a:endParaRPr lang="ko-KR" altLang="en-US" dirty="0">
+            <a:pPr algn="ctr">
+              <a:defRPr/>
+            </a:pPr>
+            <a:endParaRPr lang="ko-KR" altLang="en-US">
               <a:solidFill>
-                <a:srgbClr val="1F1F26"/>
+                <a:srgbClr val="1f1f26"/>
               </a:solidFill>
             </a:endParaRPr>
           </a:p>
@@ -16198,23 +16119,19 @@
       </p:sp>
       <p:sp>
         <p:nvSpPr>
-          <p:cNvPr id="9" name="사각형: 둥근 모서리 8">
-            <a:extLst>
-              <a:ext uri="{FF2B5EF4-FFF2-40B4-BE49-F238E27FC236}">
-                <a16:creationId xmlns:a16="http://schemas.microsoft.com/office/drawing/2014/main" id="{CF079FFF-2E81-4AA6-8CFD-65370F21A121}"/>
-              </a:ext>
-            </a:extLst>
-          </p:cNvPr>
+          <p:cNvPr id="9" name="사각형: 둥근 모서리 8"/>
           <p:cNvSpPr/>
           <p:nvPr/>
         </p:nvSpPr>
         <p:spPr>
           <a:xfrm>
-            <a:off x="2487460" y="780270"/>
+            <a:off x="2161200" y="827895"/>
             <a:ext cx="1800000" cy="720000"/>
           </a:xfrm>
           <a:prstGeom prst="roundRect">
-            <a:avLst/>
+            <a:avLst>
+              <a:gd name="adj" fmla="val 16667"/>
+            </a:avLst>
           </a:prstGeom>
           <a:solidFill>
             <a:schemeClr val="accent1">
@@ -16224,7 +16141,7 @@
           </a:solidFill>
           <a:ln>
             <a:solidFill>
-              <a:srgbClr val="1F1F26"/>
+              <a:srgbClr val="1f1f26"/>
             </a:solidFill>
           </a:ln>
         </p:spPr>
@@ -16245,21 +16162,23 @@
           </a:fontRef>
         </p:style>
         <p:txBody>
-          <a:bodyPr rtlCol="0" anchor="ctr"/>
+          <a:bodyPr anchor="ctr"/>
           <a:lstStyle/>
           <a:p>
-            <a:pPr algn="ctr"/>
-            <a:r>
-              <a:rPr lang="en-US" altLang="ko-KR" sz="2000" b="1" dirty="0">
+            <a:pPr algn="ctr">
+              <a:defRPr/>
+            </a:pPr>
+            <a:r>
+              <a:rPr lang="en-US" altLang="ko-KR" sz="2000" b="1">
                 <a:solidFill>
-                  <a:srgbClr val="1F1F26"/>
+                  <a:srgbClr val="1f1f26"/>
                 </a:solidFill>
               </a:rPr>
-              <a:t>Smart band</a:t>
-            </a:r>
-            <a:endParaRPr lang="ko-KR" altLang="en-US" sz="2000" b="1" dirty="0">
+              <a:t>Raspberry Pi</a:t>
+            </a:r>
+            <a:endParaRPr lang="en-US" altLang="ko-KR" sz="2000" b="1">
               <a:solidFill>
-                <a:srgbClr val="1F1F26"/>
+                <a:srgbClr val="1f1f26"/>
               </a:solidFill>
             </a:endParaRPr>
           </a:p>
@@ -16267,19 +16186,13 @@
       </p:sp>
       <p:sp>
         <p:nvSpPr>
-          <p:cNvPr id="10" name="직사각형 9">
-            <a:extLst>
-              <a:ext uri="{FF2B5EF4-FFF2-40B4-BE49-F238E27FC236}">
-                <a16:creationId xmlns:a16="http://schemas.microsoft.com/office/drawing/2014/main" id="{7B4C53F0-37EC-4012-B648-C2869FAA1901}"/>
-              </a:ext>
-            </a:extLst>
-          </p:cNvPr>
+          <p:cNvPr id="10" name="직사각형 9"/>
           <p:cNvSpPr/>
           <p:nvPr/>
         </p:nvSpPr>
         <p:spPr>
           <a:xfrm>
-            <a:off x="7031068" y="1088392"/>
+            <a:off x="5721493" y="1126492"/>
             <a:ext cx="3600000" cy="5468670"/>
           </a:xfrm>
           <a:prstGeom prst="rect">
@@ -16303,33 +16216,31 @@
           </a:fontRef>
         </p:style>
         <p:txBody>
-          <a:bodyPr rtlCol="0" anchor="ctr"/>
+          <a:bodyPr anchor="ctr"/>
           <a:lstStyle/>
           <a:p>
-            <a:pPr algn="ctr"/>
+            <a:pPr algn="ctr">
+              <a:defRPr/>
+            </a:pPr>
             <a:endParaRPr lang="ko-KR" altLang="en-US"/>
           </a:p>
         </p:txBody>
       </p:sp>
       <p:sp>
         <p:nvSpPr>
-          <p:cNvPr id="11" name="사각형: 둥근 모서리 10">
-            <a:extLst>
-              <a:ext uri="{FF2B5EF4-FFF2-40B4-BE49-F238E27FC236}">
-                <a16:creationId xmlns:a16="http://schemas.microsoft.com/office/drawing/2014/main" id="{2F69E6F6-230D-40DA-AF61-1105C7C4F8E9}"/>
-              </a:ext>
-            </a:extLst>
-          </p:cNvPr>
+          <p:cNvPr id="11" name="사각형: 둥근 모서리 10"/>
           <p:cNvSpPr/>
           <p:nvPr/>
         </p:nvSpPr>
         <p:spPr>
           <a:xfrm>
-            <a:off x="8126872" y="783000"/>
+            <a:off x="6708636" y="827894"/>
             <a:ext cx="1800000" cy="720000"/>
           </a:xfrm>
           <a:prstGeom prst="roundRect">
-            <a:avLst/>
+            <a:avLst>
+              <a:gd name="adj" fmla="val 16667"/>
+            </a:avLst>
           </a:prstGeom>
           <a:solidFill>
             <a:schemeClr val="accent1">
@@ -16339,7 +16250,7 @@
           </a:solidFill>
           <a:ln>
             <a:solidFill>
-              <a:srgbClr val="1F1F26"/>
+              <a:srgbClr val="1f1f26"/>
             </a:solidFill>
           </a:ln>
         </p:spPr>
@@ -16360,21 +16271,23 @@
           </a:fontRef>
         </p:style>
         <p:txBody>
-          <a:bodyPr rtlCol="0" anchor="ctr"/>
+          <a:bodyPr anchor="ctr"/>
           <a:lstStyle/>
           <a:p>
-            <a:pPr algn="ctr"/>
-            <a:r>
-              <a:rPr lang="en-US" altLang="ko-KR" sz="2000" b="1" dirty="0">
+            <a:pPr algn="ctr">
+              <a:defRPr/>
+            </a:pPr>
+            <a:r>
+              <a:rPr lang="en-US" altLang="ko-KR" sz="2000" b="1">
                 <a:solidFill>
-                  <a:srgbClr val="1F1F26"/>
+                  <a:srgbClr val="1f1f26"/>
                 </a:solidFill>
               </a:rPr>
               <a:t>Server</a:t>
             </a:r>
-            <a:endParaRPr lang="ko-KR" altLang="en-US" sz="2000" b="1" dirty="0">
+            <a:endParaRPr lang="ko-KR" altLang="en-US" sz="2000" b="1">
               <a:solidFill>
-                <a:srgbClr val="1F1F26"/>
+                <a:srgbClr val="1f1f26"/>
               </a:solidFill>
             </a:endParaRPr>
           </a:p>
@@ -16382,19 +16295,13 @@
       </p:sp>
       <p:sp>
         <p:nvSpPr>
-          <p:cNvPr id="12" name="직사각형 11">
-            <a:extLst>
-              <a:ext uri="{FF2B5EF4-FFF2-40B4-BE49-F238E27FC236}">
-                <a16:creationId xmlns:a16="http://schemas.microsoft.com/office/drawing/2014/main" id="{77A706A0-D289-45D3-B9C4-E6CA5E5DA074}"/>
-              </a:ext>
-            </a:extLst>
-          </p:cNvPr>
+          <p:cNvPr id="29" name="직사각형 28"/>
           <p:cNvSpPr/>
           <p:nvPr/>
         </p:nvSpPr>
         <p:spPr>
           <a:xfrm>
-            <a:off x="7391068" y="2879423"/>
+            <a:off x="6168636" y="5395830"/>
             <a:ext cx="2880000" cy="720000"/>
           </a:xfrm>
           <a:prstGeom prst="rect">
@@ -16408,7 +16315,7 @@
           </a:solidFill>
           <a:ln>
             <a:solidFill>
-              <a:srgbClr val="1F1F26"/>
+              <a:srgbClr val="1f1f26"/>
             </a:solidFill>
           </a:ln>
         </p:spPr>
@@ -16429,29 +16336,23 @@
           </a:fontRef>
         </p:style>
         <p:txBody>
-          <a:bodyPr rtlCol="0" anchor="ctr"/>
+          <a:bodyPr anchor="ctr"/>
           <a:lstStyle/>
           <a:p>
-            <a:pPr algn="ctr"/>
-            <a:r>
-              <a:rPr lang="ko-KR" altLang="en-US" dirty="0">
+            <a:pPr algn="ctr">
+              <a:defRPr/>
+            </a:pPr>
+            <a:r>
+              <a:rPr lang="ko-KR" altLang="en-US">
                 <a:solidFill>
-                  <a:srgbClr val="1F1F26"/>
+                  <a:srgbClr val="1f1f26"/>
                 </a:solidFill>
               </a:rPr>
-              <a:t>사용자 행동 로깅 </a:t>
-            </a:r>
-            <a:r>
-              <a:rPr lang="en-US" altLang="ko-KR" dirty="0">
-                <a:solidFill>
-                  <a:srgbClr val="1F1F26"/>
-                </a:solidFill>
-              </a:rPr>
-              <a:t>DB</a:t>
-            </a:r>
-            <a:endParaRPr lang="ko-KR" altLang="en-US" dirty="0">
+              <a:t>데이터 세트 수집</a:t>
+            </a:r>
+            <a:endParaRPr lang="ko-KR" altLang="en-US">
               <a:solidFill>
-                <a:srgbClr val="1F1F26"/>
+                <a:srgbClr val="1f1f26"/>
               </a:solidFill>
             </a:endParaRPr>
           </a:p>
@@ -16459,19 +16360,13 @@
       </p:sp>
       <p:sp>
         <p:nvSpPr>
-          <p:cNvPr id="13" name="직사각형 12">
-            <a:extLst>
-              <a:ext uri="{FF2B5EF4-FFF2-40B4-BE49-F238E27FC236}">
-                <a16:creationId xmlns:a16="http://schemas.microsoft.com/office/drawing/2014/main" id="{31CBB82B-E8DC-47EF-8A10-0CABFA9DAF1E}"/>
-              </a:ext>
-            </a:extLst>
-          </p:cNvPr>
+          <p:cNvPr id="32" name="직사각형 31"/>
           <p:cNvSpPr/>
           <p:nvPr/>
         </p:nvSpPr>
         <p:spPr>
           <a:xfrm>
-            <a:off x="7391068" y="4032276"/>
+            <a:off x="1621200" y="2163614"/>
             <a:ext cx="2880000" cy="720000"/>
           </a:xfrm>
           <a:prstGeom prst="rect">
@@ -16485,7 +16380,7 @@
           </a:solidFill>
           <a:ln>
             <a:solidFill>
-              <a:srgbClr val="1F1F26"/>
+              <a:srgbClr val="1f1f26"/>
             </a:solidFill>
           </a:ln>
         </p:spPr>
@@ -16506,52 +16401,45 @@
           </a:fontRef>
         </p:style>
         <p:txBody>
-          <a:bodyPr rtlCol="0" anchor="ctr"/>
+          <a:bodyPr anchor="ctr"/>
           <a:lstStyle/>
           <a:p>
-            <a:pPr algn="ctr"/>
-            <a:r>
-              <a:rPr lang="ko-KR" altLang="en-US" dirty="0">
+            <a:pPr algn="ctr">
+              <a:defRPr/>
+            </a:pPr>
+            <a:r>
+              <a:rPr lang="ko-KR" altLang="en-US">
                 <a:solidFill>
-                  <a:srgbClr val="1F1F26"/>
+                  <a:srgbClr val="1f1f26"/>
                 </a:solidFill>
               </a:rPr>
-              <a:t>동작 인식 모델 학습</a:t>
-            </a:r>
-          </a:p>
-        </p:txBody>
-      </p:sp>
-      <p:sp>
-        <p:nvSpPr>
-          <p:cNvPr id="29" name="직사각형 28">
-            <a:extLst>
-              <a:ext uri="{FF2B5EF4-FFF2-40B4-BE49-F238E27FC236}">
-                <a16:creationId xmlns:a16="http://schemas.microsoft.com/office/drawing/2014/main" id="{8BD8793E-1B7E-4A7E-9438-440A9478DE5C}"/>
-              </a:ext>
-            </a:extLst>
-          </p:cNvPr>
+              <a:t>음성 파일</a:t>
+            </a:r>
+            <a:endParaRPr lang="ko-KR" altLang="en-US">
+              <a:solidFill>
+                <a:srgbClr val="1f1f26"/>
+              </a:solidFill>
+            </a:endParaRPr>
+          </a:p>
+        </p:txBody>
+      </p:sp>
+      <p:sp>
+        <p:nvSpPr>
+          <p:cNvPr id="34" name="직사각형 33"/>
           <p:cNvSpPr/>
           <p:nvPr/>
         </p:nvSpPr>
         <p:spPr>
           <a:xfrm>
-            <a:off x="7391068" y="5409607"/>
-            <a:ext cx="2880000" cy="720000"/>
+            <a:off x="1621200" y="4176733"/>
+            <a:ext cx="2880000" cy="2160000"/>
           </a:xfrm>
           <a:prstGeom prst="rect">
             <a:avLst/>
           </a:prstGeom>
           <a:solidFill>
-            <a:schemeClr val="bg2">
-              <a:lumMod val="20000"/>
-              <a:lumOff val="80000"/>
-            </a:schemeClr>
+            <a:schemeClr val="bg1"/>
           </a:solidFill>
-          <a:ln>
-            <a:solidFill>
-              <a:srgbClr val="1F1F26"/>
-            </a:solidFill>
-          </a:ln>
         </p:spPr>
         <p:style>
           <a:lnRef idx="2">
@@ -16570,37 +16458,26 @@
           </a:fontRef>
         </p:style>
         <p:txBody>
-          <a:bodyPr rtlCol="0" anchor="ctr"/>
+          <a:bodyPr anchor="ctr"/>
           <a:lstStyle/>
           <a:p>
-            <a:pPr algn="ctr"/>
-            <a:r>
-              <a:rPr lang="ko-KR" altLang="en-US" dirty="0">
-                <a:solidFill>
-                  <a:srgbClr val="1F1F26"/>
-                </a:solidFill>
-              </a:rPr>
-              <a:t>데이터 세트 수집</a:t>
-            </a:r>
-          </a:p>
-        </p:txBody>
-      </p:sp>
-      <p:sp>
-        <p:nvSpPr>
-          <p:cNvPr id="32" name="직사각형 31">
-            <a:extLst>
-              <a:ext uri="{FF2B5EF4-FFF2-40B4-BE49-F238E27FC236}">
-                <a16:creationId xmlns:a16="http://schemas.microsoft.com/office/drawing/2014/main" id="{955E53A8-7D89-4D7D-B8BE-324130B14518}"/>
-              </a:ext>
-            </a:extLst>
-          </p:cNvPr>
+            <a:pPr algn="ctr">
+              <a:defRPr/>
+            </a:pPr>
+            <a:endParaRPr lang="ko-KR" altLang="en-US"/>
+          </a:p>
+        </p:txBody>
+      </p:sp>
+      <p:sp>
+        <p:nvSpPr>
+          <p:cNvPr id="14" name="직사각형 13"/>
           <p:cNvSpPr/>
           <p:nvPr/>
         </p:nvSpPr>
         <p:spPr>
           <a:xfrm>
-            <a:off x="1956996" y="2705304"/>
-            <a:ext cx="2880000" cy="720000"/>
+            <a:off x="1981200" y="3650329"/>
+            <a:ext cx="2160000" cy="721054"/>
           </a:xfrm>
           <a:prstGeom prst="rect">
             <a:avLst/>
@@ -16613,7 +16490,7 @@
           </a:solidFill>
           <a:ln>
             <a:solidFill>
-              <a:srgbClr val="1F1F26"/>
+              <a:srgbClr val="1f1f26"/>
             </a:solidFill>
           </a:ln>
         </p:spPr>
@@ -16634,44 +16511,52 @@
           </a:fontRef>
         </p:style>
         <p:txBody>
-          <a:bodyPr rtlCol="0" anchor="ctr"/>
+          <a:bodyPr anchor="ctr"/>
           <a:lstStyle/>
           <a:p>
-            <a:pPr algn="ctr"/>
-            <a:r>
-              <a:rPr lang="ko-KR" altLang="en-US" dirty="0">
+            <a:pPr algn="ctr">
+              <a:defRPr/>
+            </a:pPr>
+            <a:r>
+              <a:rPr lang="ko-KR" altLang="en-US">
                 <a:solidFill>
-                  <a:srgbClr val="1F1F26"/>
+                  <a:srgbClr val="1f1f26"/>
                 </a:solidFill>
               </a:rPr>
-              <a:t>실시간 동작 인식</a:t>
-            </a:r>
-          </a:p>
-        </p:txBody>
-      </p:sp>
-      <p:sp>
-        <p:nvSpPr>
-          <p:cNvPr id="34" name="직사각형 33">
-            <a:extLst>
-              <a:ext uri="{FF2B5EF4-FFF2-40B4-BE49-F238E27FC236}">
-                <a16:creationId xmlns:a16="http://schemas.microsoft.com/office/drawing/2014/main" id="{49E8673B-414C-4DDB-80AD-F6DA20587839}"/>
-              </a:ext>
-            </a:extLst>
-          </p:cNvPr>
+              <a:t>음성 녹음</a:t>
+            </a:r>
+            <a:endParaRPr lang="en-US" altLang="ko-KR">
+              <a:solidFill>
+                <a:srgbClr val="1f1f26"/>
+              </a:solidFill>
+            </a:endParaRPr>
+          </a:p>
+        </p:txBody>
+      </p:sp>
+      <p:sp>
+        <p:nvSpPr>
+          <p:cNvPr id="35" name="직사각형 34"/>
           <p:cNvSpPr/>
           <p:nvPr/>
         </p:nvSpPr>
         <p:spPr>
           <a:xfrm>
-            <a:off x="1920932" y="4148158"/>
-            <a:ext cx="2880000" cy="2160000"/>
+            <a:off x="1837264" y="4636755"/>
+            <a:ext cx="2520000" cy="540000"/>
           </a:xfrm>
           <a:prstGeom prst="rect">
             <a:avLst/>
           </a:prstGeom>
           <a:solidFill>
-            <a:schemeClr val="bg1"/>
+            <a:schemeClr val="accent1">
+              <a:lumMod val="50000"/>
+            </a:schemeClr>
           </a:solidFill>
+          <a:ln>
+            <a:solidFill>
+              <a:srgbClr val="1f1f26"/>
+            </a:solidFill>
+          </a:ln>
         </p:spPr>
         <p:style>
           <a:lnRef idx="2">
@@ -16690,43 +16575,42 @@
           </a:fontRef>
         </p:style>
         <p:txBody>
-          <a:bodyPr rtlCol="0" anchor="ctr"/>
+          <a:bodyPr anchor="ctr"/>
           <a:lstStyle/>
           <a:p>
-            <a:pPr algn="ctr"/>
-            <a:endParaRPr lang="ko-KR" altLang="en-US" dirty="0"/>
-          </a:p>
-        </p:txBody>
-      </p:sp>
-      <p:sp>
-        <p:nvSpPr>
-          <p:cNvPr id="14" name="직사각형 13">
-            <a:extLst>
-              <a:ext uri="{FF2B5EF4-FFF2-40B4-BE49-F238E27FC236}">
-                <a16:creationId xmlns:a16="http://schemas.microsoft.com/office/drawing/2014/main" id="{0DC7ECDD-B513-410A-9FBC-0107434163B5}"/>
-              </a:ext>
-            </a:extLst>
-          </p:cNvPr>
+            <a:pPr algn="ctr">
+              <a:defRPr/>
+            </a:pPr>
+            <a:r>
+              <a:rPr lang="en-US" altLang="ko-KR"/>
+              <a:t>python</a:t>
+            </a:r>
+            <a:endParaRPr lang="en-US" altLang="ko-KR"/>
+          </a:p>
+        </p:txBody>
+      </p:sp>
+      <p:sp>
+        <p:nvSpPr>
+          <p:cNvPr id="36" name="직사각형 35"/>
           <p:cNvSpPr/>
           <p:nvPr/>
         </p:nvSpPr>
         <p:spPr>
           <a:xfrm>
-            <a:off x="2307460" y="3972756"/>
-            <a:ext cx="2160000" cy="721054"/>
+            <a:off x="1837264" y="5551379"/>
+            <a:ext cx="2520000" cy="540000"/>
           </a:xfrm>
           <a:prstGeom prst="rect">
             <a:avLst/>
           </a:prstGeom>
           <a:solidFill>
-            <a:schemeClr val="bg2">
-              <a:lumMod val="20000"/>
-              <a:lumOff val="80000"/>
+            <a:schemeClr val="accent1">
+              <a:lumMod val="50000"/>
             </a:schemeClr>
           </a:solidFill>
           <a:ln>
             <a:solidFill>
-              <a:srgbClr val="1F1F26"/>
+              <a:srgbClr val="1f1f26"/>
             </a:solidFill>
           </a:ln>
         </p:spPr>
@@ -16747,158 +16631,23 @@
           </a:fontRef>
         </p:style>
         <p:txBody>
-          <a:bodyPr rtlCol="0" anchor="ctr"/>
+          <a:bodyPr anchor="ctr"/>
           <a:lstStyle/>
           <a:p>
-            <a:pPr algn="ctr"/>
-            <a:r>
-              <a:rPr lang="en-US" altLang="ko-KR" dirty="0">
-                <a:solidFill>
-                  <a:srgbClr val="1F1F26"/>
-                </a:solidFill>
-              </a:rPr>
-              <a:t>IMU Data</a:t>
-            </a:r>
-            <a:r>
-              <a:rPr lang="ko-KR" altLang="en-US" dirty="0">
-                <a:solidFill>
-                  <a:srgbClr val="1F1F26"/>
-                </a:solidFill>
-              </a:rPr>
-              <a:t> 수집</a:t>
-            </a:r>
-          </a:p>
-        </p:txBody>
-      </p:sp>
-      <p:sp>
-        <p:nvSpPr>
-          <p:cNvPr id="35" name="직사각형 34">
-            <a:extLst>
-              <a:ext uri="{FF2B5EF4-FFF2-40B4-BE49-F238E27FC236}">
-                <a16:creationId xmlns:a16="http://schemas.microsoft.com/office/drawing/2014/main" id="{3E8728B6-BE83-4266-946D-0D94E85EB153}"/>
-              </a:ext>
-            </a:extLst>
-          </p:cNvPr>
-          <p:cNvSpPr/>
-          <p:nvPr/>
-        </p:nvSpPr>
-        <p:spPr>
-          <a:xfrm>
-            <a:off x="2136996" y="4817730"/>
-            <a:ext cx="2520000" cy="540000"/>
-          </a:xfrm>
-          <a:prstGeom prst="rect">
-            <a:avLst/>
-          </a:prstGeom>
-          <a:solidFill>
-            <a:schemeClr val="accent1">
-              <a:lumMod val="50000"/>
-            </a:schemeClr>
-          </a:solidFill>
-          <a:ln>
-            <a:solidFill>
-              <a:srgbClr val="1F1F26"/>
-            </a:solidFill>
-          </a:ln>
-        </p:spPr>
-        <p:style>
-          <a:lnRef idx="2">
-            <a:schemeClr val="accent1">
-              <a:shade val="50000"/>
-            </a:schemeClr>
-          </a:lnRef>
-          <a:fillRef idx="1">
-            <a:schemeClr val="accent1"/>
-          </a:fillRef>
-          <a:effectRef idx="0">
-            <a:schemeClr val="accent1"/>
-          </a:effectRef>
-          <a:fontRef idx="minor">
-            <a:schemeClr val="lt1"/>
-          </a:fontRef>
-        </p:style>
-        <p:txBody>
-          <a:bodyPr rtlCol="0" anchor="ctr"/>
-          <a:lstStyle/>
-          <a:p>
-            <a:pPr algn="ctr"/>
-            <a:r>
-              <a:rPr lang="en-US" altLang="ko-KR" dirty="0"/>
-              <a:t>Accelerometer</a:t>
-            </a:r>
-            <a:endParaRPr lang="ko-KR" altLang="en-US" dirty="0"/>
-          </a:p>
-        </p:txBody>
-      </p:sp>
-      <p:sp>
-        <p:nvSpPr>
-          <p:cNvPr id="36" name="직사각형 35">
-            <a:extLst>
-              <a:ext uri="{FF2B5EF4-FFF2-40B4-BE49-F238E27FC236}">
-                <a16:creationId xmlns:a16="http://schemas.microsoft.com/office/drawing/2014/main" id="{4844A754-AADD-40A9-8274-2C6EB6E4D324}"/>
-              </a:ext>
-            </a:extLst>
-          </p:cNvPr>
-          <p:cNvSpPr/>
-          <p:nvPr/>
-        </p:nvSpPr>
-        <p:spPr>
-          <a:xfrm>
-            <a:off x="2136996" y="5646629"/>
-            <a:ext cx="2520000" cy="540000"/>
-          </a:xfrm>
-          <a:prstGeom prst="rect">
-            <a:avLst/>
-          </a:prstGeom>
-          <a:solidFill>
-            <a:schemeClr val="accent1">
-              <a:lumMod val="50000"/>
-            </a:schemeClr>
-          </a:solidFill>
-          <a:ln>
-            <a:solidFill>
-              <a:srgbClr val="1F1F26"/>
-            </a:solidFill>
-          </a:ln>
-        </p:spPr>
-        <p:style>
-          <a:lnRef idx="2">
-            <a:schemeClr val="accent1">
-              <a:shade val="50000"/>
-            </a:schemeClr>
-          </a:lnRef>
-          <a:fillRef idx="1">
-            <a:schemeClr val="accent1"/>
-          </a:fillRef>
-          <a:effectRef idx="0">
-            <a:schemeClr val="accent1"/>
-          </a:effectRef>
-          <a:fontRef idx="minor">
-            <a:schemeClr val="lt1"/>
-          </a:fontRef>
-        </p:style>
-        <p:txBody>
-          <a:bodyPr rtlCol="0" anchor="ctr"/>
-          <a:lstStyle/>
-          <a:p>
-            <a:pPr algn="ctr"/>
-            <a:r>
-              <a:rPr lang="en-US" altLang="ko-KR" dirty="0"/>
-              <a:t>Gyroscope</a:t>
-            </a:r>
-            <a:endParaRPr lang="ko-KR" altLang="en-US" dirty="0"/>
+            <a:pPr algn="ctr">
+              <a:defRPr/>
+            </a:pPr>
+            <a:r>
+              <a:rPr lang="en-US" altLang="ko-KR"/>
+              <a:t>mic</a:t>
+            </a:r>
+            <a:endParaRPr lang="en-US" altLang="ko-KR"/>
           </a:p>
         </p:txBody>
       </p:sp>
       <p:cxnSp>
         <p:nvCxnSpPr>
-          <p:cNvPr id="16" name="직선 화살표 연결선 15">
-            <a:extLst>
-              <a:ext uri="{FF2B5EF4-FFF2-40B4-BE49-F238E27FC236}">
-                <a16:creationId xmlns:a16="http://schemas.microsoft.com/office/drawing/2014/main" id="{E3CF9B3E-F7DD-4A6B-B18D-0C21572961B4}"/>
-              </a:ext>
-            </a:extLst>
-          </p:cNvPr>
+          <p:cNvPr id="16" name="직선 화살표 연결선 15"/>
           <p:cNvCxnSpPr>
             <a:stCxn id="14" idx="0"/>
             <a:endCxn id="32" idx="2"/>
@@ -16906,16 +16655,16 @@
           <p:nvPr/>
         </p:nvCxnSpPr>
         <p:spPr>
-          <a:xfrm flipV="1">
-            <a:off x="3387460" y="3425304"/>
-            <a:ext cx="9536" cy="547452"/>
+          <a:xfrm rot="16200000">
+            <a:off x="2677842" y="3266971"/>
+            <a:ext cx="766715" cy="0"/>
           </a:xfrm>
           <a:prstGeom prst="straightConnector1">
             <a:avLst/>
           </a:prstGeom>
           <a:ln w="38100">
             <a:solidFill>
-              <a:srgbClr val="FF0000"/>
+              <a:srgbClr val="ff0000"/>
             </a:solidFill>
             <a:tailEnd type="triangle"/>
           </a:ln>
@@ -16937,29 +16686,26 @@
       </p:cxnSp>
       <p:cxnSp>
         <p:nvCxnSpPr>
-          <p:cNvPr id="43" name="직선 화살표 연결선 42">
-            <a:extLst>
-              <a:ext uri="{FF2B5EF4-FFF2-40B4-BE49-F238E27FC236}">
-                <a16:creationId xmlns:a16="http://schemas.microsoft.com/office/drawing/2014/main" id="{3CFE96CC-7D46-4509-8392-7184466E9D89}"/>
-              </a:ext>
-            </a:extLst>
-          </p:cNvPr>
+          <p:cNvPr id="47" name="연결선: 꺾임 46"/>
           <p:cNvCxnSpPr>
-            <a:cxnSpLocks/>
+            <a:stCxn id="14" idx="3"/>
+            <a:endCxn id="29" idx="1"/>
           </p:cNvCxnSpPr>
           <p:nvPr/>
         </p:nvCxnSpPr>
         <p:spPr>
           <a:xfrm>
-            <a:off x="4836996" y="2922085"/>
-            <a:ext cx="2554072" cy="0"/>
-          </a:xfrm>
-          <a:prstGeom prst="straightConnector1">
-            <a:avLst/>
+            <a:off x="4141200" y="4010856"/>
+            <a:ext cx="2027436" cy="1744974"/>
+          </a:xfrm>
+          <a:prstGeom prst="bentConnector3">
+            <a:avLst>
+              <a:gd name="adj1" fmla="val 50000"/>
+            </a:avLst>
           </a:prstGeom>
           <a:ln w="38100">
             <a:solidFill>
-              <a:srgbClr val="FF0000"/>
+              <a:srgbClr val="ff0000"/>
             </a:solidFill>
             <a:tailEnd type="triangle"/>
           </a:ln>
@@ -16981,31 +16727,26 @@
       </p:cxnSp>
       <p:cxnSp>
         <p:nvCxnSpPr>
-          <p:cNvPr id="47" name="연결선: 꺾임 46">
-            <a:extLst>
-              <a:ext uri="{FF2B5EF4-FFF2-40B4-BE49-F238E27FC236}">
-                <a16:creationId xmlns:a16="http://schemas.microsoft.com/office/drawing/2014/main" id="{36985A58-08D2-4BB5-8FDB-593934E9208A}"/>
-              </a:ext>
-            </a:extLst>
-          </p:cNvPr>
+          <p:cNvPr id="51" name="연결선: 꺾임 46"/>
           <p:cNvCxnSpPr>
-            <a:stCxn id="14" idx="3"/>
+            <a:stCxn id="32" idx="3"/>
+            <a:endCxn id="53" idx="1"/>
           </p:cNvCxnSpPr>
           <p:nvPr/>
         </p:nvCxnSpPr>
         <p:spPr>
-          <a:xfrm>
-            <a:off x="4467460" y="4333283"/>
-            <a:ext cx="2923608" cy="1436324"/>
+          <a:xfrm flipV="1">
+            <a:off x="4501200" y="2286103"/>
+            <a:ext cx="2027436" cy="237511"/>
           </a:xfrm>
           <a:prstGeom prst="bentConnector3">
             <a:avLst>
-              <a:gd name="adj1" fmla="val 40203"/>
+              <a:gd name="adj1" fmla="val 50000"/>
             </a:avLst>
           </a:prstGeom>
           <a:ln w="38100">
             <a:solidFill>
-              <a:srgbClr val="FF0000"/>
+              <a:srgbClr val="ff0000"/>
             </a:solidFill>
             <a:tailEnd type="triangle"/>
           </a:ln>
@@ -17025,197 +16766,23 @@
           </a:fontRef>
         </p:style>
       </p:cxnSp>
-      <p:cxnSp>
-        <p:nvCxnSpPr>
-          <p:cNvPr id="49" name="연결선: 꺾임 48">
-            <a:extLst>
-              <a:ext uri="{FF2B5EF4-FFF2-40B4-BE49-F238E27FC236}">
-                <a16:creationId xmlns:a16="http://schemas.microsoft.com/office/drawing/2014/main" id="{AB68DDA1-399A-4650-B513-F9603B050D16}"/>
-              </a:ext>
-            </a:extLst>
-          </p:cNvPr>
-          <p:cNvCxnSpPr>
-            <a:cxnSpLocks/>
-            <a:stCxn id="13" idx="1"/>
-          </p:cNvCxnSpPr>
-          <p:nvPr/>
-        </p:nvCxnSpPr>
-        <p:spPr>
-          <a:xfrm rot="10800000">
-            <a:off x="4836996" y="3249996"/>
-            <a:ext cx="2554072" cy="1142280"/>
-          </a:xfrm>
-          <a:prstGeom prst="bentConnector3">
-            <a:avLst>
-              <a:gd name="adj1" fmla="val 24551"/>
-            </a:avLst>
-          </a:prstGeom>
-          <a:ln w="38100">
-            <a:solidFill>
-              <a:srgbClr val="FF0000"/>
-            </a:solidFill>
-            <a:tailEnd type="triangle"/>
-          </a:ln>
-        </p:spPr>
-        <p:style>
-          <a:lnRef idx="1">
-            <a:schemeClr val="accent1"/>
-          </a:lnRef>
-          <a:fillRef idx="0">
-            <a:schemeClr val="accent1"/>
-          </a:fillRef>
-          <a:effectRef idx="0">
-            <a:schemeClr val="accent1"/>
-          </a:effectRef>
-          <a:fontRef idx="minor">
-            <a:schemeClr val="tx1"/>
-          </a:fontRef>
-        </p:style>
-      </p:cxnSp>
-      <p:pic>
-        <p:nvPicPr>
-          <p:cNvPr id="30" name="图片 29">
-            <a:extLst>
-              <a:ext uri="{FF2B5EF4-FFF2-40B4-BE49-F238E27FC236}">
-                <a16:creationId xmlns:a16="http://schemas.microsoft.com/office/drawing/2014/main" id="{39869FDE-C2B4-42F9-980F-44495E5E986E}"/>
-              </a:ext>
-            </a:extLst>
-          </p:cNvPr>
-          <p:cNvPicPr>
-            <a:picLocks noChangeAspect="1"/>
-          </p:cNvPicPr>
-          <p:nvPr/>
-        </p:nvPicPr>
-        <p:blipFill>
-          <a:blip r:embed="rId6"/>
-          <a:stretch>
-            <a:fillRect/>
-          </a:stretch>
-        </p:blipFill>
-        <p:spPr>
-          <a:xfrm>
-            <a:off x="10851233" y="2922085"/>
-            <a:ext cx="960741" cy="1110191"/>
-          </a:xfrm>
-          <a:prstGeom prst="rect">
-            <a:avLst/>
-          </a:prstGeom>
-        </p:spPr>
-      </p:pic>
-      <p:cxnSp>
-        <p:nvCxnSpPr>
-          <p:cNvPr id="19" name="连接符: 肘形 18">
-            <a:extLst>
-              <a:ext uri="{FF2B5EF4-FFF2-40B4-BE49-F238E27FC236}">
-                <a16:creationId xmlns:a16="http://schemas.microsoft.com/office/drawing/2014/main" id="{A5F3AFD4-6D67-44E7-BA22-937E2ECDA4C7}"/>
-              </a:ext>
-            </a:extLst>
-          </p:cNvPr>
-          <p:cNvCxnSpPr>
-            <a:endCxn id="30" idx="0"/>
-          </p:cNvCxnSpPr>
-          <p:nvPr/>
-        </p:nvCxnSpPr>
-        <p:spPr>
-          <a:xfrm flipV="1">
-            <a:off x="10271068" y="2922085"/>
-            <a:ext cx="1060536" cy="153624"/>
-          </a:xfrm>
-          <a:prstGeom prst="bentConnector4">
-            <a:avLst>
-              <a:gd name="adj1" fmla="val 27352"/>
-              <a:gd name="adj2" fmla="val 248805"/>
-            </a:avLst>
-          </a:prstGeom>
-          <a:ln w="38100">
-            <a:solidFill>
-              <a:srgbClr val="FF0000"/>
-            </a:solidFill>
-            <a:tailEnd type="triangle"/>
-          </a:ln>
-        </p:spPr>
-        <p:style>
-          <a:lnRef idx="1">
-            <a:schemeClr val="accent1"/>
-          </a:lnRef>
-          <a:fillRef idx="0">
-            <a:schemeClr val="accent1"/>
-          </a:fillRef>
-          <a:effectRef idx="0">
-            <a:schemeClr val="accent1"/>
-          </a:effectRef>
-          <a:fontRef idx="minor">
-            <a:schemeClr val="tx1"/>
-          </a:fontRef>
-        </p:style>
-      </p:cxnSp>
-      <p:sp>
-        <p:nvSpPr>
-          <p:cNvPr id="23" name="文本框 22">
-            <a:extLst>
-              <a:ext uri="{FF2B5EF4-FFF2-40B4-BE49-F238E27FC236}">
-                <a16:creationId xmlns:a16="http://schemas.microsoft.com/office/drawing/2014/main" id="{A1EF7EA7-F741-487F-A2C3-7DAF26D20B49}"/>
-              </a:ext>
-            </a:extLst>
-          </p:cNvPr>
-          <p:cNvSpPr txBox="1"/>
-          <p:nvPr/>
-        </p:nvSpPr>
-        <p:spPr>
-          <a:xfrm>
-            <a:off x="10991068" y="2199183"/>
-            <a:ext cx="960741" cy="646331"/>
-          </a:xfrm>
-          <a:prstGeom prst="rect">
-            <a:avLst/>
-          </a:prstGeom>
-          <a:noFill/>
-        </p:spPr>
-        <p:txBody>
-          <a:bodyPr wrap="square" rtlCol="0">
-            <a:spAutoFit/>
-          </a:bodyPr>
-          <a:lstStyle/>
-          <a:p>
-            <a:r>
-              <a:rPr lang="ko-KR" altLang="en-US" dirty="0"/>
-              <a:t>데이트 저장</a:t>
-            </a:r>
-            <a:endParaRPr lang="zh-CN" altLang="en-US" dirty="0"/>
-          </a:p>
-        </p:txBody>
-      </p:sp>
-      <p:sp>
-        <p:nvSpPr>
-          <p:cNvPr id="44" name="직사각형 11">
-            <a:extLst>
-              <a:ext uri="{FF2B5EF4-FFF2-40B4-BE49-F238E27FC236}">
-                <a16:creationId xmlns:a16="http://schemas.microsoft.com/office/drawing/2014/main" id="{5E7EC223-F789-4539-8342-0A0D27E9AFC6}"/>
-              </a:ext>
-            </a:extLst>
-          </p:cNvPr>
+      <p:sp>
+        <p:nvSpPr>
+          <p:cNvPr id="52" name="직사각형 33"/>
           <p:cNvSpPr/>
           <p:nvPr/>
         </p:nvSpPr>
         <p:spPr>
           <a:xfrm>
-            <a:off x="7478211" y="1575853"/>
-            <a:ext cx="2880000" cy="1269661"/>
+            <a:off x="6168636" y="2372002"/>
+            <a:ext cx="2880000" cy="2534343"/>
           </a:xfrm>
           <a:prstGeom prst="rect">
             <a:avLst/>
           </a:prstGeom>
           <a:solidFill>
-            <a:schemeClr val="bg2">
-              <a:lumMod val="20000"/>
-              <a:lumOff val="80000"/>
-            </a:schemeClr>
+            <a:schemeClr val="bg1"/>
           </a:solidFill>
-          <a:ln>
-            <a:solidFill>
-              <a:srgbClr val="1F1F26"/>
-            </a:solidFill>
-          </a:ln>
         </p:spPr>
         <p:style>
           <a:lnRef idx="2">
@@ -17234,276 +16801,336 @@
           </a:fontRef>
         </p:style>
         <p:txBody>
-          <a:bodyPr rtlCol="0" anchor="ctr"/>
+          <a:bodyPr anchor="ctr"/>
           <a:lstStyle/>
           <a:p>
-            <a:pPr algn="ctr"/>
-            <a:endParaRPr lang="en-US" altLang="ko-KR" sz="1600" dirty="0">
-              <a:solidFill>
-                <a:schemeClr val="tx1"/>
-              </a:solidFill>
-            </a:endParaRPr>
-          </a:p>
-          <a:p>
-            <a:pPr algn="ctr"/>
-            <a:r>
-              <a:rPr lang="en-US" altLang="ko-KR" sz="1600" dirty="0">
-                <a:solidFill>
-                  <a:schemeClr val="tx1"/>
-                </a:solidFill>
-              </a:rPr>
-              <a:t>1.</a:t>
-            </a:r>
-            <a:r>
-              <a:rPr lang="ko-KR" altLang="en-US" sz="1600" dirty="0">
-                <a:solidFill>
-                  <a:schemeClr val="tx1"/>
-                </a:solidFill>
-              </a:rPr>
-              <a:t>자세한 운동 내용</a:t>
-            </a:r>
-            <a:r>
-              <a:rPr lang="en-US" altLang="ko-KR" sz="1600" dirty="0">
-                <a:solidFill>
-                  <a:schemeClr val="tx1"/>
-                </a:solidFill>
-              </a:rPr>
-              <a:t>:</a:t>
-            </a:r>
-            <a:r>
-              <a:rPr lang="ko-KR" altLang="en-US" sz="1600" dirty="0">
-                <a:solidFill>
-                  <a:schemeClr val="tx1"/>
-                </a:solidFill>
-              </a:rPr>
-              <a:t>걸음 수</a:t>
-            </a:r>
-            <a:r>
-              <a:rPr lang="en-US" altLang="ko-KR" sz="1600" dirty="0">
-                <a:solidFill>
-                  <a:schemeClr val="tx1"/>
-                </a:solidFill>
-              </a:rPr>
-              <a:t>, </a:t>
-            </a:r>
-            <a:r>
-              <a:rPr lang="ko-KR" altLang="en-US" sz="1600" dirty="0">
-                <a:solidFill>
-                  <a:schemeClr val="tx1"/>
-                </a:solidFill>
-              </a:rPr>
-              <a:t>거리</a:t>
-            </a:r>
-            <a:r>
-              <a:rPr lang="en-US" altLang="ko-KR" sz="1600" dirty="0">
-                <a:solidFill>
-                  <a:schemeClr val="tx1"/>
-                </a:solidFill>
-              </a:rPr>
-              <a:t>, </a:t>
-            </a:r>
-            <a:r>
-              <a:rPr lang="ko-KR" altLang="en-US" sz="1600" dirty="0">
-                <a:solidFill>
-                  <a:schemeClr val="tx1"/>
-                </a:solidFill>
-              </a:rPr>
-              <a:t>칼로리 소모량 </a:t>
-            </a:r>
-            <a:r>
-              <a:rPr lang="en-US" altLang="zh-CN" sz="1600" dirty="0">
-                <a:solidFill>
-                  <a:schemeClr val="tx1"/>
-                </a:solidFill>
-              </a:rPr>
-              <a:t>DB</a:t>
-            </a:r>
-          </a:p>
-          <a:p>
-            <a:pPr algn="ctr"/>
-            <a:r>
-              <a:rPr lang="en-US" altLang="ko-KR" sz="1600" dirty="0">
-                <a:solidFill>
-                  <a:srgbClr val="1F1F26"/>
-                </a:solidFill>
-              </a:rPr>
-              <a:t>2.</a:t>
-            </a:r>
-            <a:r>
-              <a:rPr lang="ko-KR" altLang="en-US" sz="1600" dirty="0">
-                <a:solidFill>
-                  <a:srgbClr val="1F1F26"/>
-                </a:solidFill>
-              </a:rPr>
-              <a:t>심장 박동수 </a:t>
-            </a:r>
-            <a:r>
-              <a:rPr lang="en-US" altLang="ko-KR" sz="1600" dirty="0">
-                <a:solidFill>
-                  <a:srgbClr val="1F1F26"/>
-                </a:solidFill>
-              </a:rPr>
-              <a:t>DB</a:t>
-            </a:r>
-          </a:p>
-          <a:p>
-            <a:pPr algn="ctr"/>
-            <a:r>
-              <a:rPr lang="ko-KR" altLang="en-US" sz="1600" dirty="0">
-                <a:solidFill>
-                  <a:srgbClr val="1F1F26"/>
-                </a:solidFill>
-              </a:rPr>
-              <a:t>내장 건강관리</a:t>
-            </a:r>
-            <a:endParaRPr lang="en-US" altLang="ko-KR" sz="1600" dirty="0">
-              <a:solidFill>
-                <a:srgbClr val="1F1F26"/>
-              </a:solidFill>
-            </a:endParaRPr>
-          </a:p>
-          <a:p>
-            <a:pPr algn="ctr"/>
-            <a:r>
-              <a:rPr lang="en-US" altLang="ko-KR" sz="1600" dirty="0">
-                <a:solidFill>
-                  <a:srgbClr val="1F1F26"/>
-                </a:solidFill>
-              </a:rPr>
-              <a:t>3.</a:t>
-            </a:r>
-            <a:r>
-              <a:rPr lang="ko-KR" altLang="en-US" sz="1600" dirty="0">
-                <a:solidFill>
-                  <a:srgbClr val="1F1F26"/>
-                </a:solidFill>
-              </a:rPr>
-              <a:t>지능 알람</a:t>
-            </a:r>
-          </a:p>
-          <a:p>
-            <a:pPr algn="ctr"/>
-            <a:endParaRPr lang="ko-KR" altLang="en-US" dirty="0">
-              <a:solidFill>
-                <a:schemeClr val="tx1"/>
-              </a:solidFill>
-            </a:endParaRPr>
-          </a:p>
-        </p:txBody>
-      </p:sp>
-      <p:cxnSp>
-        <p:nvCxnSpPr>
-          <p:cNvPr id="46" name="连接符: 肘形 45">
-            <a:extLst>
-              <a:ext uri="{FF2B5EF4-FFF2-40B4-BE49-F238E27FC236}">
-                <a16:creationId xmlns:a16="http://schemas.microsoft.com/office/drawing/2014/main" id="{7BA9B448-B442-4DFE-96E8-C1EA34FEC7FC}"/>
-              </a:ext>
-            </a:extLst>
-          </p:cNvPr>
-          <p:cNvCxnSpPr>
-            <a:endCxn id="30" idx="1"/>
-          </p:cNvCxnSpPr>
+            <a:pPr algn="ctr">
+              <a:defRPr/>
+            </a:pPr>
+            <a:endParaRPr lang="ko-KR" altLang="en-US"/>
+          </a:p>
+        </p:txBody>
+      </p:sp>
+      <p:sp>
+        <p:nvSpPr>
+          <p:cNvPr id="53" name="직사각형 13"/>
+          <p:cNvSpPr/>
           <p:nvPr/>
-        </p:nvCxnSpPr>
-        <p:spPr>
-          <a:xfrm rot="16200000" flipH="1">
-            <a:off x="9874451" y="2500399"/>
-            <a:ext cx="1460542" cy="493022"/>
-          </a:xfrm>
-          <a:prstGeom prst="bentConnector2">
+        </p:nvSpPr>
+        <p:spPr>
+          <a:xfrm>
+            <a:off x="6528636" y="1925576"/>
+            <a:ext cx="2160000" cy="721054"/>
+          </a:xfrm>
+          <a:prstGeom prst="rect">
             <a:avLst/>
           </a:prstGeom>
-          <a:ln w="38100">
+          <a:solidFill>
+            <a:schemeClr val="bg2">
+              <a:lumMod val="20000"/>
+              <a:lumOff val="80000"/>
+            </a:schemeClr>
+          </a:solidFill>
+          <a:ln>
             <a:solidFill>
-              <a:srgbClr val="FF0000"/>
+              <a:srgbClr val="1f1f26"/>
             </a:solidFill>
-            <a:tailEnd type="triangle"/>
           </a:ln>
         </p:spPr>
         <p:style>
-          <a:lnRef idx="1">
-            <a:schemeClr val="accent1"/>
+          <a:lnRef idx="2">
+            <a:schemeClr val="accent1">
+              <a:shade val="50000"/>
+            </a:schemeClr>
           </a:lnRef>
-          <a:fillRef idx="0">
+          <a:fillRef idx="1">
             <a:schemeClr val="accent1"/>
           </a:fillRef>
           <a:effectRef idx="0">
             <a:schemeClr val="accent1"/>
           </a:effectRef>
           <a:fontRef idx="minor">
-            <a:schemeClr val="tx1"/>
+            <a:schemeClr val="lt1"/>
           </a:fontRef>
         </p:style>
-      </p:cxnSp>
-      <p:cxnSp>
-        <p:nvCxnSpPr>
-          <p:cNvPr id="37" name="连接符: 肘形 36">
-            <a:extLst>
-              <a:ext uri="{FF2B5EF4-FFF2-40B4-BE49-F238E27FC236}">
-                <a16:creationId xmlns:a16="http://schemas.microsoft.com/office/drawing/2014/main" id="{50A83A6D-C851-4353-A371-20E505866948}"/>
-              </a:ext>
-            </a:extLst>
-          </p:cNvPr>
-          <p:cNvCxnSpPr>
-            <a:endCxn id="30" idx="2"/>
-          </p:cNvCxnSpPr>
+        <p:txBody>
+          <a:bodyPr anchor="ctr"/>
+          <a:lstStyle/>
+          <a:p>
+            <a:pPr algn="ctr">
+              <a:defRPr/>
+            </a:pPr>
+            <a:r>
+              <a:rPr lang="ko-KR" altLang="en-US">
+                <a:solidFill>
+                  <a:srgbClr val="1f1f26"/>
+                </a:solidFill>
+              </a:rPr>
+              <a:t>소음에 학습된 모델</a:t>
+            </a:r>
+            <a:endParaRPr lang="ko-KR" altLang="en-US">
+              <a:solidFill>
+                <a:srgbClr val="1f1f26"/>
+              </a:solidFill>
+            </a:endParaRPr>
+          </a:p>
+        </p:txBody>
+      </p:sp>
+      <p:sp>
+        <p:nvSpPr>
+          <p:cNvPr id="54" name="직사각형 34"/>
+          <p:cNvSpPr/>
           <p:nvPr/>
-        </p:nvCxnSpPr>
-        <p:spPr>
-          <a:xfrm rot="5400000" flipH="1" flipV="1">
-            <a:off x="9932671" y="4370674"/>
-            <a:ext cx="1737331" cy="1060536"/>
-          </a:xfrm>
-          <a:prstGeom prst="bentConnector3">
+        </p:nvSpPr>
+        <p:spPr>
+          <a:xfrm>
+            <a:off x="6348636" y="2749973"/>
+            <a:ext cx="2520000" cy="540000"/>
+          </a:xfrm>
+          <a:prstGeom prst="rect">
             <a:avLst/>
           </a:prstGeom>
-          <a:ln w="38100">
+          <a:solidFill>
+            <a:schemeClr val="accent1">
+              <a:lumMod val="50000"/>
+            </a:schemeClr>
+          </a:solidFill>
+          <a:ln>
             <a:solidFill>
-              <a:srgbClr val="FF0000"/>
+              <a:srgbClr val="1f1f26"/>
             </a:solidFill>
-            <a:tailEnd type="triangle"/>
           </a:ln>
         </p:spPr>
         <p:style>
-          <a:lnRef idx="1">
-            <a:schemeClr val="accent1"/>
+          <a:lnRef idx="2">
+            <a:schemeClr val="accent1">
+              <a:shade val="50000"/>
+            </a:schemeClr>
           </a:lnRef>
-          <a:fillRef idx="0">
+          <a:fillRef idx="1">
             <a:schemeClr val="accent1"/>
           </a:fillRef>
           <a:effectRef idx="0">
             <a:schemeClr val="accent1"/>
           </a:effectRef>
           <a:fontRef idx="minor">
-            <a:schemeClr val="tx1"/>
+            <a:schemeClr val="lt1"/>
           </a:fontRef>
         </p:style>
-      </p:cxnSp>
+        <p:txBody>
+          <a:bodyPr anchor="ctr"/>
+          <a:lstStyle/>
+          <a:p>
+            <a:pPr algn="ctr">
+              <a:defRPr/>
+            </a:pPr>
+            <a:r>
+              <a:rPr lang="en-US" altLang="ko-KR"/>
+              <a:t>TensorFlow</a:t>
+            </a:r>
+            <a:endParaRPr lang="en-US" altLang="ko-KR"/>
+          </a:p>
+        </p:txBody>
+      </p:sp>
+      <p:sp>
+        <p:nvSpPr>
+          <p:cNvPr id="55" name="직사각형 35"/>
+          <p:cNvSpPr/>
+          <p:nvPr/>
+        </p:nvSpPr>
+        <p:spPr>
+          <a:xfrm>
+            <a:off x="6348636" y="3461527"/>
+            <a:ext cx="2520000" cy="540000"/>
+          </a:xfrm>
+          <a:prstGeom prst="rect">
+            <a:avLst/>
+          </a:prstGeom>
+          <a:solidFill>
+            <a:schemeClr val="accent1">
+              <a:lumMod val="50000"/>
+            </a:schemeClr>
+          </a:solidFill>
+          <a:ln>
+            <a:solidFill>
+              <a:srgbClr val="1f1f26"/>
+            </a:solidFill>
+          </a:ln>
+        </p:spPr>
+        <p:style>
+          <a:lnRef idx="2">
+            <a:schemeClr val="accent1">
+              <a:shade val="50000"/>
+            </a:schemeClr>
+          </a:lnRef>
+          <a:fillRef idx="1">
+            <a:schemeClr val="accent1"/>
+          </a:fillRef>
+          <a:effectRef idx="0">
+            <a:schemeClr val="accent1"/>
+          </a:effectRef>
+          <a:fontRef idx="minor">
+            <a:schemeClr val="lt1"/>
+          </a:fontRef>
+        </p:style>
+        <p:txBody>
+          <a:bodyPr anchor="ctr"/>
+          <a:lstStyle/>
+          <a:p>
+            <a:pPr algn="ctr">
+              <a:defRPr/>
+            </a:pPr>
+            <a:r>
+              <a:rPr lang="en-US" altLang="ko-KR"/>
+              <a:t>MFCC</a:t>
+            </a:r>
+            <a:endParaRPr lang="en-US" altLang="ko-KR"/>
+          </a:p>
+        </p:txBody>
+      </p:sp>
+      <p:sp>
+        <p:nvSpPr>
+          <p:cNvPr id="56" name="직사각형 35"/>
+          <p:cNvSpPr/>
+          <p:nvPr/>
+        </p:nvSpPr>
+        <p:spPr>
+          <a:xfrm>
+            <a:off x="6348636" y="4176733"/>
+            <a:ext cx="2520000" cy="540000"/>
+          </a:xfrm>
+          <a:prstGeom prst="rect">
+            <a:avLst/>
+          </a:prstGeom>
+          <a:solidFill>
+            <a:schemeClr val="accent1">
+              <a:lumMod val="50000"/>
+            </a:schemeClr>
+          </a:solidFill>
+          <a:ln>
+            <a:solidFill>
+              <a:srgbClr val="1f1f26"/>
+            </a:solidFill>
+          </a:ln>
+        </p:spPr>
+        <p:style>
+          <a:lnRef idx="2">
+            <a:schemeClr val="accent1">
+              <a:shade val="50000"/>
+            </a:schemeClr>
+          </a:lnRef>
+          <a:fillRef idx="1">
+            <a:schemeClr val="accent1"/>
+          </a:fillRef>
+          <a:effectRef idx="0">
+            <a:schemeClr val="accent1"/>
+          </a:effectRef>
+          <a:fontRef idx="minor">
+            <a:schemeClr val="lt1"/>
+          </a:fontRef>
+        </p:style>
+        <p:txBody>
+          <a:bodyPr anchor="ctr"/>
+          <a:lstStyle/>
+          <a:p>
+            <a:pPr algn="ctr">
+              <a:defRPr/>
+            </a:pPr>
+            <a:r>
+              <a:rPr lang="en-US" altLang="ko-KR"/>
+              <a:t>DS-CNN</a:t>
+            </a:r>
+            <a:endParaRPr lang="en-US" altLang="ko-KR"/>
+          </a:p>
+        </p:txBody>
+      </p:sp>
+      <p:sp>
+        <p:nvSpPr>
+          <p:cNvPr id="57" name="직사각형 28"/>
+          <p:cNvSpPr/>
+          <p:nvPr/>
+        </p:nvSpPr>
+        <p:spPr>
+          <a:xfrm>
+            <a:off x="9593315" y="2709000"/>
+            <a:ext cx="2373789" cy="719999"/>
+          </a:xfrm>
+          <a:prstGeom prst="rect">
+            <a:avLst/>
+          </a:prstGeom>
+          <a:solidFill>
+            <a:schemeClr val="bg2">
+              <a:lumMod val="20000"/>
+              <a:lumOff val="80000"/>
+            </a:schemeClr>
+          </a:solidFill>
+          <a:ln>
+            <a:solidFill>
+              <a:srgbClr val="1f1f26"/>
+            </a:solidFill>
+          </a:ln>
+        </p:spPr>
+        <p:style>
+          <a:lnRef idx="2">
+            <a:schemeClr val="accent1">
+              <a:shade val="50000"/>
+            </a:schemeClr>
+          </a:lnRef>
+          <a:fillRef idx="1">
+            <a:schemeClr val="accent1"/>
+          </a:fillRef>
+          <a:effectRef idx="0">
+            <a:schemeClr val="accent1"/>
+          </a:effectRef>
+          <a:fontRef idx="minor">
+            <a:schemeClr val="lt1"/>
+          </a:fontRef>
+        </p:style>
+        <p:txBody>
+          <a:bodyPr anchor="ctr"/>
+          <a:lstStyle/>
+          <a:p>
+            <a:pPr algn="ctr">
+              <a:defRPr/>
+            </a:pPr>
+            <a:r>
+              <a:rPr lang="ko-KR" altLang="en-US">
+                <a:solidFill>
+                  <a:srgbClr val="1f1f26"/>
+                </a:solidFill>
+              </a:rPr>
+              <a:t>텍스트 출력</a:t>
+            </a:r>
+            <a:endParaRPr lang="ko-KR" altLang="en-US">
+              <a:solidFill>
+                <a:srgbClr val="1f1f26"/>
+              </a:solidFill>
+            </a:endParaRPr>
+          </a:p>
+        </p:txBody>
+      </p:sp>
       <p:cxnSp>
         <p:nvCxnSpPr>
-          <p:cNvPr id="39" name="连接符: 肘形 38">
-            <a:extLst>
-              <a:ext uri="{FF2B5EF4-FFF2-40B4-BE49-F238E27FC236}">
-                <a16:creationId xmlns:a16="http://schemas.microsoft.com/office/drawing/2014/main" id="{BAC7A5FC-73CA-4318-8103-BADAE4FD7044}"/>
-              </a:ext>
-            </a:extLst>
-          </p:cNvPr>
+          <p:cNvPr id="58" name="연결선: 꺾임 46"/>
           <p:cNvCxnSpPr>
-            <a:endCxn id="44" idx="1"/>
+            <a:stCxn id="53" idx="3"/>
+            <a:endCxn id="57" idx="1"/>
           </p:cNvCxnSpPr>
           <p:nvPr/>
         </p:nvCxnSpPr>
         <p:spPr>
-          <a:xfrm flipV="1">
-            <a:off x="4656996" y="2210684"/>
-            <a:ext cx="2821215" cy="2122599"/>
+          <a:xfrm>
+            <a:off x="8688636" y="2286103"/>
+            <a:ext cx="904680" cy="782897"/>
           </a:xfrm>
           <a:prstGeom prst="bentConnector3">
-            <a:avLst/>
+            <a:avLst>
+              <a:gd name="adj1" fmla="val 50000"/>
+            </a:avLst>
           </a:prstGeom>
           <a:ln w="38100">
             <a:solidFill>
-              <a:srgbClr val="FF0000"/>
+              <a:srgbClr val="ff0000"/>
             </a:solidFill>
             <a:tailEnd type="triangle"/>
           </a:ln>
@@ -17528,6 +17155,14 @@
   <p:clrMapOvr>
     <a:masterClrMapping/>
   </p:clrMapOvr>
+  <mc:AlternateContent xmlns:mc="http://schemas.openxmlformats.org/markup-compatibility/2006">
+    <mc:Choice xmlns:p14="http://schemas.microsoft.com/office/powerpoint/2010/main" Requires="p14">
+      <p:transition xmlns:mc="http://schemas.openxmlformats.org/markup-compatibility/2006" xmlns:p14="http://schemas.microsoft.com/office/powerpoint/2010/main" mc:Ignorable="p14" p14:dur="500"/>
+    </mc:Choice>
+    <mc:Fallback>
+      <p:transition/>
+    </mc:Fallback>
+  </mc:AlternateContent>
 </p:sld>
 </file>
 
@@ -17740,22 +17375,18 @@
               <a:defRPr/>
             </a:pPr>
             <a:r>
-              <a:rPr lang="en-US" altLang="zh-CN" sz="2800"/>
-              <a:t>BLE Scanner</a:t>
+              <a:rPr lang="en-US" altLang="ko-KR" sz="2800"/>
+              <a:t>MFCC</a:t>
             </a:r>
             <a:r>
               <a:rPr lang="ko-KR" altLang="en-US" sz="2800"/>
-              <a:t>를 이용하여 </a:t>
+              <a:t> 란</a:t>
             </a:r>
             <a:r>
               <a:rPr lang="en-US" altLang="ko-KR" sz="2800"/>
-              <a:t>BLE </a:t>
-            </a:r>
-            <a:r>
-              <a:rPr lang="ko-KR" altLang="en-US" sz="2800"/>
-              <a:t>통신 확인</a:t>
-            </a:r>
-            <a:endParaRPr lang="ko-KR" altLang="en-US" sz="2800"/>
+              <a:t>?</a:t>
+            </a:r>
+            <a:endParaRPr lang="en-US" altLang="ko-KR" sz="2800"/>
           </a:p>
           <a:p>
             <a:pPr marL="342900" indent="-342900">
@@ -17763,10 +17394,6 @@
               <a:buChar char="•"/>
               <a:defRPr/>
             </a:pPr>
-            <a:r>
-              <a:rPr lang="en-US" altLang="zh-CN" sz="2800"/>
-              <a:t>IMU Data</a:t>
-            </a:r>
             <a:endParaRPr lang="en-US" altLang="zh-CN" sz="2800"/>
           </a:p>
           <a:p>
@@ -17775,23 +17402,7 @@
               <a:buChar char="•"/>
               <a:defRPr/>
             </a:pPr>
-            <a:r>
-              <a:rPr lang="ko-KR" altLang="en-US" sz="2400">
-                <a:solidFill>
-                  <a:srgbClr val="ff0000"/>
-                </a:solidFill>
-              </a:rPr>
-              <a:t>가속도 정보</a:t>
-            </a:r>
-            <a:r>
-              <a:rPr lang="en-US" altLang="ko-KR" sz="2400">
-                <a:solidFill>
-                  <a:srgbClr val="ff0000"/>
-                </a:solidFill>
-              </a:rPr>
-              <a:t>(Accelerometer data)</a:t>
-            </a:r>
-            <a:endParaRPr lang="en-US" altLang="ko-KR" sz="2400">
+            <a:endParaRPr lang="ko-KR" altLang="en-US" sz="2400">
               <a:solidFill>
                 <a:srgbClr val="ff0000"/>
               </a:solidFill>
@@ -17803,160 +17414,11 @@
               <a:buChar char="•"/>
               <a:defRPr/>
             </a:pPr>
-            <a:r>
-              <a:rPr lang="ko-KR" altLang="en-US" sz="2400">
-                <a:solidFill>
-                  <a:srgbClr val="0070c0"/>
-                </a:solidFill>
-              </a:rPr>
-              <a:t>자력  </a:t>
-            </a:r>
-            <a:r>
-              <a:rPr lang="ko-KR" altLang="en-US" sz="2400">
-                <a:solidFill>
-                  <a:srgbClr val="0070c0"/>
-                </a:solidFill>
-                <a:sym typeface="+mn-ea"/>
-              </a:rPr>
-              <a:t>정보</a:t>
-            </a:r>
-            <a:r>
-              <a:rPr lang="en-US" altLang="ko-KR" sz="2400">
-                <a:solidFill>
-                  <a:srgbClr val="0070c0"/>
-                </a:solidFill>
-                <a:sym typeface="+mn-ea"/>
-              </a:rPr>
-              <a:t>(Gyroscope data)</a:t>
-            </a:r>
-            <a:endParaRPr lang="ko-KR" altLang="en-US" sz="2400">
+            <a:endParaRPr lang="en-US" altLang="ko-KR" sz="2400">
               <a:solidFill>
                 <a:srgbClr val="0070c0"/>
               </a:solidFill>
-            </a:endParaRPr>
-          </a:p>
-        </p:txBody>
-      </p:sp>
-      <p:pic>
-        <p:nvPicPr>
-          <p:cNvPr id="2" name="图片 1" descr="微信图片编辑_20200604102220"/>
-          <p:cNvPicPr>
-            <a:picLocks noChangeAspect="1"/>
-          </p:cNvPicPr>
-          <p:nvPr/>
-        </p:nvPicPr>
-        <p:blipFill rotWithShape="1">
-          <a:blip r:embed="rId3"/>
-          <a:stretch>
-            <a:fillRect/>
-          </a:stretch>
-        </p:blipFill>
-        <p:spPr>
-          <a:xfrm>
-            <a:off x="8747760" y="-635"/>
-            <a:ext cx="3444240" cy="6858635"/>
-          </a:xfrm>
-          <a:prstGeom prst="rect">
-            <a:avLst/>
-          </a:prstGeom>
-        </p:spPr>
-      </p:pic>
-      <p:sp>
-        <p:nvSpPr>
-          <p:cNvPr id="3" name="직사각형 2"/>
-          <p:cNvSpPr/>
-          <p:nvPr/>
-        </p:nvSpPr>
-        <p:spPr>
-          <a:xfrm>
-            <a:off x="8869680" y="5614416"/>
-            <a:ext cx="1179576" cy="219456"/>
-          </a:xfrm>
-          <a:prstGeom prst="rect">
-            <a:avLst/>
-          </a:prstGeom>
-          <a:noFill/>
-          <a:ln w="25400">
-            <a:solidFill>
-              <a:srgbClr val="ff0000"/>
-            </a:solidFill>
-          </a:ln>
-        </p:spPr>
-        <p:style>
-          <a:lnRef idx="2">
-            <a:schemeClr val="accent1">
-              <a:shade val="50000"/>
-            </a:schemeClr>
-          </a:lnRef>
-          <a:fillRef idx="1">
-            <a:schemeClr val="accent1"/>
-          </a:fillRef>
-          <a:effectRef idx="0">
-            <a:schemeClr val="accent1"/>
-          </a:effectRef>
-          <a:fontRef idx="minor">
-            <a:schemeClr val="lt1"/>
-          </a:fontRef>
-        </p:style>
-        <p:txBody>
-          <a:bodyPr anchor="ctr"/>
-          <a:lstStyle/>
-          <a:p>
-            <a:pPr algn="ctr">
-              <a:defRPr/>
-            </a:pPr>
-            <a:endParaRPr lang="ko-KR" altLang="en-US"/>
-          </a:p>
-        </p:txBody>
-      </p:sp>
-      <p:sp>
-        <p:nvSpPr>
-          <p:cNvPr id="6" name="직사각형 5"/>
-          <p:cNvSpPr/>
-          <p:nvPr/>
-        </p:nvSpPr>
-        <p:spPr>
-          <a:xfrm>
-            <a:off x="10082307" y="5614416"/>
-            <a:ext cx="1408286" cy="219456"/>
-          </a:xfrm>
-          <a:prstGeom prst="rect">
-            <a:avLst/>
-          </a:prstGeom>
-          <a:noFill/>
-          <a:ln w="25400">
-            <a:solidFill>
-              <a:srgbClr val="0070c0"/>
-            </a:solidFill>
-          </a:ln>
-        </p:spPr>
-        <p:style>
-          <a:lnRef idx="2">
-            <a:schemeClr val="accent1">
-              <a:shade val="50000"/>
-            </a:schemeClr>
-          </a:lnRef>
-          <a:fillRef idx="1">
-            <a:schemeClr val="accent1"/>
-          </a:fillRef>
-          <a:effectRef idx="0">
-            <a:schemeClr val="accent1"/>
-          </a:effectRef>
-          <a:fontRef idx="minor">
-            <a:schemeClr val="lt1"/>
-          </a:fontRef>
-        </p:style>
-        <p:txBody>
-          <a:bodyPr anchor="ctr"/>
-          <a:lstStyle/>
-          <a:p>
-            <a:pPr algn="ctr">
-              <a:defRPr/>
-            </a:pPr>
-            <a:endParaRPr lang="ko-KR" altLang="en-US">
-              <a:solidFill>
-                <a:srgbClr val="0070c0"/>
-              </a:solidFill>
+              <a:sym typeface="+mn-ea"/>
             </a:endParaRPr>
           </a:p>
         </p:txBody>
@@ -18056,22 +17518,18 @@
               <a:defRPr/>
             </a:pPr>
             <a:r>
-              <a:rPr lang="en-US" altLang="zh-CN" sz="2800"/>
-              <a:t>TensorFlow and </a:t>
-            </a:r>
-            <a:r>
               <a:rPr lang="en-US" altLang="ko-KR" sz="2800"/>
-              <a:t>Cloud STT</a:t>
-            </a:r>
-            <a:r>
-              <a:rPr lang="en-US" altLang="zh-CN" sz="2800"/>
-              <a:t> </a:t>
+              <a:t>DS - CNN</a:t>
             </a:r>
             <a:r>
               <a:rPr lang="ko-KR" altLang="en-US" sz="2800"/>
-              <a:t>간단한 공부하고 기능 이해</a:t>
-            </a:r>
-            <a:endParaRPr lang="en-US" altLang="zh-CN" sz="2800"/>
+              <a:t> 이란</a:t>
+            </a:r>
+            <a:r>
+              <a:rPr lang="en-US" altLang="ko-KR" sz="2800"/>
+              <a:t>?</a:t>
+            </a:r>
+            <a:endParaRPr lang="en-US" altLang="ko-KR" sz="2800"/>
           </a:p>
           <a:p>
             <a:pPr marL="342900" indent="-342900">
@@ -18079,55 +17537,31 @@
               <a:buChar char="•"/>
               <a:defRPr/>
             </a:pPr>
-            <a:r>
-              <a:rPr lang="ko-KR" altLang="en-US" sz="2800"/>
-              <a:t> </a:t>
-            </a:r>
-            <a:r>
-              <a:rPr lang="en-US" altLang="ko-KR" sz="2800"/>
-              <a:t>Python</a:t>
-            </a:r>
-            <a:r>
-              <a:rPr lang="ko-KR" altLang="en-US" sz="2800"/>
-              <a:t>의 </a:t>
-            </a:r>
-            <a:r>
-              <a:rPr lang="en-US" altLang="ko-KR" sz="2800"/>
-              <a:t>librosa</a:t>
-            </a:r>
-            <a:r>
-              <a:rPr lang="ko-KR" altLang="en-US" sz="2800"/>
-              <a:t>를 통해</a:t>
-            </a:r>
-            <a:r>
-              <a:rPr lang="en-US" altLang="ko-KR" sz="2800"/>
-              <a:t> </a:t>
-            </a:r>
-            <a:r>
-              <a:rPr lang="ko-KR" altLang="en-US" sz="2800" b="1"/>
-              <a:t>음성 파일</a:t>
-            </a:r>
-            <a:r>
-              <a:rPr lang="ko-KR" altLang="en-US" sz="2800"/>
-              <a:t>과 </a:t>
-            </a:r>
-            <a:r>
-              <a:rPr lang="ko-KR" altLang="en-US" sz="2800" b="1"/>
-              <a:t>소음 파일</a:t>
-            </a:r>
-            <a:r>
-              <a:rPr lang="ko-KR" altLang="en-US" sz="2800"/>
-              <a:t> 합성 및 테스트</a:t>
-            </a:r>
-            <a:endParaRPr lang="ko-KR" altLang="en-US" sz="2800"/>
-          </a:p>
-          <a:p>
-            <a:pPr marL="342900" indent="-342900">
+            <a:endParaRPr lang="en-US" altLang="zh-CN" sz="2800"/>
+          </a:p>
+          <a:p>
+            <a:pPr marL="800100" lvl="1" indent="-342900">
               <a:buFont typeface="Arial"/>
               <a:buChar char="•"/>
               <a:defRPr/>
             </a:pPr>
-            <a:endParaRPr lang="ko-KR" altLang="en-US" sz="2800"/>
+            <a:endParaRPr lang="ko-KR" altLang="en-US" sz="2800">
+              <a:solidFill>
+                <a:srgbClr val="ff0000"/>
+              </a:solidFill>
+            </a:endParaRPr>
+          </a:p>
+          <a:p>
+            <a:pPr marL="800100" lvl="1" indent="-342900">
+              <a:buFont typeface="Arial"/>
+              <a:buChar char="•"/>
+              <a:defRPr/>
+            </a:pPr>
+            <a:endParaRPr lang="ko-KR" altLang="en-US" sz="2800">
+              <a:solidFill>
+                <a:srgbClr val="ff0000"/>
+              </a:solidFill>
+            </a:endParaRPr>
           </a:p>
         </p:txBody>
       </p:sp>
@@ -18367,9 +17801,13 @@
             </a:pPr>
             <a:r>
               <a:rPr lang="en-US" altLang="ko-KR" sz="2800"/>
-              <a:t>Bluetooth connect </a:t>
-            </a:r>
-            <a:endParaRPr lang="en-US" altLang="ko-KR" sz="2800"/>
+              <a:t>Raspberry Pi </a:t>
+            </a:r>
+            <a:r>
+              <a:rPr lang="ko-KR" altLang="en-US" sz="2800"/>
+              <a:t>환경 적응</a:t>
+            </a:r>
+            <a:endParaRPr lang="ko-KR" altLang="en-US" sz="2800"/>
           </a:p>
           <a:p>
             <a:pPr marL="914400" lvl="1" indent="-457200">
@@ -18377,35 +17815,7 @@
               <a:buChar char="•"/>
               <a:defRPr/>
             </a:pPr>
-            <a:r>
-              <a:rPr lang="en-US" altLang="zh-CN" sz="2400"/>
-              <a:t>python</a:t>
-            </a:r>
-            <a:r>
-              <a:rPr lang="ko-KR" altLang="en-US" sz="2400"/>
-              <a:t>로 </a:t>
-            </a:r>
-            <a:r>
-              <a:rPr lang="en-US" altLang="ko-KR" sz="2400"/>
-              <a:t>linux</a:t>
-            </a:r>
-            <a:r>
-              <a:rPr lang="ko-KR" altLang="en-US" sz="2400"/>
-              <a:t>에서 </a:t>
-            </a:r>
-            <a:r>
-              <a:rPr lang="en-US" altLang="ko-KR" sz="2400"/>
-              <a:t>pygatt</a:t>
-            </a:r>
-            <a:r>
-              <a:rPr lang="ko-KR" altLang="en-US" sz="2400"/>
-              <a:t>의 코드 </a:t>
-            </a:r>
-            <a:r>
-              <a:rPr lang="en-US" altLang="ko-KR" sz="2400"/>
-              <a:t>debug</a:t>
-            </a:r>
-            <a:endParaRPr lang="zh-CN" altLang="en-US" sz="2400"/>
+            <a:endParaRPr lang="en-US" altLang="zh-CN" sz="2400"/>
           </a:p>
         </p:txBody>
       </p:sp>

--- a/2021_졸업과제_1번째_진행보고.pptx
+++ b/2021_졸업과제_1번째_진행보고.pptx
@@ -2,7 +2,7 @@
 <file path=ppt/presentation.xml><?xml version="1.0" encoding="utf-8"?>
 <p:presentation xmlns:r="http://schemas.openxmlformats.org/officeDocument/2006/relationships" xmlns:c="http://schemas.openxmlformats.org/drawingml/2006/chart" xmlns:a="http://schemas.openxmlformats.org/drawingml/2006/main" xmlns:dgm="http://schemas.openxmlformats.org/drawingml/2006/diagram" xmlns:dsp="http://schemas.microsoft.com/office/drawing/2008/diagram" xmlns:p="http://schemas.openxmlformats.org/presentationml/2006/main" removePersonalInfoOnSave="1" autoCompressPictures="0">
   <p:sldMasterIdLst>
-    <p:sldMasterId id="2147483718" r:id="rId1"/>
+    <p:sldMasterId id="2147483723" r:id="rId1"/>
   </p:sldMasterIdLst>
   <p:notesMasterIdLst>
     <p:notesMasterId r:id="rId2"/>
@@ -17423,6 +17423,69 @@
           </a:p>
         </p:txBody>
       </p:sp>
+      <p:pic>
+        <p:nvPicPr>
+          <p:cNvPr id="11" name=""/>
+          <p:cNvPicPr>
+            <a:picLocks noChangeAspect="1"/>
+          </p:cNvPicPr>
+          <p:nvPr/>
+        </p:nvPicPr>
+        <p:blipFill rotWithShape="1">
+          <a:blip r:embed="rId3"/>
+          <a:stretch>
+            <a:fillRect/>
+          </a:stretch>
+        </p:blipFill>
+        <p:spPr>
+          <a:xfrm>
+            <a:off x="5434013" y="2168682"/>
+            <a:ext cx="6400800" cy="4143375"/>
+          </a:xfrm>
+          <a:prstGeom prst="rect">
+            <a:avLst/>
+          </a:prstGeom>
+        </p:spPr>
+      </p:pic>
+      <p:sp>
+        <p:nvSpPr>
+          <p:cNvPr id="12" name=""/>
+          <p:cNvSpPr txBox="1"/>
+          <p:nvPr/>
+        </p:nvSpPr>
+        <p:spPr>
+          <a:xfrm>
+            <a:off x="6963978" y="6312057"/>
+            <a:ext cx="3783540" cy="363063"/>
+          </a:xfrm>
+          <a:prstGeom prst="rect">
+            <a:avLst/>
+          </a:prstGeom>
+        </p:spPr>
+        <p:txBody>
+          <a:bodyPr wrap="square">
+            <a:spAutoFit/>
+          </a:bodyPr>
+          <a:p>
+            <a:pPr>
+              <a:defRPr/>
+            </a:pPr>
+            <a:r>
+              <a:rPr lang="en-US" altLang="ko-KR"/>
+              <a:t>Block Diagram of MFCC</a:t>
+            </a:r>
+            <a:r>
+              <a:rPr lang="ko-KR" altLang="en-US"/>
+              <a:t> </a:t>
+            </a:r>
+            <a:r>
+              <a:rPr lang="en-US" altLang="ko-KR"/>
+              <a:t>Algorithm</a:t>
+            </a:r>
+            <a:endParaRPr lang="en-US" altLang="ko-KR"/>
+          </a:p>
+        </p:txBody>
+      </p:sp>
     </p:spTree>
   </p:cSld>
   <p:clrMapOvr>
@@ -17562,6 +17625,62 @@
                 <a:srgbClr val="ff0000"/>
               </a:solidFill>
             </a:endParaRPr>
+          </a:p>
+        </p:txBody>
+      </p:sp>
+      <p:pic>
+        <p:nvPicPr>
+          <p:cNvPr id="11" name=""/>
+          <p:cNvPicPr>
+            <a:picLocks noChangeAspect="1"/>
+          </p:cNvPicPr>
+          <p:nvPr/>
+        </p:nvPicPr>
+        <p:blipFill rotWithShape="1">
+          <a:blip r:embed="rId3"/>
+          <a:stretch>
+            <a:fillRect/>
+          </a:stretch>
+        </p:blipFill>
+        <p:spPr>
+          <a:xfrm>
+            <a:off x="6792000" y="2169000"/>
+            <a:ext cx="4572000" cy="3924299"/>
+          </a:xfrm>
+          <a:prstGeom prst="rect">
+            <a:avLst/>
+          </a:prstGeom>
+        </p:spPr>
+      </p:pic>
+      <p:sp>
+        <p:nvSpPr>
+          <p:cNvPr id="12" name=""/>
+          <p:cNvSpPr txBox="1"/>
+          <p:nvPr/>
+        </p:nvSpPr>
+        <p:spPr>
+          <a:xfrm>
+            <a:off x="6792000" y="6317741"/>
+            <a:ext cx="5132916" cy="366904"/>
+          </a:xfrm>
+          <a:prstGeom prst="rect">
+            <a:avLst/>
+          </a:prstGeom>
+        </p:spPr>
+        <p:txBody>
+          <a:bodyPr wrap="square">
+            <a:spAutoFit/>
+          </a:bodyPr>
+          <a:lstStyle/>
+          <a:p>
+            <a:pPr>
+              <a:defRPr/>
+            </a:pPr>
+            <a:r>
+              <a:rPr lang="en-US" altLang="ko-KR"/>
+              <a:t>An Example of Application Scenario of DS-CNN</a:t>
+            </a:r>
+            <a:endParaRPr lang="en-US" altLang="ko-KR"/>
           </a:p>
         </p:txBody>
       </p:sp>

--- a/2021_졸업과제_1번째_진행보고.pptx
+++ b/2021_졸업과제_1번째_진행보고.pptx
@@ -2,7 +2,7 @@
 <file path=ppt/presentation.xml><?xml version="1.0" encoding="utf-8"?>
 <p:presentation xmlns:r="http://schemas.openxmlformats.org/officeDocument/2006/relationships" xmlns:c="http://schemas.openxmlformats.org/drawingml/2006/chart" xmlns:a="http://schemas.openxmlformats.org/drawingml/2006/main" xmlns:dgm="http://schemas.openxmlformats.org/drawingml/2006/diagram" xmlns:dsp="http://schemas.microsoft.com/office/drawing/2008/diagram" xmlns:p="http://schemas.openxmlformats.org/presentationml/2006/main" removePersonalInfoOnSave="1" autoCompressPictures="0">
   <p:sldMasterIdLst>
-    <p:sldMasterId id="2147483723" r:id="rId1"/>
+    <p:sldMasterId id="2147483735" r:id="rId1"/>
   </p:sldMasterIdLst>
   <p:notesMasterIdLst>
     <p:notesMasterId r:id="rId2"/>
@@ -17359,7 +17359,7 @@
         </p:nvSpPr>
         <p:spPr>
           <a:xfrm>
-            <a:off x="1392000" y="2168682"/>
+            <a:off x="310238" y="2169000"/>
             <a:ext cx="10800000" cy="2520000"/>
           </a:xfrm>
         </p:spPr>
@@ -17389,24 +17389,16 @@
             <a:endParaRPr lang="en-US" altLang="ko-KR" sz="2800"/>
           </a:p>
           <a:p>
-            <a:pPr marL="342900" indent="-342900">
-              <a:buFont typeface="Arial"/>
-              <a:buChar char="•"/>
-              <a:defRPr/>
-            </a:pPr>
-            <a:endParaRPr lang="en-US" altLang="zh-CN" sz="2800"/>
-          </a:p>
-          <a:p>
             <a:pPr marL="800100" lvl="1" indent="-342900">
               <a:buFont typeface="Arial"/>
               <a:buChar char="•"/>
               <a:defRPr/>
             </a:pPr>
-            <a:endParaRPr lang="ko-KR" altLang="en-US" sz="2400">
-              <a:solidFill>
-                <a:srgbClr val="ff0000"/>
-              </a:solidFill>
-            </a:endParaRPr>
+            <a:r>
+              <a:rPr lang="en-US" altLang="ko-KR" sz="2000"/>
+              <a:t>Mel Frequency Cepstral Coefficient</a:t>
+            </a:r>
+            <a:endParaRPr lang="en-US" altLang="ko-KR" sz="2000"/>
           </a:p>
           <a:p>
             <a:pPr marL="800100" lvl="1" indent="-342900">
@@ -17414,12 +17406,7 @@
               <a:buChar char="•"/>
               <a:defRPr/>
             </a:pPr>
-            <a:endParaRPr lang="en-US" altLang="ko-KR" sz="2400">
-              <a:solidFill>
-                <a:srgbClr val="0070c0"/>
-              </a:solidFill>
-              <a:sym typeface="+mn-ea"/>
-            </a:endParaRPr>
+            <a:endParaRPr lang="en-US" altLang="ko-KR" sz="2000"/>
           </a:p>
         </p:txBody>
       </p:sp>
@@ -17565,7 +17552,7 @@
         </p:nvSpPr>
         <p:spPr>
           <a:xfrm>
-            <a:off x="1392000" y="2169000"/>
+            <a:off x="309638" y="2169000"/>
             <a:ext cx="10800000" cy="2520000"/>
           </a:xfrm>
         </p:spPr>
@@ -17595,24 +17582,16 @@
             <a:endParaRPr lang="en-US" altLang="ko-KR" sz="2800"/>
           </a:p>
           <a:p>
-            <a:pPr marL="342900" indent="-342900">
-              <a:buFont typeface="Arial"/>
-              <a:buChar char="•"/>
-              <a:defRPr/>
-            </a:pPr>
-            <a:endParaRPr lang="en-US" altLang="zh-CN" sz="2800"/>
-          </a:p>
-          <a:p>
             <a:pPr marL="800100" lvl="1" indent="-342900">
               <a:buFont typeface="Arial"/>
               <a:buChar char="•"/>
               <a:defRPr/>
             </a:pPr>
-            <a:endParaRPr lang="ko-KR" altLang="en-US" sz="2800">
-              <a:solidFill>
-                <a:srgbClr val="ff0000"/>
-              </a:solidFill>
-            </a:endParaRPr>
+            <a:r>
+              <a:rPr lang="en-US" altLang="ko-KR" sz="2000"/>
+              <a:t>Decoder-side Scalable CNN</a:t>
+            </a:r>
+            <a:endParaRPr lang="en-US" altLang="ko-KR" sz="2000"/>
           </a:p>
           <a:p>
             <a:pPr marL="800100" lvl="1" indent="-342900">
@@ -17620,11 +17599,7 @@
               <a:buChar char="•"/>
               <a:defRPr/>
             </a:pPr>
-            <a:endParaRPr lang="ko-KR" altLang="en-US" sz="2800">
-              <a:solidFill>
-                <a:srgbClr val="ff0000"/>
-              </a:solidFill>
-            </a:endParaRPr>
+            <a:endParaRPr lang="en-US" altLang="ko-KR" sz="2000"/>
           </a:p>
         </p:txBody>
       </p:sp>
@@ -17644,8 +17619,8 @@
         </p:blipFill>
         <p:spPr>
           <a:xfrm>
-            <a:off x="6792000" y="2169000"/>
-            <a:ext cx="4572000" cy="3924299"/>
+            <a:off x="6386306" y="2169000"/>
+            <a:ext cx="4977694" cy="3924299"/>
           </a:xfrm>
           <a:prstGeom prst="rect">
             <a:avLst/>
@@ -17929,6 +17904,14 @@
             <a:endParaRPr lang="ko-KR" altLang="en-US" sz="2800"/>
           </a:p>
           <a:p>
+            <a:pPr marL="457200" indent="-457200">
+              <a:buFont typeface="Arial"/>
+              <a:buChar char="•"/>
+              <a:defRPr/>
+            </a:pPr>
+            <a:endParaRPr lang="ko-KR" altLang="en-US" sz="2800"/>
+          </a:p>
+          <a:p>
             <a:pPr marL="914400" lvl="1" indent="-457200">
               <a:buFont typeface="Arial"/>
               <a:buChar char="•"/>
@@ -18287,7 +18270,7 @@
         </p:blipFill>
         <p:spPr>
           <a:xfrm>
-            <a:off x="1708732" y="2328142"/>
+            <a:off x="2603500" y="2433975"/>
             <a:ext cx="6985000" cy="3955181"/>
           </a:xfrm>
           <a:prstGeom prst="rect">

--- a/2021_졸업과제_1번째_진행보고.pptx
+++ b/2021_졸업과제_1번째_진행보고.pptx
@@ -2,7 +2,7 @@
 <file path=ppt/presentation.xml><?xml version="1.0" encoding="utf-8"?>
 <p:presentation xmlns:r="http://schemas.openxmlformats.org/officeDocument/2006/relationships" xmlns:c="http://schemas.openxmlformats.org/drawingml/2006/chart" xmlns:a="http://schemas.openxmlformats.org/drawingml/2006/main" xmlns:dgm="http://schemas.openxmlformats.org/drawingml/2006/diagram" xmlns:dsp="http://schemas.microsoft.com/office/drawing/2008/diagram" xmlns:p="http://schemas.openxmlformats.org/presentationml/2006/main" removePersonalInfoOnSave="1" autoCompressPictures="0">
   <p:sldMasterIdLst>
-    <p:sldMasterId id="2147483735" r:id="rId1"/>
+    <p:sldMasterId id="2147483736" r:id="rId1"/>
   </p:sldMasterIdLst>
   <p:notesMasterIdLst>
     <p:notesMasterId r:id="rId2"/>

--- a/2021_졸업과제_1번째_진행보고.pptx
+++ b/2021_졸업과제_1번째_진행보고.pptx
@@ -2,7 +2,7 @@
 <file path=ppt/presentation.xml><?xml version="1.0" encoding="utf-8"?>
 <p:presentation xmlns:r="http://schemas.openxmlformats.org/officeDocument/2006/relationships" xmlns:c="http://schemas.openxmlformats.org/drawingml/2006/chart" xmlns:a="http://schemas.openxmlformats.org/drawingml/2006/main" xmlns:dgm="http://schemas.openxmlformats.org/drawingml/2006/diagram" xmlns:dsp="http://schemas.microsoft.com/office/drawing/2008/diagram" xmlns:p="http://schemas.openxmlformats.org/presentationml/2006/main" removePersonalInfoOnSave="1" autoCompressPictures="0">
   <p:sldMasterIdLst>
-    <p:sldMasterId id="2147483736" r:id="rId1"/>
+    <p:sldMasterId id="2147483855" r:id="rId1"/>
   </p:sldMasterIdLst>
   <p:notesMasterIdLst>
     <p:notesMasterId r:id="rId2"/>
@@ -231,7 +231,7 @@
               <a:pPr rtl="0">
                 <a:defRPr/>
               </a:pPr>
-              <a:t>2021/06/23</a:t>
+              <a:t>2021/06/24</a:t>
             </a:fld>
             <a:endParaRPr lang="zh-CN" altLang="en-US">
               <a:latin typeface="Microsoft YaHei UI"/>
@@ -439,7 +439,7 @@
               <a:pPr lvl="0">
                 <a:defRPr/>
               </a:pPr>
-              <a:t>2021/06/23</a:t>
+              <a:t>2021/06/24</a:t>
             </a:fld>
             <a:endParaRPr lang="zh-CN" altLang="en-US"/>
           </a:p>
@@ -14879,8 +14879,8 @@
 </file>
 
 <file path=ppt/slideMasters/slideMaster1.xml><?xml version="1.0" encoding="utf-8"?>
-<p:sldMaster xmlns:a="http://schemas.openxmlformats.org/drawingml/2006/main" xmlns:r="http://schemas.openxmlformats.org/officeDocument/2006/relationships" xmlns:p="http://schemas.openxmlformats.org/presentationml/2006/main">
-  <p:cSld>
+<p:sldMaster xmlns:r="http://schemas.openxmlformats.org/officeDocument/2006/relationships" xmlns:c="http://schemas.openxmlformats.org/drawingml/2006/chart" xmlns:a="http://schemas.openxmlformats.org/drawingml/2006/main" xmlns:dgm="http://schemas.openxmlformats.org/drawingml/2006/diagram" xmlns:dsp="http://schemas.microsoft.com/office/drawing/2008/diagram" xmlns:p="http://schemas.openxmlformats.org/presentationml/2006/main">
+  <p:cSld name="Office 主题">
     <p:bg>
       <p:bgRef idx="1001">
         <a:schemeClr val="bg1"/>
@@ -14907,7 +14907,7 @@
             <a:spLocks noGrp="1"/>
           </p:cNvSpPr>
           <p:nvPr>
-            <p:ph type="title"/>
+            <p:ph type="title" idx="0"/>
           </p:nvPr>
         </p:nvSpPr>
         <p:spPr>
@@ -14920,16 +14920,19 @@
           </a:prstGeom>
         </p:spPr>
         <p:txBody>
-          <a:bodyPr vert="horz" lIns="91440" tIns="45720" rIns="91440" bIns="45720" rtlCol="0" anchor="ctr">
+          <a:bodyPr vert="horz" lIns="91440" tIns="45720" rIns="91440" bIns="45720" anchor="ctr">
             <a:normAutofit/>
           </a:bodyPr>
           <a:lstStyle/>
           <a:p>
-            <a:pPr rtl="0"/>
-            <a:r>
-              <a:rPr lang="zh-CN" altLang="en-US" noProof="0"/>
+            <a:pPr rtl="0">
+              <a:defRPr/>
+            </a:pPr>
+            <a:r>
+              <a:rPr lang="zh-CN" altLang="en-US"/>
               <a:t>单击此处编辑母版标题样式</a:t>
             </a:r>
+            <a:endParaRPr lang="zh-CN" altLang="en-US"/>
           </a:p>
         </p:txBody>
       </p:sp>
@@ -14953,44 +14956,59 @@
           </a:prstGeom>
         </p:spPr>
         <p:txBody>
-          <a:bodyPr vert="horz" lIns="91440" tIns="45720" rIns="91440" bIns="45720" rtlCol="0">
+          <a:bodyPr vert="horz" lIns="91440" tIns="45720" rIns="91440" bIns="45720">
             <a:normAutofit/>
           </a:bodyPr>
           <a:lstStyle/>
           <a:p>
-            <a:pPr lvl="0" rtl="0"/>
-            <a:r>
-              <a:rPr lang="zh-CN" altLang="en-US" noProof="0"/>
+            <a:pPr lvl="0" rtl="0">
+              <a:defRPr/>
+            </a:pPr>
+            <a:r>
+              <a:rPr lang="zh-CN" altLang="en-US"/>
               <a:t>单击此处编辑母版文本样式</a:t>
             </a:r>
-          </a:p>
-          <a:p>
-            <a:pPr lvl="1" rtl="0"/>
-            <a:r>
-              <a:rPr lang="zh-CN" altLang="en-US" noProof="0"/>
+            <a:endParaRPr lang="zh-CN" altLang="en-US"/>
+          </a:p>
+          <a:p>
+            <a:pPr lvl="1" rtl="0">
+              <a:defRPr/>
+            </a:pPr>
+            <a:r>
+              <a:rPr lang="zh-CN" altLang="en-US"/>
               <a:t>第二级</a:t>
             </a:r>
-          </a:p>
-          <a:p>
-            <a:pPr lvl="2" rtl="0"/>
-            <a:r>
-              <a:rPr lang="zh-CN" altLang="en-US" noProof="0"/>
+            <a:endParaRPr lang="zh-CN" altLang="en-US"/>
+          </a:p>
+          <a:p>
+            <a:pPr lvl="2" rtl="0">
+              <a:defRPr/>
+            </a:pPr>
+            <a:r>
+              <a:rPr lang="zh-CN" altLang="en-US"/>
               <a:t>第三级</a:t>
             </a:r>
-          </a:p>
-          <a:p>
-            <a:pPr lvl="3" rtl="0"/>
-            <a:r>
-              <a:rPr lang="zh-CN" altLang="en-US" noProof="0"/>
+            <a:endParaRPr lang="zh-CN" altLang="en-US"/>
+          </a:p>
+          <a:p>
+            <a:pPr lvl="3" rtl="0">
+              <a:defRPr/>
+            </a:pPr>
+            <a:r>
+              <a:rPr lang="zh-CN" altLang="en-US"/>
               <a:t>第四级</a:t>
             </a:r>
-          </a:p>
-          <a:p>
-            <a:pPr lvl="4" rtl="0"/>
-            <a:r>
-              <a:rPr lang="zh-CN" altLang="en-US" noProof="0"/>
+            <a:endParaRPr lang="zh-CN" altLang="en-US"/>
+          </a:p>
+          <a:p>
+            <a:pPr lvl="4" rtl="0">
+              <a:defRPr/>
+            </a:pPr>
+            <a:r>
+              <a:rPr lang="zh-CN" altLang="en-US"/>
               <a:t>第五级</a:t>
             </a:r>
+            <a:endParaRPr lang="zh-CN" altLang="en-US"/>
           </a:p>
         </p:txBody>
       </p:sp>
@@ -15014,7 +15032,7 @@
           </a:prstGeom>
         </p:spPr>
         <p:txBody>
-          <a:bodyPr vert="horz" lIns="91440" tIns="45720" rIns="91440" bIns="45720" rtlCol="0" anchor="ctr"/>
+          <a:bodyPr vert="horz" lIns="91440" tIns="45720" rIns="91440" bIns="45720" anchor="ctr"/>
           <a:lstStyle>
             <a:lvl1pPr algn="ctr">
               <a:defRPr sz="1200" baseline="0">
@@ -15023,14 +15041,25 @@
                     <a:tint val="75000"/>
                   </a:schemeClr>
                 </a:solidFill>
-                <a:latin typeface="Microsoft YaHei UI" panose="020B0503020204020204" pitchFamily="34" charset="-122"/>
-                <a:ea typeface="Microsoft YaHei UI" panose="020B0503020204020204" pitchFamily="34" charset="-122"/>
-              </a:defRPr>
-            </a:lvl1pPr>
-          </a:lstStyle>
-          <a:p>
-            <a:endParaRPr lang="zh-CN" altLang="en-US">
-              <a:ea typeface="Microsoft YaHei UI" panose="020B0503020204020204" pitchFamily="34" charset="-122"/>
+                <a:latin typeface="맑은 고딕"/>
+                <a:ea typeface="맑은 고딕"/>
+              </a:defRPr>
+            </a:lvl1pPr>
+          </a:lstStyle>
+          <a:p>
+            <a:pPr lvl="0">
+              <a:defRPr/>
+            </a:pPr>
+            <a:r>
+              <a:rPr lang="ko-KR" altLang="en-US">
+                <a:latin typeface="맑은 고딕"/>
+                <a:ea typeface="맑은 고딕"/>
+              </a:rPr>
+              <a:t/>
+            </a:r>
+            <a:endParaRPr lang="ko-KR" altLang="en-US">
+              <a:latin typeface="맑은 고딕"/>
+              <a:ea typeface="맑은 고딕"/>
             </a:endParaRPr>
           </a:p>
         </p:txBody>
@@ -15039,58 +15068,59 @@
   </p:cSld>
   <p:clrMap bg1="lt1" tx1="dk1" bg2="lt2" tx2="dk2" accent1="accent1" accent2="accent2" accent3="accent3" accent4="accent4" accent5="accent5" accent6="accent6" hlink="hlink" folHlink="folHlink"/>
   <p:sldLayoutIdLst>
-    <p:sldLayoutId id="2147483649" r:id="rId1"/>
-    <p:sldLayoutId id="2147483650" r:id="rId2"/>
-    <p:sldLayoutId id="2147483651" r:id="rId3"/>
-    <p:sldLayoutId id="2147483652" r:id="rId4"/>
-    <p:sldLayoutId id="2147483653" r:id="rId5"/>
-    <p:sldLayoutId id="2147483654" r:id="rId6"/>
-    <p:sldLayoutId id="2147483655" r:id="rId7"/>
-    <p:sldLayoutId id="2147483656" r:id="rId8"/>
-    <p:sldLayoutId id="2147483657" r:id="rId9"/>
-    <p:sldLayoutId id="2147483658" r:id="rId10"/>
-    <p:sldLayoutId id="2147483659" r:id="rId11"/>
-    <p:sldLayoutId id="2147483660" r:id="rId12"/>
-    <p:sldLayoutId id="2147483661" r:id="rId13"/>
-    <p:sldLayoutId id="2147483662" r:id="rId14"/>
-    <p:sldLayoutId id="2147483663" r:id="rId15"/>
-    <p:sldLayoutId id="2147483664" r:id="rId16"/>
-    <p:sldLayoutId id="2147483665" r:id="rId17"/>
-    <p:sldLayoutId id="2147483666" r:id="rId18"/>
-    <p:sldLayoutId id="2147483667" r:id="rId19"/>
-    <p:sldLayoutId id="2147483668" r:id="rId20"/>
-    <p:sldLayoutId id="2147483669" r:id="rId21"/>
-    <p:sldLayoutId id="2147483670" r:id="rId22"/>
-    <p:sldLayoutId id="2147483671" r:id="rId23"/>
-    <p:sldLayoutId id="2147483672" r:id="rId24"/>
-    <p:sldLayoutId id="2147483673" r:id="rId25"/>
-    <p:sldLayoutId id="2147483674" r:id="rId26"/>
-    <p:sldLayoutId id="2147483675" r:id="rId27"/>
-    <p:sldLayoutId id="2147483676" r:id="rId28"/>
-    <p:sldLayoutId id="2147483677" r:id="rId29"/>
-    <p:sldLayoutId id="2147483678" r:id="rId30"/>
-    <p:sldLayoutId id="2147483679" r:id="rId31"/>
-    <p:sldLayoutId id="2147483680" r:id="rId32"/>
-    <p:sldLayoutId id="2147483681" r:id="rId33"/>
-    <p:sldLayoutId id="2147483682" r:id="rId34"/>
-    <p:sldLayoutId id="2147483683" r:id="rId35"/>
-    <p:sldLayoutId id="2147483684" r:id="rId36"/>
-    <p:sldLayoutId id="2147483685" r:id="rId37"/>
-    <p:sldLayoutId id="2147483686" r:id="rId38"/>
-    <p:sldLayoutId id="2147483687" r:id="rId39"/>
-    <p:sldLayoutId id="2147483688" r:id="rId40"/>
-    <p:sldLayoutId id="2147483689" r:id="rId41"/>
-    <p:sldLayoutId id="2147483690" r:id="rId42"/>
-    <p:sldLayoutId id="2147483691" r:id="rId43"/>
-    <p:sldLayoutId id="2147483692" r:id="rId44"/>
-    <p:sldLayoutId id="2147483693" r:id="rId45"/>
-    <p:sldLayoutId id="2147483694" r:id="rId46"/>
-    <p:sldLayoutId id="2147483695" r:id="rId47"/>
-    <p:sldLayoutId id="2147483696" r:id="rId48"/>
-    <p:sldLayoutId id="2147483697" r:id="rId49"/>
-    <p:sldLayoutId id="2147483698" r:id="rId50"/>
-    <p:sldLayoutId id="2147483699" r:id="rId51"/>
+    <p:sldLayoutId id="2147483804" r:id="rId1"/>
+    <p:sldLayoutId id="2147483805" r:id="rId2"/>
+    <p:sldLayoutId id="2147483806" r:id="rId3"/>
+    <p:sldLayoutId id="2147483807" r:id="rId4"/>
+    <p:sldLayoutId id="2147483808" r:id="rId5"/>
+    <p:sldLayoutId id="2147483809" r:id="rId6"/>
+    <p:sldLayoutId id="2147483810" r:id="rId7"/>
+    <p:sldLayoutId id="2147483811" r:id="rId8"/>
+    <p:sldLayoutId id="2147483812" r:id="rId9"/>
+    <p:sldLayoutId id="2147483813" r:id="rId10"/>
+    <p:sldLayoutId id="2147483814" r:id="rId11"/>
+    <p:sldLayoutId id="2147483815" r:id="rId12"/>
+    <p:sldLayoutId id="2147483816" r:id="rId13"/>
+    <p:sldLayoutId id="2147483817" r:id="rId14"/>
+    <p:sldLayoutId id="2147483818" r:id="rId15"/>
+    <p:sldLayoutId id="2147483819" r:id="rId16"/>
+    <p:sldLayoutId id="2147483820" r:id="rId17"/>
+    <p:sldLayoutId id="2147483821" r:id="rId18"/>
+    <p:sldLayoutId id="2147483822" r:id="rId19"/>
+    <p:sldLayoutId id="2147483823" r:id="rId20"/>
+    <p:sldLayoutId id="2147483824" r:id="rId21"/>
+    <p:sldLayoutId id="2147483825" r:id="rId22"/>
+    <p:sldLayoutId id="2147483826" r:id="rId23"/>
+    <p:sldLayoutId id="2147483827" r:id="rId24"/>
+    <p:sldLayoutId id="2147483828" r:id="rId25"/>
+    <p:sldLayoutId id="2147483829" r:id="rId26"/>
+    <p:sldLayoutId id="2147483830" r:id="rId27"/>
+    <p:sldLayoutId id="2147483831" r:id="rId28"/>
+    <p:sldLayoutId id="2147483832" r:id="rId29"/>
+    <p:sldLayoutId id="2147483833" r:id="rId30"/>
+    <p:sldLayoutId id="2147483834" r:id="rId31"/>
+    <p:sldLayoutId id="2147483835" r:id="rId32"/>
+    <p:sldLayoutId id="2147483836" r:id="rId33"/>
+    <p:sldLayoutId id="2147483837" r:id="rId34"/>
+    <p:sldLayoutId id="2147483838" r:id="rId35"/>
+    <p:sldLayoutId id="2147483839" r:id="rId36"/>
+    <p:sldLayoutId id="2147483840" r:id="rId37"/>
+    <p:sldLayoutId id="2147483841" r:id="rId38"/>
+    <p:sldLayoutId id="2147483842" r:id="rId39"/>
+    <p:sldLayoutId id="2147483843" r:id="rId40"/>
+    <p:sldLayoutId id="2147483844" r:id="rId41"/>
+    <p:sldLayoutId id="2147483845" r:id="rId42"/>
+    <p:sldLayoutId id="2147483846" r:id="rId43"/>
+    <p:sldLayoutId id="2147483847" r:id="rId44"/>
+    <p:sldLayoutId id="2147483848" r:id="rId45"/>
+    <p:sldLayoutId id="2147483849" r:id="rId46"/>
+    <p:sldLayoutId id="2147483850" r:id="rId47"/>
+    <p:sldLayoutId id="2147483851" r:id="rId48"/>
+    <p:sldLayoutId id="2147483852" r:id="rId49"/>
+    <p:sldLayoutId id="2147483853" r:id="rId50"/>
+    <p:sldLayoutId id="2147483854" r:id="rId51"/>
   </p:sldLayoutIdLst>
+  <p:transition xmlns:mc="http://schemas.openxmlformats.org/markup-compatibility/2006" xmlns:hp="http://schemas.haansoft.com/office/presentation/8.0" mc:Ignorable="hp" hp:hslDur="500"/>
   <p:txStyles>
     <p:titleStyle>
       <a:lvl1pPr algn="l" defTabSz="914400" rtl="0" eaLnBrk="1" latinLnBrk="0" hangingPunct="1">
@@ -15105,9 +15135,9 @@
           <a:solidFill>
             <a:schemeClr val="tx2"/>
           </a:solidFill>
-          <a:latin typeface="Microsoft YaHei UI" panose="020B0503020204020204" pitchFamily="34" charset="-122"/>
-          <a:ea typeface="+mj-ea"/>
-          <a:cs typeface="Gill Sans" panose="020B0502020104020203" pitchFamily="34" charset="-79"/>
+          <a:latin typeface="맑은 고딕"/>
+          <a:ea typeface="굴림"/>
+          <a:cs typeface="Gill Sans"/>
         </a:defRPr>
       </a:lvl1pPr>
     </p:titleStyle>
@@ -15119,15 +15149,15 @@
         <a:spcBef>
           <a:spcPts val="1000"/>
         </a:spcBef>
-        <a:buFont typeface="Arial" panose="020B0604020202020204" pitchFamily="34" charset="0"/>
+        <a:buFont typeface="Arial"/>
         <a:buChar char="•"/>
         <a:defRPr sz="2000" b="0" i="0" kern="1200" baseline="0">
           <a:solidFill>
             <a:schemeClr val="tx2"/>
           </a:solidFill>
-          <a:latin typeface="Microsoft YaHei UI" panose="020B0503020204020204" pitchFamily="34" charset="-122"/>
-          <a:ea typeface="Microsoft YaHei UI" panose="020B0503020204020204" pitchFamily="34" charset="-122"/>
-          <a:cs typeface="Arial" panose="020B0604020202020204" pitchFamily="34" charset="0"/>
+          <a:latin typeface="맑은 고딕"/>
+          <a:ea typeface="맑은 고딕"/>
+          <a:cs typeface="Arial"/>
         </a:defRPr>
       </a:lvl1pPr>
       <a:lvl2pPr marL="685800" indent="-228600" algn="l" defTabSz="914400" rtl="0" eaLnBrk="1" latinLnBrk="0" hangingPunct="1">
@@ -15137,15 +15167,15 @@
         <a:spcBef>
           <a:spcPts val="500"/>
         </a:spcBef>
-        <a:buFont typeface="Arial" panose="020B0604020202020204" pitchFamily="34" charset="0"/>
+        <a:buFont typeface="Arial"/>
         <a:buChar char="•"/>
         <a:defRPr sz="1800" b="0" i="0" kern="1200" baseline="0">
           <a:solidFill>
             <a:schemeClr val="tx2"/>
           </a:solidFill>
-          <a:latin typeface="Microsoft YaHei UI" panose="020B0503020204020204" pitchFamily="34" charset="-122"/>
-          <a:ea typeface="Microsoft YaHei UI" panose="020B0503020204020204" pitchFamily="34" charset="-122"/>
-          <a:cs typeface="Arial" panose="020B0604020202020204" pitchFamily="34" charset="0"/>
+          <a:latin typeface="맑은 고딕"/>
+          <a:ea typeface="맑은 고딕"/>
+          <a:cs typeface="Arial"/>
         </a:defRPr>
       </a:lvl2pPr>
       <a:lvl3pPr marL="1143000" indent="-228600" algn="l" defTabSz="914400" rtl="0" eaLnBrk="1" latinLnBrk="0" hangingPunct="1">
@@ -15155,15 +15185,15 @@
         <a:spcBef>
           <a:spcPts val="500"/>
         </a:spcBef>
-        <a:buFont typeface="Arial" panose="020B0604020202020204" pitchFamily="34" charset="0"/>
+        <a:buFont typeface="Arial"/>
         <a:buChar char="•"/>
         <a:defRPr sz="1600" b="0" i="0" kern="1200" baseline="0">
           <a:solidFill>
             <a:schemeClr val="tx2"/>
           </a:solidFill>
-          <a:latin typeface="Microsoft YaHei UI" panose="020B0503020204020204" pitchFamily="34" charset="-122"/>
-          <a:ea typeface="Microsoft YaHei UI" panose="020B0503020204020204" pitchFamily="34" charset="-122"/>
-          <a:cs typeface="Arial" panose="020B0604020202020204" pitchFamily="34" charset="0"/>
+          <a:latin typeface="맑은 고딕"/>
+          <a:ea typeface="맑은 고딕"/>
+          <a:cs typeface="Arial"/>
         </a:defRPr>
       </a:lvl3pPr>
       <a:lvl4pPr marL="1600200" indent="-228600" algn="l" defTabSz="914400" rtl="0" eaLnBrk="1" latinLnBrk="0" hangingPunct="1">
@@ -15173,15 +15203,15 @@
         <a:spcBef>
           <a:spcPts val="500"/>
         </a:spcBef>
-        <a:buFont typeface="Arial" panose="020B0604020202020204" pitchFamily="34" charset="0"/>
+        <a:buFont typeface="Arial"/>
         <a:buChar char="•"/>
         <a:defRPr sz="1400" b="0" i="0" kern="1200" baseline="0">
           <a:solidFill>
             <a:schemeClr val="tx2"/>
           </a:solidFill>
-          <a:latin typeface="Microsoft YaHei UI" panose="020B0503020204020204" pitchFamily="34" charset="-122"/>
-          <a:ea typeface="Microsoft YaHei UI" panose="020B0503020204020204" pitchFamily="34" charset="-122"/>
-          <a:cs typeface="Arial" panose="020B0604020202020204" pitchFamily="34" charset="0"/>
+          <a:latin typeface="맑은 고딕"/>
+          <a:ea typeface="맑은 고딕"/>
+          <a:cs typeface="Arial"/>
         </a:defRPr>
       </a:lvl4pPr>
       <a:lvl5pPr marL="2057400" indent="-228600" algn="l" defTabSz="914400" rtl="0" eaLnBrk="1" latinLnBrk="0" hangingPunct="1">
@@ -15191,15 +15221,15 @@
         <a:spcBef>
           <a:spcPts val="500"/>
         </a:spcBef>
-        <a:buFont typeface="Arial" panose="020B0604020202020204" pitchFamily="34" charset="0"/>
+        <a:buFont typeface="Arial"/>
         <a:buChar char="•"/>
         <a:defRPr sz="1400" b="0" i="0" kern="1200" baseline="0">
           <a:solidFill>
             <a:schemeClr val="tx2"/>
           </a:solidFill>
-          <a:latin typeface="Microsoft YaHei UI" panose="020B0503020204020204" pitchFamily="34" charset="-122"/>
-          <a:ea typeface="Microsoft YaHei UI" panose="020B0503020204020204" pitchFamily="34" charset="-122"/>
-          <a:cs typeface="Arial" panose="020B0604020202020204" pitchFamily="34" charset="0"/>
+          <a:latin typeface="맑은 고딕"/>
+          <a:ea typeface="맑은 고딕"/>
+          <a:cs typeface="Arial"/>
         </a:defRPr>
       </a:lvl5pPr>
       <a:lvl6pPr marL="2514600" indent="-228600" algn="l" defTabSz="914400" rtl="0" eaLnBrk="1" latinLnBrk="0" hangingPunct="1">
@@ -15209,14 +15239,14 @@
         <a:spcBef>
           <a:spcPts val="500"/>
         </a:spcBef>
-        <a:buFont typeface="Arial" panose="020B0604020202020204" pitchFamily="34" charset="0"/>
+        <a:buFont typeface="Arial"/>
         <a:buChar char="•"/>
         <a:defRPr sz="1800" kern="1200">
           <a:solidFill>
             <a:schemeClr val="tx1"/>
           </a:solidFill>
-          <a:latin typeface="+mn-lt"/>
-          <a:ea typeface="+mn-ea"/>
+          <a:latin typeface="맑은 고딕"/>
+          <a:ea typeface="맑은 고딕"/>
           <a:cs typeface="+mn-cs"/>
         </a:defRPr>
       </a:lvl6pPr>
@@ -15227,14 +15257,14 @@
         <a:spcBef>
           <a:spcPts val="500"/>
         </a:spcBef>
-        <a:buFont typeface="Arial" panose="020B0604020202020204" pitchFamily="34" charset="0"/>
+        <a:buFont typeface="Arial"/>
         <a:buChar char="•"/>
         <a:defRPr sz="1800" kern="1200">
           <a:solidFill>
             <a:schemeClr val="tx1"/>
           </a:solidFill>
-          <a:latin typeface="+mn-lt"/>
-          <a:ea typeface="+mn-ea"/>
+          <a:latin typeface="맑은 고딕"/>
+          <a:ea typeface="맑은 고딕"/>
           <a:cs typeface="+mn-cs"/>
         </a:defRPr>
       </a:lvl7pPr>
@@ -15245,14 +15275,14 @@
         <a:spcBef>
           <a:spcPts val="500"/>
         </a:spcBef>
-        <a:buFont typeface="Arial" panose="020B0604020202020204" pitchFamily="34" charset="0"/>
+        <a:buFont typeface="Arial"/>
         <a:buChar char="•"/>
         <a:defRPr sz="1800" kern="1200">
           <a:solidFill>
             <a:schemeClr val="tx1"/>
           </a:solidFill>
-          <a:latin typeface="+mn-lt"/>
-          <a:ea typeface="+mn-ea"/>
+          <a:latin typeface="맑은 고딕"/>
+          <a:ea typeface="맑은 고딕"/>
           <a:cs typeface="+mn-cs"/>
         </a:defRPr>
       </a:lvl8pPr>
@@ -15263,14 +15293,14 @@
         <a:spcBef>
           <a:spcPts val="500"/>
         </a:spcBef>
-        <a:buFont typeface="Arial" panose="020B0604020202020204" pitchFamily="34" charset="0"/>
+        <a:buFont typeface="Arial"/>
         <a:buChar char="•"/>
         <a:defRPr sz="1800" kern="1200">
           <a:solidFill>
             <a:schemeClr val="tx1"/>
           </a:solidFill>
-          <a:latin typeface="+mn-lt"/>
-          <a:ea typeface="+mn-ea"/>
+          <a:latin typeface="맑은 고딕"/>
+          <a:ea typeface="맑은 고딕"/>
           <a:cs typeface="+mn-cs"/>
         </a:defRPr>
       </a:lvl9pPr>

--- a/2021_졸업과제_1번째_진행보고.pptx
+++ b/2021_졸업과제_1번째_진행보고.pptx
@@ -2,7 +2,7 @@
 <file path=ppt/presentation.xml><?xml version="1.0" encoding="utf-8"?>
 <p:presentation xmlns:r="http://schemas.openxmlformats.org/officeDocument/2006/relationships" xmlns:c="http://schemas.openxmlformats.org/drawingml/2006/chart" xmlns:a="http://schemas.openxmlformats.org/drawingml/2006/main" xmlns:dgm="http://schemas.openxmlformats.org/drawingml/2006/diagram" xmlns:dsp="http://schemas.microsoft.com/office/drawing/2008/diagram" xmlns:p="http://schemas.openxmlformats.org/presentationml/2006/main" removePersonalInfoOnSave="1" autoCompressPictures="0">
   <p:sldMasterIdLst>
-    <p:sldMasterId id="2147483855" r:id="rId1"/>
+    <p:sldMasterId id="2147483862" r:id="rId1"/>
   </p:sldMasterIdLst>
   <p:notesMasterIdLst>
     <p:notesMasterId r:id="rId2"/>
@@ -17564,8 +17564,8 @@
               <a:t>결과 보고</a:t>
             </a:r>
             <a:endParaRPr lang="zh-CN" altLang="en-US" sz="6000">
-              <a:latin typeface="Microsoft YaHei"/>
-              <a:ea typeface="Microsoft YaHei"/>
+              <a:latin typeface="굴림"/>
+              <a:ea typeface="굴림"/>
             </a:endParaRPr>
           </a:p>
         </p:txBody>
@@ -17665,8 +17665,8 @@
         </p:nvSpPr>
         <p:spPr>
           <a:xfrm>
-            <a:off x="6792000" y="6317741"/>
-            <a:ext cx="5132916" cy="366904"/>
+            <a:off x="6445262" y="6316781"/>
+            <a:ext cx="5278882" cy="367544"/>
           </a:xfrm>
           <a:prstGeom prst="rect">
             <a:avLst/>
@@ -17679,13 +17679,22 @@
           <a:lstStyle/>
           <a:p>
             <a:pPr>
-              <a:defRPr/>
+              <a:defRPr>
+                <a:latin typeface="맑은 고딕"/>
+                <a:ea typeface="맑은 고딕"/>
+              </a:defRPr>
             </a:pPr>
             <a:r>
-              <a:rPr lang="en-US" altLang="ko-KR"/>
+              <a:rPr lang="en-US" altLang="ko-KR">
+                <a:latin typeface="맑은 고딕"/>
+                <a:ea typeface="맑은 고딕"/>
+              </a:rPr>
               <a:t>An Example of Application Scenario of DS-CNN</a:t>
             </a:r>
-            <a:endParaRPr lang="en-US" altLang="ko-KR"/>
+            <a:endParaRPr lang="en-US" altLang="ko-KR">
+              <a:latin typeface="맑은 고딕"/>
+              <a:ea typeface="맑은 고딕"/>
+            </a:endParaRPr>
           </a:p>
         </p:txBody>
       </p:sp>

--- a/2021_졸업과제_1번째_진행보고.pptx
+++ b/2021_졸업과제_1번째_진행보고.pptx
@@ -2,7 +2,7 @@
 <file path=ppt/presentation.xml><?xml version="1.0" encoding="utf-8"?>
 <p:presentation xmlns:r="http://schemas.openxmlformats.org/officeDocument/2006/relationships" xmlns:c="http://schemas.openxmlformats.org/drawingml/2006/chart" xmlns:a="http://schemas.openxmlformats.org/drawingml/2006/main" xmlns:dgm="http://schemas.openxmlformats.org/drawingml/2006/diagram" xmlns:dsp="http://schemas.microsoft.com/office/drawing/2008/diagram" xmlns:p="http://schemas.openxmlformats.org/presentationml/2006/main" removePersonalInfoOnSave="1" autoCompressPictures="0">
   <p:sldMasterIdLst>
-    <p:sldMasterId id="2147483862" r:id="rId1"/>
+    <p:sldMasterId id="2147483884" r:id="rId1"/>
   </p:sldMasterIdLst>
   <p:notesMasterIdLst>
     <p:notesMasterId r:id="rId2"/>
@@ -20,6 +20,8 @@
     <p:sldId id="262" r:id="rId10"/>
     <p:sldId id="263" r:id="rId11"/>
     <p:sldId id="264" r:id="rId12"/>
+    <p:sldId id="265" r:id="rId13"/>
+    <p:sldId id="266" r:id="rId14"/>
   </p:sldIdLst>
   <p:sldSz cx="12192000" cy="6858000"/>
   <p:notesSz cx="6858000" cy="9144000"/>
@@ -1297,7 +1299,7 @@
               </a:pPr>
               <a:t>7</a:t>
             </a:fld>
-            <a:endParaRPr lang="zh-CN" altLang="en-US">
+            <a:endParaRPr lang="en-US" altLang="zh-CN">
               <a:ea typeface="Microsoft YaHei UI"/>
             </a:endParaRPr>
           </a:p>
@@ -1312,6 +1314,206 @@
 </file>
 
 <file path=ppt/notesSlides/notesSlide7.xml><?xml version="1.0" encoding="utf-8"?>
+<p:notes xmlns:r="http://schemas.openxmlformats.org/officeDocument/2006/relationships" xmlns:c="http://schemas.openxmlformats.org/drawingml/2006/chart" xmlns:a="http://schemas.openxmlformats.org/drawingml/2006/main" xmlns:dgm="http://schemas.openxmlformats.org/drawingml/2006/diagram" xmlns:dsp="http://schemas.microsoft.com/office/drawing/2008/diagram" xmlns:p="http://schemas.openxmlformats.org/presentationml/2006/main">
+  <p:cSld>
+    <p:spTree>
+      <p:nvGrpSpPr>
+        <p:cNvPr id="1" name=""/>
+        <p:cNvGrpSpPr/>
+        <p:nvPr/>
+      </p:nvGrpSpPr>
+      <p:grpSpPr>
+        <a:xfrm>
+          <a:off x="0" y="0"/>
+          <a:ext cx="0" cy="0"/>
+          <a:chOff x="0" y="0"/>
+          <a:chExt cx="0" cy="0"/>
+        </a:xfrm>
+      </p:grpSpPr>
+      <p:sp>
+        <p:nvSpPr>
+          <p:cNvPr id="2" name="幻灯片图像占位符 1"/>
+          <p:cNvSpPr>
+            <a:spLocks noGrp="1" noRot="1" noChangeAspect="1" noTextEdit="1"/>
+          </p:cNvSpPr>
+          <p:nvPr>
+            <p:ph type="sldImg" idx="0"/>
+          </p:nvPr>
+        </p:nvSpPr>
+        <p:spPr/>
+      </p:sp>
+      <p:sp>
+        <p:nvSpPr>
+          <p:cNvPr id="3" name="备注占位符 2"/>
+          <p:cNvSpPr>
+            <a:spLocks noGrp="1"/>
+          </p:cNvSpPr>
+          <p:nvPr>
+            <p:ph type="body" idx="1"/>
+          </p:nvPr>
+        </p:nvSpPr>
+        <p:spPr/>
+        <p:txBody>
+          <a:bodyPr/>
+          <a:lstStyle/>
+          <a:p>
+            <a:pPr rtl="0">
+              <a:defRPr/>
+            </a:pPr>
+            <a:r>
+              <a:rPr lang="ko-KR" altLang="en-US">
+                <a:ea typeface="Microsoft YaHei UI"/>
+              </a:rPr>
+              <a:t/>
+            </a:r>
+            <a:endParaRPr lang="ko-KR" altLang="en-US">
+              <a:ea typeface="Microsoft YaHei UI"/>
+            </a:endParaRPr>
+          </a:p>
+        </p:txBody>
+      </p:sp>
+      <p:sp>
+        <p:nvSpPr>
+          <p:cNvPr id="4" name="幻灯片编号占位符 3"/>
+          <p:cNvSpPr>
+            <a:spLocks noGrp="1"/>
+          </p:cNvSpPr>
+          <p:nvPr>
+            <p:ph type="sldNum" sz="quarter" idx="5"/>
+          </p:nvPr>
+        </p:nvSpPr>
+        <p:spPr/>
+        <p:txBody>
+          <a:bodyPr/>
+          <a:lstStyle/>
+          <a:p>
+            <a:pPr rtl="0">
+              <a:defRPr/>
+            </a:pPr>
+            <a:fld id="{3CFA0038-7055-434C-B6C4-B8C69565C600}" type="slidenum">
+              <a:rPr lang="en-US" altLang="zh-CN">
+                <a:ea typeface="Microsoft YaHei UI"/>
+              </a:rPr>
+              <a:pPr rtl="0">
+                <a:defRPr/>
+              </a:pPr>
+              <a:t>8</a:t>
+            </a:fld>
+            <a:endParaRPr lang="en-US" altLang="zh-CN">
+              <a:ea typeface="Microsoft YaHei UI"/>
+            </a:endParaRPr>
+          </a:p>
+        </p:txBody>
+      </p:sp>
+    </p:spTree>
+  </p:cSld>
+  <p:clrMapOvr>
+    <a:masterClrMapping/>
+  </p:clrMapOvr>
+</p:notes>
+</file>
+
+<file path=ppt/notesSlides/notesSlide8.xml><?xml version="1.0" encoding="utf-8"?>
+<p:notes xmlns:r="http://schemas.openxmlformats.org/officeDocument/2006/relationships" xmlns:c="http://schemas.openxmlformats.org/drawingml/2006/chart" xmlns:a="http://schemas.openxmlformats.org/drawingml/2006/main" xmlns:dgm="http://schemas.openxmlformats.org/drawingml/2006/diagram" xmlns:dsp="http://schemas.microsoft.com/office/drawing/2008/diagram" xmlns:p="http://schemas.openxmlformats.org/presentationml/2006/main">
+  <p:cSld>
+    <p:spTree>
+      <p:nvGrpSpPr>
+        <p:cNvPr id="1" name=""/>
+        <p:cNvGrpSpPr/>
+        <p:nvPr/>
+      </p:nvGrpSpPr>
+      <p:grpSpPr>
+        <a:xfrm>
+          <a:off x="0" y="0"/>
+          <a:ext cx="0" cy="0"/>
+          <a:chOff x="0" y="0"/>
+          <a:chExt cx="0" cy="0"/>
+        </a:xfrm>
+      </p:grpSpPr>
+      <p:sp>
+        <p:nvSpPr>
+          <p:cNvPr id="2" name="幻灯片图像占位符 1"/>
+          <p:cNvSpPr>
+            <a:spLocks noGrp="1" noRot="1" noChangeAspect="1" noTextEdit="1"/>
+          </p:cNvSpPr>
+          <p:nvPr>
+            <p:ph type="sldImg" idx="0"/>
+          </p:nvPr>
+        </p:nvSpPr>
+        <p:spPr/>
+      </p:sp>
+      <p:sp>
+        <p:nvSpPr>
+          <p:cNvPr id="3" name="备注占位符 2"/>
+          <p:cNvSpPr>
+            <a:spLocks noGrp="1"/>
+          </p:cNvSpPr>
+          <p:nvPr>
+            <p:ph type="body" idx="1"/>
+          </p:nvPr>
+        </p:nvSpPr>
+        <p:spPr/>
+        <p:txBody>
+          <a:bodyPr/>
+          <a:lstStyle/>
+          <a:p>
+            <a:pPr rtl="0">
+              <a:defRPr/>
+            </a:pPr>
+            <a:r>
+              <a:rPr lang="ko-KR" altLang="en-US">
+                <a:ea typeface="Microsoft YaHei UI"/>
+              </a:rPr>
+              <a:t/>
+            </a:r>
+            <a:endParaRPr lang="ko-KR" altLang="en-US">
+              <a:ea typeface="Microsoft YaHei UI"/>
+            </a:endParaRPr>
+          </a:p>
+        </p:txBody>
+      </p:sp>
+      <p:sp>
+        <p:nvSpPr>
+          <p:cNvPr id="4" name="幻灯片编号占位符 3"/>
+          <p:cNvSpPr>
+            <a:spLocks noGrp="1"/>
+          </p:cNvSpPr>
+          <p:nvPr>
+            <p:ph type="sldNum" sz="quarter" idx="5"/>
+          </p:nvPr>
+        </p:nvSpPr>
+        <p:spPr/>
+        <p:txBody>
+          <a:bodyPr/>
+          <a:lstStyle/>
+          <a:p>
+            <a:pPr rtl="0">
+              <a:defRPr/>
+            </a:pPr>
+            <a:fld id="{3CFA0038-7055-434C-B6C4-B8C69565C600}" type="slidenum">
+              <a:rPr lang="en-US" altLang="zh-CN">
+                <a:ea typeface="Microsoft YaHei UI"/>
+              </a:rPr>
+              <a:pPr rtl="0">
+                <a:defRPr/>
+              </a:pPr>
+              <a:t>7</a:t>
+            </a:fld>
+            <a:endParaRPr lang="zh-CN" altLang="en-US">
+              <a:ea typeface="Microsoft YaHei UI"/>
+            </a:endParaRPr>
+          </a:p>
+        </p:txBody>
+      </p:sp>
+    </p:spTree>
+  </p:cSld>
+  <p:clrMapOvr>
+    <a:masterClrMapping/>
+  </p:clrMapOvr>
+</p:notes>
+</file>
+
+<file path=ppt/notesSlides/notesSlide9.xml><?xml version="1.0" encoding="utf-8"?>
 <p:notes xmlns:r="http://schemas.openxmlformats.org/officeDocument/2006/relationships" xmlns:c="http://schemas.openxmlformats.org/drawingml/2006/chart" xmlns:a="http://schemas.openxmlformats.org/drawingml/2006/main" xmlns:dgm="http://schemas.openxmlformats.org/drawingml/2006/diagram" xmlns:dsp="http://schemas.microsoft.com/office/drawing/2008/diagram" xmlns:p="http://schemas.openxmlformats.org/presentationml/2006/main">
   <p:cSld>
     <p:spTree>
@@ -15670,6 +15872,4070 @@
 </p:sld>
 </file>
 
+<file path=ppt/slides/slide10.xml><?xml version="1.0" encoding="utf-8"?>
+<p:sld xmlns:r="http://schemas.openxmlformats.org/officeDocument/2006/relationships" xmlns:c="http://schemas.openxmlformats.org/drawingml/2006/chart" xmlns:a="http://schemas.openxmlformats.org/drawingml/2006/main" xmlns:dgm="http://schemas.openxmlformats.org/drawingml/2006/diagram" xmlns:dsp="http://schemas.microsoft.com/office/drawing/2008/diagram" xmlns:p="http://schemas.openxmlformats.org/presentationml/2006/main">
+  <p:cSld>
+    <p:spTree>
+      <p:nvGrpSpPr>
+        <p:cNvPr id="1" name=""/>
+        <p:cNvGrpSpPr/>
+        <p:nvPr/>
+      </p:nvGrpSpPr>
+      <p:grpSpPr>
+        <a:xfrm>
+          <a:off x="0" y="0"/>
+          <a:ext cx="0" cy="0"/>
+          <a:chOff x="0" y="0"/>
+          <a:chExt cx="0" cy="0"/>
+        </a:xfrm>
+      </p:grpSpPr>
+      <p:sp>
+        <p:nvSpPr>
+          <p:cNvPr id="4" name="文本占位符 9"/>
+          <p:cNvSpPr txBox="1"/>
+          <p:nvPr/>
+        </p:nvSpPr>
+        <p:spPr>
+          <a:xfrm>
+            <a:off x="1392000" y="2169000"/>
+            <a:ext cx="10800000" cy="2520000"/>
+          </a:xfrm>
+          <a:prstGeom prst="rect">
+            <a:avLst/>
+          </a:prstGeom>
+        </p:spPr>
+        <p:txBody>
+          <a:bodyPr vert="horz" lIns="91440" tIns="45720" rIns="91440" bIns="45720" anchor="ctr">
+            <a:normAutofit lnSpcReduction="10000"/>
+          </a:bodyPr>
+          <a:lstStyle>
+            <a:lvl1pPr marL="0" indent="0" algn="l" defTabSz="914400" rtl="0" eaLnBrk="1" latinLnBrk="0" hangingPunct="1">
+              <a:lnSpc>
+                <a:spcPct val="90000"/>
+              </a:lnSpc>
+              <a:spcBef>
+                <a:spcPts val="1000"/>
+              </a:spcBef>
+              <a:buFont typeface="Arial"/>
+              <a:buNone/>
+              <a:defRPr sz="1400" b="0" i="0" kern="1200" baseline="0">
+                <a:solidFill>
+                  <a:schemeClr val="tx2"/>
+                </a:solidFill>
+                <a:latin typeface="Microsoft YaHei UI"/>
+                <a:ea typeface="Microsoft YaHei UI"/>
+                <a:cs typeface="Arial"/>
+              </a:defRPr>
+            </a:lvl1pPr>
+            <a:lvl2pPr marL="457200" indent="0" algn="l" defTabSz="914400" rtl="0" eaLnBrk="1" latinLnBrk="0" hangingPunct="1">
+              <a:lnSpc>
+                <a:spcPct val="90000"/>
+              </a:lnSpc>
+              <a:spcBef>
+                <a:spcPts val="500"/>
+              </a:spcBef>
+              <a:buFont typeface="Arial"/>
+              <a:buNone/>
+              <a:defRPr sz="1800" b="0" i="0" kern="1200" baseline="0">
+                <a:solidFill>
+                  <a:schemeClr val="tx2"/>
+                </a:solidFill>
+                <a:latin typeface="Microsoft YaHei UI"/>
+                <a:ea typeface="Microsoft YaHei UI"/>
+                <a:cs typeface="Arial"/>
+              </a:defRPr>
+            </a:lvl2pPr>
+            <a:lvl3pPr marL="1143000" indent="-228600" algn="l" defTabSz="914400" rtl="0" eaLnBrk="1" latinLnBrk="0" hangingPunct="1">
+              <a:lnSpc>
+                <a:spcPct val="90000"/>
+              </a:lnSpc>
+              <a:spcBef>
+                <a:spcPts val="500"/>
+              </a:spcBef>
+              <a:buFont typeface="Arial"/>
+              <a:buChar char="•"/>
+              <a:defRPr sz="1600" b="0" i="0" kern="1200" baseline="0">
+                <a:solidFill>
+                  <a:schemeClr val="tx2"/>
+                </a:solidFill>
+                <a:latin typeface="Microsoft YaHei UI"/>
+                <a:ea typeface="Microsoft YaHei UI"/>
+                <a:cs typeface="Arial"/>
+              </a:defRPr>
+            </a:lvl3pPr>
+            <a:lvl4pPr marL="1600200" indent="-228600" algn="l" defTabSz="914400" rtl="0" eaLnBrk="1" latinLnBrk="0" hangingPunct="1">
+              <a:lnSpc>
+                <a:spcPct val="90000"/>
+              </a:lnSpc>
+              <a:spcBef>
+                <a:spcPts val="500"/>
+              </a:spcBef>
+              <a:buFont typeface="Arial"/>
+              <a:buChar char="•"/>
+              <a:defRPr sz="1400" b="0" i="0" kern="1200" baseline="0">
+                <a:solidFill>
+                  <a:schemeClr val="tx2"/>
+                </a:solidFill>
+                <a:latin typeface="Microsoft YaHei UI"/>
+                <a:ea typeface="Microsoft YaHei UI"/>
+                <a:cs typeface="Arial"/>
+              </a:defRPr>
+            </a:lvl4pPr>
+            <a:lvl5pPr marL="2057400" indent="-228600" algn="l" defTabSz="914400" rtl="0" eaLnBrk="1" latinLnBrk="0" hangingPunct="1">
+              <a:lnSpc>
+                <a:spcPct val="90000"/>
+              </a:lnSpc>
+              <a:spcBef>
+                <a:spcPts val="500"/>
+              </a:spcBef>
+              <a:buFont typeface="Arial"/>
+              <a:buChar char="•"/>
+              <a:defRPr sz="1400" b="0" i="0" kern="1200" baseline="0">
+                <a:solidFill>
+                  <a:schemeClr val="tx2"/>
+                </a:solidFill>
+                <a:latin typeface="Microsoft YaHei UI"/>
+                <a:ea typeface="Microsoft YaHei UI"/>
+                <a:cs typeface="Arial"/>
+              </a:defRPr>
+            </a:lvl5pPr>
+            <a:lvl6pPr marL="2514600" indent="-228600" algn="l" defTabSz="914400" rtl="0" eaLnBrk="1" latinLnBrk="0" hangingPunct="1">
+              <a:lnSpc>
+                <a:spcPct val="90000"/>
+              </a:lnSpc>
+              <a:spcBef>
+                <a:spcPts val="500"/>
+              </a:spcBef>
+              <a:buFont typeface="Arial"/>
+              <a:buChar char="•"/>
+              <a:defRPr sz="1800" kern="1200">
+                <a:solidFill>
+                  <a:schemeClr val="tx1"/>
+                </a:solidFill>
+                <a:latin typeface="+mn-lt"/>
+                <a:ea typeface="+mn-ea"/>
+                <a:cs typeface="+mn-cs"/>
+              </a:defRPr>
+            </a:lvl6pPr>
+            <a:lvl7pPr marL="2971800" indent="-228600" algn="l" defTabSz="914400" rtl="0" eaLnBrk="1" latinLnBrk="0" hangingPunct="1">
+              <a:lnSpc>
+                <a:spcPct val="90000"/>
+              </a:lnSpc>
+              <a:spcBef>
+                <a:spcPts val="500"/>
+              </a:spcBef>
+              <a:buFont typeface="Arial"/>
+              <a:buChar char="•"/>
+              <a:defRPr sz="1800" kern="1200">
+                <a:solidFill>
+                  <a:schemeClr val="tx1"/>
+                </a:solidFill>
+                <a:latin typeface="+mn-lt"/>
+                <a:ea typeface="+mn-ea"/>
+                <a:cs typeface="+mn-cs"/>
+              </a:defRPr>
+            </a:lvl7pPr>
+            <a:lvl8pPr marL="3429000" indent="-228600" algn="l" defTabSz="914400" rtl="0" eaLnBrk="1" latinLnBrk="0" hangingPunct="1">
+              <a:lnSpc>
+                <a:spcPct val="90000"/>
+              </a:lnSpc>
+              <a:spcBef>
+                <a:spcPts val="500"/>
+              </a:spcBef>
+              <a:buFont typeface="Arial"/>
+              <a:buChar char="•"/>
+              <a:defRPr sz="1800" kern="1200">
+                <a:solidFill>
+                  <a:schemeClr val="tx1"/>
+                </a:solidFill>
+                <a:latin typeface="+mn-lt"/>
+                <a:ea typeface="+mn-ea"/>
+                <a:cs typeface="+mn-cs"/>
+              </a:defRPr>
+            </a:lvl8pPr>
+            <a:lvl9pPr marL="3886200" indent="-228600" algn="l" defTabSz="914400" rtl="0" eaLnBrk="1" latinLnBrk="0" hangingPunct="1">
+              <a:lnSpc>
+                <a:spcPct val="90000"/>
+              </a:lnSpc>
+              <a:spcBef>
+                <a:spcPts val="500"/>
+              </a:spcBef>
+              <a:buFont typeface="Arial"/>
+              <a:buChar char="•"/>
+              <a:defRPr sz="1800" kern="1200">
+                <a:solidFill>
+                  <a:schemeClr val="tx1"/>
+                </a:solidFill>
+                <a:latin typeface="+mn-lt"/>
+                <a:ea typeface="+mn-ea"/>
+                <a:cs typeface="+mn-cs"/>
+              </a:defRPr>
+            </a:lvl9pPr>
+          </a:lstStyle>
+          <a:p>
+            <a:pPr marL="457200" indent="-457200">
+              <a:buFont typeface="Arial"/>
+              <a:buChar char="•"/>
+              <a:defRPr/>
+            </a:pPr>
+            <a:r>
+              <a:rPr lang="ko-KR" altLang="en-US" sz="2800"/>
+              <a:t>소음 내성을 가진 학습 모델 제작</a:t>
+            </a:r>
+            <a:endParaRPr lang="ko-KR" altLang="en-US" sz="2800"/>
+          </a:p>
+          <a:p>
+            <a:pPr marL="914400" lvl="1" indent="-457200">
+              <a:buFont typeface="Arial"/>
+              <a:buChar char="•"/>
+              <a:defRPr/>
+            </a:pPr>
+            <a:r>
+              <a:rPr lang="en-US" altLang="ko-KR" sz="2200"/>
+              <a:t>Tensorflow</a:t>
+            </a:r>
+            <a:r>
+              <a:rPr lang="ko-KR" altLang="en-US" sz="2200"/>
+              <a:t>를 이용해 만들 예정</a:t>
+            </a:r>
+            <a:endParaRPr lang="ko-KR" altLang="en-US" sz="2800"/>
+          </a:p>
+          <a:p>
+            <a:pPr marL="457200" indent="-457200">
+              <a:buFont typeface="Arial"/>
+              <a:buChar char="•"/>
+              <a:defRPr/>
+            </a:pPr>
+            <a:r>
+              <a:rPr lang="en-US" altLang="ko-KR" sz="2800"/>
+              <a:t>Raspberry Pi </a:t>
+            </a:r>
+            <a:r>
+              <a:rPr lang="ko-KR" altLang="en-US" sz="2800"/>
+              <a:t>환경 적응</a:t>
+            </a:r>
+            <a:endParaRPr lang="ko-KR" altLang="en-US" sz="2800"/>
+          </a:p>
+          <a:p>
+            <a:pPr marL="914400" lvl="1" indent="-457200">
+              <a:buFont typeface="Arial"/>
+              <a:buChar char="•"/>
+              <a:defRPr/>
+            </a:pPr>
+            <a:r>
+              <a:rPr lang="ko-KR" altLang="en-US" sz="2200"/>
+              <a:t>임베디드</a:t>
+            </a:r>
+            <a:r>
+              <a:rPr lang="en-US" altLang="ko-KR" sz="2200"/>
+              <a:t> HW</a:t>
+            </a:r>
+            <a:r>
+              <a:rPr lang="ko-KR" altLang="en-US" sz="2200"/>
+              <a:t> 탑재 예정</a:t>
+            </a:r>
+            <a:endParaRPr lang="ko-KR" altLang="en-US" sz="2800"/>
+          </a:p>
+          <a:p>
+            <a:pPr marL="457200" indent="-457200">
+              <a:buFont typeface="Arial"/>
+              <a:buChar char="•"/>
+              <a:defRPr/>
+            </a:pPr>
+            <a:r>
+              <a:rPr lang="ko-KR" altLang="en-US" sz="2800"/>
+              <a:t>서버 환경 구축</a:t>
+            </a:r>
+            <a:endParaRPr lang="ko-KR" altLang="en-US" sz="2800"/>
+          </a:p>
+          <a:p>
+            <a:pPr marL="914400" lvl="1" indent="-457200">
+              <a:buFont typeface="Arial"/>
+              <a:buChar char="•"/>
+              <a:defRPr/>
+            </a:pPr>
+            <a:r>
+              <a:rPr lang="en-US" altLang="ko-KR" sz="2200"/>
+              <a:t>google colab </a:t>
+            </a:r>
+            <a:r>
+              <a:rPr lang="ko-KR" altLang="en-US" sz="2200"/>
+              <a:t>사용 예정</a:t>
+            </a:r>
+            <a:endParaRPr lang="ko-KR" altLang="en-US" sz="2200"/>
+          </a:p>
+        </p:txBody>
+      </p:sp>
+      <p:sp>
+        <p:nvSpPr>
+          <p:cNvPr id="7" name="标题 8"/>
+          <p:cNvSpPr txBox="1"/>
+          <p:nvPr/>
+        </p:nvSpPr>
+        <p:spPr>
+          <a:xfrm>
+            <a:off x="826624" y="4867539"/>
+            <a:ext cx="7050435" cy="1633014"/>
+          </a:xfrm>
+          <a:prstGeom prst="rect">
+            <a:avLst/>
+          </a:prstGeom>
+          <a:noFill/>
+        </p:spPr>
+        <p:txBody>
+          <a:bodyPr vert="horz" lIns="0" tIns="45720" rIns="91440" bIns="0" anchor="b">
+            <a:noAutofit/>
+          </a:bodyPr>
+          <a:lstStyle>
+            <a:lvl1pPr algn="l" defTabSz="914400" rtl="0" eaLnBrk="1" latinLnBrk="0" hangingPunct="1">
+              <a:lnSpc>
+                <a:spcPct val="90000"/>
+              </a:lnSpc>
+              <a:spcBef>
+                <a:spcPct val="0"/>
+              </a:spcBef>
+              <a:buNone/>
+              <a:defRPr lang="en-US" sz="5000" b="1" i="0" kern="1200" spc="-150" baseline="0">
+                <a:solidFill>
+                  <a:schemeClr val="tx2"/>
+                </a:solidFill>
+                <a:latin typeface="Microsoft YaHei UI"/>
+                <a:ea typeface="Microsoft YaHei UI"/>
+                <a:cs typeface="Gill Sans"/>
+              </a:defRPr>
+            </a:lvl1pPr>
+          </a:lstStyle>
+          <a:p>
+            <a:pPr lvl="0">
+              <a:defRPr/>
+            </a:pPr>
+            <a:r>
+              <a:rPr lang="ko-KR" altLang="en-US" sz="6000">
+                <a:latin typeface="Microsoft YaHei"/>
+                <a:ea typeface="Microsoft YaHei"/>
+              </a:rPr>
+              <a:t>진행 예정 사항</a:t>
+            </a:r>
+            <a:endParaRPr lang="zh-CN" altLang="en-US" sz="6000">
+              <a:latin typeface="Microsoft YaHei"/>
+              <a:ea typeface="Microsoft YaHei"/>
+            </a:endParaRPr>
+          </a:p>
+        </p:txBody>
+      </p:sp>
+    </p:spTree>
+  </p:cSld>
+  <p:clrMapOvr>
+    <a:masterClrMapping/>
+  </p:clrMapOvr>
+  <mc:AlternateContent xmlns:mc="http://schemas.openxmlformats.org/markup-compatibility/2006">
+    <mc:Choice xmlns:p14="http://schemas.microsoft.com/office/powerpoint/2010/main" Requires="p14">
+      <p:transition xmlns:mc="http://schemas.openxmlformats.org/markup-compatibility/2006" xmlns:p14="http://schemas.microsoft.com/office/powerpoint/2010/main" mc:Ignorable="p14" p14:dur="500"/>
+    </mc:Choice>
+    <mc:Fallback>
+      <p:transition/>
+    </mc:Fallback>
+  </mc:AlternateContent>
+</p:sld>
+</file>
+
+<file path=ppt/slides/slide11.xml><?xml version="1.0" encoding="utf-8"?>
+<p:sld xmlns:r="http://schemas.openxmlformats.org/officeDocument/2006/relationships" xmlns:c="http://schemas.openxmlformats.org/drawingml/2006/chart" xmlns:a="http://schemas.openxmlformats.org/drawingml/2006/main" xmlns:dgm="http://schemas.openxmlformats.org/drawingml/2006/diagram" xmlns:dsp="http://schemas.microsoft.com/office/drawing/2008/diagram" xmlns:p="http://schemas.openxmlformats.org/presentationml/2006/main">
+  <p:cSld>
+    <p:spTree>
+      <p:nvGrpSpPr>
+        <p:cNvPr id="1" name=""/>
+        <p:cNvGrpSpPr/>
+        <p:nvPr/>
+      </p:nvGrpSpPr>
+      <p:grpSpPr>
+        <a:xfrm>
+          <a:off x="0" y="0"/>
+          <a:ext cx="0" cy="0"/>
+          <a:chOff x="0" y="0"/>
+          <a:chExt cx="0" cy="0"/>
+        </a:xfrm>
+      </p:grpSpPr>
+      <p:sp>
+        <p:nvSpPr>
+          <p:cNvPr id="2" name="제목 1"/>
+          <p:cNvSpPr>
+            <a:spLocks noGrp="1"/>
+          </p:cNvSpPr>
+          <p:nvPr>
+            <p:ph type="title" idx="0"/>
+          </p:nvPr>
+        </p:nvSpPr>
+        <p:spPr/>
+        <p:txBody>
+          <a:bodyPr/>
+          <a:lstStyle/>
+          <a:p>
+            <a:pPr lvl="0">
+              <a:defRPr/>
+            </a:pPr>
+            <a:r>
+              <a:rPr lang="ko-KR" altLang="en-US"/>
+              <a:t>진행 일정</a:t>
+            </a:r>
+            <a:endParaRPr lang="ko-KR" altLang="en-US"/>
+          </a:p>
+        </p:txBody>
+      </p:sp>
+      <p:sp>
+        <p:nvSpPr>
+          <p:cNvPr id="2049" name="Rectangle 1"/>
+          <p:cNvSpPr>
+            <a:spLocks noChangeArrowheads="1"/>
+          </p:cNvSpPr>
+          <p:nvPr/>
+        </p:nvSpPr>
+        <p:spPr>
+          <a:xfrm>
+            <a:off x="1524001" y="43934"/>
+            <a:ext cx="184731" cy="369332"/>
+          </a:xfrm>
+          <a:prstGeom prst="rect">
+            <a:avLst/>
+          </a:prstGeom>
+          <a:noFill/>
+          <a:ln w="9525">
+            <a:noFill/>
+            <a:miter/>
+          </a:ln>
+          <a:effectLst/>
+        </p:spPr>
+        <p:txBody>
+          <a:bodyPr vert="horz" wrap="none" lIns="91440" tIns="45720" rIns="91440" bIns="45720" anchor="ctr" anchorCtr="0">
+            <a:spAutoFit/>
+          </a:bodyPr>
+          <a:lstStyle/>
+          <a:p>
+            <a:pPr latinLnBrk="1">
+              <a:spcBef>
+                <a:spcPct val="0"/>
+              </a:spcBef>
+              <a:spcAft>
+                <a:spcPct val="0"/>
+              </a:spcAft>
+              <a:defRPr/>
+            </a:pPr>
+            <a:endParaRPr kumimoji="1" lang="ko-KR" altLang="ko-KR">
+              <a:latin typeface="굴림"/>
+              <a:ea typeface="굴림"/>
+              <a:cs typeface="굴림"/>
+            </a:endParaRPr>
+          </a:p>
+        </p:txBody>
+      </p:sp>
+      <p:sp>
+        <p:nvSpPr>
+          <p:cNvPr id="6" name="내용 개체 틀 2"/>
+          <p:cNvSpPr txBox="1"/>
+          <p:nvPr/>
+        </p:nvSpPr>
+        <p:spPr>
+          <a:xfrm>
+            <a:off x="1981200" y="1390328"/>
+            <a:ext cx="8229600" cy="941979"/>
+          </a:xfrm>
+          <a:prstGeom prst="rect">
+            <a:avLst/>
+          </a:prstGeom>
+        </p:spPr>
+        <p:txBody>
+          <a:bodyPr vert="horz" lIns="91440" tIns="45720" rIns="91440" bIns="45720">
+            <a:normAutofit/>
+          </a:bodyPr>
+          <a:lstStyle>
+            <a:lvl1pPr marL="342900" indent="-342900" algn="l" defTabSz="914400" rtl="0" eaLnBrk="1" latinLnBrk="1" hangingPunct="1">
+              <a:spcBef>
+                <a:spcPct val="20000"/>
+              </a:spcBef>
+              <a:buFont typeface="Arial"/>
+              <a:buChar char="•"/>
+              <a:defRPr sz="3200" kern="1200">
+                <a:solidFill>
+                  <a:schemeClr val="tx1"/>
+                </a:solidFill>
+                <a:latin typeface="+mn-lt"/>
+                <a:ea typeface="+mn-ea"/>
+                <a:cs typeface="+mn-cs"/>
+              </a:defRPr>
+            </a:lvl1pPr>
+            <a:lvl2pPr marL="742950" indent="-285750" algn="l" defTabSz="914400" rtl="0" eaLnBrk="1" latinLnBrk="1" hangingPunct="1">
+              <a:spcBef>
+                <a:spcPct val="20000"/>
+              </a:spcBef>
+              <a:buFont typeface="Arial"/>
+              <a:buChar char="–"/>
+              <a:defRPr sz="2800" kern="1200">
+                <a:solidFill>
+                  <a:schemeClr val="tx1"/>
+                </a:solidFill>
+                <a:latin typeface="+mn-lt"/>
+                <a:ea typeface="+mn-ea"/>
+                <a:cs typeface="+mn-cs"/>
+              </a:defRPr>
+            </a:lvl2pPr>
+            <a:lvl3pPr marL="1143000" indent="-228600" algn="l" defTabSz="914400" rtl="0" eaLnBrk="1" latinLnBrk="1" hangingPunct="1">
+              <a:spcBef>
+                <a:spcPct val="20000"/>
+              </a:spcBef>
+              <a:buFont typeface="Arial"/>
+              <a:buChar char="•"/>
+              <a:defRPr sz="2400" kern="1200">
+                <a:solidFill>
+                  <a:schemeClr val="tx1"/>
+                </a:solidFill>
+                <a:latin typeface="+mn-lt"/>
+                <a:ea typeface="+mn-ea"/>
+                <a:cs typeface="+mn-cs"/>
+              </a:defRPr>
+            </a:lvl3pPr>
+            <a:lvl4pPr marL="1600200" indent="-228600" algn="l" defTabSz="914400" rtl="0" eaLnBrk="1" latinLnBrk="1" hangingPunct="1">
+              <a:spcBef>
+                <a:spcPct val="20000"/>
+              </a:spcBef>
+              <a:buFont typeface="Arial"/>
+              <a:buChar char="–"/>
+              <a:defRPr sz="2000" kern="1200">
+                <a:solidFill>
+                  <a:schemeClr val="tx1"/>
+                </a:solidFill>
+                <a:latin typeface="+mn-lt"/>
+                <a:ea typeface="+mn-ea"/>
+                <a:cs typeface="+mn-cs"/>
+              </a:defRPr>
+            </a:lvl4pPr>
+            <a:lvl5pPr marL="2057400" indent="-228600" algn="l" defTabSz="914400" rtl="0" eaLnBrk="1" latinLnBrk="1" hangingPunct="1">
+              <a:spcBef>
+                <a:spcPct val="20000"/>
+              </a:spcBef>
+              <a:buFont typeface="Arial"/>
+              <a:buChar char="»"/>
+              <a:defRPr sz="2000" kern="1200">
+                <a:solidFill>
+                  <a:schemeClr val="tx1"/>
+                </a:solidFill>
+                <a:latin typeface="+mn-lt"/>
+                <a:ea typeface="+mn-ea"/>
+                <a:cs typeface="+mn-cs"/>
+              </a:defRPr>
+            </a:lvl5pPr>
+            <a:lvl6pPr marL="2514600" indent="-228600" algn="l" defTabSz="914400" rtl="0" eaLnBrk="1" latinLnBrk="1" hangingPunct="1">
+              <a:spcBef>
+                <a:spcPct val="20000"/>
+              </a:spcBef>
+              <a:buFont typeface="Arial"/>
+              <a:buChar char="•"/>
+              <a:defRPr sz="2000" kern="1200">
+                <a:solidFill>
+                  <a:schemeClr val="tx1"/>
+                </a:solidFill>
+                <a:latin typeface="+mn-lt"/>
+                <a:ea typeface="+mn-ea"/>
+                <a:cs typeface="+mn-cs"/>
+              </a:defRPr>
+            </a:lvl6pPr>
+            <a:lvl7pPr marL="2971800" indent="-228600" algn="l" defTabSz="914400" rtl="0" eaLnBrk="1" latinLnBrk="1" hangingPunct="1">
+              <a:spcBef>
+                <a:spcPct val="20000"/>
+              </a:spcBef>
+              <a:buFont typeface="Arial"/>
+              <a:buChar char="•"/>
+              <a:defRPr sz="2000" kern="1200">
+                <a:solidFill>
+                  <a:schemeClr val="tx1"/>
+                </a:solidFill>
+                <a:latin typeface="+mn-lt"/>
+                <a:ea typeface="+mn-ea"/>
+                <a:cs typeface="+mn-cs"/>
+              </a:defRPr>
+            </a:lvl7pPr>
+            <a:lvl8pPr marL="3429000" indent="-228600" algn="l" defTabSz="914400" rtl="0" eaLnBrk="1" latinLnBrk="1" hangingPunct="1">
+              <a:spcBef>
+                <a:spcPct val="20000"/>
+              </a:spcBef>
+              <a:buFont typeface="Arial"/>
+              <a:buChar char="•"/>
+              <a:defRPr sz="2000" kern="1200">
+                <a:solidFill>
+                  <a:schemeClr val="tx1"/>
+                </a:solidFill>
+                <a:latin typeface="+mn-lt"/>
+                <a:ea typeface="+mn-ea"/>
+                <a:cs typeface="+mn-cs"/>
+              </a:defRPr>
+            </a:lvl8pPr>
+            <a:lvl9pPr marL="3886200" indent="-228600" algn="l" defTabSz="914400" rtl="0" eaLnBrk="1" latinLnBrk="1" hangingPunct="1">
+              <a:spcBef>
+                <a:spcPct val="20000"/>
+              </a:spcBef>
+              <a:buFont typeface="Arial"/>
+              <a:buChar char="•"/>
+              <a:defRPr sz="2000" kern="1200">
+                <a:solidFill>
+                  <a:schemeClr val="tx1"/>
+                </a:solidFill>
+                <a:latin typeface="+mn-lt"/>
+                <a:ea typeface="+mn-ea"/>
+                <a:cs typeface="+mn-cs"/>
+              </a:defRPr>
+            </a:lvl9pPr>
+          </a:lstStyle>
+          <a:p>
+            <a:pPr>
+              <a:lnSpc>
+                <a:spcPct val="150000"/>
+              </a:lnSpc>
+              <a:defRPr/>
+            </a:pPr>
+            <a:r>
+              <a:rPr lang="ko-KR" altLang="en-US"/>
+              <a:t>진행 계획 일정 표 첨부</a:t>
+            </a:r>
+            <a:endParaRPr lang="en-US" altLang="ko-KR"/>
+          </a:p>
+        </p:txBody>
+      </p:sp>
+      <p:graphicFrame>
+        <p:nvGraphicFramePr>
+          <p:cNvPr id="2052" name=""/>
+          <p:cNvGraphicFramePr>
+            <a:graphicFrameLocks noGrp="1"/>
+          </p:cNvGraphicFramePr>
+          <p:nvPr/>
+        </p:nvGraphicFramePr>
+        <p:xfrm>
+          <a:off x="578220" y="2511408"/>
+          <a:ext cx="11035560" cy="3227070"/>
+        </p:xfrm>
+        <a:graphic>
+          <a:graphicData uri="http://schemas.openxmlformats.org/drawingml/2006/table">
+            <a:tbl>
+              <a:tblPr firstRow="1" bandRow="1"/>
+              <a:tblGrid>
+                <a:gridCol w="724890"/>
+                <a:gridCol w="777922"/>
+                <a:gridCol w="724890"/>
+                <a:gridCol w="724890"/>
+                <a:gridCol w="724890"/>
+                <a:gridCol w="724890"/>
+                <a:gridCol w="724890"/>
+                <a:gridCol w="633450"/>
+                <a:gridCol w="116840"/>
+                <a:gridCol w="755899"/>
+                <a:gridCol w="732792"/>
+                <a:gridCol w="116840"/>
+                <a:gridCol w="652000"/>
+                <a:gridCol w="724890"/>
+                <a:gridCol w="725805"/>
+                <a:gridCol w="724890"/>
+                <a:gridCol w="724890"/>
+              </a:tblGrid>
+              <a:tr h="370840">
+                <a:tc gridSpan="2">
+                  <a:txBody>
+                    <a:bodyPr vert="horz" wrap="square" lIns="91440" tIns="45720" rIns="91440" bIns="45720" anchor="t" anchorCtr="0">
+                      <a:spAutoFit/>
+                    </a:bodyPr>
+                    <a:p>
+                      <a:pPr>
+                        <a:defRPr/>
+                      </a:pPr>
+                      <a:r>
+                        <a:rPr lang="en-US" altLang="ko-KR"/>
+                        <a:t>6</a:t>
+                      </a:r>
+                      <a:r>
+                        <a:rPr lang="ko-KR" altLang="en-US"/>
+                        <a:t>월</a:t>
+                      </a:r>
+                      <a:endParaRPr lang="ko-KR" altLang="en-US"/>
+                    </a:p>
+                  </a:txBody>
+                  <a:tcPr marL="91440" marR="91440">
+                    <a:solidFill>
+                      <a:srgbClr val="bfbfbf"/>
+                    </a:solidFill>
+                  </a:tcPr>
+                </a:tc>
+                <a:tc hMerge="1">
+                  <a:txBody>
+                    <a:bodyPr vert="horz" wrap="square" lIns="91440" tIns="45720" rIns="91440" bIns="45720" anchor="t" anchorCtr="0">
+                      <a:spAutoFit/>
+                    </a:bodyPr>
+                    <a:p>
+                      <a:pPr>
+                        <a:defRPr/>
+                      </a:pPr>
+                      <a:endParaRPr lang="ko-KR" altLang="en-US"/>
+                    </a:p>
+                  </a:txBody>
+                  <a:tcPr marL="91440" marR="91440"/>
+                </a:tc>
+                <a:tc gridSpan="4">
+                  <a:txBody>
+                    <a:bodyPr vert="horz" wrap="square" lIns="91440" tIns="45720" rIns="91440" bIns="45720" anchor="t" anchorCtr="0">
+                      <a:spAutoFit/>
+                    </a:bodyPr>
+                    <a:p>
+                      <a:pPr>
+                        <a:defRPr/>
+                      </a:pPr>
+                      <a:r>
+                        <a:rPr lang="en-US" altLang="ko-KR"/>
+                        <a:t>7</a:t>
+                      </a:r>
+                      <a:r>
+                        <a:rPr lang="ko-KR" altLang="en-US"/>
+                        <a:t>월</a:t>
+                      </a:r>
+                      <a:endParaRPr lang="ko-KR" altLang="en-US"/>
+                    </a:p>
+                  </a:txBody>
+                  <a:tcPr marL="91440" marR="91440">
+                    <a:solidFill>
+                      <a:srgbClr val="bfbfbf"/>
+                    </a:solidFill>
+                  </a:tcPr>
+                </a:tc>
+                <a:tc hMerge="1">
+                  <a:txBody>
+                    <a:bodyPr vert="horz" wrap="square" lIns="91440" tIns="45720" rIns="91440" bIns="45720" anchor="t" anchorCtr="0">
+                      <a:spAutoFit/>
+                    </a:bodyPr>
+                    <a:p>
+                      <a:pPr>
+                        <a:defRPr/>
+                      </a:pPr>
+                      <a:endParaRPr lang="ko-KR" altLang="en-US"/>
+                    </a:p>
+                  </a:txBody>
+                  <a:tcPr marL="91440" marR="91440"/>
+                </a:tc>
+                <a:tc hMerge="1">
+                  <a:txBody>
+                    <a:bodyPr vert="horz" wrap="square" lIns="91440" tIns="45720" rIns="91440" bIns="45720" anchor="t" anchorCtr="0">
+                      <a:spAutoFit/>
+                    </a:bodyPr>
+                    <a:p>
+                      <a:pPr>
+                        <a:defRPr/>
+                      </a:pPr>
+                      <a:endParaRPr lang="ko-KR" altLang="en-US"/>
+                    </a:p>
+                  </a:txBody>
+                  <a:tcPr marL="91440" marR="91440"/>
+                </a:tc>
+                <a:tc hMerge="1">
+                  <a:txBody>
+                    <a:bodyPr vert="horz" wrap="square" lIns="91440" tIns="45720" rIns="91440" bIns="45720" anchor="t" anchorCtr="0">
+                      <a:spAutoFit/>
+                    </a:bodyPr>
+                    <a:p>
+                      <a:pPr>
+                        <a:defRPr/>
+                      </a:pPr>
+                      <a:endParaRPr lang="ko-KR" altLang="en-US"/>
+                    </a:p>
+                  </a:txBody>
+                  <a:tcPr marL="91440" marR="91440"/>
+                </a:tc>
+                <a:tc gridSpan="7">
+                  <a:txBody>
+                    <a:bodyPr vert="horz" wrap="square" lIns="91440" tIns="45720" rIns="91440" bIns="45720" anchor="t" anchorCtr="0">
+                      <a:spAutoFit/>
+                    </a:bodyPr>
+                    <a:p>
+                      <a:pPr>
+                        <a:defRPr/>
+                      </a:pPr>
+                      <a:r>
+                        <a:rPr lang="en-US" altLang="ko-KR"/>
+                        <a:t>8</a:t>
+                      </a:r>
+                      <a:r>
+                        <a:rPr lang="ko-KR" altLang="en-US"/>
+                        <a:t>월</a:t>
+                      </a:r>
+                      <a:endParaRPr lang="ko-KR" altLang="en-US"/>
+                    </a:p>
+                  </a:txBody>
+                  <a:tcPr marL="91440" marR="91440">
+                    <a:solidFill>
+                      <a:srgbClr val="bfbfbf"/>
+                    </a:solidFill>
+                  </a:tcPr>
+                </a:tc>
+                <a:tc hMerge="1">
+                  <a:txBody>
+                    <a:bodyPr wrap="square">
+                      <a:spAutoFit/>
+                    </a:bodyPr>
+                    <a:p>
+                      <a:pPr>
+                        <a:defRPr/>
+                      </a:pPr>
+                      <a:endParaRPr lang="ko-KR" altLang="en-US"/>
+                    </a:p>
+                  </a:txBody>
+                  <a:tcPr marL="91440" marR="91440"/>
+                </a:tc>
+                <a:tc hMerge="1">
+                  <a:txBody>
+                    <a:bodyPr vert="horz" wrap="square" lIns="91440" tIns="45720" rIns="91440" bIns="45720" anchor="t" anchorCtr="0">
+                      <a:spAutoFit/>
+                    </a:bodyPr>
+                    <a:p>
+                      <a:pPr>
+                        <a:defRPr/>
+                      </a:pPr>
+                      <a:endParaRPr lang="ko-KR" altLang="en-US"/>
+                    </a:p>
+                  </a:txBody>
+                  <a:tcPr marL="91440" marR="91440"/>
+                </a:tc>
+                <a:tc hMerge="1">
+                  <a:txBody>
+                    <a:bodyPr wrap="square">
+                      <a:spAutoFit/>
+                    </a:bodyPr>
+                    <a:p>
+                      <a:pPr>
+                        <a:defRPr/>
+                      </a:pPr>
+                      <a:endParaRPr lang="ko-KR" altLang="en-US"/>
+                    </a:p>
+                  </a:txBody>
+                  <a:tcPr marL="91440" marR="91440"/>
+                </a:tc>
+                <a:tc hMerge="1">
+                  <a:txBody>
+                    <a:bodyPr vert="horz" wrap="square" lIns="91440" tIns="45720" rIns="91440" bIns="45720" anchor="t" anchorCtr="0">
+                      <a:spAutoFit/>
+                    </a:bodyPr>
+                    <a:p>
+                      <a:pPr>
+                        <a:defRPr/>
+                      </a:pPr>
+                      <a:endParaRPr lang="ko-KR" altLang="en-US"/>
+                    </a:p>
+                  </a:txBody>
+                  <a:tcPr marL="91440" marR="91440"/>
+                </a:tc>
+                <a:tc hMerge="1">
+                  <a:txBody>
+                    <a:bodyPr vert="horz" wrap="square" lIns="91440" tIns="45720" rIns="91440" bIns="45720" anchor="t" anchorCtr="0">
+                      <a:spAutoFit/>
+                    </a:bodyPr>
+                    <a:p>
+                      <a:pPr>
+                        <a:defRPr/>
+                      </a:pPr>
+                      <a:endParaRPr lang="ko-KR" altLang="en-US"/>
+                    </a:p>
+                  </a:txBody>
+                  <a:tcPr marL="91440" marR="91440"/>
+                </a:tc>
+                <a:tc hMerge="1">
+                  <a:txBody>
+                    <a:bodyPr wrap="square">
+                      <a:spAutoFit/>
+                    </a:bodyPr>
+                    <a:p>
+                      <a:pPr>
+                        <a:defRPr/>
+                      </a:pPr>
+                      <a:endParaRPr lang="ko-KR" altLang="en-US"/>
+                    </a:p>
+                  </a:txBody>
+                  <a:tcPr marL="91440" marR="91440"/>
+                </a:tc>
+                <a:tc gridSpan="4">
+                  <a:txBody>
+                    <a:bodyPr vert="horz" wrap="square" lIns="91440" tIns="45720" rIns="91440" bIns="45720" anchor="t" anchorCtr="0">
+                      <a:spAutoFit/>
+                    </a:bodyPr>
+                    <a:p>
+                      <a:pPr>
+                        <a:defRPr/>
+                      </a:pPr>
+                      <a:r>
+                        <a:rPr lang="en-US" altLang="ko-KR"/>
+                        <a:t>9</a:t>
+                      </a:r>
+                      <a:r>
+                        <a:rPr lang="ko-KR" altLang="en-US"/>
+                        <a:t>월</a:t>
+                      </a:r>
+                      <a:endParaRPr lang="ko-KR" altLang="en-US"/>
+                    </a:p>
+                  </a:txBody>
+                  <a:tcPr marL="91440" marR="91440">
+                    <a:solidFill>
+                      <a:srgbClr val="bfbfbf"/>
+                    </a:solidFill>
+                  </a:tcPr>
+                </a:tc>
+                <a:tc hMerge="1">
+                  <a:txBody>
+                    <a:bodyPr vert="horz" wrap="square" lIns="91440" tIns="45720" rIns="91440" bIns="45720" anchor="t" anchorCtr="0">
+                      <a:spAutoFit/>
+                    </a:bodyPr>
+                    <a:p>
+                      <a:pPr>
+                        <a:defRPr/>
+                      </a:pPr>
+                      <a:endParaRPr lang="ko-KR" altLang="en-US"/>
+                    </a:p>
+                  </a:txBody>
+                  <a:tcPr marL="91440" marR="91440"/>
+                </a:tc>
+                <a:tc hMerge="1">
+                  <a:txBody>
+                    <a:bodyPr vert="horz" wrap="square" lIns="91440" tIns="45720" rIns="91440" bIns="45720" anchor="t" anchorCtr="0">
+                      <a:spAutoFit/>
+                    </a:bodyPr>
+                    <a:p>
+                      <a:pPr>
+                        <a:defRPr/>
+                      </a:pPr>
+                      <a:endParaRPr lang="ko-KR" altLang="en-US"/>
+                    </a:p>
+                  </a:txBody>
+                  <a:tcPr marL="91440" marR="91440"/>
+                </a:tc>
+                <a:tc hMerge="1">
+                  <a:txBody>
+                    <a:bodyPr vert="horz" wrap="square" lIns="91440" tIns="45720" rIns="91440" bIns="45720" anchor="t" anchorCtr="0">
+                      <a:spAutoFit/>
+                    </a:bodyPr>
+                    <a:p>
+                      <a:pPr>
+                        <a:defRPr/>
+                      </a:pPr>
+                      <a:endParaRPr lang="ko-KR" altLang="en-US"/>
+                    </a:p>
+                  </a:txBody>
+                  <a:tcPr marL="91440" marR="91440"/>
+                </a:tc>
+              </a:tr>
+              <a:tr h="370840">
+                <a:tc>
+                  <a:txBody>
+                    <a:bodyPr vert="horz" wrap="square" lIns="91440" tIns="45720" rIns="91440" bIns="45720" anchor="t" anchorCtr="0">
+                      <a:spAutoFit/>
+                    </a:bodyPr>
+                    <a:p>
+                      <a:pPr>
+                        <a:defRPr/>
+                      </a:pPr>
+                      <a:r>
+                        <a:rPr lang="en-US" altLang="ko-KR"/>
+                        <a:t>4</a:t>
+                      </a:r>
+                      <a:r>
+                        <a:rPr lang="ko-KR" altLang="en-US"/>
+                        <a:t>주</a:t>
+                      </a:r>
+                      <a:endParaRPr lang="ko-KR" altLang="en-US"/>
+                    </a:p>
+                  </a:txBody>
+                  <a:tcPr marL="91440" marR="91440">
+                    <a:solidFill>
+                      <a:srgbClr val="d9d9d9"/>
+                    </a:solidFill>
+                  </a:tcPr>
+                </a:tc>
+                <a:tc>
+                  <a:txBody>
+                    <a:bodyPr vert="horz" wrap="square" lIns="91440" tIns="45720" rIns="91440" bIns="45720" anchor="t" anchorCtr="0">
+                      <a:spAutoFit/>
+                    </a:bodyPr>
+                    <a:p>
+                      <a:pPr>
+                        <a:defRPr/>
+                      </a:pPr>
+                      <a:r>
+                        <a:rPr lang="en-US" altLang="ko-KR"/>
+                        <a:t>5</a:t>
+                      </a:r>
+                      <a:r>
+                        <a:rPr lang="ko-KR" altLang="en-US"/>
+                        <a:t>주</a:t>
+                      </a:r>
+                      <a:endParaRPr lang="ko-KR" altLang="en-US"/>
+                    </a:p>
+                  </a:txBody>
+                  <a:tcPr marL="91440" marR="91440">
+                    <a:solidFill>
+                      <a:srgbClr val="d9d9d9"/>
+                    </a:solidFill>
+                  </a:tcPr>
+                </a:tc>
+                <a:tc>
+                  <a:txBody>
+                    <a:bodyPr vert="horz" wrap="square" lIns="91440" tIns="45720" rIns="91440" bIns="45720" anchor="t" anchorCtr="0">
+                      <a:spAutoFit/>
+                    </a:bodyPr>
+                    <a:p>
+                      <a:pPr>
+                        <a:defRPr/>
+                      </a:pPr>
+                      <a:r>
+                        <a:rPr lang="en-US" altLang="ko-KR"/>
+                        <a:t>1</a:t>
+                      </a:r>
+                      <a:r>
+                        <a:rPr lang="ko-KR" altLang="en-US"/>
+                        <a:t>주</a:t>
+                      </a:r>
+                      <a:endParaRPr lang="ko-KR" altLang="en-US"/>
+                    </a:p>
+                  </a:txBody>
+                  <a:tcPr marL="91440" marR="91440">
+                    <a:solidFill>
+                      <a:srgbClr val="d9d9d9"/>
+                    </a:solidFill>
+                  </a:tcPr>
+                </a:tc>
+                <a:tc>
+                  <a:txBody>
+                    <a:bodyPr vert="horz" wrap="square" lIns="91440" tIns="45720" rIns="91440" bIns="45720" anchor="t" anchorCtr="0">
+                      <a:spAutoFit/>
+                    </a:bodyPr>
+                    <a:p>
+                      <a:pPr>
+                        <a:defRPr/>
+                      </a:pPr>
+                      <a:r>
+                        <a:rPr lang="en-US" altLang="ko-KR"/>
+                        <a:t>2</a:t>
+                      </a:r>
+                      <a:r>
+                        <a:rPr lang="ko-KR" altLang="en-US"/>
+                        <a:t>주</a:t>
+                      </a:r>
+                      <a:endParaRPr lang="ko-KR" altLang="en-US"/>
+                    </a:p>
+                  </a:txBody>
+                  <a:tcPr marL="91440" marR="91440">
+                    <a:solidFill>
+                      <a:srgbClr val="d9d9d9"/>
+                    </a:solidFill>
+                  </a:tcPr>
+                </a:tc>
+                <a:tc>
+                  <a:txBody>
+                    <a:bodyPr vert="horz" wrap="square" lIns="91440" tIns="45720" rIns="91440" bIns="45720" anchor="t" anchorCtr="0">
+                      <a:spAutoFit/>
+                    </a:bodyPr>
+                    <a:p>
+                      <a:pPr>
+                        <a:defRPr/>
+                      </a:pPr>
+                      <a:r>
+                        <a:rPr lang="en-US" altLang="ko-KR"/>
+                        <a:t>3</a:t>
+                      </a:r>
+                      <a:r>
+                        <a:rPr lang="ko-KR" altLang="en-US"/>
+                        <a:t>주</a:t>
+                      </a:r>
+                      <a:endParaRPr lang="ko-KR" altLang="en-US"/>
+                    </a:p>
+                  </a:txBody>
+                  <a:tcPr marL="91440" marR="91440">
+                    <a:solidFill>
+                      <a:srgbClr val="d9d9d9"/>
+                    </a:solidFill>
+                  </a:tcPr>
+                </a:tc>
+                <a:tc>
+                  <a:txBody>
+                    <a:bodyPr vert="horz" wrap="square" lIns="91440" tIns="45720" rIns="91440" bIns="45720" anchor="t" anchorCtr="0">
+                      <a:spAutoFit/>
+                    </a:bodyPr>
+                    <a:p>
+                      <a:pPr>
+                        <a:defRPr/>
+                      </a:pPr>
+                      <a:r>
+                        <a:rPr lang="en-US" altLang="ko-KR"/>
+                        <a:t>4</a:t>
+                      </a:r>
+                      <a:r>
+                        <a:rPr lang="ko-KR" altLang="en-US"/>
+                        <a:t>주</a:t>
+                      </a:r>
+                      <a:endParaRPr lang="ko-KR" altLang="en-US"/>
+                    </a:p>
+                  </a:txBody>
+                  <a:tcPr marL="91440" marR="91440">
+                    <a:solidFill>
+                      <a:srgbClr val="d9d9d9"/>
+                    </a:solidFill>
+                  </a:tcPr>
+                </a:tc>
+                <a:tc gridSpan="2">
+                  <a:txBody>
+                    <a:bodyPr vert="horz" wrap="square" lIns="91440" tIns="45720" rIns="91440" bIns="45720" anchor="t" anchorCtr="0">
+                      <a:spAutoFit/>
+                    </a:bodyPr>
+                    <a:p>
+                      <a:pPr>
+                        <a:defRPr/>
+                      </a:pPr>
+                      <a:r>
+                        <a:rPr lang="en-US" altLang="ko-KR"/>
+                        <a:t>1</a:t>
+                      </a:r>
+                      <a:r>
+                        <a:rPr lang="ko-KR" altLang="en-US"/>
+                        <a:t>주</a:t>
+                      </a:r>
+                      <a:endParaRPr lang="ko-KR" altLang="en-US"/>
+                    </a:p>
+                  </a:txBody>
+                  <a:tcPr marL="91440" marR="91440">
+                    <a:solidFill>
+                      <a:srgbClr val="d9d9d9"/>
+                    </a:solidFill>
+                  </a:tcPr>
+                </a:tc>
+                <a:tc hMerge="1">
+                  <a:txBody>
+                    <a:bodyPr wrap="square">
+                      <a:spAutoFit/>
+                    </a:bodyPr>
+                    <a:p>
+                      <a:pPr>
+                        <a:defRPr/>
+                      </a:pPr>
+                      <a:endParaRPr lang="ko-KR" altLang="en-US"/>
+                    </a:p>
+                  </a:txBody>
+                  <a:tcPr marL="91440" marR="91440"/>
+                </a:tc>
+                <a:tc gridSpan="2">
+                  <a:txBody>
+                    <a:bodyPr vert="horz" wrap="square" lIns="91440" tIns="45720" rIns="91440" bIns="45720" anchor="t" anchorCtr="0">
+                      <a:spAutoFit/>
+                    </a:bodyPr>
+                    <a:p>
+                      <a:pPr>
+                        <a:defRPr/>
+                      </a:pPr>
+                      <a:r>
+                        <a:rPr lang="en-US" altLang="ko-KR"/>
+                        <a:t>2</a:t>
+                      </a:r>
+                      <a:r>
+                        <a:rPr lang="ko-KR" altLang="en-US"/>
+                        <a:t>주</a:t>
+                      </a:r>
+                      <a:endParaRPr lang="ko-KR" altLang="en-US"/>
+                    </a:p>
+                  </a:txBody>
+                  <a:tcPr marL="91440" marR="91440">
+                    <a:solidFill>
+                      <a:srgbClr val="d9d9d9"/>
+                    </a:solidFill>
+                  </a:tcPr>
+                </a:tc>
+                <a:tc hMerge="1">
+                  <a:txBody>
+                    <a:bodyPr wrap="square">
+                      <a:spAutoFit/>
+                    </a:bodyPr>
+                    <a:p>
+                      <a:pPr>
+                        <a:defRPr/>
+                      </a:pPr>
+                      <a:endParaRPr lang="ko-KR" altLang="en-US"/>
+                    </a:p>
+                  </a:txBody>
+                  <a:tcPr marL="91440" marR="91440"/>
+                </a:tc>
+                <a:tc>
+                  <a:txBody>
+                    <a:bodyPr vert="horz" wrap="square" lIns="91440" tIns="45720" rIns="91440" bIns="45720" anchor="t" anchorCtr="0">
+                      <a:spAutoFit/>
+                    </a:bodyPr>
+                    <a:p>
+                      <a:pPr>
+                        <a:defRPr/>
+                      </a:pPr>
+                      <a:r>
+                        <a:rPr lang="en-US" altLang="ko-KR"/>
+                        <a:t>3</a:t>
+                      </a:r>
+                      <a:r>
+                        <a:rPr lang="ko-KR" altLang="en-US"/>
+                        <a:t>주</a:t>
+                      </a:r>
+                      <a:endParaRPr lang="ko-KR" altLang="en-US"/>
+                    </a:p>
+                  </a:txBody>
+                  <a:tcPr marL="91440" marR="91440">
+                    <a:solidFill>
+                      <a:srgbClr val="d9d9d9"/>
+                    </a:solidFill>
+                  </a:tcPr>
+                </a:tc>
+                <a:tc gridSpan="2">
+                  <a:txBody>
+                    <a:bodyPr vert="horz" wrap="square" lIns="91440" tIns="45720" rIns="91440" bIns="45720" anchor="t" anchorCtr="0">
+                      <a:spAutoFit/>
+                    </a:bodyPr>
+                    <a:p>
+                      <a:pPr>
+                        <a:defRPr/>
+                      </a:pPr>
+                      <a:r>
+                        <a:rPr lang="en-US" altLang="ko-KR"/>
+                        <a:t>4</a:t>
+                      </a:r>
+                      <a:r>
+                        <a:rPr lang="ko-KR" altLang="en-US"/>
+                        <a:t>주</a:t>
+                      </a:r>
+                      <a:endParaRPr lang="ko-KR" altLang="en-US"/>
+                    </a:p>
+                  </a:txBody>
+                  <a:tcPr marL="91440" marR="91440">
+                    <a:solidFill>
+                      <a:srgbClr val="d9d9d9"/>
+                    </a:solidFill>
+                  </a:tcPr>
+                </a:tc>
+                <a:tc hMerge="1">
+                  <a:txBody>
+                    <a:bodyPr wrap="square">
+                      <a:spAutoFit/>
+                    </a:bodyPr>
+                    <a:p>
+                      <a:pPr>
+                        <a:defRPr/>
+                      </a:pPr>
+                      <a:endParaRPr lang="ko-KR" altLang="en-US"/>
+                    </a:p>
+                  </a:txBody>
+                  <a:tcPr marL="91440" marR="91440"/>
+                </a:tc>
+                <a:tc>
+                  <a:txBody>
+                    <a:bodyPr vert="horz" wrap="square" lIns="91440" tIns="45720" rIns="91440" bIns="45720" anchor="t" anchorCtr="0">
+                      <a:spAutoFit/>
+                    </a:bodyPr>
+                    <a:p>
+                      <a:pPr>
+                        <a:defRPr/>
+                      </a:pPr>
+                      <a:r>
+                        <a:rPr lang="en-US" altLang="ko-KR"/>
+                        <a:t>1</a:t>
+                      </a:r>
+                      <a:r>
+                        <a:rPr lang="ko-KR" altLang="en-US"/>
+                        <a:t>주</a:t>
+                      </a:r>
+                      <a:endParaRPr lang="ko-KR" altLang="en-US"/>
+                    </a:p>
+                  </a:txBody>
+                  <a:tcPr marL="91440" marR="91440">
+                    <a:solidFill>
+                      <a:srgbClr val="d9d9d9"/>
+                    </a:solidFill>
+                  </a:tcPr>
+                </a:tc>
+                <a:tc>
+                  <a:txBody>
+                    <a:bodyPr vert="horz" wrap="square" lIns="91440" tIns="45720" rIns="91440" bIns="45720" anchor="t" anchorCtr="0">
+                      <a:spAutoFit/>
+                    </a:bodyPr>
+                    <a:p>
+                      <a:pPr>
+                        <a:defRPr/>
+                      </a:pPr>
+                      <a:r>
+                        <a:rPr lang="en-US" altLang="ko-KR"/>
+                        <a:t>2</a:t>
+                      </a:r>
+                      <a:r>
+                        <a:rPr lang="ko-KR" altLang="en-US"/>
+                        <a:t>주</a:t>
+                      </a:r>
+                      <a:endParaRPr lang="ko-KR" altLang="en-US"/>
+                    </a:p>
+                  </a:txBody>
+                  <a:tcPr marL="91440" marR="91440">
+                    <a:solidFill>
+                      <a:srgbClr val="d9d9d9"/>
+                    </a:solidFill>
+                  </a:tcPr>
+                </a:tc>
+                <a:tc>
+                  <a:txBody>
+                    <a:bodyPr vert="horz" wrap="square" lIns="91440" tIns="45720" rIns="91440" bIns="45720" anchor="t" anchorCtr="0">
+                      <a:spAutoFit/>
+                    </a:bodyPr>
+                    <a:p>
+                      <a:pPr>
+                        <a:defRPr/>
+                      </a:pPr>
+                      <a:r>
+                        <a:rPr lang="en-US" altLang="ko-KR"/>
+                        <a:t>3</a:t>
+                      </a:r>
+                      <a:r>
+                        <a:rPr lang="ko-KR" altLang="en-US"/>
+                        <a:t>주</a:t>
+                      </a:r>
+                      <a:endParaRPr lang="ko-KR" altLang="en-US"/>
+                    </a:p>
+                  </a:txBody>
+                  <a:tcPr marL="91440" marR="91440">
+                    <a:solidFill>
+                      <a:srgbClr val="d9d9d9"/>
+                    </a:solidFill>
+                  </a:tcPr>
+                </a:tc>
+                <a:tc>
+                  <a:txBody>
+                    <a:bodyPr vert="horz" wrap="square" lIns="91440" tIns="45720" rIns="91440" bIns="45720" anchor="t" anchorCtr="0">
+                      <a:spAutoFit/>
+                    </a:bodyPr>
+                    <a:p>
+                      <a:pPr>
+                        <a:defRPr/>
+                      </a:pPr>
+                      <a:r>
+                        <a:rPr lang="en-US" altLang="ko-KR"/>
+                        <a:t>4</a:t>
+                      </a:r>
+                      <a:r>
+                        <a:rPr lang="ko-KR" altLang="en-US"/>
+                        <a:t>주</a:t>
+                      </a:r>
+                      <a:endParaRPr lang="ko-KR" altLang="en-US"/>
+                    </a:p>
+                  </a:txBody>
+                  <a:tcPr marL="91440" marR="91440">
+                    <a:solidFill>
+                      <a:srgbClr val="d9d9d9"/>
+                    </a:solidFill>
+                  </a:tcPr>
+                </a:tc>
+              </a:tr>
+              <a:tr h="191830">
+                <a:tc gridSpan="10">
+                  <a:txBody>
+                    <a:bodyPr vert="horz" wrap="square" lIns="91440" tIns="45720" rIns="91440" bIns="45720" anchor="t" anchorCtr="0">
+                      <a:spAutoFit/>
+                    </a:bodyPr>
+                    <a:p>
+                      <a:pPr algn="ctr">
+                        <a:defRPr/>
+                      </a:pPr>
+                      <a:r>
+                        <a:rPr lang="ko-KR" altLang="en-US"/>
+                        <a:t>소음 내성을 가진 학습 모델 제작</a:t>
+                      </a:r>
+                      <a:endParaRPr lang="ko-KR" altLang="en-US"/>
+                    </a:p>
+                  </a:txBody>
+                  <a:tcPr marL="91440" marR="91440">
+                    <a:lnB w="12700" cap="flat" cmpd="sng" algn="ctr">
+                      <a:solidFill>
+                        <a:srgbClr val="000000"/>
+                      </a:solidFill>
+                      <a:prstDash val="solid"/>
+                      <a:round/>
+                    </a:lnB>
+                    <a:solidFill>
+                      <a:srgbClr val="ffff00"/>
+                    </a:solidFill>
+                  </a:tcPr>
+                </a:tc>
+                <a:tc hMerge="1">
+                  <a:txBody>
+                    <a:bodyPr vert="horz" wrap="square" lIns="91440" tIns="45720" rIns="91440" bIns="45720" anchor="t" anchorCtr="0">
+                      <a:spAutoFit/>
+                    </a:bodyPr>
+                    <a:p>
+                      <a:pPr>
+                        <a:defRPr/>
+                      </a:pPr>
+                      <a:endParaRPr lang="ko-KR" altLang="en-US"/>
+                    </a:p>
+                  </a:txBody>
+                  <a:tcPr marL="91440" marR="91440">
+                    <a:lnB w="12700" cap="flat" cmpd="sng" algn="ctr">
+                      <a:solidFill>
+                        <a:srgbClr val="000000"/>
+                      </a:solidFill>
+                      <a:prstDash val="solid"/>
+                      <a:round/>
+                    </a:lnB>
+                  </a:tcPr>
+                </a:tc>
+                <a:tc hMerge="1">
+                  <a:txBody>
+                    <a:bodyPr vert="horz" wrap="square" lIns="91440" tIns="45720" rIns="91440" bIns="45720" anchor="t" anchorCtr="0">
+                      <a:spAutoFit/>
+                    </a:bodyPr>
+                    <a:p>
+                      <a:pPr>
+                        <a:defRPr/>
+                      </a:pPr>
+                      <a:endParaRPr lang="ko-KR" altLang="en-US"/>
+                    </a:p>
+                  </a:txBody>
+                  <a:tcPr marL="91440" marR="91440">
+                    <a:lnB w="12700" cap="flat" cmpd="sng" algn="ctr">
+                      <a:solidFill>
+                        <a:srgbClr val="000000"/>
+                      </a:solidFill>
+                      <a:prstDash val="solid"/>
+                      <a:round/>
+                    </a:lnB>
+                  </a:tcPr>
+                </a:tc>
+                <a:tc hMerge="1">
+                  <a:txBody>
+                    <a:bodyPr vert="horz" wrap="square" lIns="91440" tIns="45720" rIns="91440" bIns="45720" anchor="t" anchorCtr="0">
+                      <a:spAutoFit/>
+                    </a:bodyPr>
+                    <a:p>
+                      <a:pPr>
+                        <a:defRPr/>
+                      </a:pPr>
+                      <a:endParaRPr lang="ko-KR" altLang="en-US"/>
+                    </a:p>
+                  </a:txBody>
+                  <a:tcPr marL="91440" marR="91440">
+                    <a:lnB w="12700" cap="flat" cmpd="sng" algn="ctr">
+                      <a:solidFill>
+                        <a:srgbClr val="000000"/>
+                      </a:solidFill>
+                      <a:prstDash val="solid"/>
+                      <a:round/>
+                    </a:lnB>
+                  </a:tcPr>
+                </a:tc>
+                <a:tc hMerge="1">
+                  <a:txBody>
+                    <a:bodyPr vert="horz" wrap="square" lIns="91440" tIns="45720" rIns="91440" bIns="45720" anchor="t" anchorCtr="0">
+                      <a:spAutoFit/>
+                    </a:bodyPr>
+                    <a:p>
+                      <a:pPr>
+                        <a:defRPr/>
+                      </a:pPr>
+                      <a:endParaRPr lang="ko-KR" altLang="en-US"/>
+                    </a:p>
+                  </a:txBody>
+                  <a:tcPr marL="91440" marR="91440">
+                    <a:lnB w="12700" cap="flat" cmpd="sng" algn="ctr">
+                      <a:solidFill>
+                        <a:srgbClr val="000000"/>
+                      </a:solidFill>
+                      <a:prstDash val="solid"/>
+                      <a:round/>
+                    </a:lnB>
+                  </a:tcPr>
+                </a:tc>
+                <a:tc hMerge="1">
+                  <a:txBody>
+                    <a:bodyPr vert="horz" wrap="square" lIns="91440" tIns="45720" rIns="91440" bIns="45720" anchor="t" anchorCtr="0">
+                      <a:spAutoFit/>
+                    </a:bodyPr>
+                    <a:p>
+                      <a:pPr>
+                        <a:defRPr/>
+                      </a:pPr>
+                      <a:endParaRPr lang="ko-KR" altLang="en-US"/>
+                    </a:p>
+                  </a:txBody>
+                  <a:tcPr marL="91440" marR="91440">
+                    <a:lnB w="12700" cap="flat" cmpd="sng" algn="ctr">
+                      <a:solidFill>
+                        <a:srgbClr val="000000"/>
+                      </a:solidFill>
+                      <a:prstDash val="solid"/>
+                      <a:round/>
+                    </a:lnB>
+                  </a:tcPr>
+                </a:tc>
+                <a:tc hMerge="1">
+                  <a:txBody>
+                    <a:bodyPr vert="horz" wrap="square" lIns="91440" tIns="45720" rIns="91440" bIns="45720" anchor="t" anchorCtr="0">
+                      <a:spAutoFit/>
+                    </a:bodyPr>
+                    <a:p>
+                      <a:pPr>
+                        <a:defRPr/>
+                      </a:pPr>
+                      <a:endParaRPr lang="ko-KR" altLang="en-US"/>
+                    </a:p>
+                  </a:txBody>
+                  <a:tcPr marL="91440" marR="91440">
+                    <a:lnB w="12700" cap="flat" cmpd="sng" algn="ctr">
+                      <a:solidFill>
+                        <a:srgbClr val="000000"/>
+                      </a:solidFill>
+                      <a:prstDash val="solid"/>
+                      <a:round/>
+                    </a:lnB>
+                  </a:tcPr>
+                </a:tc>
+                <a:tc hMerge="1">
+                  <a:txBody>
+                    <a:bodyPr wrap="square">
+                      <a:spAutoFit/>
+                    </a:bodyPr>
+                    <a:p>
+                      <a:pPr>
+                        <a:defRPr/>
+                      </a:pPr>
+                      <a:endParaRPr lang="ko-KR" altLang="en-US"/>
+                    </a:p>
+                  </a:txBody>
+                  <a:tcPr marL="91440" marR="91440">
+                    <a:lnB w="12700" cap="flat" cmpd="sng" algn="ctr">
+                      <a:solidFill>
+                        <a:srgbClr val="000000"/>
+                      </a:solidFill>
+                      <a:prstDash val="solid"/>
+                      <a:round/>
+                    </a:lnB>
+                  </a:tcPr>
+                </a:tc>
+                <a:tc hMerge="1">
+                  <a:txBody>
+                    <a:bodyPr vert="horz" wrap="square" lIns="91440" tIns="45720" rIns="91440" bIns="45720" anchor="t" anchorCtr="0">
+                      <a:spAutoFit/>
+                    </a:bodyPr>
+                    <a:p>
+                      <a:pPr>
+                        <a:defRPr/>
+                      </a:pPr>
+                      <a:endParaRPr lang="ko-KR" altLang="en-US"/>
+                    </a:p>
+                  </a:txBody>
+                  <a:tcPr marL="91440" marR="91440">
+                    <a:lnB w="12700" cap="flat" cmpd="sng" algn="ctr">
+                      <a:solidFill>
+                        <a:srgbClr val="000000"/>
+                      </a:solidFill>
+                      <a:prstDash val="solid"/>
+                      <a:round/>
+                    </a:lnB>
+                  </a:tcPr>
+                </a:tc>
+                <a:tc hMerge="1">
+                  <a:txBody>
+                    <a:bodyPr vert="horz" wrap="square" lIns="91440" tIns="45720" rIns="91440" bIns="45720" anchor="t" anchorCtr="0">
+                      <a:spAutoFit/>
+                    </a:bodyPr>
+                    <a:p>
+                      <a:pPr>
+                        <a:defRPr/>
+                      </a:pPr>
+                      <a:endParaRPr lang="ko-KR" altLang="en-US"/>
+                    </a:p>
+                  </a:txBody>
+                  <a:tcPr marL="91440" marR="91440">
+                    <a:lnL w="12700" cap="flat" cmpd="sng" algn="ctr">
+                      <a:solidFill>
+                        <a:srgbClr val="000000"/>
+                      </a:solidFill>
+                      <a:prstDash val="solid"/>
+                      <a:round/>
+                    </a:lnL>
+                    <a:lnB w="12700" cap="flat" cmpd="sng" algn="ctr">
+                      <a:solidFill>
+                        <a:srgbClr val="000000"/>
+                      </a:solidFill>
+                      <a:prstDash val="solid"/>
+                      <a:round/>
+                    </a:lnB>
+                    <a:solidFill>
+                      <a:srgbClr val="ffff00"/>
+                    </a:solidFill>
+                  </a:tcPr>
+                </a:tc>
+                <a:tc>
+                  <a:txBody>
+                    <a:bodyPr vert="horz" wrap="square" lIns="91440" tIns="45720" rIns="91440" bIns="45720" anchor="t" anchorCtr="0">
+                      <a:spAutoFit/>
+                    </a:bodyPr>
+                    <a:p>
+                      <a:pPr>
+                        <a:defRPr/>
+                      </a:pPr>
+                      <a:endParaRPr lang="ko-KR" altLang="en-US"/>
+                    </a:p>
+                  </a:txBody>
+                  <a:tcPr marL="91440" marR="91440">
+                    <a:lnB w="12700" cap="flat" cmpd="sng" algn="ctr">
+                      <a:solidFill>
+                        <a:srgbClr val="000000"/>
+                      </a:solidFill>
+                      <a:prstDash val="solid"/>
+                      <a:round/>
+                    </a:lnB>
+                  </a:tcPr>
+                </a:tc>
+                <a:tc gridSpan="2">
+                  <a:txBody>
+                    <a:bodyPr vert="horz" wrap="square" lIns="91440" tIns="45720" rIns="91440" bIns="45720" anchor="t" anchorCtr="0">
+                      <a:spAutoFit/>
+                    </a:bodyPr>
+                    <a:p>
+                      <a:pPr>
+                        <a:defRPr/>
+                      </a:pPr>
+                      <a:endParaRPr lang="ko-KR" altLang="en-US"/>
+                    </a:p>
+                  </a:txBody>
+                  <a:tcPr marL="91440" marR="91440">
+                    <a:lnB w="12700" cap="flat" cmpd="sng" algn="ctr">
+                      <a:solidFill>
+                        <a:srgbClr val="000000"/>
+                      </a:solidFill>
+                      <a:prstDash val="solid"/>
+                      <a:round/>
+                    </a:lnB>
+                  </a:tcPr>
+                </a:tc>
+                <a:tc hMerge="1">
+                  <a:txBody>
+                    <a:bodyPr wrap="square">
+                      <a:spAutoFit/>
+                    </a:bodyPr>
+                    <a:p>
+                      <a:pPr>
+                        <a:defRPr/>
+                      </a:pPr>
+                      <a:endParaRPr lang="ko-KR" altLang="en-US"/>
+                    </a:p>
+                  </a:txBody>
+                  <a:tcPr marL="91440" marR="91440">
+                    <a:lnB w="12700" cap="flat" cmpd="sng" algn="ctr">
+                      <a:solidFill>
+                        <a:srgbClr val="000000"/>
+                      </a:solidFill>
+                      <a:prstDash val="solid"/>
+                      <a:round/>
+                    </a:lnB>
+                  </a:tcPr>
+                </a:tc>
+                <a:tc>
+                  <a:txBody>
+                    <a:bodyPr vert="horz" wrap="square" lIns="91440" tIns="45720" rIns="91440" bIns="45720" anchor="t" anchorCtr="0">
+                      <a:spAutoFit/>
+                    </a:bodyPr>
+                    <a:p>
+                      <a:pPr>
+                        <a:defRPr/>
+                      </a:pPr>
+                      <a:endParaRPr lang="ko-KR" altLang="en-US"/>
+                    </a:p>
+                  </a:txBody>
+                  <a:tcPr marL="91440" marR="91440">
+                    <a:lnB w="12700" cap="flat" cmpd="sng" algn="ctr">
+                      <a:solidFill>
+                        <a:srgbClr val="000000"/>
+                      </a:solidFill>
+                      <a:prstDash val="solid"/>
+                      <a:round/>
+                    </a:lnB>
+                  </a:tcPr>
+                </a:tc>
+                <a:tc>
+                  <a:txBody>
+                    <a:bodyPr vert="horz" wrap="square" lIns="91440" tIns="45720" rIns="91440" bIns="45720" anchor="t" anchorCtr="0">
+                      <a:spAutoFit/>
+                    </a:bodyPr>
+                    <a:p>
+                      <a:pPr>
+                        <a:defRPr/>
+                      </a:pPr>
+                      <a:endParaRPr lang="ko-KR" altLang="en-US"/>
+                    </a:p>
+                  </a:txBody>
+                  <a:tcPr marL="91440" marR="91440">
+                    <a:lnB w="12700" cap="flat" cmpd="sng" algn="ctr">
+                      <a:solidFill>
+                        <a:srgbClr val="000000"/>
+                      </a:solidFill>
+                      <a:prstDash val="solid"/>
+                      <a:round/>
+                    </a:lnB>
+                  </a:tcPr>
+                </a:tc>
+                <a:tc>
+                  <a:txBody>
+                    <a:bodyPr vert="horz" wrap="square" lIns="91440" tIns="45720" rIns="91440" bIns="45720" anchor="t" anchorCtr="0">
+                      <a:spAutoFit/>
+                    </a:bodyPr>
+                    <a:p>
+                      <a:pPr>
+                        <a:defRPr/>
+                      </a:pPr>
+                      <a:endParaRPr lang="ko-KR" altLang="en-US"/>
+                    </a:p>
+                  </a:txBody>
+                  <a:tcPr marL="91440" marR="91440">
+                    <a:lnB w="12700" cap="flat" cmpd="sng" algn="ctr">
+                      <a:solidFill>
+                        <a:srgbClr val="000000"/>
+                      </a:solidFill>
+                      <a:prstDash val="solid"/>
+                      <a:round/>
+                    </a:lnB>
+                  </a:tcPr>
+                </a:tc>
+                <a:tc>
+                  <a:txBody>
+                    <a:bodyPr vert="horz" wrap="square" lIns="91440" tIns="45720" rIns="91440" bIns="45720" anchor="t" anchorCtr="0">
+                      <a:spAutoFit/>
+                    </a:bodyPr>
+                    <a:p>
+                      <a:pPr>
+                        <a:defRPr/>
+                      </a:pPr>
+                      <a:endParaRPr lang="ko-KR" altLang="en-US"/>
+                    </a:p>
+                  </a:txBody>
+                  <a:tcPr marL="91440" marR="91440">
+                    <a:lnB w="12700" cap="flat" cmpd="sng" algn="ctr">
+                      <a:solidFill>
+                        <a:srgbClr val="000000"/>
+                      </a:solidFill>
+                      <a:prstDash val="solid"/>
+                      <a:round/>
+                    </a:lnB>
+                  </a:tcPr>
+                </a:tc>
+              </a:tr>
+              <a:tr h="179009">
+                <a:tc>
+                  <a:txBody>
+                    <a:bodyPr vert="horz" wrap="square" lIns="91440" tIns="45720" rIns="91440" bIns="45720" anchor="t" anchorCtr="0">
+                      <a:spAutoFit/>
+                    </a:bodyPr>
+                    <a:p>
+                      <a:pPr algn="ctr">
+                        <a:defRPr/>
+                      </a:pPr>
+                      <a:endParaRPr lang="ko-KR" altLang="en-US"/>
+                    </a:p>
+                  </a:txBody>
+                  <a:tcPr marL="91440" marR="91440">
+                    <a:lnR w="12700" cap="flat" cmpd="sng" algn="ctr">
+                      <a:solidFill>
+                        <a:srgbClr val="000000"/>
+                      </a:solidFill>
+                      <a:prstDash val="solid"/>
+                      <a:round/>
+                    </a:lnR>
+                    <a:lnT w="12700" cap="flat" cmpd="sng" algn="ctr">
+                      <a:solidFill>
+                        <a:srgbClr val="000000"/>
+                      </a:solidFill>
+                      <a:prstDash val="solid"/>
+                      <a:round/>
+                    </a:lnT>
+                    <a:solidFill>
+                      <a:schemeClr val="lt1"/>
+                    </a:solidFill>
+                  </a:tcPr>
+                </a:tc>
+                <a:tc>
+                  <a:txBody>
+                    <a:bodyPr vert="horz" wrap="square" lIns="91440" tIns="45720" rIns="91440" bIns="45720" anchor="t" anchorCtr="0">
+                      <a:spAutoFit/>
+                    </a:bodyPr>
+                    <a:p>
+                      <a:pPr algn="ctr">
+                        <a:defRPr/>
+                      </a:pPr>
+                      <a:endParaRPr lang="ko-KR" altLang="en-US"/>
+                    </a:p>
+                  </a:txBody>
+                  <a:tcPr marL="91440" marR="91440">
+                    <a:lnL w="12700" cap="flat" cmpd="sng" algn="ctr">
+                      <a:solidFill>
+                        <a:srgbClr val="000000"/>
+                      </a:solidFill>
+                      <a:prstDash val="solid"/>
+                      <a:round/>
+                    </a:lnL>
+                    <a:lnR w="12700" cap="flat" cmpd="sng" algn="ctr">
+                      <a:solidFill>
+                        <a:srgbClr val="000000"/>
+                      </a:solidFill>
+                      <a:prstDash val="solid"/>
+                      <a:round/>
+                    </a:lnR>
+                    <a:lnT w="12700" cap="flat" cmpd="sng" algn="ctr">
+                      <a:solidFill>
+                        <a:srgbClr val="000000"/>
+                      </a:solidFill>
+                      <a:prstDash val="solid"/>
+                      <a:round/>
+                    </a:lnT>
+                    <a:solidFill>
+                      <a:schemeClr val="lt1"/>
+                    </a:solidFill>
+                  </a:tcPr>
+                </a:tc>
+                <a:tc>
+                  <a:txBody>
+                    <a:bodyPr vert="horz" wrap="square" lIns="91440" tIns="45720" rIns="91440" bIns="45720" anchor="t" anchorCtr="0">
+                      <a:spAutoFit/>
+                    </a:bodyPr>
+                    <a:p>
+                      <a:pPr algn="ctr">
+                        <a:defRPr/>
+                      </a:pPr>
+                      <a:endParaRPr lang="ko-KR" altLang="en-US"/>
+                    </a:p>
+                  </a:txBody>
+                  <a:tcPr marL="91440" marR="91440">
+                    <a:lnL w="12700" cap="flat" cmpd="sng" algn="ctr">
+                      <a:solidFill>
+                        <a:srgbClr val="000000"/>
+                      </a:solidFill>
+                      <a:prstDash val="solid"/>
+                      <a:round/>
+                    </a:lnL>
+                    <a:lnR w="12700" cap="flat" cmpd="sng" algn="ctr">
+                      <a:solidFill>
+                        <a:srgbClr val="000000"/>
+                      </a:solidFill>
+                      <a:prstDash val="solid"/>
+                      <a:round/>
+                    </a:lnR>
+                    <a:lnT w="12700" cap="flat" cmpd="sng" algn="ctr">
+                      <a:solidFill>
+                        <a:srgbClr val="000000"/>
+                      </a:solidFill>
+                      <a:prstDash val="solid"/>
+                      <a:round/>
+                    </a:lnT>
+                    <a:solidFill>
+                      <a:schemeClr val="lt1"/>
+                    </a:solidFill>
+                  </a:tcPr>
+                </a:tc>
+                <a:tc gridSpan="3">
+                  <a:txBody>
+                    <a:bodyPr vert="horz" wrap="square" lIns="91440" tIns="45720" rIns="91440" bIns="45720" anchor="t" anchorCtr="0">
+                      <a:spAutoFit/>
+                    </a:bodyPr>
+                    <a:p>
+                      <a:pPr algn="ctr">
+                        <a:defRPr/>
+                      </a:pPr>
+                      <a:r>
+                        <a:rPr lang="ko-KR" altLang="en-US"/>
+                        <a:t>중간 보고서 준비</a:t>
+                      </a:r>
+                      <a:endParaRPr lang="ko-KR" altLang="en-US"/>
+                    </a:p>
+                  </a:txBody>
+                  <a:tcPr marL="91440" marR="91440">
+                    <a:lnL w="12700" cap="flat" cmpd="sng" algn="ctr">
+                      <a:solidFill>
+                        <a:srgbClr val="000000"/>
+                      </a:solidFill>
+                      <a:prstDash val="solid"/>
+                      <a:round/>
+                    </a:lnL>
+                    <a:lnR w="12700" cap="flat" cmpd="sng" algn="ctr">
+                      <a:solidFill>
+                        <a:srgbClr val="000000"/>
+                      </a:solidFill>
+                      <a:prstDash val="solid"/>
+                      <a:round/>
+                    </a:lnR>
+                    <a:lnT w="12700" cap="flat" cmpd="sng" algn="ctr">
+                      <a:solidFill>
+                        <a:srgbClr val="000000"/>
+                      </a:solidFill>
+                      <a:prstDash val="solid"/>
+                      <a:round/>
+                    </a:lnT>
+                    <a:solidFill>
+                      <a:srgbClr val="ffff00"/>
+                    </a:solidFill>
+                  </a:tcPr>
+                </a:tc>
+                <a:tc hMerge="1">
+                  <a:txBody>
+                    <a:bodyPr vert="horz" wrap="square" lIns="91440" tIns="45720" rIns="91440" bIns="45720" anchor="t" anchorCtr="0">
+                      <a:spAutoFit/>
+                    </a:bodyPr>
+                    <a:p>
+                      <a:pPr>
+                        <a:defRPr/>
+                      </a:pPr>
+                      <a:endParaRPr lang="ko-KR" altLang="en-US"/>
+                    </a:p>
+                  </a:txBody>
+                  <a:tcPr marL="91440" marR="91440">
+                    <a:lnL w="12700" cap="flat" cmpd="sng" algn="ctr">
+                      <a:solidFill>
+                        <a:srgbClr val="000000"/>
+                      </a:solidFill>
+                      <a:prstDash val="solid"/>
+                      <a:round/>
+                    </a:lnL>
+                    <a:lnR w="12700" cap="flat" cmpd="sng" algn="ctr">
+                      <a:solidFill>
+                        <a:srgbClr val="000000"/>
+                      </a:solidFill>
+                      <a:prstDash val="solid"/>
+                      <a:round/>
+                    </a:lnR>
+                    <a:lnT w="12700" cap="flat" cmpd="sng" algn="ctr">
+                      <a:solidFill>
+                        <a:srgbClr val="000000"/>
+                      </a:solidFill>
+                      <a:prstDash val="solid"/>
+                      <a:round/>
+                    </a:lnT>
+                    <a:solidFill>
+                      <a:schemeClr val="lt1"/>
+                    </a:solidFill>
+                  </a:tcPr>
+                </a:tc>
+                <a:tc hMerge="1">
+                  <a:txBody>
+                    <a:bodyPr vert="horz" wrap="square" lIns="91440" tIns="45720" rIns="91440" bIns="45720" anchor="t" anchorCtr="0">
+                      <a:spAutoFit/>
+                    </a:bodyPr>
+                    <a:p>
+                      <a:pPr>
+                        <a:defRPr/>
+                      </a:pPr>
+                      <a:endParaRPr lang="ko-KR" altLang="en-US"/>
+                    </a:p>
+                  </a:txBody>
+                  <a:tcPr marL="91440" marR="91440">
+                    <a:lnL w="12700" cap="flat" cmpd="sng" algn="ctr">
+                      <a:solidFill>
+                        <a:srgbClr val="000000"/>
+                      </a:solidFill>
+                      <a:prstDash val="solid"/>
+                      <a:round/>
+                    </a:lnL>
+                    <a:lnR w="12700" cap="flat" cmpd="sng" algn="ctr">
+                      <a:solidFill>
+                        <a:srgbClr val="000000"/>
+                      </a:solidFill>
+                      <a:prstDash val="solid"/>
+                      <a:round/>
+                    </a:lnR>
+                    <a:lnT w="12700" cap="flat" cmpd="sng" algn="ctr">
+                      <a:solidFill>
+                        <a:srgbClr val="000000"/>
+                      </a:solidFill>
+                      <a:prstDash val="solid"/>
+                      <a:round/>
+                    </a:lnT>
+                    <a:solidFill>
+                      <a:schemeClr val="lt1"/>
+                    </a:solidFill>
+                  </a:tcPr>
+                </a:tc>
+                <a:tc>
+                  <a:txBody>
+                    <a:bodyPr vert="horz" wrap="square" lIns="91440" tIns="45720" rIns="91440" bIns="45720" anchor="t" anchorCtr="0">
+                      <a:spAutoFit/>
+                    </a:bodyPr>
+                    <a:p>
+                      <a:pPr algn="ctr">
+                        <a:defRPr/>
+                      </a:pPr>
+                      <a:endParaRPr lang="ko-KR" altLang="en-US"/>
+                    </a:p>
+                  </a:txBody>
+                  <a:tcPr marL="91440" marR="91440">
+                    <a:lnL w="12700" cap="flat" cmpd="sng" algn="ctr">
+                      <a:solidFill>
+                        <a:srgbClr val="000000"/>
+                      </a:solidFill>
+                      <a:prstDash val="solid"/>
+                      <a:round/>
+                    </a:lnL>
+                    <a:lnR w="12700" cap="flat" cmpd="sng" algn="ctr">
+                      <a:solidFill>
+                        <a:srgbClr val="000000"/>
+                      </a:solidFill>
+                      <a:prstDash val="solid"/>
+                      <a:round/>
+                    </a:lnR>
+                    <a:lnT w="12700" cap="flat" cmpd="sng" algn="ctr">
+                      <a:solidFill>
+                        <a:srgbClr val="000000"/>
+                      </a:solidFill>
+                      <a:prstDash val="solid"/>
+                      <a:round/>
+                    </a:lnT>
+                    <a:solidFill>
+                      <a:schemeClr val="lt1"/>
+                    </a:solidFill>
+                  </a:tcPr>
+                </a:tc>
+                <a:tc gridSpan="2">
+                  <a:txBody>
+                    <a:bodyPr vert="horz" wrap="square" lIns="91440" tIns="45720" rIns="91440" bIns="45720" anchor="t" anchorCtr="0">
+                      <a:spAutoFit/>
+                    </a:bodyPr>
+                    <a:p>
+                      <a:pPr algn="ctr">
+                        <a:defRPr/>
+                      </a:pPr>
+                      <a:endParaRPr lang="ko-KR" altLang="en-US"/>
+                    </a:p>
+                  </a:txBody>
+                  <a:tcPr marL="91440" marR="91440">
+                    <a:lnL w="12700" cap="flat" cmpd="sng" algn="ctr">
+                      <a:solidFill>
+                        <a:srgbClr val="000000"/>
+                      </a:solidFill>
+                      <a:prstDash val="solid"/>
+                      <a:round/>
+                    </a:lnL>
+                    <a:lnR w="12700" cap="flat" cmpd="sng" algn="ctr">
+                      <a:solidFill>
+                        <a:srgbClr val="000000"/>
+                      </a:solidFill>
+                      <a:prstDash val="solid"/>
+                      <a:round/>
+                    </a:lnR>
+                    <a:lnT w="12700" cap="flat" cmpd="sng" algn="ctr">
+                      <a:solidFill>
+                        <a:srgbClr val="000000"/>
+                      </a:solidFill>
+                      <a:prstDash val="solid"/>
+                      <a:round/>
+                    </a:lnT>
+                    <a:solidFill>
+                      <a:schemeClr val="lt1"/>
+                    </a:solidFill>
+                  </a:tcPr>
+                </a:tc>
+                <a:tc hMerge="1">
+                  <a:txBody>
+                    <a:bodyPr vert="horz" wrap="square" lIns="91440" tIns="45720" rIns="91440" bIns="45720" anchor="t" anchorCtr="0">
+                      <a:spAutoFit/>
+                    </a:bodyPr>
+                    <a:p>
+                      <a:pPr>
+                        <a:defRPr/>
+                      </a:pPr>
+                      <a:endParaRPr lang="ko-KR" altLang="en-US"/>
+                    </a:p>
+                  </a:txBody>
+                  <a:tcPr marL="91440" marR="91440">
+                    <a:lnT w="12700" cap="flat" cmpd="sng" algn="ctr">
+                      <a:solidFill>
+                        <a:srgbClr val="000000"/>
+                      </a:solidFill>
+                      <a:prstDash val="solid"/>
+                      <a:round/>
+                    </a:lnT>
+                  </a:tcPr>
+                </a:tc>
+                <a:tc>
+                  <a:txBody>
+                    <a:bodyPr vert="horz" wrap="square" lIns="91440" tIns="45720" rIns="91440" bIns="45720" anchor="t" anchorCtr="0">
+                      <a:spAutoFit/>
+                    </a:bodyPr>
+                    <a:p>
+                      <a:pPr algn="ctr">
+                        <a:defRPr/>
+                      </a:pPr>
+                      <a:endParaRPr lang="ko-KR" altLang="en-US"/>
+                    </a:p>
+                  </a:txBody>
+                  <a:tcPr marL="91440" marR="91440">
+                    <a:lnL w="12700" cap="flat" cmpd="sng" algn="ctr">
+                      <a:solidFill>
+                        <a:srgbClr val="000000"/>
+                      </a:solidFill>
+                      <a:prstDash val="solid"/>
+                      <a:round/>
+                    </a:lnL>
+                    <a:lnT w="12700" cap="flat" cmpd="sng" algn="ctr">
+                      <a:solidFill>
+                        <a:srgbClr val="000000"/>
+                      </a:solidFill>
+                      <a:prstDash val="solid"/>
+                      <a:round/>
+                    </a:lnT>
+                    <a:solidFill>
+                      <a:schemeClr val="lt1"/>
+                    </a:solidFill>
+                  </a:tcPr>
+                </a:tc>
+                <a:tc>
+                  <a:txBody>
+                    <a:bodyPr vert="horz" wrap="square" lIns="91440" tIns="45720" rIns="91440" bIns="45720" anchor="t" anchorCtr="0">
+                      <a:spAutoFit/>
+                    </a:bodyPr>
+                    <a:p>
+                      <a:pPr>
+                        <a:defRPr/>
+                      </a:pPr>
+                      <a:endParaRPr lang="ko-KR" altLang="en-US"/>
+                    </a:p>
+                  </a:txBody>
+                  <a:tcPr marL="91440" marR="91440">
+                    <a:lnT w="12700" cap="flat" cmpd="sng" algn="ctr">
+                      <a:solidFill>
+                        <a:srgbClr val="000000"/>
+                      </a:solidFill>
+                      <a:prstDash val="solid"/>
+                      <a:round/>
+                    </a:lnT>
+                  </a:tcPr>
+                </a:tc>
+                <a:tc gridSpan="2">
+                  <a:txBody>
+                    <a:bodyPr vert="horz" wrap="square" lIns="91440" tIns="45720" rIns="91440" bIns="45720" anchor="t" anchorCtr="0">
+                      <a:spAutoFit/>
+                    </a:bodyPr>
+                    <a:p>
+                      <a:pPr>
+                        <a:defRPr/>
+                      </a:pPr>
+                      <a:endParaRPr lang="ko-KR" altLang="en-US"/>
+                    </a:p>
+                  </a:txBody>
+                  <a:tcPr marL="91440" marR="91440">
+                    <a:lnT w="12700" cap="flat" cmpd="sng" algn="ctr">
+                      <a:solidFill>
+                        <a:srgbClr val="000000"/>
+                      </a:solidFill>
+                      <a:prstDash val="solid"/>
+                      <a:round/>
+                    </a:lnT>
+                  </a:tcPr>
+                </a:tc>
+                <a:tc hMerge="1">
+                  <a:txBody>
+                    <a:bodyPr wrap="square">
+                      <a:spAutoFit/>
+                    </a:bodyPr>
+                    <a:p>
+                      <a:pPr>
+                        <a:defRPr/>
+                      </a:pPr>
+                      <a:endParaRPr lang="ko-KR" altLang="en-US"/>
+                    </a:p>
+                  </a:txBody>
+                  <a:tcPr marL="91440" marR="91440">
+                    <a:lnT w="12700" cap="flat" cmpd="sng" algn="ctr">
+                      <a:solidFill>
+                        <a:srgbClr val="000000"/>
+                      </a:solidFill>
+                      <a:prstDash val="solid"/>
+                      <a:round/>
+                    </a:lnT>
+                  </a:tcPr>
+                </a:tc>
+                <a:tc>
+                  <a:txBody>
+                    <a:bodyPr vert="horz" wrap="square" lIns="91440" tIns="45720" rIns="91440" bIns="45720" anchor="t" anchorCtr="0">
+                      <a:spAutoFit/>
+                    </a:bodyPr>
+                    <a:p>
+                      <a:pPr>
+                        <a:defRPr/>
+                      </a:pPr>
+                      <a:endParaRPr lang="ko-KR" altLang="en-US"/>
+                    </a:p>
+                  </a:txBody>
+                  <a:tcPr marL="91440" marR="91440">
+                    <a:lnT w="12700" cap="flat" cmpd="sng" algn="ctr">
+                      <a:solidFill>
+                        <a:srgbClr val="000000"/>
+                      </a:solidFill>
+                      <a:prstDash val="solid"/>
+                      <a:round/>
+                    </a:lnT>
+                  </a:tcPr>
+                </a:tc>
+                <a:tc>
+                  <a:txBody>
+                    <a:bodyPr vert="horz" wrap="square" lIns="91440" tIns="45720" rIns="91440" bIns="45720" anchor="t" anchorCtr="0">
+                      <a:spAutoFit/>
+                    </a:bodyPr>
+                    <a:p>
+                      <a:pPr>
+                        <a:defRPr/>
+                      </a:pPr>
+                      <a:endParaRPr lang="ko-KR" altLang="en-US"/>
+                    </a:p>
+                  </a:txBody>
+                  <a:tcPr marL="91440" marR="91440">
+                    <a:lnT w="12700" cap="flat" cmpd="sng" algn="ctr">
+                      <a:solidFill>
+                        <a:srgbClr val="000000"/>
+                      </a:solidFill>
+                      <a:prstDash val="solid"/>
+                      <a:round/>
+                    </a:lnT>
+                  </a:tcPr>
+                </a:tc>
+                <a:tc>
+                  <a:txBody>
+                    <a:bodyPr vert="horz" wrap="square" lIns="91440" tIns="45720" rIns="91440" bIns="45720" anchor="t" anchorCtr="0">
+                      <a:spAutoFit/>
+                    </a:bodyPr>
+                    <a:p>
+                      <a:pPr>
+                        <a:defRPr/>
+                      </a:pPr>
+                      <a:endParaRPr lang="ko-KR" altLang="en-US"/>
+                    </a:p>
+                  </a:txBody>
+                  <a:tcPr marL="91440" marR="91440">
+                    <a:lnT w="12700" cap="flat" cmpd="sng" algn="ctr">
+                      <a:solidFill>
+                        <a:srgbClr val="000000"/>
+                      </a:solidFill>
+                      <a:prstDash val="solid"/>
+                      <a:round/>
+                    </a:lnT>
+                  </a:tcPr>
+                </a:tc>
+                <a:tc>
+                  <a:txBody>
+                    <a:bodyPr vert="horz" wrap="square" lIns="91440" tIns="45720" rIns="91440" bIns="45720" anchor="t" anchorCtr="0">
+                      <a:spAutoFit/>
+                    </a:bodyPr>
+                    <a:p>
+                      <a:pPr>
+                        <a:defRPr/>
+                      </a:pPr>
+                      <a:endParaRPr lang="ko-KR" altLang="en-US"/>
+                    </a:p>
+                  </a:txBody>
+                  <a:tcPr marL="91440" marR="91440">
+                    <a:lnT w="12700" cap="flat" cmpd="sng" algn="ctr">
+                      <a:solidFill>
+                        <a:srgbClr val="000000"/>
+                      </a:solidFill>
+                      <a:prstDash val="solid"/>
+                      <a:round/>
+                    </a:lnT>
+                  </a:tcPr>
+                </a:tc>
+              </a:tr>
+              <a:tr h="370840">
+                <a:tc>
+                  <a:txBody>
+                    <a:bodyPr vert="horz" wrap="square" lIns="91440" tIns="45720" rIns="91440" bIns="45720" anchor="t" anchorCtr="0">
+                      <a:spAutoFit/>
+                    </a:bodyPr>
+                    <a:p>
+                      <a:pPr>
+                        <a:defRPr/>
+                      </a:pPr>
+                      <a:endParaRPr lang="ko-KR" altLang="en-US"/>
+                    </a:p>
+                  </a:txBody>
+                  <a:tcPr marL="91440" marR="91440"/>
+                </a:tc>
+                <a:tc>
+                  <a:txBody>
+                    <a:bodyPr vert="horz" wrap="square" lIns="91440" tIns="45720" rIns="91440" bIns="45720" anchor="t" anchorCtr="0">
+                      <a:spAutoFit/>
+                    </a:bodyPr>
+                    <a:p>
+                      <a:pPr>
+                        <a:defRPr/>
+                      </a:pPr>
+                      <a:endParaRPr lang="ko-KR" altLang="en-US"/>
+                    </a:p>
+                  </a:txBody>
+                  <a:tcPr marL="91440" marR="91440"/>
+                </a:tc>
+                <a:tc>
+                  <a:txBody>
+                    <a:bodyPr vert="horz" wrap="square" lIns="91440" tIns="45720" rIns="91440" bIns="45720" anchor="t" anchorCtr="0">
+                      <a:spAutoFit/>
+                    </a:bodyPr>
+                    <a:p>
+                      <a:pPr>
+                        <a:defRPr/>
+                      </a:pPr>
+                      <a:endParaRPr lang="ko-KR" altLang="en-US"/>
+                    </a:p>
+                  </a:txBody>
+                  <a:tcPr marL="91440" marR="91440">
+                    <a:lnR w="12700" cap="flat" cmpd="sng" algn="ctr">
+                      <a:solidFill>
+                        <a:srgbClr val="000000"/>
+                      </a:solidFill>
+                      <a:prstDash val="solid"/>
+                      <a:round/>
+                    </a:lnR>
+                  </a:tcPr>
+                </a:tc>
+                <a:tc>
+                  <a:txBody>
+                    <a:bodyPr vert="horz" wrap="square" lIns="91440" tIns="45720" rIns="91440" bIns="45720" anchor="t" anchorCtr="0">
+                      <a:spAutoFit/>
+                    </a:bodyPr>
+                    <a:p>
+                      <a:pPr>
+                        <a:defRPr/>
+                      </a:pPr>
+                      <a:endParaRPr lang="ko-KR" altLang="en-US"/>
+                    </a:p>
+                  </a:txBody>
+                  <a:tcPr marL="91440" marR="91440">
+                    <a:lnL w="12700" cap="flat" cmpd="sng" algn="ctr">
+                      <a:solidFill>
+                        <a:srgbClr val="000000"/>
+                      </a:solidFill>
+                      <a:prstDash val="solid"/>
+                      <a:round/>
+                    </a:lnL>
+                    <a:lnR w="12700" cap="flat" cmpd="sng" algn="ctr">
+                      <a:solidFill>
+                        <a:srgbClr val="000000"/>
+                      </a:solidFill>
+                      <a:prstDash val="solid"/>
+                      <a:round/>
+                    </a:lnR>
+                  </a:tcPr>
+                </a:tc>
+                <a:tc>
+                  <a:txBody>
+                    <a:bodyPr vert="horz" wrap="square" lIns="91440" tIns="45720" rIns="91440" bIns="45720" anchor="t" anchorCtr="0">
+                      <a:spAutoFit/>
+                    </a:bodyPr>
+                    <a:p>
+                      <a:pPr>
+                        <a:defRPr/>
+                      </a:pPr>
+                      <a:endParaRPr lang="ko-KR" altLang="en-US"/>
+                    </a:p>
+                  </a:txBody>
+                  <a:tcPr marL="91440" marR="91440">
+                    <a:lnL w="12700" cap="flat" cmpd="sng" algn="ctr">
+                      <a:solidFill>
+                        <a:srgbClr val="000000"/>
+                      </a:solidFill>
+                      <a:prstDash val="solid"/>
+                      <a:round/>
+                    </a:lnL>
+                    <a:lnR w="12700" cap="flat" cmpd="sng" algn="ctr">
+                      <a:solidFill>
+                        <a:srgbClr val="000000"/>
+                      </a:solidFill>
+                      <a:prstDash val="solid"/>
+                      <a:round/>
+                    </a:lnR>
+                  </a:tcPr>
+                </a:tc>
+                <a:tc gridSpan="8">
+                  <a:txBody>
+                    <a:bodyPr vert="horz" wrap="square" lIns="91440" tIns="45720" rIns="91440" bIns="45720" anchor="t" anchorCtr="0">
+                      <a:spAutoFit/>
+                    </a:bodyPr>
+                    <a:p>
+                      <a:pPr algn="ctr">
+                        <a:defRPr/>
+                      </a:pPr>
+                      <a:r>
+                        <a:rPr lang="ko-KR" altLang="en-US"/>
+                        <a:t>서버 환경 구축</a:t>
+                      </a:r>
+                      <a:endParaRPr lang="ko-KR" altLang="en-US"/>
+                    </a:p>
+                  </a:txBody>
+                  <a:tcPr marL="91440" marR="91440">
+                    <a:lnL w="12700" cap="flat" cmpd="sng" algn="ctr">
+                      <a:solidFill>
+                        <a:srgbClr val="000000"/>
+                      </a:solidFill>
+                      <a:prstDash val="solid"/>
+                      <a:round/>
+                    </a:lnL>
+                    <a:solidFill>
+                      <a:srgbClr val="ffff00"/>
+                    </a:solidFill>
+                  </a:tcPr>
+                </a:tc>
+                <a:tc hMerge="1">
+                  <a:txBody>
+                    <a:bodyPr vert="horz" wrap="square" lIns="91440" tIns="45720" rIns="91440" bIns="45720" anchor="t" anchorCtr="0">
+                      <a:spAutoFit/>
+                    </a:bodyPr>
+                    <a:p>
+                      <a:pPr>
+                        <a:defRPr/>
+                      </a:pPr>
+                      <a:endParaRPr lang="ko-KR" altLang="en-US"/>
+                    </a:p>
+                  </a:txBody>
+                  <a:tcPr marL="91440" marR="91440"/>
+                </a:tc>
+                <a:tc hMerge="1">
+                  <a:txBody>
+                    <a:bodyPr wrap="square">
+                      <a:spAutoFit/>
+                    </a:bodyPr>
+                    <a:p>
+                      <a:pPr>
+                        <a:defRPr/>
+                      </a:pPr>
+                      <a:endParaRPr lang="ko-KR" altLang="en-US"/>
+                    </a:p>
+                  </a:txBody>
+                  <a:tcPr marL="91440" marR="91440"/>
+                </a:tc>
+                <a:tc hMerge="1">
+                  <a:txBody>
+                    <a:bodyPr vert="horz" wrap="square" lIns="91440" tIns="45720" rIns="91440" bIns="45720" anchor="t" anchorCtr="0">
+                      <a:spAutoFit/>
+                    </a:bodyPr>
+                    <a:p>
+                      <a:pPr>
+                        <a:defRPr/>
+                      </a:pPr>
+                      <a:endParaRPr lang="ko-KR" altLang="en-US"/>
+                    </a:p>
+                  </a:txBody>
+                  <a:tcPr marL="91440" marR="91440"/>
+                </a:tc>
+                <a:tc hMerge="1">
+                  <a:txBody>
+                    <a:bodyPr wrap="square">
+                      <a:spAutoFit/>
+                    </a:bodyPr>
+                    <a:p>
+                      <a:pPr>
+                        <a:defRPr/>
+                      </a:pPr>
+                      <a:endParaRPr lang="ko-KR" altLang="en-US"/>
+                    </a:p>
+                  </a:txBody>
+                  <a:tcPr marL="91440" marR="91440"/>
+                </a:tc>
+                <a:tc hMerge="1">
+                  <a:txBody>
+                    <a:bodyPr vert="horz" wrap="square" lIns="91440" tIns="45720" rIns="91440" bIns="45720" anchor="t" anchorCtr="0">
+                      <a:spAutoFit/>
+                    </a:bodyPr>
+                    <a:p>
+                      <a:pPr>
+                        <a:defRPr/>
+                      </a:pPr>
+                      <a:endParaRPr lang="ko-KR" altLang="en-US"/>
+                    </a:p>
+                  </a:txBody>
+                  <a:tcPr marL="91440" marR="91440"/>
+                </a:tc>
+                <a:tc hMerge="1">
+                  <a:txBody>
+                    <a:bodyPr vert="horz" wrap="square" lIns="91440" tIns="45720" rIns="91440" bIns="45720" anchor="t" anchorCtr="0">
+                      <a:spAutoFit/>
+                    </a:bodyPr>
+                    <a:p>
+                      <a:pPr>
+                        <a:defRPr/>
+                      </a:pPr>
+                      <a:endParaRPr lang="ko-KR" altLang="en-US"/>
+                    </a:p>
+                  </a:txBody>
+                  <a:tcPr marL="91440" marR="91440"/>
+                </a:tc>
+                <a:tc hMerge="1">
+                  <a:txBody>
+                    <a:bodyPr wrap="square">
+                      <a:spAutoFit/>
+                    </a:bodyPr>
+                    <a:p>
+                      <a:pPr>
+                        <a:defRPr/>
+                      </a:pPr>
+                      <a:endParaRPr lang="ko-KR" altLang="en-US"/>
+                    </a:p>
+                  </a:txBody>
+                  <a:tcPr marL="91440" marR="91440"/>
+                </a:tc>
+                <a:tc>
+                  <a:txBody>
+                    <a:bodyPr vert="horz" wrap="square" lIns="91440" tIns="45720" rIns="91440" bIns="45720" anchor="t" anchorCtr="0">
+                      <a:spAutoFit/>
+                    </a:bodyPr>
+                    <a:p>
+                      <a:pPr>
+                        <a:defRPr/>
+                      </a:pPr>
+                      <a:endParaRPr lang="ko-KR" altLang="en-US"/>
+                    </a:p>
+                  </a:txBody>
+                  <a:tcPr marL="91440" marR="91440"/>
+                </a:tc>
+                <a:tc>
+                  <a:txBody>
+                    <a:bodyPr vert="horz" wrap="square" lIns="91440" tIns="45720" rIns="91440" bIns="45720" anchor="t" anchorCtr="0">
+                      <a:spAutoFit/>
+                    </a:bodyPr>
+                    <a:p>
+                      <a:pPr>
+                        <a:defRPr/>
+                      </a:pPr>
+                      <a:endParaRPr lang="ko-KR" altLang="en-US"/>
+                    </a:p>
+                  </a:txBody>
+                  <a:tcPr marL="91440" marR="91440"/>
+                </a:tc>
+                <a:tc>
+                  <a:txBody>
+                    <a:bodyPr vert="horz" wrap="square" lIns="91440" tIns="45720" rIns="91440" bIns="45720" anchor="t" anchorCtr="0">
+                      <a:spAutoFit/>
+                    </a:bodyPr>
+                    <a:p>
+                      <a:pPr>
+                        <a:defRPr/>
+                      </a:pPr>
+                      <a:endParaRPr lang="ko-KR" altLang="en-US"/>
+                    </a:p>
+                  </a:txBody>
+                  <a:tcPr marL="91440" marR="91440"/>
+                </a:tc>
+                <a:tc>
+                  <a:txBody>
+                    <a:bodyPr vert="horz" wrap="square" lIns="91440" tIns="45720" rIns="91440" bIns="45720" anchor="t" anchorCtr="0">
+                      <a:spAutoFit/>
+                    </a:bodyPr>
+                    <a:p>
+                      <a:pPr>
+                        <a:defRPr/>
+                      </a:pPr>
+                      <a:endParaRPr lang="ko-KR" altLang="en-US"/>
+                    </a:p>
+                  </a:txBody>
+                  <a:tcPr marL="91440" marR="91440"/>
+                </a:tc>
+              </a:tr>
+              <a:tr h="227972">
+                <a:tc>
+                  <a:txBody>
+                    <a:bodyPr vert="horz" wrap="square" lIns="91440" tIns="45720" rIns="91440" bIns="45720" anchor="t" anchorCtr="0">
+                      <a:spAutoFit/>
+                    </a:bodyPr>
+                    <a:p>
+                      <a:pPr>
+                        <a:defRPr/>
+                      </a:pPr>
+                      <a:endParaRPr lang="ko-KR" altLang="en-US"/>
+                    </a:p>
+                  </a:txBody>
+                  <a:tcPr marL="91440" marR="91440">
+                    <a:lnB w="12700" cap="flat" cmpd="sng" algn="ctr">
+                      <a:solidFill>
+                        <a:srgbClr val="000000"/>
+                      </a:solidFill>
+                      <a:prstDash val="solid"/>
+                      <a:round/>
+                    </a:lnB>
+                  </a:tcPr>
+                </a:tc>
+                <a:tc>
+                  <a:txBody>
+                    <a:bodyPr vert="horz" wrap="square" lIns="91440" tIns="45720" rIns="91440" bIns="45720" anchor="t" anchorCtr="0">
+                      <a:spAutoFit/>
+                    </a:bodyPr>
+                    <a:p>
+                      <a:pPr>
+                        <a:defRPr/>
+                      </a:pPr>
+                      <a:endParaRPr lang="ko-KR" altLang="en-US"/>
+                    </a:p>
+                  </a:txBody>
+                  <a:tcPr marL="91440" marR="91440">
+                    <a:lnB w="12700" cap="flat" cmpd="sng" algn="ctr">
+                      <a:solidFill>
+                        <a:srgbClr val="000000"/>
+                      </a:solidFill>
+                      <a:prstDash val="solid"/>
+                      <a:round/>
+                    </a:lnB>
+                  </a:tcPr>
+                </a:tc>
+                <a:tc>
+                  <a:txBody>
+                    <a:bodyPr vert="horz" wrap="square" lIns="91440" tIns="45720" rIns="91440" bIns="45720" anchor="t" anchorCtr="0">
+                      <a:spAutoFit/>
+                    </a:bodyPr>
+                    <a:p>
+                      <a:pPr>
+                        <a:defRPr/>
+                      </a:pPr>
+                      <a:endParaRPr lang="ko-KR" altLang="en-US"/>
+                    </a:p>
+                  </a:txBody>
+                  <a:tcPr marL="91440" marR="91440">
+                    <a:lnB w="12700" cap="flat" cmpd="sng" algn="ctr">
+                      <a:solidFill>
+                        <a:srgbClr val="000000"/>
+                      </a:solidFill>
+                      <a:prstDash val="solid"/>
+                      <a:round/>
+                    </a:lnB>
+                  </a:tcPr>
+                </a:tc>
+                <a:tc>
+                  <a:txBody>
+                    <a:bodyPr vert="horz" wrap="square" lIns="91440" tIns="45720" rIns="91440" bIns="45720" anchor="t" anchorCtr="0">
+                      <a:spAutoFit/>
+                    </a:bodyPr>
+                    <a:p>
+                      <a:pPr>
+                        <a:defRPr/>
+                      </a:pPr>
+                      <a:endParaRPr lang="ko-KR" altLang="en-US"/>
+                    </a:p>
+                  </a:txBody>
+                  <a:tcPr marL="91440" marR="91440">
+                    <a:lnB w="12700" cap="flat" cmpd="sng" algn="ctr">
+                      <a:solidFill>
+                        <a:srgbClr val="000000"/>
+                      </a:solidFill>
+                      <a:prstDash val="solid"/>
+                      <a:round/>
+                    </a:lnB>
+                  </a:tcPr>
+                </a:tc>
+                <a:tc>
+                  <a:txBody>
+                    <a:bodyPr vert="horz" wrap="square" lIns="91440" tIns="45720" rIns="91440" bIns="45720" anchor="t" anchorCtr="0">
+                      <a:spAutoFit/>
+                    </a:bodyPr>
+                    <a:p>
+                      <a:pPr>
+                        <a:defRPr/>
+                      </a:pPr>
+                      <a:endParaRPr lang="ko-KR" altLang="en-US"/>
+                    </a:p>
+                  </a:txBody>
+                  <a:tcPr marL="91440" marR="91440">
+                    <a:lnB w="12700" cap="flat" cmpd="sng" algn="ctr">
+                      <a:solidFill>
+                        <a:srgbClr val="000000"/>
+                      </a:solidFill>
+                      <a:prstDash val="solid"/>
+                      <a:round/>
+                    </a:lnB>
+                  </a:tcPr>
+                </a:tc>
+                <a:tc>
+                  <a:txBody>
+                    <a:bodyPr vert="horz" wrap="square" lIns="91440" tIns="45720" rIns="91440" bIns="45720" anchor="t" anchorCtr="0">
+                      <a:spAutoFit/>
+                    </a:bodyPr>
+                    <a:p>
+                      <a:pPr>
+                        <a:defRPr/>
+                      </a:pPr>
+                      <a:endParaRPr lang="ko-KR" altLang="en-US"/>
+                    </a:p>
+                  </a:txBody>
+                  <a:tcPr marL="91440" marR="91440">
+                    <a:lnB w="12700" cap="flat" cmpd="sng" algn="ctr">
+                      <a:solidFill>
+                        <a:srgbClr val="000000"/>
+                      </a:solidFill>
+                      <a:prstDash val="solid"/>
+                      <a:round/>
+                    </a:lnB>
+                  </a:tcPr>
+                </a:tc>
+                <a:tc>
+                  <a:txBody>
+                    <a:bodyPr vert="horz" wrap="square" lIns="91440" tIns="45720" rIns="91440" bIns="45720" anchor="t" anchorCtr="0">
+                      <a:spAutoFit/>
+                    </a:bodyPr>
+                    <a:p>
+                      <a:pPr>
+                        <a:defRPr/>
+                      </a:pPr>
+                      <a:endParaRPr lang="ko-KR" altLang="en-US"/>
+                    </a:p>
+                  </a:txBody>
+                  <a:tcPr marL="91440" marR="91440">
+                    <a:lnR w="12700" cap="flat" cmpd="sng" algn="ctr">
+                      <a:solidFill>
+                        <a:srgbClr val="000000"/>
+                      </a:solidFill>
+                      <a:prstDash val="solid"/>
+                      <a:round/>
+                    </a:lnR>
+                    <a:lnB w="12700" cap="flat" cmpd="sng" algn="ctr">
+                      <a:solidFill>
+                        <a:srgbClr val="000000"/>
+                      </a:solidFill>
+                      <a:prstDash val="solid"/>
+                      <a:round/>
+                    </a:lnB>
+                  </a:tcPr>
+                </a:tc>
+                <a:tc gridSpan="8">
+                  <a:txBody>
+                    <a:bodyPr vert="horz" wrap="square" lIns="91440" tIns="45720" rIns="91440" bIns="45720" anchor="t" anchorCtr="0">
+                      <a:spAutoFit/>
+                    </a:bodyPr>
+                    <a:p>
+                      <a:pPr algn="ctr">
+                        <a:defRPr/>
+                      </a:pPr>
+                      <a:r>
+                        <a:rPr lang="ko-KR" altLang="en-US"/>
+                        <a:t>정확도 평가</a:t>
+                      </a:r>
+                      <a:endParaRPr lang="ko-KR" altLang="en-US"/>
+                    </a:p>
+                  </a:txBody>
+                  <a:tcPr marL="91440" marR="91440">
+                    <a:lnL w="12700" cap="flat" cmpd="sng" algn="ctr">
+                      <a:solidFill>
+                        <a:srgbClr val="000000"/>
+                      </a:solidFill>
+                      <a:prstDash val="solid"/>
+                      <a:round/>
+                    </a:lnL>
+                    <a:lnB w="12700" cap="flat" cmpd="sng" algn="ctr">
+                      <a:solidFill>
+                        <a:srgbClr val="000000"/>
+                      </a:solidFill>
+                      <a:prstDash val="solid"/>
+                      <a:round/>
+                    </a:lnB>
+                    <a:solidFill>
+                      <a:srgbClr val="ffff00"/>
+                    </a:solidFill>
+                  </a:tcPr>
+                </a:tc>
+                <a:tc hMerge="1">
+                  <a:txBody>
+                    <a:bodyPr vert="horz" wrap="square" lIns="91440" tIns="45720" rIns="91440" bIns="45720" anchor="t" anchorCtr="0">
+                      <a:spAutoFit/>
+                    </a:bodyPr>
+                    <a:p>
+                      <a:pPr>
+                        <a:defRPr/>
+                      </a:pPr>
+                      <a:endParaRPr lang="ko-KR" altLang="en-US"/>
+                    </a:p>
+                  </a:txBody>
+                  <a:tcPr marL="91440" marR="91440">
+                    <a:lnB w="12700" cap="flat" cmpd="sng" algn="ctr">
+                      <a:solidFill>
+                        <a:srgbClr val="000000"/>
+                      </a:solidFill>
+                      <a:prstDash val="solid"/>
+                      <a:round/>
+                    </a:lnB>
+                  </a:tcPr>
+                </a:tc>
+                <a:tc hMerge="1">
+                  <a:txBody>
+                    <a:bodyPr wrap="square">
+                      <a:spAutoFit/>
+                    </a:bodyPr>
+                    <a:p>
+                      <a:pPr>
+                        <a:defRPr/>
+                      </a:pPr>
+                      <a:endParaRPr lang="ko-KR" altLang="en-US"/>
+                    </a:p>
+                  </a:txBody>
+                  <a:tcPr marL="91440" marR="91440"/>
+                </a:tc>
+                <a:tc hMerge="1">
+                  <a:txBody>
+                    <a:bodyPr vert="horz" wrap="square" lIns="91440" tIns="45720" rIns="91440" bIns="45720" anchor="t" anchorCtr="0">
+                      <a:spAutoFit/>
+                    </a:bodyPr>
+                    <a:p>
+                      <a:pPr>
+                        <a:defRPr/>
+                      </a:pPr>
+                      <a:endParaRPr lang="ko-KR" altLang="en-US"/>
+                    </a:p>
+                  </a:txBody>
+                  <a:tcPr marL="91440" marR="91440">
+                    <a:lnB w="12700" cap="flat" cmpd="sng" algn="ctr">
+                      <a:solidFill>
+                        <a:srgbClr val="000000"/>
+                      </a:solidFill>
+                      <a:prstDash val="solid"/>
+                      <a:round/>
+                    </a:lnB>
+                  </a:tcPr>
+                </a:tc>
+                <a:tc hMerge="1">
+                  <a:txBody>
+                    <a:bodyPr vert="horz" wrap="square" lIns="91440" tIns="45720" rIns="91440" bIns="45720" anchor="t" anchorCtr="0">
+                      <a:spAutoFit/>
+                    </a:bodyPr>
+                    <a:p>
+                      <a:pPr>
+                        <a:defRPr/>
+                      </a:pPr>
+                      <a:endParaRPr lang="ko-KR" altLang="en-US"/>
+                    </a:p>
+                  </a:txBody>
+                  <a:tcPr marL="91440" marR="91440">
+                    <a:lnB w="12700" cap="flat" cmpd="sng" algn="ctr">
+                      <a:solidFill>
+                        <a:srgbClr val="000000"/>
+                      </a:solidFill>
+                      <a:prstDash val="solid"/>
+                      <a:round/>
+                    </a:lnB>
+                  </a:tcPr>
+                </a:tc>
+                <a:tc hMerge="1">
+                  <a:txBody>
+                    <a:bodyPr wrap="square">
+                      <a:spAutoFit/>
+                    </a:bodyPr>
+                    <a:p>
+                      <a:pPr>
+                        <a:defRPr/>
+                      </a:pPr>
+                      <a:endParaRPr lang="ko-KR" altLang="en-US"/>
+                    </a:p>
+                  </a:txBody>
+                  <a:tcPr marL="91440" marR="91440"/>
+                </a:tc>
+                <a:tc hMerge="1">
+                  <a:txBody>
+                    <a:bodyPr vert="horz" wrap="square" lIns="91440" tIns="45720" rIns="91440" bIns="45720" anchor="t" anchorCtr="0">
+                      <a:spAutoFit/>
+                    </a:bodyPr>
+                    <a:p>
+                      <a:pPr>
+                        <a:defRPr/>
+                      </a:pPr>
+                      <a:endParaRPr lang="ko-KR" altLang="en-US"/>
+                    </a:p>
+                  </a:txBody>
+                  <a:tcPr marL="91440" marR="91440">
+                    <a:lnB w="12700" cap="flat" cmpd="sng" algn="ctr">
+                      <a:solidFill>
+                        <a:srgbClr val="000000"/>
+                      </a:solidFill>
+                      <a:prstDash val="solid"/>
+                      <a:round/>
+                    </a:lnB>
+                  </a:tcPr>
+                </a:tc>
+                <a:tc hMerge="1">
+                  <a:txBody>
+                    <a:bodyPr vert="horz" wrap="square" lIns="91440" tIns="45720" rIns="91440" bIns="45720" anchor="t" anchorCtr="0">
+                      <a:spAutoFit/>
+                    </a:bodyPr>
+                    <a:p>
+                      <a:pPr>
+                        <a:defRPr/>
+                      </a:pPr>
+                      <a:endParaRPr lang="ko-KR" altLang="en-US"/>
+                    </a:p>
+                  </a:txBody>
+                  <a:tcPr marL="91440" marR="91440">
+                    <a:lnB w="12700" cap="flat" cmpd="sng" algn="ctr">
+                      <a:solidFill>
+                        <a:srgbClr val="000000"/>
+                      </a:solidFill>
+                      <a:prstDash val="solid"/>
+                      <a:round/>
+                    </a:lnB>
+                  </a:tcPr>
+                </a:tc>
+                <a:tc>
+                  <a:txBody>
+                    <a:bodyPr vert="horz" wrap="square" lIns="91440" tIns="45720" rIns="91440" bIns="45720" anchor="t" anchorCtr="0">
+                      <a:spAutoFit/>
+                    </a:bodyPr>
+                    <a:p>
+                      <a:pPr>
+                        <a:defRPr/>
+                      </a:pPr>
+                      <a:endParaRPr lang="ko-KR" altLang="en-US"/>
+                    </a:p>
+                  </a:txBody>
+                  <a:tcPr marL="91440" marR="91440">
+                    <a:lnB w="12700" cap="flat" cmpd="sng" algn="ctr">
+                      <a:solidFill>
+                        <a:srgbClr val="000000"/>
+                      </a:solidFill>
+                      <a:prstDash val="solid"/>
+                      <a:round/>
+                    </a:lnB>
+                  </a:tcPr>
+                </a:tc>
+                <a:tc>
+                  <a:txBody>
+                    <a:bodyPr vert="horz" wrap="square" lIns="91440" tIns="45720" rIns="91440" bIns="45720" anchor="t" anchorCtr="0">
+                      <a:spAutoFit/>
+                    </a:bodyPr>
+                    <a:p>
+                      <a:pPr>
+                        <a:defRPr/>
+                      </a:pPr>
+                      <a:endParaRPr lang="ko-KR" altLang="en-US"/>
+                    </a:p>
+                  </a:txBody>
+                  <a:tcPr marL="91440" marR="91440">
+                    <a:lnB w="12700" cap="flat" cmpd="sng" algn="ctr">
+                      <a:solidFill>
+                        <a:srgbClr val="000000"/>
+                      </a:solidFill>
+                      <a:prstDash val="solid"/>
+                      <a:round/>
+                    </a:lnB>
+                  </a:tcPr>
+                </a:tc>
+              </a:tr>
+              <a:tr h="183188">
+                <a:tc>
+                  <a:txBody>
+                    <a:bodyPr vert="horz" wrap="square" lIns="91440" tIns="45720" rIns="91440" bIns="45720" anchor="t" anchorCtr="0">
+                      <a:spAutoFit/>
+                    </a:bodyPr>
+                    <a:p>
+                      <a:pPr>
+                        <a:defRPr/>
+                      </a:pPr>
+                      <a:endParaRPr lang="ko-KR" altLang="en-US"/>
+                    </a:p>
+                  </a:txBody>
+                  <a:tcPr marL="91440" marR="91440">
+                    <a:lnT w="12700" cap="flat" cmpd="sng" algn="ctr">
+                      <a:solidFill>
+                        <a:srgbClr val="000000"/>
+                      </a:solidFill>
+                      <a:prstDash val="solid"/>
+                      <a:round/>
+                    </a:lnT>
+                    <a:lnB w="12700" cap="flat" cmpd="sng" algn="ctr">
+                      <a:solidFill>
+                        <a:srgbClr val="000000"/>
+                      </a:solidFill>
+                      <a:prstDash val="solid"/>
+                      <a:round/>
+                    </a:lnB>
+                  </a:tcPr>
+                </a:tc>
+                <a:tc>
+                  <a:txBody>
+                    <a:bodyPr vert="horz" wrap="square" lIns="91440" tIns="45720" rIns="91440" bIns="45720" anchor="t" anchorCtr="0">
+                      <a:spAutoFit/>
+                    </a:bodyPr>
+                    <a:p>
+                      <a:pPr>
+                        <a:defRPr/>
+                      </a:pPr>
+                      <a:endParaRPr lang="ko-KR" altLang="en-US"/>
+                    </a:p>
+                  </a:txBody>
+                  <a:tcPr marL="91440" marR="91440">
+                    <a:lnT w="12700" cap="flat" cmpd="sng" algn="ctr">
+                      <a:solidFill>
+                        <a:srgbClr val="000000"/>
+                      </a:solidFill>
+                      <a:prstDash val="solid"/>
+                      <a:round/>
+                    </a:lnT>
+                    <a:lnB w="12700" cap="flat" cmpd="sng" algn="ctr">
+                      <a:solidFill>
+                        <a:srgbClr val="000000"/>
+                      </a:solidFill>
+                      <a:prstDash val="solid"/>
+                      <a:round/>
+                    </a:lnB>
+                  </a:tcPr>
+                </a:tc>
+                <a:tc>
+                  <a:txBody>
+                    <a:bodyPr vert="horz" wrap="square" lIns="91440" tIns="45720" rIns="91440" bIns="45720" anchor="t" anchorCtr="0">
+                      <a:spAutoFit/>
+                    </a:bodyPr>
+                    <a:p>
+                      <a:pPr>
+                        <a:defRPr/>
+                      </a:pPr>
+                      <a:endParaRPr lang="ko-KR" altLang="en-US"/>
+                    </a:p>
+                  </a:txBody>
+                  <a:tcPr marL="91440" marR="91440">
+                    <a:lnT w="12700" cap="flat" cmpd="sng" algn="ctr">
+                      <a:solidFill>
+                        <a:srgbClr val="000000"/>
+                      </a:solidFill>
+                      <a:prstDash val="solid"/>
+                      <a:round/>
+                    </a:lnT>
+                    <a:lnB w="12700" cap="flat" cmpd="sng" algn="ctr">
+                      <a:solidFill>
+                        <a:srgbClr val="000000"/>
+                      </a:solidFill>
+                      <a:prstDash val="solid"/>
+                      <a:round/>
+                    </a:lnB>
+                  </a:tcPr>
+                </a:tc>
+                <a:tc>
+                  <a:txBody>
+                    <a:bodyPr vert="horz" wrap="square" lIns="91440" tIns="45720" rIns="91440" bIns="45720" anchor="t" anchorCtr="0">
+                      <a:spAutoFit/>
+                    </a:bodyPr>
+                    <a:p>
+                      <a:pPr>
+                        <a:defRPr/>
+                      </a:pPr>
+                      <a:endParaRPr lang="ko-KR" altLang="en-US"/>
+                    </a:p>
+                  </a:txBody>
+                  <a:tcPr marL="91440" marR="91440">
+                    <a:lnT w="12700" cap="flat" cmpd="sng" algn="ctr">
+                      <a:solidFill>
+                        <a:srgbClr val="000000"/>
+                      </a:solidFill>
+                      <a:prstDash val="solid"/>
+                      <a:round/>
+                    </a:lnT>
+                    <a:lnB w="12700" cap="flat" cmpd="sng" algn="ctr">
+                      <a:solidFill>
+                        <a:srgbClr val="000000"/>
+                      </a:solidFill>
+                      <a:prstDash val="solid"/>
+                      <a:round/>
+                    </a:lnB>
+                  </a:tcPr>
+                </a:tc>
+                <a:tc>
+                  <a:txBody>
+                    <a:bodyPr vert="horz" wrap="square" lIns="91440" tIns="45720" rIns="91440" bIns="45720" anchor="t" anchorCtr="0">
+                      <a:spAutoFit/>
+                    </a:bodyPr>
+                    <a:p>
+                      <a:pPr>
+                        <a:defRPr/>
+                      </a:pPr>
+                      <a:endParaRPr lang="ko-KR" altLang="en-US"/>
+                    </a:p>
+                  </a:txBody>
+                  <a:tcPr marL="91440" marR="91440">
+                    <a:lnT w="12700" cap="flat" cmpd="sng" algn="ctr">
+                      <a:solidFill>
+                        <a:srgbClr val="000000"/>
+                      </a:solidFill>
+                      <a:prstDash val="solid"/>
+                      <a:round/>
+                    </a:lnT>
+                    <a:lnB w="12700" cap="flat" cmpd="sng" algn="ctr">
+                      <a:solidFill>
+                        <a:srgbClr val="000000"/>
+                      </a:solidFill>
+                      <a:prstDash val="solid"/>
+                      <a:round/>
+                    </a:lnB>
+                  </a:tcPr>
+                </a:tc>
+                <a:tc>
+                  <a:txBody>
+                    <a:bodyPr vert="horz" wrap="square" lIns="91440" tIns="45720" rIns="91440" bIns="45720" anchor="t" anchorCtr="0">
+                      <a:spAutoFit/>
+                    </a:bodyPr>
+                    <a:p>
+                      <a:pPr>
+                        <a:defRPr/>
+                      </a:pPr>
+                      <a:endParaRPr lang="ko-KR" altLang="en-US"/>
+                    </a:p>
+                  </a:txBody>
+                  <a:tcPr marL="91440" marR="91440">
+                    <a:lnT w="12700" cap="flat" cmpd="sng" algn="ctr">
+                      <a:solidFill>
+                        <a:srgbClr val="000000"/>
+                      </a:solidFill>
+                      <a:prstDash val="solid"/>
+                      <a:round/>
+                    </a:lnT>
+                    <a:lnB w="12700" cap="flat" cmpd="sng" algn="ctr">
+                      <a:solidFill>
+                        <a:srgbClr val="000000"/>
+                      </a:solidFill>
+                      <a:prstDash val="solid"/>
+                      <a:round/>
+                    </a:lnB>
+                  </a:tcPr>
+                </a:tc>
+                <a:tc>
+                  <a:txBody>
+                    <a:bodyPr vert="horz" wrap="square" lIns="91440" tIns="45720" rIns="91440" bIns="45720" anchor="t" anchorCtr="0">
+                      <a:spAutoFit/>
+                    </a:bodyPr>
+                    <a:p>
+                      <a:pPr>
+                        <a:defRPr/>
+                      </a:pPr>
+                      <a:endParaRPr lang="ko-KR" altLang="en-US"/>
+                    </a:p>
+                  </a:txBody>
+                  <a:tcPr marL="91440" marR="91440">
+                    <a:lnR w="12700" cap="flat" cmpd="sng" algn="ctr">
+                      <a:solidFill>
+                        <a:srgbClr val="000000"/>
+                      </a:solidFill>
+                      <a:prstDash val="solid"/>
+                      <a:round/>
+                    </a:lnR>
+                    <a:lnT w="12700" cap="flat" cmpd="sng" algn="ctr">
+                      <a:solidFill>
+                        <a:srgbClr val="000000"/>
+                      </a:solidFill>
+                      <a:prstDash val="solid"/>
+                      <a:round/>
+                    </a:lnT>
+                    <a:lnB w="12700" cap="flat" cmpd="sng" algn="ctr">
+                      <a:solidFill>
+                        <a:srgbClr val="000000"/>
+                      </a:solidFill>
+                      <a:prstDash val="solid"/>
+                      <a:round/>
+                    </a:lnB>
+                  </a:tcPr>
+                </a:tc>
+                <a:tc>
+                  <a:txBody>
+                    <a:bodyPr vert="horz" wrap="square" lIns="91440" tIns="45720" rIns="91440" bIns="45720" anchor="t" anchorCtr="0">
+                      <a:spAutoFit/>
+                    </a:bodyPr>
+                    <a:p>
+                      <a:pPr algn="ctr">
+                        <a:defRPr/>
+                      </a:pPr>
+                      <a:endParaRPr lang="ko-KR" altLang="en-US"/>
+                    </a:p>
+                  </a:txBody>
+                  <a:tcPr marL="91440" marR="91440">
+                    <a:lnL w="12700" cap="flat" cmpd="sng" algn="ctr">
+                      <a:solidFill>
+                        <a:srgbClr val="000000"/>
+                      </a:solidFill>
+                      <a:prstDash val="solid"/>
+                      <a:round/>
+                    </a:lnL>
+                    <a:lnR w="12700" cap="flat" cmpd="sng" algn="ctr">
+                      <a:solidFill>
+                        <a:srgbClr val="000000"/>
+                      </a:solidFill>
+                      <a:prstDash val="solid"/>
+                      <a:round/>
+                    </a:lnR>
+                    <a:lnT w="12700" cap="flat" cmpd="sng" algn="ctr">
+                      <a:solidFill>
+                        <a:srgbClr val="000000"/>
+                      </a:solidFill>
+                      <a:prstDash val="solid"/>
+                      <a:round/>
+                    </a:lnT>
+                    <a:lnB w="12700" cap="flat" cmpd="sng" algn="ctr">
+                      <a:solidFill>
+                        <a:srgbClr val="000000"/>
+                      </a:solidFill>
+                      <a:prstDash val="solid"/>
+                      <a:round/>
+                    </a:lnB>
+                    <a:solidFill>
+                      <a:schemeClr val="lt1"/>
+                    </a:solidFill>
+                  </a:tcPr>
+                </a:tc>
+                <a:tc gridSpan="2">
+                  <a:txBody>
+                    <a:bodyPr vert="horz" wrap="square" lIns="91440" tIns="45720" rIns="91440" bIns="45720" anchor="t" anchorCtr="0">
+                      <a:spAutoFit/>
+                    </a:bodyPr>
+                    <a:p>
+                      <a:pPr algn="ctr">
+                        <a:defRPr/>
+                      </a:pPr>
+                      <a:endParaRPr lang="ko-KR" altLang="en-US"/>
+                    </a:p>
+                  </a:txBody>
+                  <a:tcPr marL="91440" marR="91440">
+                    <a:lnL w="12700" cap="flat" cmpd="sng" algn="ctr">
+                      <a:solidFill>
+                        <a:srgbClr val="000000"/>
+                      </a:solidFill>
+                      <a:prstDash val="solid"/>
+                      <a:round/>
+                    </a:lnL>
+                    <a:lnR w="12700" cap="flat" cmpd="sng" algn="ctr">
+                      <a:solidFill>
+                        <a:srgbClr val="000000"/>
+                      </a:solidFill>
+                      <a:prstDash val="solid"/>
+                      <a:round/>
+                    </a:lnR>
+                    <a:lnT w="12700" cap="flat" cmpd="sng" algn="ctr">
+                      <a:solidFill>
+                        <a:srgbClr val="000000"/>
+                      </a:solidFill>
+                      <a:prstDash val="solid"/>
+                      <a:round/>
+                    </a:lnT>
+                    <a:lnB w="12700" cap="flat" cmpd="sng" algn="ctr">
+                      <a:solidFill>
+                        <a:srgbClr val="000000"/>
+                      </a:solidFill>
+                      <a:prstDash val="solid"/>
+                      <a:round/>
+                    </a:lnB>
+                    <a:solidFill>
+                      <a:schemeClr val="lt1"/>
+                    </a:solidFill>
+                  </a:tcPr>
+                </a:tc>
+                <a:tc hMerge="1">
+                  <a:txBody>
+                    <a:bodyPr wrap="square">
+                      <a:spAutoFit/>
+                    </a:bodyPr>
+                    <a:p>
+                      <a:pPr>
+                        <a:defRPr/>
+                      </a:pPr>
+                      <a:endParaRPr lang="ko-KR" altLang="en-US"/>
+                    </a:p>
+                  </a:txBody>
+                  <a:tcPr marL="91440" marR="91440"/>
+                </a:tc>
+                <a:tc gridSpan="6">
+                  <a:txBody>
+                    <a:bodyPr vert="horz" wrap="square" lIns="91440" tIns="45720" rIns="91440" bIns="45720" anchor="t" anchorCtr="0">
+                      <a:spAutoFit/>
+                    </a:bodyPr>
+                    <a:p>
+                      <a:pPr algn="ctr">
+                        <a:defRPr/>
+                      </a:pPr>
+                      <a:r>
+                        <a:rPr lang="ko-KR" altLang="en-US"/>
+                        <a:t>테스트 및 디버깅</a:t>
+                      </a:r>
+                      <a:endParaRPr lang="ko-KR" altLang="en-US"/>
+                    </a:p>
+                  </a:txBody>
+                  <a:tcPr marL="91440" marR="91440">
+                    <a:lnL w="12700" cap="flat" cmpd="sng" algn="ctr">
+                      <a:solidFill>
+                        <a:srgbClr val="000000"/>
+                      </a:solidFill>
+                      <a:prstDash val="solid"/>
+                      <a:round/>
+                    </a:lnL>
+                    <a:lnT w="12700" cap="flat" cmpd="sng" algn="ctr">
+                      <a:solidFill>
+                        <a:srgbClr val="000000"/>
+                      </a:solidFill>
+                      <a:prstDash val="solid"/>
+                      <a:round/>
+                    </a:lnT>
+                    <a:lnB w="12700" cap="flat" cmpd="sng" algn="ctr">
+                      <a:solidFill>
+                        <a:srgbClr val="000000"/>
+                      </a:solidFill>
+                      <a:prstDash val="solid"/>
+                      <a:round/>
+                    </a:lnB>
+                    <a:solidFill>
+                      <a:srgbClr val="ffff00"/>
+                    </a:solidFill>
+                  </a:tcPr>
+                </a:tc>
+                <a:tc hMerge="1">
+                  <a:txBody>
+                    <a:bodyPr vert="horz" wrap="square" lIns="91440" tIns="45720" rIns="91440" bIns="45720" anchor="t" anchorCtr="0">
+                      <a:spAutoFit/>
+                    </a:bodyPr>
+                    <a:p>
+                      <a:pPr>
+                        <a:defRPr/>
+                      </a:pPr>
+                      <a:endParaRPr lang="ko-KR" altLang="en-US"/>
+                    </a:p>
+                  </a:txBody>
+                  <a:tcPr marL="91440" marR="91440">
+                    <a:lnT w="12700" cap="flat" cmpd="sng" algn="ctr">
+                      <a:solidFill>
+                        <a:srgbClr val="000000"/>
+                      </a:solidFill>
+                      <a:prstDash val="solid"/>
+                      <a:round/>
+                    </a:lnT>
+                    <a:lnB w="12700" cap="flat" cmpd="sng" algn="ctr">
+                      <a:solidFill>
+                        <a:srgbClr val="000000"/>
+                      </a:solidFill>
+                      <a:prstDash val="solid"/>
+                      <a:round/>
+                    </a:lnB>
+                  </a:tcPr>
+                </a:tc>
+                <a:tc hMerge="1">
+                  <a:txBody>
+                    <a:bodyPr vert="horz" wrap="square" lIns="91440" tIns="45720" rIns="91440" bIns="45720" anchor="t" anchorCtr="0">
+                      <a:spAutoFit/>
+                    </a:bodyPr>
+                    <a:p>
+                      <a:pPr>
+                        <a:defRPr/>
+                      </a:pPr>
+                      <a:endParaRPr lang="ko-KR" altLang="en-US"/>
+                    </a:p>
+                  </a:txBody>
+                  <a:tcPr marL="91440" marR="91440">
+                    <a:lnL w="12700" cap="flat" cmpd="sng" algn="ctr">
+                      <a:solidFill>
+                        <a:srgbClr val="000000"/>
+                      </a:solidFill>
+                      <a:prstDash val="solid"/>
+                      <a:round/>
+                    </a:lnL>
+                    <a:lnT w="12700" cap="flat" cmpd="sng" algn="ctr">
+                      <a:solidFill>
+                        <a:srgbClr val="000000"/>
+                      </a:solidFill>
+                      <a:prstDash val="solid"/>
+                      <a:round/>
+                    </a:lnT>
+                    <a:lnB w="12700" cap="flat" cmpd="sng" algn="ctr">
+                      <a:solidFill>
+                        <a:srgbClr val="000000"/>
+                      </a:solidFill>
+                      <a:prstDash val="solid"/>
+                      <a:round/>
+                    </a:lnB>
+                    <a:solidFill>
+                      <a:schemeClr val="lt1"/>
+                    </a:solidFill>
+                  </a:tcPr>
+                </a:tc>
+                <a:tc hMerge="1">
+                  <a:txBody>
+                    <a:bodyPr vert="horz" wrap="square" lIns="91440" tIns="45720" rIns="91440" bIns="45720" anchor="t" anchorCtr="0">
+                      <a:spAutoFit/>
+                    </a:bodyPr>
+                    <a:p>
+                      <a:pPr>
+                        <a:defRPr/>
+                      </a:pPr>
+                      <a:endParaRPr lang="ko-KR" altLang="en-US"/>
+                    </a:p>
+                  </a:txBody>
+                  <a:tcPr marL="91440" marR="91440">
+                    <a:lnT w="12700" cap="flat" cmpd="sng" algn="ctr">
+                      <a:solidFill>
+                        <a:srgbClr val="000000"/>
+                      </a:solidFill>
+                      <a:prstDash val="solid"/>
+                      <a:round/>
+                    </a:lnT>
+                    <a:lnB w="12700" cap="flat" cmpd="sng" algn="ctr">
+                      <a:solidFill>
+                        <a:srgbClr val="000000"/>
+                      </a:solidFill>
+                      <a:prstDash val="solid"/>
+                      <a:round/>
+                    </a:lnB>
+                  </a:tcPr>
+                </a:tc>
+                <a:tc hMerge="1">
+                  <a:txBody>
+                    <a:bodyPr vert="horz" wrap="square" lIns="91440" tIns="45720" rIns="91440" bIns="45720" anchor="t" anchorCtr="0">
+                      <a:spAutoFit/>
+                    </a:bodyPr>
+                    <a:p>
+                      <a:pPr>
+                        <a:defRPr/>
+                      </a:pPr>
+                      <a:endParaRPr lang="ko-KR" altLang="en-US"/>
+                    </a:p>
+                  </a:txBody>
+                  <a:tcPr marL="91440" marR="91440">
+                    <a:lnT w="12700" cap="flat" cmpd="sng" algn="ctr">
+                      <a:solidFill>
+                        <a:srgbClr val="000000"/>
+                      </a:solidFill>
+                      <a:prstDash val="solid"/>
+                      <a:round/>
+                    </a:lnT>
+                    <a:lnB w="12700" cap="flat" cmpd="sng" algn="ctr">
+                      <a:solidFill>
+                        <a:srgbClr val="000000"/>
+                      </a:solidFill>
+                      <a:prstDash val="solid"/>
+                      <a:round/>
+                    </a:lnB>
+                  </a:tcPr>
+                </a:tc>
+                <a:tc hMerge="1">
+                  <a:txBody>
+                    <a:bodyPr vert="horz" wrap="square" lIns="91440" tIns="45720" rIns="91440" bIns="45720" anchor="t" anchorCtr="0">
+                      <a:spAutoFit/>
+                    </a:bodyPr>
+                    <a:p>
+                      <a:pPr>
+                        <a:defRPr/>
+                      </a:pPr>
+                      <a:endParaRPr lang="ko-KR" altLang="en-US"/>
+                    </a:p>
+                  </a:txBody>
+                  <a:tcPr marL="91440" marR="91440">
+                    <a:lnT w="12700" cap="flat" cmpd="sng" algn="ctr">
+                      <a:solidFill>
+                        <a:srgbClr val="000000"/>
+                      </a:solidFill>
+                      <a:prstDash val="solid"/>
+                      <a:round/>
+                    </a:lnT>
+                    <a:lnB w="12700" cap="flat" cmpd="sng" algn="ctr">
+                      <a:solidFill>
+                        <a:srgbClr val="000000"/>
+                      </a:solidFill>
+                      <a:prstDash val="solid"/>
+                      <a:round/>
+                    </a:lnB>
+                  </a:tcPr>
+                </a:tc>
+                <a:tc>
+                  <a:txBody>
+                    <a:bodyPr vert="horz" wrap="square" lIns="91440" tIns="45720" rIns="91440" bIns="45720" anchor="t" anchorCtr="0">
+                      <a:spAutoFit/>
+                    </a:bodyPr>
+                    <a:p>
+                      <a:pPr>
+                        <a:defRPr/>
+                      </a:pPr>
+                      <a:endParaRPr lang="ko-KR" altLang="en-US"/>
+                    </a:p>
+                  </a:txBody>
+                  <a:tcPr marL="91440" marR="91440">
+                    <a:lnT w="12700" cap="flat" cmpd="sng" algn="ctr">
+                      <a:solidFill>
+                        <a:srgbClr val="000000"/>
+                      </a:solidFill>
+                      <a:prstDash val="solid"/>
+                      <a:round/>
+                    </a:lnT>
+                    <a:lnB w="12700" cap="flat" cmpd="sng" algn="ctr">
+                      <a:solidFill>
+                        <a:srgbClr val="000000"/>
+                      </a:solidFill>
+                      <a:prstDash val="solid"/>
+                      <a:round/>
+                    </a:lnB>
+                  </a:tcPr>
+                </a:tc>
+              </a:tr>
+              <a:tr h="184477">
+                <a:tc>
+                  <a:txBody>
+                    <a:bodyPr vert="horz" wrap="square" lIns="91440" tIns="45720" rIns="91440" bIns="45720" anchor="t" anchorCtr="0">
+                      <a:spAutoFit/>
+                    </a:bodyPr>
+                    <a:p>
+                      <a:pPr>
+                        <a:defRPr/>
+                      </a:pPr>
+                      <a:endParaRPr lang="ko-KR" altLang="en-US"/>
+                    </a:p>
+                  </a:txBody>
+                  <a:tcPr marL="91440" marR="91440">
+                    <a:lnT w="12700" cap="flat" cmpd="sng" algn="ctr">
+                      <a:solidFill>
+                        <a:srgbClr val="000000"/>
+                      </a:solidFill>
+                      <a:prstDash val="solid"/>
+                      <a:round/>
+                    </a:lnT>
+                    <a:lnB w="12700" cap="flat" cmpd="sng" algn="ctr">
+                      <a:solidFill>
+                        <a:srgbClr val="000000"/>
+                      </a:solidFill>
+                      <a:prstDash val="solid"/>
+                      <a:round/>
+                    </a:lnB>
+                  </a:tcPr>
+                </a:tc>
+                <a:tc>
+                  <a:txBody>
+                    <a:bodyPr vert="horz" wrap="square" lIns="91440" tIns="45720" rIns="91440" bIns="45720" anchor="t" anchorCtr="0">
+                      <a:spAutoFit/>
+                    </a:bodyPr>
+                    <a:p>
+                      <a:pPr>
+                        <a:defRPr/>
+                      </a:pPr>
+                      <a:endParaRPr lang="ko-KR" altLang="en-US"/>
+                    </a:p>
+                  </a:txBody>
+                  <a:tcPr marL="91440" marR="91440">
+                    <a:lnT w="12700" cap="flat" cmpd="sng" algn="ctr">
+                      <a:solidFill>
+                        <a:srgbClr val="000000"/>
+                      </a:solidFill>
+                      <a:prstDash val="solid"/>
+                      <a:round/>
+                    </a:lnT>
+                    <a:lnB w="12700" cap="flat" cmpd="sng" algn="ctr">
+                      <a:solidFill>
+                        <a:srgbClr val="000000"/>
+                      </a:solidFill>
+                      <a:prstDash val="solid"/>
+                      <a:round/>
+                    </a:lnB>
+                  </a:tcPr>
+                </a:tc>
+                <a:tc>
+                  <a:txBody>
+                    <a:bodyPr vert="horz" wrap="square" lIns="91440" tIns="45720" rIns="91440" bIns="45720" anchor="t" anchorCtr="0">
+                      <a:spAutoFit/>
+                    </a:bodyPr>
+                    <a:p>
+                      <a:pPr>
+                        <a:defRPr/>
+                      </a:pPr>
+                      <a:endParaRPr lang="ko-KR" altLang="en-US"/>
+                    </a:p>
+                  </a:txBody>
+                  <a:tcPr marL="91440" marR="91440">
+                    <a:lnT w="12700" cap="flat" cmpd="sng" algn="ctr">
+                      <a:solidFill>
+                        <a:srgbClr val="000000"/>
+                      </a:solidFill>
+                      <a:prstDash val="solid"/>
+                      <a:round/>
+                    </a:lnT>
+                    <a:lnB w="12700" cap="flat" cmpd="sng" algn="ctr">
+                      <a:solidFill>
+                        <a:srgbClr val="000000"/>
+                      </a:solidFill>
+                      <a:prstDash val="solid"/>
+                      <a:round/>
+                    </a:lnB>
+                  </a:tcPr>
+                </a:tc>
+                <a:tc>
+                  <a:txBody>
+                    <a:bodyPr vert="horz" wrap="square" lIns="91440" tIns="45720" rIns="91440" bIns="45720" anchor="t" anchorCtr="0">
+                      <a:spAutoFit/>
+                    </a:bodyPr>
+                    <a:p>
+                      <a:pPr>
+                        <a:defRPr/>
+                      </a:pPr>
+                      <a:endParaRPr lang="ko-KR" altLang="en-US"/>
+                    </a:p>
+                  </a:txBody>
+                  <a:tcPr marL="91440" marR="91440">
+                    <a:lnT w="12700" cap="flat" cmpd="sng" algn="ctr">
+                      <a:solidFill>
+                        <a:srgbClr val="000000"/>
+                      </a:solidFill>
+                      <a:prstDash val="solid"/>
+                      <a:round/>
+                    </a:lnT>
+                    <a:lnB w="12700" cap="flat" cmpd="sng" algn="ctr">
+                      <a:solidFill>
+                        <a:srgbClr val="000000"/>
+                      </a:solidFill>
+                      <a:prstDash val="solid"/>
+                      <a:round/>
+                    </a:lnB>
+                  </a:tcPr>
+                </a:tc>
+                <a:tc>
+                  <a:txBody>
+                    <a:bodyPr vert="horz" wrap="square" lIns="91440" tIns="45720" rIns="91440" bIns="45720" anchor="t" anchorCtr="0">
+                      <a:spAutoFit/>
+                    </a:bodyPr>
+                    <a:p>
+                      <a:pPr>
+                        <a:defRPr/>
+                      </a:pPr>
+                      <a:endParaRPr lang="ko-KR" altLang="en-US"/>
+                    </a:p>
+                  </a:txBody>
+                  <a:tcPr marL="91440" marR="91440">
+                    <a:lnT w="12700" cap="flat" cmpd="sng" algn="ctr">
+                      <a:solidFill>
+                        <a:srgbClr val="000000"/>
+                      </a:solidFill>
+                      <a:prstDash val="solid"/>
+                      <a:round/>
+                    </a:lnT>
+                    <a:lnB w="12700" cap="flat" cmpd="sng" algn="ctr">
+                      <a:solidFill>
+                        <a:srgbClr val="000000"/>
+                      </a:solidFill>
+                      <a:prstDash val="solid"/>
+                      <a:round/>
+                    </a:lnB>
+                  </a:tcPr>
+                </a:tc>
+                <a:tc>
+                  <a:txBody>
+                    <a:bodyPr vert="horz" wrap="square" lIns="91440" tIns="45720" rIns="91440" bIns="45720" anchor="t" anchorCtr="0">
+                      <a:spAutoFit/>
+                    </a:bodyPr>
+                    <a:p>
+                      <a:pPr>
+                        <a:defRPr/>
+                      </a:pPr>
+                      <a:endParaRPr lang="ko-KR" altLang="en-US"/>
+                    </a:p>
+                  </a:txBody>
+                  <a:tcPr marL="91440" marR="91440">
+                    <a:lnT w="12700" cap="flat" cmpd="sng" algn="ctr">
+                      <a:solidFill>
+                        <a:srgbClr val="000000"/>
+                      </a:solidFill>
+                      <a:prstDash val="solid"/>
+                      <a:round/>
+                    </a:lnT>
+                    <a:lnB w="12700" cap="flat" cmpd="sng" algn="ctr">
+                      <a:solidFill>
+                        <a:srgbClr val="000000"/>
+                      </a:solidFill>
+                      <a:prstDash val="solid"/>
+                      <a:round/>
+                    </a:lnB>
+                  </a:tcPr>
+                </a:tc>
+                <a:tc>
+                  <a:txBody>
+                    <a:bodyPr vert="horz" wrap="square" lIns="91440" tIns="45720" rIns="91440" bIns="45720" anchor="t" anchorCtr="0">
+                      <a:spAutoFit/>
+                    </a:bodyPr>
+                    <a:p>
+                      <a:pPr>
+                        <a:defRPr/>
+                      </a:pPr>
+                      <a:endParaRPr lang="ko-KR" altLang="en-US"/>
+                    </a:p>
+                  </a:txBody>
+                  <a:tcPr marL="91440" marR="91440">
+                    <a:lnR w="12700" cap="flat" cmpd="sng" algn="ctr">
+                      <a:solidFill>
+                        <a:srgbClr val="000000"/>
+                      </a:solidFill>
+                      <a:prstDash val="solid"/>
+                      <a:round/>
+                    </a:lnR>
+                    <a:lnT w="12700" cap="flat" cmpd="sng" algn="ctr">
+                      <a:solidFill>
+                        <a:srgbClr val="000000"/>
+                      </a:solidFill>
+                      <a:prstDash val="solid"/>
+                      <a:round/>
+                    </a:lnT>
+                    <a:lnB w="12700" cap="flat" cmpd="sng" algn="ctr">
+                      <a:solidFill>
+                        <a:srgbClr val="000000"/>
+                      </a:solidFill>
+                      <a:prstDash val="solid"/>
+                      <a:round/>
+                    </a:lnB>
+                  </a:tcPr>
+                </a:tc>
+                <a:tc>
+                  <a:txBody>
+                    <a:bodyPr vert="horz" wrap="square" lIns="91440" tIns="45720" rIns="91440" bIns="45720" anchor="t" anchorCtr="0">
+                      <a:spAutoFit/>
+                    </a:bodyPr>
+                    <a:p>
+                      <a:pPr algn="ctr">
+                        <a:defRPr/>
+                      </a:pPr>
+                      <a:endParaRPr lang="ko-KR" altLang="en-US"/>
+                    </a:p>
+                  </a:txBody>
+                  <a:tcPr marL="91440" marR="91440">
+                    <a:lnL w="12700" cap="flat" cmpd="sng" algn="ctr">
+                      <a:solidFill>
+                        <a:srgbClr val="000000"/>
+                      </a:solidFill>
+                      <a:prstDash val="solid"/>
+                      <a:round/>
+                    </a:lnL>
+                    <a:lnR w="12700" cap="flat" cmpd="sng" algn="ctr">
+                      <a:solidFill>
+                        <a:srgbClr val="000000"/>
+                      </a:solidFill>
+                      <a:prstDash val="solid"/>
+                      <a:round/>
+                    </a:lnR>
+                    <a:lnT w="12700" cap="flat" cmpd="sng" algn="ctr">
+                      <a:solidFill>
+                        <a:srgbClr val="000000"/>
+                      </a:solidFill>
+                      <a:prstDash val="solid"/>
+                      <a:round/>
+                    </a:lnT>
+                    <a:lnB w="12700" cap="flat" cmpd="sng" algn="ctr">
+                      <a:solidFill>
+                        <a:srgbClr val="000000"/>
+                      </a:solidFill>
+                      <a:prstDash val="solid"/>
+                      <a:round/>
+                    </a:lnB>
+                    <a:solidFill>
+                      <a:schemeClr val="lt1"/>
+                    </a:solidFill>
+                  </a:tcPr>
+                </a:tc>
+                <a:tc gridSpan="2">
+                  <a:txBody>
+                    <a:bodyPr vert="horz" wrap="square" lIns="91440" tIns="45720" rIns="91440" bIns="45720" anchor="t" anchorCtr="0">
+                      <a:spAutoFit/>
+                    </a:bodyPr>
+                    <a:p>
+                      <a:pPr algn="ctr">
+                        <a:defRPr/>
+                      </a:pPr>
+                      <a:endParaRPr lang="ko-KR" altLang="en-US"/>
+                    </a:p>
+                  </a:txBody>
+                  <a:tcPr marL="91440" marR="91440">
+                    <a:lnL w="12700" cap="flat" cmpd="sng" algn="ctr">
+                      <a:solidFill>
+                        <a:srgbClr val="000000"/>
+                      </a:solidFill>
+                      <a:prstDash val="solid"/>
+                      <a:round/>
+                    </a:lnL>
+                    <a:lnR w="12700" cap="flat" cmpd="sng" algn="ctr">
+                      <a:solidFill>
+                        <a:srgbClr val="000000"/>
+                      </a:solidFill>
+                      <a:prstDash val="solid"/>
+                      <a:round/>
+                    </a:lnR>
+                    <a:lnT w="12700" cap="flat" cmpd="sng" algn="ctr">
+                      <a:solidFill>
+                        <a:srgbClr val="000000"/>
+                      </a:solidFill>
+                      <a:prstDash val="solid"/>
+                      <a:round/>
+                    </a:lnT>
+                    <a:lnB w="12700" cap="flat" cmpd="sng" algn="ctr">
+                      <a:solidFill>
+                        <a:srgbClr val="000000"/>
+                      </a:solidFill>
+                      <a:prstDash val="solid"/>
+                      <a:round/>
+                    </a:lnB>
+                    <a:solidFill>
+                      <a:schemeClr val="lt1"/>
+                    </a:solidFill>
+                  </a:tcPr>
+                </a:tc>
+                <a:tc hMerge="1">
+                  <a:txBody>
+                    <a:bodyPr wrap="square">
+                      <a:spAutoFit/>
+                    </a:bodyPr>
+                    <a:p>
+                      <a:pPr>
+                        <a:defRPr/>
+                      </a:pPr>
+                      <a:endParaRPr lang="ko-KR" altLang="en-US"/>
+                    </a:p>
+                  </a:txBody>
+                  <a:tcPr marL="91440" marR="91440"/>
+                </a:tc>
+                <a:tc gridSpan="2">
+                  <a:txBody>
+                    <a:bodyPr vert="horz" wrap="square" lIns="91440" tIns="45720" rIns="91440" bIns="45720" anchor="t" anchorCtr="0">
+                      <a:spAutoFit/>
+                    </a:bodyPr>
+                    <a:p>
+                      <a:pPr algn="ctr">
+                        <a:defRPr/>
+                      </a:pPr>
+                      <a:endParaRPr lang="ko-KR" altLang="en-US"/>
+                    </a:p>
+                  </a:txBody>
+                  <a:tcPr marL="91440" marR="91440">
+                    <a:lnL w="12700" cap="flat" cmpd="sng" algn="ctr">
+                      <a:solidFill>
+                        <a:srgbClr val="000000"/>
+                      </a:solidFill>
+                      <a:prstDash val="solid"/>
+                      <a:round/>
+                    </a:lnL>
+                    <a:lnR w="12700" cap="flat" cmpd="sng" algn="ctr">
+                      <a:solidFill>
+                        <a:srgbClr val="000000"/>
+                      </a:solidFill>
+                      <a:prstDash val="solid"/>
+                      <a:round/>
+                    </a:lnR>
+                    <a:lnT w="12700" cap="flat" cmpd="sng" algn="ctr">
+                      <a:solidFill>
+                        <a:srgbClr val="000000"/>
+                      </a:solidFill>
+                      <a:prstDash val="solid"/>
+                      <a:round/>
+                    </a:lnT>
+                    <a:lnB w="12700" cap="flat" cmpd="sng" algn="ctr">
+                      <a:solidFill>
+                        <a:srgbClr val="000000"/>
+                      </a:solidFill>
+                      <a:prstDash val="solid"/>
+                      <a:round/>
+                    </a:lnB>
+                    <a:solidFill>
+                      <a:schemeClr val="lt1"/>
+                    </a:solidFill>
+                  </a:tcPr>
+                </a:tc>
+                <a:tc hMerge="1">
+                  <a:txBody>
+                    <a:bodyPr vert="horz" wrap="square" lIns="91440" tIns="45720" rIns="91440" bIns="45720" anchor="t" anchorCtr="0">
+                      <a:spAutoFit/>
+                    </a:bodyPr>
+                    <a:p>
+                      <a:pPr>
+                        <a:defRPr/>
+                      </a:pPr>
+                      <a:endParaRPr lang="ko-KR" altLang="en-US"/>
+                    </a:p>
+                  </a:txBody>
+                  <a:tcPr marL="91440" marR="91440">
+                    <a:lnT w="12700" cap="flat" cmpd="sng" algn="ctr">
+                      <a:solidFill>
+                        <a:srgbClr val="000000"/>
+                      </a:solidFill>
+                      <a:prstDash val="solid"/>
+                      <a:round/>
+                    </a:lnT>
+                    <a:lnB w="12700" cap="flat" cmpd="sng" algn="ctr">
+                      <a:solidFill>
+                        <a:srgbClr val="000000"/>
+                      </a:solidFill>
+                      <a:prstDash val="solid"/>
+                      <a:round/>
+                    </a:lnB>
+                  </a:tcPr>
+                </a:tc>
+                <a:tc>
+                  <a:txBody>
+                    <a:bodyPr vert="horz" wrap="square" lIns="91440" tIns="45720" rIns="91440" bIns="45720" anchor="t" anchorCtr="0">
+                      <a:spAutoFit/>
+                    </a:bodyPr>
+                    <a:p>
+                      <a:pPr algn="ctr">
+                        <a:defRPr/>
+                      </a:pPr>
+                      <a:endParaRPr lang="ko-KR" altLang="en-US"/>
+                    </a:p>
+                  </a:txBody>
+                  <a:tcPr marL="91440" marR="91440">
+                    <a:lnL w="12700" cap="flat" cmpd="sng" algn="ctr">
+                      <a:solidFill>
+                        <a:srgbClr val="000000"/>
+                      </a:solidFill>
+                      <a:prstDash val="solid"/>
+                      <a:round/>
+                    </a:lnL>
+                    <a:lnT w="12700" cap="flat" cmpd="sng" algn="ctr">
+                      <a:solidFill>
+                        <a:srgbClr val="000000"/>
+                      </a:solidFill>
+                      <a:prstDash val="solid"/>
+                      <a:round/>
+                    </a:lnT>
+                    <a:lnB w="12700" cap="flat" cmpd="sng" algn="ctr">
+                      <a:solidFill>
+                        <a:srgbClr val="000000"/>
+                      </a:solidFill>
+                      <a:prstDash val="solid"/>
+                      <a:round/>
+                    </a:lnB>
+                    <a:solidFill>
+                      <a:schemeClr val="lt1"/>
+                    </a:solidFill>
+                  </a:tcPr>
+                </a:tc>
+                <a:tc>
+                  <a:txBody>
+                    <a:bodyPr vert="horz" wrap="square" lIns="91440" tIns="45720" rIns="91440" bIns="45720" anchor="t" anchorCtr="0">
+                      <a:spAutoFit/>
+                    </a:bodyPr>
+                    <a:p>
+                      <a:pPr>
+                        <a:defRPr/>
+                      </a:pPr>
+                      <a:endParaRPr lang="ko-KR" altLang="en-US"/>
+                    </a:p>
+                  </a:txBody>
+                  <a:tcPr marL="91440" marR="91440">
+                    <a:lnT w="12700" cap="flat" cmpd="sng" algn="ctr">
+                      <a:solidFill>
+                        <a:srgbClr val="000000"/>
+                      </a:solidFill>
+                      <a:prstDash val="solid"/>
+                      <a:round/>
+                    </a:lnT>
+                    <a:lnB w="12700" cap="flat" cmpd="sng" algn="ctr">
+                      <a:solidFill>
+                        <a:srgbClr val="000000"/>
+                      </a:solidFill>
+                      <a:prstDash val="solid"/>
+                      <a:round/>
+                    </a:lnB>
+                  </a:tcPr>
+                </a:tc>
+                <a:tc gridSpan="3">
+                  <a:txBody>
+                    <a:bodyPr vert="horz" wrap="square" lIns="91440" tIns="45720" rIns="91440" bIns="45720" anchor="t" anchorCtr="0">
+                      <a:spAutoFit/>
+                    </a:bodyPr>
+                    <a:p>
+                      <a:pPr algn="ctr">
+                        <a:defRPr/>
+                      </a:pPr>
+                      <a:r>
+                        <a:rPr lang="ko-KR" altLang="en-US"/>
+                        <a:t>최종 발표 및 보고서 준비</a:t>
+                      </a:r>
+                      <a:endParaRPr lang="ko-KR" altLang="en-US"/>
+                    </a:p>
+                  </a:txBody>
+                  <a:tcPr marL="91440" marR="91440">
+                    <a:lnT w="12700" cap="flat" cmpd="sng" algn="ctr">
+                      <a:solidFill>
+                        <a:srgbClr val="000000"/>
+                      </a:solidFill>
+                      <a:prstDash val="solid"/>
+                      <a:round/>
+                    </a:lnT>
+                    <a:lnB w="12700" cap="flat" cmpd="sng" algn="ctr">
+                      <a:solidFill>
+                        <a:srgbClr val="000000"/>
+                      </a:solidFill>
+                      <a:prstDash val="solid"/>
+                      <a:round/>
+                    </a:lnB>
+                    <a:solidFill>
+                      <a:srgbClr val="ffff00"/>
+                    </a:solidFill>
+                  </a:tcPr>
+                </a:tc>
+                <a:tc hMerge="1">
+                  <a:txBody>
+                    <a:bodyPr vert="horz" wrap="square" lIns="91440" tIns="45720" rIns="91440" bIns="45720" anchor="t" anchorCtr="0">
+                      <a:spAutoFit/>
+                    </a:bodyPr>
+                    <a:p>
+                      <a:pPr>
+                        <a:defRPr/>
+                      </a:pPr>
+                      <a:endParaRPr lang="ko-KR" altLang="en-US"/>
+                    </a:p>
+                  </a:txBody>
+                  <a:tcPr marL="91440" marR="91440">
+                    <a:lnT w="12700" cap="flat" cmpd="sng" algn="ctr">
+                      <a:solidFill>
+                        <a:srgbClr val="000000"/>
+                      </a:solidFill>
+                      <a:prstDash val="solid"/>
+                      <a:round/>
+                    </a:lnT>
+                    <a:lnB w="12700" cap="flat" cmpd="sng" algn="ctr">
+                      <a:solidFill>
+                        <a:srgbClr val="000000"/>
+                      </a:solidFill>
+                      <a:prstDash val="solid"/>
+                      <a:round/>
+                    </a:lnB>
+                  </a:tcPr>
+                </a:tc>
+                <a:tc hMerge="1">
+                  <a:txBody>
+                    <a:bodyPr vert="horz" wrap="square" lIns="91440" tIns="45720" rIns="91440" bIns="45720" anchor="t" anchorCtr="0">
+                      <a:spAutoFit/>
+                    </a:bodyPr>
+                    <a:p>
+                      <a:pPr>
+                        <a:defRPr/>
+                      </a:pPr>
+                      <a:endParaRPr lang="ko-KR" altLang="en-US"/>
+                    </a:p>
+                  </a:txBody>
+                  <a:tcPr marL="91440" marR="91440">
+                    <a:lnT w="12700" cap="flat" cmpd="sng" algn="ctr">
+                      <a:solidFill>
+                        <a:srgbClr val="000000"/>
+                      </a:solidFill>
+                      <a:prstDash val="solid"/>
+                      <a:round/>
+                    </a:lnT>
+                    <a:lnB w="12700" cap="flat" cmpd="sng" algn="ctr">
+                      <a:solidFill>
+                        <a:srgbClr val="000000"/>
+                      </a:solidFill>
+                      <a:prstDash val="solid"/>
+                      <a:round/>
+                    </a:lnB>
+                  </a:tcPr>
+                </a:tc>
+              </a:tr>
+            </a:tbl>
+          </a:graphicData>
+        </a:graphic>
+      </p:graphicFrame>
+    </p:spTree>
+  </p:cSld>
+  <p:clrMapOvr>
+    <a:masterClrMapping/>
+  </p:clrMapOvr>
+  <mc:AlternateContent xmlns:mc="http://schemas.openxmlformats.org/markup-compatibility/2006">
+    <mc:Choice xmlns:p14="http://schemas.microsoft.com/office/powerpoint/2010/main" Requires="p14">
+      <p:transition xmlns:mc="http://schemas.openxmlformats.org/markup-compatibility/2006" xmlns:p14="http://schemas.microsoft.com/office/powerpoint/2010/main" mc:Ignorable="p14" p14:dur="500"/>
+    </mc:Choice>
+    <mc:Fallback>
+      <p:transition/>
+    </mc:Fallback>
+  </mc:AlternateContent>
+</p:sld>
+</file>
+
 <file path=ppt/slides/slide2.xml><?xml version="1.0" encoding="utf-8"?>
 <p:sld xmlns:a="http://schemas.openxmlformats.org/drawingml/2006/main" xmlns:r="http://schemas.openxmlformats.org/officeDocument/2006/relationships" xmlns:p="http://schemas.openxmlformats.org/presentationml/2006/main">
   <p:cSld>
@@ -17275,6 +21541,34 @@
               <a:defRPr/>
             </a:pPr>
             <a:r>
+              <a:rPr lang="ko-KR" altLang="en-US" sz="2400"/>
+              <a:t>음성 파일과 소음 파일 합성</a:t>
+            </a:r>
+            <a:endParaRPr lang="ko-KR" altLang="en-US" sz="2400"/>
+          </a:p>
+          <a:p>
+            <a:pPr marL="457200" indent="-457200">
+              <a:buFont typeface="Arial"/>
+              <a:buChar char="•"/>
+              <a:defRPr/>
+            </a:pPr>
+            <a:r>
+              <a:rPr lang="en-US" altLang="ko-KR" sz="2400"/>
+              <a:t>Cloud STT API</a:t>
+            </a:r>
+            <a:r>
+              <a:rPr lang="ko-KR" altLang="en-US" sz="2400"/>
+              <a:t>를 통해 음성 인식</a:t>
+            </a:r>
+            <a:endParaRPr lang="ko-KR" altLang="en-US" sz="2400"/>
+          </a:p>
+          <a:p>
+            <a:pPr marL="457200" indent="-457200">
+              <a:buFont typeface="Arial"/>
+              <a:buChar char="•"/>
+              <a:defRPr/>
+            </a:pPr>
+            <a:r>
               <a:rPr lang="en-US" altLang="ko-KR" sz="2400"/>
               <a:t>MFCC</a:t>
             </a:r>
@@ -17405,30 +21699,10 @@
               <a:defRPr/>
             </a:pPr>
             <a:r>
-              <a:rPr lang="en-US" altLang="ko-KR" sz="2800"/>
-              <a:t>MFCC</a:t>
-            </a:r>
-            <a:r>
               <a:rPr lang="ko-KR" altLang="en-US" sz="2800"/>
-              <a:t> 란</a:t>
-            </a:r>
-            <a:r>
-              <a:rPr lang="en-US" altLang="ko-KR" sz="2800"/>
-              <a:t>?</a:t>
-            </a:r>
-            <a:endParaRPr lang="en-US" altLang="ko-KR" sz="2800"/>
-          </a:p>
-          <a:p>
-            <a:pPr marL="800100" lvl="1" indent="-342900">
-              <a:buFont typeface="Arial"/>
-              <a:buChar char="•"/>
-              <a:defRPr/>
-            </a:pPr>
-            <a:r>
-              <a:rPr lang="en-US" altLang="ko-KR" sz="2000"/>
-              <a:t>Mel Frequency Cepstral Coefficient</a:t>
-            </a:r>
-            <a:endParaRPr lang="en-US" altLang="ko-KR" sz="2000"/>
+              <a:t>음성 파일과 소음 파일 합성</a:t>
+            </a:r>
+            <a:endParaRPr lang="ko-KR" altLang="en-US" sz="2800"/>
           </a:p>
           <a:p>
             <a:pPr marL="800100" lvl="1" indent="-342900">
@@ -17438,11 +21712,19 @@
             </a:pPr>
             <a:endParaRPr lang="en-US" altLang="ko-KR" sz="2000"/>
           </a:p>
+          <a:p>
+            <a:pPr marL="800100" lvl="1" indent="-342900">
+              <a:buFont typeface="Arial"/>
+              <a:buChar char="•"/>
+              <a:defRPr/>
+            </a:pPr>
+            <a:endParaRPr lang="en-US" altLang="ko-KR" sz="2000"/>
+          </a:p>
         </p:txBody>
       </p:sp>
       <p:pic>
         <p:nvPicPr>
-          <p:cNvPr id="11" name=""/>
+          <p:cNvPr id="13" name=""/>
           <p:cNvPicPr>
             <a:picLocks noChangeAspect="1"/>
           </p:cNvPicPr>
@@ -17456,53 +21738,14 @@
         </p:blipFill>
         <p:spPr>
           <a:xfrm>
-            <a:off x="5434013" y="2168682"/>
-            <a:ext cx="6400800" cy="4143375"/>
+            <a:off x="6305872" y="1921994"/>
+            <a:ext cx="5534025" cy="3971925"/>
           </a:xfrm>
           <a:prstGeom prst="rect">
             <a:avLst/>
           </a:prstGeom>
         </p:spPr>
       </p:pic>
-      <p:sp>
-        <p:nvSpPr>
-          <p:cNvPr id="12" name=""/>
-          <p:cNvSpPr txBox="1"/>
-          <p:nvPr/>
-        </p:nvSpPr>
-        <p:spPr>
-          <a:xfrm>
-            <a:off x="6963978" y="6312057"/>
-            <a:ext cx="3783540" cy="363063"/>
-          </a:xfrm>
-          <a:prstGeom prst="rect">
-            <a:avLst/>
-          </a:prstGeom>
-        </p:spPr>
-        <p:txBody>
-          <a:bodyPr wrap="square">
-            <a:spAutoFit/>
-          </a:bodyPr>
-          <a:p>
-            <a:pPr>
-              <a:defRPr/>
-            </a:pPr>
-            <a:r>
-              <a:rPr lang="en-US" altLang="ko-KR"/>
-              <a:t>Block Diagram of MFCC</a:t>
-            </a:r>
-            <a:r>
-              <a:rPr lang="ko-KR" altLang="en-US"/>
-              <a:t> </a:t>
-            </a:r>
-            <a:r>
-              <a:rPr lang="en-US" altLang="ko-KR"/>
-              <a:t>Algorithm</a:t>
-            </a:r>
-            <a:endParaRPr lang="en-US" altLang="ko-KR"/>
-          </a:p>
-        </p:txBody>
-      </p:sp>
     </p:spTree>
   </p:cSld>
   <p:clrMapOvr>
@@ -17564,8 +21807,8 @@
               <a:t>결과 보고</a:t>
             </a:r>
             <a:endParaRPr lang="zh-CN" altLang="en-US" sz="6000">
-              <a:latin typeface="굴림"/>
-              <a:ea typeface="굴림"/>
+              <a:latin typeface="Microsoft YaHei"/>
+              <a:ea typeface="Microsoft YaHei"/>
             </a:endParaRPr>
           </a:p>
         </p:txBody>
@@ -17582,7 +21825,7 @@
         </p:nvSpPr>
         <p:spPr>
           <a:xfrm>
-            <a:off x="309638" y="2169000"/>
+            <a:off x="310238" y="2169000"/>
             <a:ext cx="10800000" cy="2520000"/>
           </a:xfrm>
         </p:spPr>
@@ -17599,29 +21842,13 @@
             </a:pPr>
             <a:r>
               <a:rPr lang="en-US" altLang="ko-KR" sz="2800"/>
-              <a:t>DS - CNN</a:t>
+              <a:t>Cloud STT API </a:t>
             </a:r>
             <a:r>
               <a:rPr lang="ko-KR" altLang="en-US" sz="2800"/>
-              <a:t> 이란</a:t>
-            </a:r>
-            <a:r>
-              <a:rPr lang="en-US" altLang="ko-KR" sz="2800"/>
-              <a:t>?</a:t>
-            </a:r>
-            <a:endParaRPr lang="en-US" altLang="ko-KR" sz="2800"/>
-          </a:p>
-          <a:p>
-            <a:pPr marL="800100" lvl="1" indent="-342900">
-              <a:buFont typeface="Arial"/>
-              <a:buChar char="•"/>
-              <a:defRPr/>
-            </a:pPr>
-            <a:r>
-              <a:rPr lang="en-US" altLang="ko-KR" sz="2000"/>
-              <a:t>Decoder-side Scalable CNN</a:t>
-            </a:r>
-            <a:endParaRPr lang="en-US" altLang="ko-KR" sz="2000"/>
+              <a:t>통해 음성인식</a:t>
+            </a:r>
+            <a:endParaRPr lang="ko-KR" altLang="en-US" sz="2800"/>
           </a:p>
           <a:p>
             <a:pPr marL="800100" lvl="1" indent="-342900">
@@ -17631,70 +21858,13 @@
             </a:pPr>
             <a:endParaRPr lang="en-US" altLang="ko-KR" sz="2000"/>
           </a:p>
-        </p:txBody>
-      </p:sp>
-      <p:pic>
-        <p:nvPicPr>
-          <p:cNvPr id="11" name=""/>
-          <p:cNvPicPr>
-            <a:picLocks noChangeAspect="1"/>
-          </p:cNvPicPr>
-          <p:nvPr/>
-        </p:nvPicPr>
-        <p:blipFill rotWithShape="1">
-          <a:blip r:embed="rId3"/>
-          <a:stretch>
-            <a:fillRect/>
-          </a:stretch>
-        </p:blipFill>
-        <p:spPr>
-          <a:xfrm>
-            <a:off x="6386306" y="2169000"/>
-            <a:ext cx="4977694" cy="3924299"/>
-          </a:xfrm>
-          <a:prstGeom prst="rect">
-            <a:avLst/>
-          </a:prstGeom>
-        </p:spPr>
-      </p:pic>
-      <p:sp>
-        <p:nvSpPr>
-          <p:cNvPr id="12" name=""/>
-          <p:cNvSpPr txBox="1"/>
-          <p:nvPr/>
-        </p:nvSpPr>
-        <p:spPr>
-          <a:xfrm>
-            <a:off x="6445262" y="6316781"/>
-            <a:ext cx="5278882" cy="367544"/>
-          </a:xfrm>
-          <a:prstGeom prst="rect">
-            <a:avLst/>
-          </a:prstGeom>
-        </p:spPr>
-        <p:txBody>
-          <a:bodyPr wrap="square">
-            <a:spAutoFit/>
-          </a:bodyPr>
-          <a:lstStyle/>
-          <a:p>
-            <a:pPr>
-              <a:defRPr>
-                <a:latin typeface="맑은 고딕"/>
-                <a:ea typeface="맑은 고딕"/>
-              </a:defRPr>
+          <a:p>
+            <a:pPr marL="800100" lvl="1" indent="-342900">
+              <a:buFont typeface="Arial"/>
+              <a:buChar char="•"/>
+              <a:defRPr/>
             </a:pPr>
-            <a:r>
-              <a:rPr lang="en-US" altLang="ko-KR">
-                <a:latin typeface="맑은 고딕"/>
-                <a:ea typeface="맑은 고딕"/>
-              </a:rPr>
-              <a:t>An Example of Application Scenario of DS-CNN</a:t>
-            </a:r>
-            <a:endParaRPr lang="en-US" altLang="ko-KR">
-              <a:latin typeface="맑은 고딕"/>
-              <a:ea typeface="맑은 고딕"/>
-            </a:endParaRPr>
+            <a:endParaRPr lang="en-US" altLang="ko-KR" sz="2000"/>
           </a:p>
         </p:txBody>
       </p:sp>
@@ -17733,287 +21903,161 @@
       </p:grpSpPr>
       <p:sp>
         <p:nvSpPr>
-          <p:cNvPr id="4" name="文本占位符 9"/>
-          <p:cNvSpPr txBox="1"/>
-          <p:nvPr/>
-        </p:nvSpPr>
-        <p:spPr>
-          <a:xfrm>
-            <a:off x="1392000" y="2169000"/>
+          <p:cNvPr id="9" name="标题 8"/>
+          <p:cNvSpPr>
+            <a:spLocks noGrp="1"/>
+          </p:cNvSpPr>
+          <p:nvPr>
+            <p:ph type="title" idx="0"/>
+          </p:nvPr>
+        </p:nvSpPr>
+        <p:spPr>
+          <a:xfrm>
+            <a:off x="826625" y="4867539"/>
+            <a:ext cx="3479368" cy="1633014"/>
+          </a:xfrm>
+        </p:spPr>
+        <p:txBody>
+          <a:bodyPr/>
+          <a:lstStyle/>
+          <a:p>
+            <a:pPr lvl="0">
+              <a:defRPr/>
+            </a:pPr>
+            <a:r>
+              <a:rPr lang="ko-KR" altLang="en-US" sz="6000"/>
+              <a:t>결과 보고</a:t>
+            </a:r>
+            <a:endParaRPr lang="zh-CN" altLang="en-US" sz="6000">
+              <a:latin typeface="Microsoft YaHei"/>
+              <a:ea typeface="Microsoft YaHei"/>
+            </a:endParaRPr>
+          </a:p>
+        </p:txBody>
+      </p:sp>
+      <p:sp>
+        <p:nvSpPr>
+          <p:cNvPr id="10" name="文本占位符 9"/>
+          <p:cNvSpPr>
+            <a:spLocks noGrp="1"/>
+          </p:cNvSpPr>
+          <p:nvPr>
+            <p:ph type="body" sz="quarter" idx="11"/>
+          </p:nvPr>
+        </p:nvSpPr>
+        <p:spPr>
+          <a:xfrm>
+            <a:off x="310238" y="2169000"/>
             <a:ext cx="10800000" cy="2520000"/>
           </a:xfrm>
-          <a:prstGeom prst="rect">
-            <a:avLst/>
-          </a:prstGeom>
-        </p:spPr>
-        <p:txBody>
-          <a:bodyPr vert="horz" lIns="91440" tIns="45720" rIns="91440" bIns="45720" anchor="ctr">
+        </p:spPr>
+        <p:txBody>
+          <a:bodyPr>
             <a:normAutofit/>
           </a:bodyPr>
-          <a:lstStyle>
-            <a:lvl1pPr marL="0" indent="0" algn="l" defTabSz="914400" rtl="0" eaLnBrk="1" latinLnBrk="0" hangingPunct="1">
-              <a:lnSpc>
-                <a:spcPct val="90000"/>
-              </a:lnSpc>
-              <a:spcBef>
-                <a:spcPts val="1000"/>
-              </a:spcBef>
-              <a:buFont typeface="Arial"/>
-              <a:buNone/>
-              <a:defRPr sz="1400" b="0" i="0" kern="1200" baseline="0">
-                <a:solidFill>
-                  <a:schemeClr val="tx2"/>
-                </a:solidFill>
-                <a:latin typeface="Microsoft YaHei UI"/>
-                <a:ea typeface="Microsoft YaHei UI"/>
-                <a:cs typeface="Arial"/>
-              </a:defRPr>
-            </a:lvl1pPr>
-            <a:lvl2pPr marL="457200" indent="0" algn="l" defTabSz="914400" rtl="0" eaLnBrk="1" latinLnBrk="0" hangingPunct="1">
-              <a:lnSpc>
-                <a:spcPct val="90000"/>
-              </a:lnSpc>
-              <a:spcBef>
-                <a:spcPts val="500"/>
-              </a:spcBef>
-              <a:buFont typeface="Arial"/>
-              <a:buNone/>
-              <a:defRPr sz="1800" b="0" i="0" kern="1200" baseline="0">
-                <a:solidFill>
-                  <a:schemeClr val="tx2"/>
-                </a:solidFill>
-                <a:latin typeface="Microsoft YaHei UI"/>
-                <a:ea typeface="Microsoft YaHei UI"/>
-                <a:cs typeface="Arial"/>
-              </a:defRPr>
-            </a:lvl2pPr>
-            <a:lvl3pPr marL="1143000" indent="-228600" algn="l" defTabSz="914400" rtl="0" eaLnBrk="1" latinLnBrk="0" hangingPunct="1">
-              <a:lnSpc>
-                <a:spcPct val="90000"/>
-              </a:lnSpc>
-              <a:spcBef>
-                <a:spcPts val="500"/>
-              </a:spcBef>
-              <a:buFont typeface="Arial"/>
-              <a:buChar char="•"/>
-              <a:defRPr sz="1600" b="0" i="0" kern="1200" baseline="0">
-                <a:solidFill>
-                  <a:schemeClr val="tx2"/>
-                </a:solidFill>
-                <a:latin typeface="Microsoft YaHei UI"/>
-                <a:ea typeface="Microsoft YaHei UI"/>
-                <a:cs typeface="Arial"/>
-              </a:defRPr>
-            </a:lvl3pPr>
-            <a:lvl4pPr marL="1600200" indent="-228600" algn="l" defTabSz="914400" rtl="0" eaLnBrk="1" latinLnBrk="0" hangingPunct="1">
-              <a:lnSpc>
-                <a:spcPct val="90000"/>
-              </a:lnSpc>
-              <a:spcBef>
-                <a:spcPts val="500"/>
-              </a:spcBef>
-              <a:buFont typeface="Arial"/>
-              <a:buChar char="•"/>
-              <a:defRPr sz="1400" b="0" i="0" kern="1200" baseline="0">
-                <a:solidFill>
-                  <a:schemeClr val="tx2"/>
-                </a:solidFill>
-                <a:latin typeface="Microsoft YaHei UI"/>
-                <a:ea typeface="Microsoft YaHei UI"/>
-                <a:cs typeface="Arial"/>
-              </a:defRPr>
-            </a:lvl4pPr>
-            <a:lvl5pPr marL="2057400" indent="-228600" algn="l" defTabSz="914400" rtl="0" eaLnBrk="1" latinLnBrk="0" hangingPunct="1">
-              <a:lnSpc>
-                <a:spcPct val="90000"/>
-              </a:lnSpc>
-              <a:spcBef>
-                <a:spcPts val="500"/>
-              </a:spcBef>
-              <a:buFont typeface="Arial"/>
-              <a:buChar char="•"/>
-              <a:defRPr sz="1400" b="0" i="0" kern="1200" baseline="0">
-                <a:solidFill>
-                  <a:schemeClr val="tx2"/>
-                </a:solidFill>
-                <a:latin typeface="Microsoft YaHei UI"/>
-                <a:ea typeface="Microsoft YaHei UI"/>
-                <a:cs typeface="Arial"/>
-              </a:defRPr>
-            </a:lvl5pPr>
-            <a:lvl6pPr marL="2514600" indent="-228600" algn="l" defTabSz="914400" rtl="0" eaLnBrk="1" latinLnBrk="0" hangingPunct="1">
-              <a:lnSpc>
-                <a:spcPct val="90000"/>
-              </a:lnSpc>
-              <a:spcBef>
-                <a:spcPts val="500"/>
-              </a:spcBef>
-              <a:buFont typeface="Arial"/>
-              <a:buChar char="•"/>
-              <a:defRPr sz="1800" kern="1200">
-                <a:solidFill>
-                  <a:schemeClr val="tx1"/>
-                </a:solidFill>
-                <a:latin typeface="+mn-lt"/>
-                <a:ea typeface="+mn-ea"/>
-                <a:cs typeface="+mn-cs"/>
-              </a:defRPr>
-            </a:lvl6pPr>
-            <a:lvl7pPr marL="2971800" indent="-228600" algn="l" defTabSz="914400" rtl="0" eaLnBrk="1" latinLnBrk="0" hangingPunct="1">
-              <a:lnSpc>
-                <a:spcPct val="90000"/>
-              </a:lnSpc>
-              <a:spcBef>
-                <a:spcPts val="500"/>
-              </a:spcBef>
-              <a:buFont typeface="Arial"/>
-              <a:buChar char="•"/>
-              <a:defRPr sz="1800" kern="1200">
-                <a:solidFill>
-                  <a:schemeClr val="tx1"/>
-                </a:solidFill>
-                <a:latin typeface="+mn-lt"/>
-                <a:ea typeface="+mn-ea"/>
-                <a:cs typeface="+mn-cs"/>
-              </a:defRPr>
-            </a:lvl7pPr>
-            <a:lvl8pPr marL="3429000" indent="-228600" algn="l" defTabSz="914400" rtl="0" eaLnBrk="1" latinLnBrk="0" hangingPunct="1">
-              <a:lnSpc>
-                <a:spcPct val="90000"/>
-              </a:lnSpc>
-              <a:spcBef>
-                <a:spcPts val="500"/>
-              </a:spcBef>
-              <a:buFont typeface="Arial"/>
-              <a:buChar char="•"/>
-              <a:defRPr sz="1800" kern="1200">
-                <a:solidFill>
-                  <a:schemeClr val="tx1"/>
-                </a:solidFill>
-                <a:latin typeface="+mn-lt"/>
-                <a:ea typeface="+mn-ea"/>
-                <a:cs typeface="+mn-cs"/>
-              </a:defRPr>
-            </a:lvl8pPr>
-            <a:lvl9pPr marL="3886200" indent="-228600" algn="l" defTabSz="914400" rtl="0" eaLnBrk="1" latinLnBrk="0" hangingPunct="1">
-              <a:lnSpc>
-                <a:spcPct val="90000"/>
-              </a:lnSpc>
-              <a:spcBef>
-                <a:spcPts val="500"/>
-              </a:spcBef>
-              <a:buFont typeface="Arial"/>
-              <a:buChar char="•"/>
-              <a:defRPr sz="1800" kern="1200">
-                <a:solidFill>
-                  <a:schemeClr val="tx1"/>
-                </a:solidFill>
-                <a:latin typeface="+mn-lt"/>
-                <a:ea typeface="+mn-ea"/>
-                <a:cs typeface="+mn-cs"/>
-              </a:defRPr>
-            </a:lvl9pPr>
-          </a:lstStyle>
-          <a:p>
-            <a:pPr marL="457200" indent="-457200">
+          <a:lstStyle/>
+          <a:p>
+            <a:pPr marL="342900" indent="-342900">
               <a:buFont typeface="Arial"/>
               <a:buChar char="•"/>
               <a:defRPr/>
             </a:pPr>
             <a:r>
+              <a:rPr lang="en-US" altLang="ko-KR" sz="2800"/>
+              <a:t>MFCC</a:t>
+            </a:r>
+            <a:r>
               <a:rPr lang="ko-KR" altLang="en-US" sz="2800"/>
-              <a:t>소음 내성을 가진 학습 모델 제작</a:t>
-            </a:r>
-            <a:endParaRPr lang="ko-KR" altLang="en-US" sz="2800"/>
-          </a:p>
-          <a:p>
-            <a:pPr marL="457200" indent="-457200">
+              <a:t> 란</a:t>
+            </a:r>
+            <a:r>
+              <a:rPr lang="en-US" altLang="ko-KR" sz="2800"/>
+              <a:t>?</a:t>
+            </a:r>
+            <a:endParaRPr lang="en-US" altLang="ko-KR" sz="2800"/>
+          </a:p>
+          <a:p>
+            <a:pPr marL="800100" lvl="1" indent="-342900">
               <a:buFont typeface="Arial"/>
               <a:buChar char="•"/>
               <a:defRPr/>
             </a:pPr>
             <a:r>
-              <a:rPr lang="en-US" altLang="ko-KR" sz="2800"/>
-              <a:t>Raspberry Pi </a:t>
-            </a:r>
-            <a:r>
-              <a:rPr lang="ko-KR" altLang="en-US" sz="2800"/>
-              <a:t>환경 적응</a:t>
-            </a:r>
-            <a:endParaRPr lang="ko-KR" altLang="en-US" sz="2800"/>
-          </a:p>
-          <a:p>
-            <a:pPr marL="457200" indent="-457200">
+              <a:rPr lang="en-US" altLang="ko-KR" sz="2000"/>
+              <a:t>Mel Frequency Cepstral Coefficient</a:t>
+            </a:r>
+            <a:endParaRPr lang="en-US" altLang="ko-KR" sz="2000"/>
+          </a:p>
+          <a:p>
+            <a:pPr marL="800100" lvl="1" indent="-342900">
               <a:buFont typeface="Arial"/>
               <a:buChar char="•"/>
               <a:defRPr/>
             </a:pPr>
-            <a:endParaRPr lang="ko-KR" altLang="en-US" sz="2800"/>
-          </a:p>
-          <a:p>
-            <a:pPr marL="914400" lvl="1" indent="-457200">
-              <a:buFont typeface="Arial"/>
-              <a:buChar char="•"/>
-              <a:defRPr/>
-            </a:pPr>
-            <a:endParaRPr lang="en-US" altLang="zh-CN" sz="2400"/>
-          </a:p>
-        </p:txBody>
-      </p:sp>
-      <p:sp>
-        <p:nvSpPr>
-          <p:cNvPr id="7" name="标题 8"/>
-          <p:cNvSpPr txBox="1"/>
+            <a:endParaRPr lang="en-US" altLang="ko-KR" sz="2000"/>
+          </a:p>
+        </p:txBody>
+      </p:sp>
+      <p:pic>
+        <p:nvPicPr>
+          <p:cNvPr id="11" name=""/>
+          <p:cNvPicPr>
+            <a:picLocks noChangeAspect="1"/>
+          </p:cNvPicPr>
           <p:nvPr/>
-        </p:nvSpPr>
-        <p:spPr>
-          <a:xfrm>
-            <a:off x="826624" y="4867539"/>
-            <a:ext cx="7050435" cy="1633014"/>
+        </p:nvPicPr>
+        <p:blipFill rotWithShape="1">
+          <a:blip r:embed="rId3"/>
+          <a:stretch>
+            <a:fillRect/>
+          </a:stretch>
+        </p:blipFill>
+        <p:spPr>
+          <a:xfrm>
+            <a:off x="5434013" y="2168682"/>
+            <a:ext cx="6400800" cy="4143375"/>
           </a:xfrm>
           <a:prstGeom prst="rect">
             <a:avLst/>
           </a:prstGeom>
-          <a:noFill/>
-        </p:spPr>
-        <p:txBody>
-          <a:bodyPr vert="horz" lIns="0" tIns="45720" rIns="91440" bIns="0" anchor="b">
-            <a:noAutofit/>
+        </p:spPr>
+      </p:pic>
+      <p:sp>
+        <p:nvSpPr>
+          <p:cNvPr id="12" name=""/>
+          <p:cNvSpPr txBox="1"/>
+          <p:nvPr/>
+        </p:nvSpPr>
+        <p:spPr>
+          <a:xfrm>
+            <a:off x="6963978" y="6312057"/>
+            <a:ext cx="3783540" cy="363063"/>
+          </a:xfrm>
+          <a:prstGeom prst="rect">
+            <a:avLst/>
+          </a:prstGeom>
+        </p:spPr>
+        <p:txBody>
+          <a:bodyPr wrap="square">
+            <a:spAutoFit/>
           </a:bodyPr>
-          <a:lstStyle>
-            <a:lvl1pPr algn="l" defTabSz="914400" rtl="0" eaLnBrk="1" latinLnBrk="0" hangingPunct="1">
-              <a:lnSpc>
-                <a:spcPct val="90000"/>
-              </a:lnSpc>
-              <a:spcBef>
-                <a:spcPct val="0"/>
-              </a:spcBef>
-              <a:buNone/>
-              <a:defRPr lang="en-US" sz="5000" b="1" i="0" kern="1200" spc="-150" baseline="0">
-                <a:solidFill>
-                  <a:schemeClr val="tx2"/>
-                </a:solidFill>
-                <a:latin typeface="Microsoft YaHei UI"/>
-                <a:ea typeface="Microsoft YaHei UI"/>
-                <a:cs typeface="Gill Sans"/>
-              </a:defRPr>
-            </a:lvl1pPr>
-          </a:lstStyle>
-          <a:p>
-            <a:pPr lvl="0">
+          <a:p>
+            <a:pPr>
               <a:defRPr/>
             </a:pPr>
             <a:r>
-              <a:rPr lang="ko-KR" altLang="en-US" sz="6000">
-                <a:latin typeface="Microsoft YaHei"/>
-                <a:ea typeface="Microsoft YaHei"/>
-              </a:rPr>
-              <a:t>진행 예정 사항</a:t>
-            </a:r>
-            <a:endParaRPr lang="zh-CN" altLang="en-US" sz="6000">
-              <a:latin typeface="Microsoft YaHei"/>
-              <a:ea typeface="Microsoft YaHei"/>
-            </a:endParaRPr>
+              <a:rPr lang="en-US" altLang="ko-KR"/>
+              <a:t>Block Diagram of MFCC</a:t>
+            </a:r>
+            <a:r>
+              <a:rPr lang="ko-KR" altLang="en-US"/>
+              <a:t> </a:t>
+            </a:r>
+            <a:r>
+              <a:rPr lang="en-US" altLang="ko-KR"/>
+              <a:t>Algorithm</a:t>
+            </a:r>
+            <a:endParaRPr lang="en-US" altLang="ko-KR"/>
           </a:p>
         </p:txBody>
       </p:sp>
@@ -18052,7 +22096,7 @@
       </p:grpSpPr>
       <p:sp>
         <p:nvSpPr>
-          <p:cNvPr id="2" name="제목 1"/>
+          <p:cNvPr id="9" name="标题 8"/>
           <p:cNvSpPr>
             <a:spLocks noGrp="1"/>
           </p:cNvSpPr>
@@ -18060,7 +22104,12 @@
             <p:ph type="title" idx="0"/>
           </p:nvPr>
         </p:nvSpPr>
-        <p:spPr/>
+        <p:spPr>
+          <a:xfrm>
+            <a:off x="826625" y="4867539"/>
+            <a:ext cx="3479368" cy="1633014"/>
+          </a:xfrm>
+        </p:spPr>
         <p:txBody>
           <a:bodyPr/>
           <a:lstStyle/>
@@ -18069,254 +22118,144 @@
               <a:defRPr/>
             </a:pPr>
             <a:r>
-              <a:rPr lang="ko-KR" altLang="en-US"/>
-              <a:t>진행 일정</a:t>
-            </a:r>
-            <a:endParaRPr lang="ko-KR" altLang="en-US"/>
-          </a:p>
-        </p:txBody>
-      </p:sp>
-      <p:sp>
-        <p:nvSpPr>
-          <p:cNvPr id="2049" name="Rectangle 1"/>
-          <p:cNvSpPr>
-            <a:spLocks noChangeArrowheads="1"/>
-          </p:cNvSpPr>
-          <p:nvPr/>
-        </p:nvSpPr>
-        <p:spPr>
-          <a:xfrm>
-            <a:off x="1524001" y="43934"/>
-            <a:ext cx="184731" cy="369332"/>
-          </a:xfrm>
-          <a:prstGeom prst="rect">
-            <a:avLst/>
-          </a:prstGeom>
-          <a:noFill/>
-          <a:ln w="9525">
-            <a:noFill/>
-            <a:miter/>
-          </a:ln>
-          <a:effectLst/>
-        </p:spPr>
-        <p:txBody>
-          <a:bodyPr vert="horz" wrap="none" lIns="91440" tIns="45720" rIns="91440" bIns="45720" anchor="ctr" anchorCtr="0">
-            <a:spAutoFit/>
+              <a:rPr lang="ko-KR" altLang="en-US" sz="6000"/>
+              <a:t>결과 보고</a:t>
+            </a:r>
+            <a:endParaRPr lang="zh-CN" altLang="en-US" sz="6000">
+              <a:latin typeface="굴림"/>
+              <a:ea typeface="굴림"/>
+            </a:endParaRPr>
+          </a:p>
+        </p:txBody>
+      </p:sp>
+      <p:sp>
+        <p:nvSpPr>
+          <p:cNvPr id="10" name="文本占位符 9"/>
+          <p:cNvSpPr>
+            <a:spLocks noGrp="1"/>
+          </p:cNvSpPr>
+          <p:nvPr>
+            <p:ph type="body" sz="quarter" idx="11"/>
+          </p:nvPr>
+        </p:nvSpPr>
+        <p:spPr>
+          <a:xfrm>
+            <a:off x="309638" y="2169000"/>
+            <a:ext cx="10800000" cy="2520000"/>
+          </a:xfrm>
+        </p:spPr>
+        <p:txBody>
+          <a:bodyPr>
+            <a:normAutofit/>
           </a:bodyPr>
           <a:lstStyle/>
           <a:p>
-            <a:pPr latinLnBrk="1">
-              <a:spcBef>
-                <a:spcPct val="0"/>
-              </a:spcBef>
-              <a:spcAft>
-                <a:spcPct val="0"/>
-              </a:spcAft>
+            <a:pPr marL="342900" indent="-342900">
+              <a:buFont typeface="Arial"/>
+              <a:buChar char="•"/>
               <a:defRPr/>
             </a:pPr>
-            <a:endParaRPr kumimoji="1" lang="ko-KR" altLang="ko-KR">
-              <a:latin typeface="굴림"/>
-              <a:ea typeface="굴림"/>
-              <a:cs typeface="굴림"/>
-            </a:endParaRPr>
-          </a:p>
-        </p:txBody>
-      </p:sp>
-      <p:sp>
-        <p:nvSpPr>
-          <p:cNvPr id="6" name="내용 개체 틀 2"/>
-          <p:cNvSpPr txBox="1"/>
-          <p:nvPr/>
-        </p:nvSpPr>
-        <p:spPr>
-          <a:xfrm>
-            <a:off x="1981200" y="1600201"/>
-            <a:ext cx="8229600" cy="4525963"/>
-          </a:xfrm>
-          <a:prstGeom prst="rect">
-            <a:avLst/>
-          </a:prstGeom>
-        </p:spPr>
-        <p:txBody>
-          <a:bodyPr vert="horz" lIns="91440" tIns="45720" rIns="91440" bIns="45720">
-            <a:normAutofit/>
-          </a:bodyPr>
-          <a:lstStyle>
-            <a:lvl1pPr marL="342900" indent="-342900" algn="l" defTabSz="914400" rtl="0" eaLnBrk="1" latinLnBrk="1" hangingPunct="1">
-              <a:spcBef>
-                <a:spcPct val="20000"/>
-              </a:spcBef>
+            <a:r>
+              <a:rPr lang="en-US" altLang="ko-KR" sz="2800"/>
+              <a:t>DS - CNN</a:t>
+            </a:r>
+            <a:r>
+              <a:rPr lang="ko-KR" altLang="en-US" sz="2800"/>
+              <a:t> 이란</a:t>
+            </a:r>
+            <a:r>
+              <a:rPr lang="en-US" altLang="ko-KR" sz="2800"/>
+              <a:t>?</a:t>
+            </a:r>
+            <a:endParaRPr lang="en-US" altLang="ko-KR" sz="2800"/>
+          </a:p>
+          <a:p>
+            <a:pPr marL="800100" lvl="1" indent="-342900">
               <a:buFont typeface="Arial"/>
               <a:buChar char="•"/>
-              <a:defRPr sz="3200" kern="1200">
-                <a:solidFill>
-                  <a:schemeClr val="tx1"/>
-                </a:solidFill>
-                <a:latin typeface="+mn-lt"/>
-                <a:ea typeface="+mn-ea"/>
-                <a:cs typeface="+mn-cs"/>
-              </a:defRPr>
-            </a:lvl1pPr>
-            <a:lvl2pPr marL="742950" indent="-285750" algn="l" defTabSz="914400" rtl="0" eaLnBrk="1" latinLnBrk="1" hangingPunct="1">
-              <a:spcBef>
-                <a:spcPct val="20000"/>
-              </a:spcBef>
-              <a:buFont typeface="Arial"/>
-              <a:buChar char="–"/>
-              <a:defRPr sz="2800" kern="1200">
-                <a:solidFill>
-                  <a:schemeClr val="tx1"/>
-                </a:solidFill>
-                <a:latin typeface="+mn-lt"/>
-                <a:ea typeface="+mn-ea"/>
-                <a:cs typeface="+mn-cs"/>
-              </a:defRPr>
-            </a:lvl2pPr>
-            <a:lvl3pPr marL="1143000" indent="-228600" algn="l" defTabSz="914400" rtl="0" eaLnBrk="1" latinLnBrk="1" hangingPunct="1">
-              <a:spcBef>
-                <a:spcPct val="20000"/>
-              </a:spcBef>
+              <a:defRPr/>
+            </a:pPr>
+            <a:r>
+              <a:rPr lang="en-US" altLang="ko-KR" sz="2000"/>
+              <a:t>Decoder-side Scalable CNN</a:t>
+            </a:r>
+            <a:endParaRPr lang="en-US" altLang="ko-KR" sz="2000"/>
+          </a:p>
+          <a:p>
+            <a:pPr marL="800100" lvl="1" indent="-342900">
               <a:buFont typeface="Arial"/>
               <a:buChar char="•"/>
-              <a:defRPr sz="2400" kern="1200">
-                <a:solidFill>
-                  <a:schemeClr val="tx1"/>
-                </a:solidFill>
-                <a:latin typeface="+mn-lt"/>
-                <a:ea typeface="+mn-ea"/>
-                <a:cs typeface="+mn-cs"/>
-              </a:defRPr>
-            </a:lvl3pPr>
-            <a:lvl4pPr marL="1600200" indent="-228600" algn="l" defTabSz="914400" rtl="0" eaLnBrk="1" latinLnBrk="1" hangingPunct="1">
-              <a:spcBef>
-                <a:spcPct val="20000"/>
-              </a:spcBef>
-              <a:buFont typeface="Arial"/>
-              <a:buChar char="–"/>
-              <a:defRPr sz="2000" kern="1200">
-                <a:solidFill>
-                  <a:schemeClr val="tx1"/>
-                </a:solidFill>
-                <a:latin typeface="+mn-lt"/>
-                <a:ea typeface="+mn-ea"/>
-                <a:cs typeface="+mn-cs"/>
-              </a:defRPr>
-            </a:lvl4pPr>
-            <a:lvl5pPr marL="2057400" indent="-228600" algn="l" defTabSz="914400" rtl="0" eaLnBrk="1" latinLnBrk="1" hangingPunct="1">
-              <a:spcBef>
-                <a:spcPct val="20000"/>
-              </a:spcBef>
-              <a:buFont typeface="Arial"/>
-              <a:buChar char="»"/>
-              <a:defRPr sz="2000" kern="1200">
-                <a:solidFill>
-                  <a:schemeClr val="tx1"/>
-                </a:solidFill>
-                <a:latin typeface="+mn-lt"/>
-                <a:ea typeface="+mn-ea"/>
-                <a:cs typeface="+mn-cs"/>
-              </a:defRPr>
-            </a:lvl5pPr>
-            <a:lvl6pPr marL="2514600" indent="-228600" algn="l" defTabSz="914400" rtl="0" eaLnBrk="1" latinLnBrk="1" hangingPunct="1">
-              <a:spcBef>
-                <a:spcPct val="20000"/>
-              </a:spcBef>
-              <a:buFont typeface="Arial"/>
-              <a:buChar char="•"/>
-              <a:defRPr sz="2000" kern="1200">
-                <a:solidFill>
-                  <a:schemeClr val="tx1"/>
-                </a:solidFill>
-                <a:latin typeface="+mn-lt"/>
-                <a:ea typeface="+mn-ea"/>
-                <a:cs typeface="+mn-cs"/>
-              </a:defRPr>
-            </a:lvl6pPr>
-            <a:lvl7pPr marL="2971800" indent="-228600" algn="l" defTabSz="914400" rtl="0" eaLnBrk="1" latinLnBrk="1" hangingPunct="1">
-              <a:spcBef>
-                <a:spcPct val="20000"/>
-              </a:spcBef>
-              <a:buFont typeface="Arial"/>
-              <a:buChar char="•"/>
-              <a:defRPr sz="2000" kern="1200">
-                <a:solidFill>
-                  <a:schemeClr val="tx1"/>
-                </a:solidFill>
-                <a:latin typeface="+mn-lt"/>
-                <a:ea typeface="+mn-ea"/>
-                <a:cs typeface="+mn-cs"/>
-              </a:defRPr>
-            </a:lvl7pPr>
-            <a:lvl8pPr marL="3429000" indent="-228600" algn="l" defTabSz="914400" rtl="0" eaLnBrk="1" latinLnBrk="1" hangingPunct="1">
-              <a:spcBef>
-                <a:spcPct val="20000"/>
-              </a:spcBef>
-              <a:buFont typeface="Arial"/>
-              <a:buChar char="•"/>
-              <a:defRPr sz="2000" kern="1200">
-                <a:solidFill>
-                  <a:schemeClr val="tx1"/>
-                </a:solidFill>
-                <a:latin typeface="+mn-lt"/>
-                <a:ea typeface="+mn-ea"/>
-                <a:cs typeface="+mn-cs"/>
-              </a:defRPr>
-            </a:lvl8pPr>
-            <a:lvl9pPr marL="3886200" indent="-228600" algn="l" defTabSz="914400" rtl="0" eaLnBrk="1" latinLnBrk="1" hangingPunct="1">
-              <a:spcBef>
-                <a:spcPct val="20000"/>
-              </a:spcBef>
-              <a:buFont typeface="Arial"/>
-              <a:buChar char="•"/>
-              <a:defRPr sz="2000" kern="1200">
-                <a:solidFill>
-                  <a:schemeClr val="tx1"/>
-                </a:solidFill>
-                <a:latin typeface="+mn-lt"/>
-                <a:ea typeface="+mn-ea"/>
-                <a:cs typeface="+mn-cs"/>
-              </a:defRPr>
-            </a:lvl9pPr>
-          </a:lstStyle>
-          <a:p>
-            <a:pPr>
-              <a:lnSpc>
-                <a:spcPct val="150000"/>
-              </a:lnSpc>
               <a:defRPr/>
             </a:pPr>
-            <a:r>
-              <a:rPr lang="ko-KR" altLang="en-US"/>
-              <a:t>진행 계획 일정 표 첨부</a:t>
-            </a:r>
-            <a:endParaRPr lang="en-US" altLang="ko-KR"/>
+            <a:endParaRPr lang="en-US" altLang="ko-KR" sz="2000"/>
           </a:p>
         </p:txBody>
       </p:sp>
       <p:pic>
         <p:nvPicPr>
-          <p:cNvPr id="2051" name=""/>
+          <p:cNvPr id="11" name=""/>
           <p:cNvPicPr>
             <a:picLocks noChangeAspect="1"/>
           </p:cNvPicPr>
           <p:nvPr/>
         </p:nvPicPr>
         <p:blipFill rotWithShape="1">
-          <a:blip r:embed="rId2"/>
+          <a:blip r:embed="rId3"/>
           <a:stretch>
             <a:fillRect/>
           </a:stretch>
         </p:blipFill>
         <p:spPr>
           <a:xfrm>
-            <a:off x="2603500" y="2433975"/>
-            <a:ext cx="6985000" cy="3955181"/>
+            <a:off x="6386306" y="2169000"/>
+            <a:ext cx="4977694" cy="3924299"/>
           </a:xfrm>
           <a:prstGeom prst="rect">
             <a:avLst/>
           </a:prstGeom>
         </p:spPr>
       </p:pic>
+      <p:sp>
+        <p:nvSpPr>
+          <p:cNvPr id="12" name=""/>
+          <p:cNvSpPr txBox="1"/>
+          <p:nvPr/>
+        </p:nvSpPr>
+        <p:spPr>
+          <a:xfrm>
+            <a:off x="6445262" y="6316781"/>
+            <a:ext cx="5278882" cy="367544"/>
+          </a:xfrm>
+          <a:prstGeom prst="rect">
+            <a:avLst/>
+          </a:prstGeom>
+        </p:spPr>
+        <p:txBody>
+          <a:bodyPr wrap="square">
+            <a:spAutoFit/>
+          </a:bodyPr>
+          <a:lstStyle/>
+          <a:p>
+            <a:pPr>
+              <a:defRPr>
+                <a:latin typeface="맑은 고딕"/>
+                <a:ea typeface="맑은 고딕"/>
+              </a:defRPr>
+            </a:pPr>
+            <a:r>
+              <a:rPr lang="en-US" altLang="ko-KR">
+                <a:latin typeface="맑은 고딕"/>
+                <a:ea typeface="맑은 고딕"/>
+              </a:rPr>
+              <a:t>An Example of Application Scenario of DS-CNN</a:t>
+            </a:r>
+            <a:endParaRPr lang="en-US" altLang="ko-KR">
+              <a:latin typeface="맑은 고딕"/>
+              <a:ea typeface="맑은 고딕"/>
+            </a:endParaRPr>
+          </a:p>
+        </p:txBody>
+      </p:sp>
     </p:spTree>
   </p:cSld>
   <p:clrMapOvr>

--- a/2021_졸업과제_1번째_진행보고.pptx
+++ b/2021_졸업과제_1번째_진행보고.pptx
@@ -2,7 +2,7 @@
 <file path=ppt/presentation.xml><?xml version="1.0" encoding="utf-8"?>
 <p:presentation xmlns:r="http://schemas.openxmlformats.org/officeDocument/2006/relationships" xmlns:c="http://schemas.openxmlformats.org/drawingml/2006/chart" xmlns:a="http://schemas.openxmlformats.org/drawingml/2006/main" xmlns:dgm="http://schemas.openxmlformats.org/drawingml/2006/diagram" xmlns:dsp="http://schemas.microsoft.com/office/drawing/2008/diagram" xmlns:p="http://schemas.openxmlformats.org/presentationml/2006/main" removePersonalInfoOnSave="1" autoCompressPictures="0">
   <p:sldMasterIdLst>
-    <p:sldMasterId id="2147483884" r:id="rId1"/>
+    <p:sldMasterId id="2147483889" r:id="rId1"/>
   </p:sldMasterIdLst>
   <p:notesMasterIdLst>
     <p:notesMasterId r:id="rId2"/>
@@ -21825,8 +21825,8 @@
         </p:nvSpPr>
         <p:spPr>
           <a:xfrm>
-            <a:off x="310238" y="2169000"/>
-            <a:ext cx="10800000" cy="2520000"/>
+            <a:off x="233423" y="202548"/>
+            <a:ext cx="8633830" cy="1260000"/>
           </a:xfrm>
         </p:spPr>
         <p:txBody>
@@ -21868,6 +21868,452 @@
           </a:p>
         </p:txBody>
       </p:sp>
+      <p:graphicFrame>
+        <p:nvGraphicFramePr>
+          <p:cNvPr id="13" name=""/>
+          <p:cNvGraphicFramePr>
+            <a:graphicFrameLocks noGrp="1"/>
+          </p:cNvGraphicFramePr>
+          <p:nvPr/>
+        </p:nvGraphicFramePr>
+        <p:xfrm>
+          <a:off x="2776106" y="2179428"/>
+          <a:ext cx="8871332" cy="3332854"/>
+        </p:xfrm>
+        <a:graphic>
+          <a:graphicData uri="http://schemas.openxmlformats.org/drawingml/2006/table">
+            <a:tbl>
+              <a:tblPr firstRow="1" bandRow="1"/>
+              <a:tblGrid>
+                <a:gridCol w="3636039"/>
+                <a:gridCol w="5235292"/>
+              </a:tblGrid>
+              <a:tr h="386454">
+                <a:tc>
+                  <a:txBody>
+                    <a:bodyPr vert="horz" wrap="square" lIns="91440" tIns="45720" rIns="91440" bIns="45720" anchor="t" anchorCtr="0">
+                      <a:spAutoFit/>
+                    </a:bodyPr>
+                    <a:p>
+                      <a:pPr algn="ctr">
+                        <a:defRPr/>
+                      </a:pPr>
+                      <a:r>
+                        <a:rPr lang="ko-KR" altLang="en-US" b="1"/>
+                        <a:t>비고</a:t>
+                      </a:r>
+                      <a:endParaRPr lang="ko-KR" altLang="en-US" b="1"/>
+                    </a:p>
+                  </a:txBody>
+                  <a:tcPr marL="91440" marR="91440">
+                    <a:lnL w="9525" cap="flat" cmpd="sng" algn="ctr">
+                      <a:noFill/>
+                      <a:prstDash val="solid"/>
+                      <a:round/>
+                    </a:lnL>
+                    <a:lnT w="28575" cap="flat" cmpd="sng" algn="ctr">
+                      <a:solidFill>
+                        <a:srgbClr val="000000"/>
+                      </a:solidFill>
+                      <a:prstDash val="solid"/>
+                      <a:round/>
+                    </a:lnT>
+                    <a:solidFill>
+                      <a:srgbClr val="d9d9d9"/>
+                    </a:solidFill>
+                  </a:tcPr>
+                </a:tc>
+                <a:tc>
+                  <a:txBody>
+                    <a:bodyPr vert="horz" wrap="square" lIns="91440" tIns="45720" rIns="91440" bIns="45720" anchor="t" anchorCtr="0">
+                      <a:spAutoFit/>
+                    </a:bodyPr>
+                    <a:p>
+                      <a:pPr algn="ctr">
+                        <a:defRPr/>
+                      </a:pPr>
+                      <a:r>
+                        <a:rPr lang="ko-KR" altLang="en-US" b="1"/>
+                        <a:t>출력 내용</a:t>
+                      </a:r>
+                      <a:endParaRPr lang="ko-KR" altLang="en-US" b="1"/>
+                    </a:p>
+                  </a:txBody>
+                  <a:tcPr marL="91440" marR="91440">
+                    <a:lnR w="28575" cap="flat" cmpd="sng" algn="ctr">
+                      <a:solidFill>
+                        <a:schemeClr val="lt1"/>
+                      </a:solidFill>
+                      <a:prstDash val="solid"/>
+                      <a:round/>
+                    </a:lnR>
+                    <a:lnT w="28575" cap="flat" cmpd="sng" algn="ctr">
+                      <a:solidFill>
+                        <a:srgbClr val="000000"/>
+                      </a:solidFill>
+                      <a:prstDash val="solid"/>
+                      <a:round/>
+                    </a:lnT>
+                    <a:solidFill>
+                      <a:srgbClr val="d9d9d9"/>
+                    </a:solidFill>
+                  </a:tcPr>
+                </a:tc>
+              </a:tr>
+              <a:tr h="643890">
+                <a:tc>
+                  <a:txBody>
+                    <a:bodyPr vert="horz" wrap="square" lIns="91440" tIns="45720" rIns="91440" bIns="45720" anchor="t" anchorCtr="0">
+                      <a:spAutoFit/>
+                    </a:bodyPr>
+                    <a:p>
+                      <a:pPr algn="ctr">
+                        <a:defRPr/>
+                      </a:pPr>
+                      <a:r>
+                        <a:rPr lang="ko-KR" altLang="en-US"/>
+                        <a:t>원본</a:t>
+                      </a:r>
+                      <a:endParaRPr lang="ko-KR" altLang="en-US"/>
+                    </a:p>
+                  </a:txBody>
+                  <a:tcPr marL="91440" marR="91440">
+                    <a:lnL w="9525" cap="flat" cmpd="sng" algn="ctr">
+                      <a:noFill/>
+                      <a:prstDash val="solid"/>
+                      <a:round/>
+                    </a:lnL>
+                  </a:tcPr>
+                </a:tc>
+                <a:tc>
+                  <a:txBody>
+                    <a:bodyPr vert="horz" wrap="square" lIns="91440" tIns="45720" rIns="91440" bIns="45720" anchor="t" anchorCtr="0">
+                      <a:spAutoFit/>
+                    </a:bodyPr>
+                    <a:p>
+                      <a:pPr algn="ctr">
+                        <a:defRPr/>
+                      </a:pPr>
+                      <a:r>
+                        <a:rPr lang="ko-KR" altLang="en-US"/>
+                        <a:t>국가는 재해를 예방하고 그 위험으로부터 국민을 보호하기 위하여 노력하여야 한다</a:t>
+                      </a:r>
+                      <a:r>
+                        <a:rPr lang="en-US" altLang="ko-KR"/>
+                        <a:t>.</a:t>
+                      </a:r>
+                      <a:endParaRPr lang="en-US" altLang="ko-KR"/>
+                    </a:p>
+                  </a:txBody>
+                  <a:tcPr marL="91440" marR="91440">
+                    <a:lnR w="28575" cap="flat" cmpd="sng" algn="ctr">
+                      <a:solidFill>
+                        <a:schemeClr val="lt1"/>
+                      </a:solidFill>
+                      <a:prstDash val="solid"/>
+                      <a:round/>
+                    </a:lnR>
+                  </a:tcPr>
+                </a:tc>
+              </a:tr>
+              <a:tr h="643890">
+                <a:tc>
+                  <a:txBody>
+                    <a:bodyPr vert="horz" wrap="square" lIns="91440" tIns="45720" rIns="91440" bIns="45720" anchor="t" anchorCtr="0">
+                      <a:spAutoFit/>
+                    </a:bodyPr>
+                    <a:p>
+                      <a:pPr algn="ctr">
+                        <a:defRPr/>
+                      </a:pPr>
+                      <a:r>
+                        <a:rPr lang="ko-KR" altLang="en-US"/>
+                        <a:t>대화 도중 양치질하는 소음</a:t>
+                      </a:r>
+                      <a:endParaRPr lang="ko-KR" altLang="en-US"/>
+                    </a:p>
+                  </a:txBody>
+                  <a:tcPr marL="91440" marR="91440">
+                    <a:lnL w="9525" cap="flat" cmpd="sng" algn="ctr">
+                      <a:noFill/>
+                      <a:prstDash val="solid"/>
+                      <a:round/>
+                    </a:lnL>
+                  </a:tcPr>
+                </a:tc>
+                <a:tc>
+                  <a:txBody>
+                    <a:bodyPr vert="horz" wrap="square" lIns="91440" tIns="45720" rIns="91440" bIns="45720" anchor="t" anchorCtr="0">
+                      <a:spAutoFit/>
+                    </a:bodyPr>
+                    <a:p>
+                      <a:pPr algn="ctr">
+                        <a:defRPr/>
+                      </a:pPr>
+                      <a:r>
+                        <a:rPr lang="ko-KR" altLang="en-US"/>
+                        <a:t>국가는 재해를 예방하고 그 위험으로부터 국민을 보호하기 위하여 노력하여야 한다</a:t>
+                      </a:r>
+                      <a:r>
+                        <a:rPr lang="en-US" altLang="ko-KR"/>
+                        <a:t>.</a:t>
+                      </a:r>
+                      <a:endParaRPr lang="en-US" altLang="ko-KR"/>
+                    </a:p>
+                  </a:txBody>
+                  <a:tcPr marL="91440" marR="91440">
+                    <a:lnR w="28575" cap="flat" cmpd="sng" algn="ctr">
+                      <a:solidFill>
+                        <a:schemeClr val="lt1"/>
+                      </a:solidFill>
+                      <a:prstDash val="solid"/>
+                      <a:round/>
+                    </a:lnR>
+                  </a:tcPr>
+                </a:tc>
+              </a:tr>
+              <a:tr h="643890">
+                <a:tc>
+                  <a:txBody>
+                    <a:bodyPr vert="horz" wrap="square" lIns="91440" tIns="45720" rIns="91440" bIns="45720" anchor="t" anchorCtr="0">
+                      <a:spAutoFit/>
+                    </a:bodyPr>
+                    <a:p>
+                      <a:pPr algn="ctr">
+                        <a:defRPr/>
+                      </a:pPr>
+                      <a:r>
+                        <a:rPr lang="ko-KR" altLang="en-US"/>
+                        <a:t>샤워장의 물이 떨어지는 소음</a:t>
+                      </a:r>
+                      <a:endParaRPr lang="ko-KR" altLang="en-US"/>
+                    </a:p>
+                  </a:txBody>
+                  <a:tcPr marL="91440" marR="91440">
+                    <a:lnL w="9525" cap="flat" cmpd="sng" algn="ctr">
+                      <a:noFill/>
+                      <a:prstDash val="solid"/>
+                      <a:round/>
+                    </a:lnL>
+                  </a:tcPr>
+                </a:tc>
+                <a:tc>
+                  <a:txBody>
+                    <a:bodyPr vert="horz" wrap="square" lIns="91440" tIns="45720" rIns="91440" bIns="45720" anchor="t" anchorCtr="0">
+                      <a:spAutoFit/>
+                    </a:bodyPr>
+                    <a:p>
+                      <a:pPr algn="ctr">
+                        <a:defRPr/>
+                      </a:pPr>
+                      <a:r>
+                        <a:rPr lang="ko-KR" altLang="en-US">
+                          <a:solidFill>
+                            <a:srgbClr val="ff0000"/>
+                          </a:solidFill>
+                        </a:rPr>
+                        <a:t>북한의 대회</a:t>
+                      </a:r>
+                      <a:r>
+                        <a:rPr lang="ko-KR" altLang="en-US"/>
+                        <a:t>로 예방하고 그 위험으로부터 국민을 </a:t>
+                      </a:r>
+                      <a:r>
+                        <a:rPr lang="ko-KR" altLang="en-US">
+                          <a:solidFill>
+                            <a:srgbClr val="ff0000"/>
+                          </a:solidFill>
+                        </a:rPr>
+                        <a:t>보험</a:t>
+                      </a:r>
+                      <a:r>
+                        <a:rPr lang="ko-KR" altLang="en-US"/>
+                        <a:t> 위하여 노역하여야 한다</a:t>
+                      </a:r>
+                      <a:r>
+                        <a:rPr lang="en-US" altLang="ko-KR"/>
+                        <a:t>.</a:t>
+                      </a:r>
+                      <a:endParaRPr lang="en-US" altLang="ko-KR"/>
+                    </a:p>
+                  </a:txBody>
+                  <a:tcPr marL="91440" marR="91440">
+                    <a:lnR w="28575" cap="flat" cmpd="sng" algn="ctr">
+                      <a:solidFill>
+                        <a:schemeClr val="lt1"/>
+                      </a:solidFill>
+                      <a:prstDash val="solid"/>
+                      <a:round/>
+                    </a:lnR>
+                  </a:tcPr>
+                </a:tc>
+              </a:tr>
+              <a:tr h="370840">
+                <a:tc>
+                  <a:txBody>
+                    <a:bodyPr vert="horz" wrap="square" lIns="91440" tIns="45720" rIns="91440" bIns="45720" anchor="t" anchorCtr="0">
+                      <a:spAutoFit/>
+                    </a:bodyPr>
+                    <a:p>
+                      <a:pPr algn="ctr">
+                        <a:defRPr/>
+                      </a:pPr>
+                      <a:r>
+                        <a:rPr lang="ko-KR" altLang="en-US"/>
+                        <a:t>스포츠 경기장의 환호 소음</a:t>
+                      </a:r>
+                      <a:endParaRPr lang="ko-KR" altLang="en-US"/>
+                    </a:p>
+                  </a:txBody>
+                  <a:tcPr marL="91440" marR="91440">
+                    <a:lnL w="9525" cap="flat" cmpd="sng" algn="ctr">
+                      <a:noFill/>
+                      <a:prstDash val="solid"/>
+                      <a:round/>
+                    </a:lnL>
+                  </a:tcPr>
+                </a:tc>
+                <a:tc>
+                  <a:txBody>
+                    <a:bodyPr vert="horz" wrap="square" lIns="91440" tIns="45720" rIns="91440" bIns="45720" anchor="t" anchorCtr="0">
+                      <a:spAutoFit/>
+                    </a:bodyPr>
+                    <a:p>
+                      <a:pPr algn="ctr">
+                        <a:defRPr/>
+                      </a:pPr>
+                      <a:r>
+                        <a:rPr lang="ko-KR" altLang="en-US">
+                          <a:solidFill>
+                            <a:srgbClr val="ff0000"/>
+                          </a:solidFill>
+                        </a:rPr>
+                        <a:t>인식 불능</a:t>
+                      </a:r>
+                      <a:endParaRPr lang="ko-KR" altLang="en-US">
+                        <a:solidFill>
+                          <a:srgbClr val="ff0000"/>
+                        </a:solidFill>
+                      </a:endParaRPr>
+                    </a:p>
+                  </a:txBody>
+                  <a:tcPr marL="91440" marR="91440">
+                    <a:lnR w="28575" cap="flat" cmpd="sng" algn="ctr">
+                      <a:solidFill>
+                        <a:schemeClr val="lt1"/>
+                      </a:solidFill>
+                      <a:prstDash val="solid"/>
+                      <a:round/>
+                    </a:lnR>
+                  </a:tcPr>
+                </a:tc>
+              </a:tr>
+              <a:tr h="643890">
+                <a:tc>
+                  <a:txBody>
+                    <a:bodyPr vert="horz" wrap="square" lIns="91440" tIns="45720" rIns="91440" bIns="45720" anchor="t" anchorCtr="0">
+                      <a:spAutoFit/>
+                    </a:bodyPr>
+                    <a:p>
+                      <a:pPr algn="ctr">
+                        <a:defRPr/>
+                      </a:pPr>
+                      <a:r>
+                        <a:rPr lang="ko-KR" altLang="en-US"/>
+                        <a:t>대중들이 야유하는 소음</a:t>
+                      </a:r>
+                      <a:endParaRPr lang="ko-KR" altLang="en-US"/>
+                    </a:p>
+                  </a:txBody>
+                  <a:tcPr marL="91440" marR="91440">
+                    <a:lnL w="9525" cap="flat" cmpd="sng" algn="ctr">
+                      <a:noFill/>
+                      <a:prstDash val="solid"/>
+                      <a:round/>
+                    </a:lnL>
+                    <a:lnB w="28575" cap="flat" cmpd="sng" algn="ctr">
+                      <a:solidFill>
+                        <a:srgbClr val="000000"/>
+                      </a:solidFill>
+                      <a:prstDash val="solid"/>
+                      <a:round/>
+                    </a:lnB>
+                  </a:tcPr>
+                </a:tc>
+                <a:tc>
+                  <a:txBody>
+                    <a:bodyPr vert="horz" wrap="square" lIns="91440" tIns="45720" rIns="91440" bIns="45720" anchor="t" anchorCtr="0">
+                      <a:spAutoFit/>
+                    </a:bodyPr>
+                    <a:p>
+                      <a:pPr algn="ctr">
+                        <a:defRPr/>
+                      </a:pPr>
+                      <a:r>
+                        <a:rPr lang="ko-KR" altLang="en-US"/>
+                        <a:t>국가는 재해를 예방하고 </a:t>
+                      </a:r>
+                      <a:r>
+                        <a:rPr lang="ko-KR" altLang="en-US">
+                          <a:solidFill>
+                            <a:srgbClr val="ff0000"/>
+                          </a:solidFill>
+                        </a:rPr>
+                        <a:t>위험도 있고 민의 고향이에요</a:t>
+                      </a:r>
+                      <a:r>
+                        <a:rPr lang="en-US" altLang="ko-KR">
+                          <a:solidFill>
+                            <a:srgbClr val="ff0000"/>
+                          </a:solidFill>
+                        </a:rPr>
+                        <a:t>.</a:t>
+                      </a:r>
+                      <a:r>
+                        <a:rPr lang="ko-KR" altLang="en-US">
+                          <a:solidFill>
+                            <a:srgbClr val="ff0000"/>
+                          </a:solidFill>
+                        </a:rPr>
+                        <a:t> 거려야 한다</a:t>
+                      </a:r>
+                      <a:r>
+                        <a:rPr lang="en-US" altLang="ko-KR">
+                          <a:solidFill>
+                            <a:srgbClr val="ff0000"/>
+                          </a:solidFill>
+                        </a:rPr>
+                        <a:t>.</a:t>
+                      </a:r>
+                      <a:endParaRPr lang="en-US" altLang="ko-KR">
+                        <a:solidFill>
+                          <a:srgbClr val="ff0000"/>
+                        </a:solidFill>
+                      </a:endParaRPr>
+                    </a:p>
+                  </a:txBody>
+                  <a:tcPr marL="91440" marR="91440">
+                    <a:lnR w="28575" cap="flat" cmpd="sng" algn="ctr">
+                      <a:solidFill>
+                        <a:schemeClr val="lt1"/>
+                      </a:solidFill>
+                      <a:prstDash val="solid"/>
+                      <a:round/>
+                    </a:lnR>
+                    <a:lnB w="28575" cap="flat" cmpd="sng" algn="ctr">
+                      <a:solidFill>
+                        <a:srgbClr val="000000"/>
+                      </a:solidFill>
+                      <a:prstDash val="solid"/>
+                      <a:round/>
+                    </a:lnB>
+                  </a:tcPr>
+                </a:tc>
+              </a:tr>
+            </a:tbl>
+          </a:graphicData>
+        </a:graphic>
+      </p:graphicFrame>
     </p:spTree>
   </p:cSld>
   <p:clrMapOvr>

--- a/2021_졸업과제_1번째_진행보고.pptx
+++ b/2021_졸업과제_1번째_진행보고.pptx
@@ -304,7 +304,7 @@
           <a:p>
             <a:fld id="{11FFDD12-E947-401E-BAC1-FD5DAC2FFF12}" type="datetimeFigureOut">
               <a:rPr lang="ko-KR" altLang="en-US" smtClean="0"/>
-              <a:t>2021-06-24(Thu)</a:t>
+              <a:t>2021-06-25(Fri)</a:t>
             </a:fld>
             <a:endParaRPr lang="ko-KR" altLang="en-US"/>
           </a:p>
@@ -472,7 +472,7 @@
           <a:p>
             <a:fld id="{11FFDD12-E947-401E-BAC1-FD5DAC2FFF12}" type="datetimeFigureOut">
               <a:rPr lang="ko-KR" altLang="en-US" smtClean="0"/>
-              <a:t>2021-06-24(Thu)</a:t>
+              <a:t>2021-06-25(Fri)</a:t>
             </a:fld>
             <a:endParaRPr lang="ko-KR" altLang="en-US"/>
           </a:p>
@@ -650,7 +650,7 @@
           <a:p>
             <a:fld id="{11FFDD12-E947-401E-BAC1-FD5DAC2FFF12}" type="datetimeFigureOut">
               <a:rPr lang="ko-KR" altLang="en-US" smtClean="0"/>
-              <a:t>2021-06-24(Thu)</a:t>
+              <a:t>2021-06-25(Fri)</a:t>
             </a:fld>
             <a:endParaRPr lang="ko-KR" altLang="en-US"/>
           </a:p>
@@ -818,7 +818,7 @@
           <a:p>
             <a:fld id="{11FFDD12-E947-401E-BAC1-FD5DAC2FFF12}" type="datetimeFigureOut">
               <a:rPr lang="ko-KR" altLang="en-US" smtClean="0"/>
-              <a:t>2021-06-24(Thu)</a:t>
+              <a:t>2021-06-25(Fri)</a:t>
             </a:fld>
             <a:endParaRPr lang="ko-KR" altLang="en-US"/>
           </a:p>
@@ -1109,7 +1109,7 @@
           <a:p>
             <a:fld id="{11FFDD12-E947-401E-BAC1-FD5DAC2FFF12}" type="datetimeFigureOut">
               <a:rPr lang="ko-KR" altLang="en-US" smtClean="0"/>
-              <a:t>2021-06-24(Thu)</a:t>
+              <a:t>2021-06-25(Fri)</a:t>
             </a:fld>
             <a:endParaRPr lang="ko-KR" altLang="en-US"/>
           </a:p>
@@ -1338,7 +1338,7 @@
           <a:p>
             <a:fld id="{11FFDD12-E947-401E-BAC1-FD5DAC2FFF12}" type="datetimeFigureOut">
               <a:rPr lang="ko-KR" altLang="en-US" smtClean="0"/>
-              <a:t>2021-06-24(Thu)</a:t>
+              <a:t>2021-06-25(Fri)</a:t>
             </a:fld>
             <a:endParaRPr lang="ko-KR" altLang="en-US"/>
           </a:p>
@@ -1702,7 +1702,7 @@
           <a:p>
             <a:fld id="{11FFDD12-E947-401E-BAC1-FD5DAC2FFF12}" type="datetimeFigureOut">
               <a:rPr lang="ko-KR" altLang="en-US" smtClean="0"/>
-              <a:t>2021-06-24(Thu)</a:t>
+              <a:t>2021-06-25(Fri)</a:t>
             </a:fld>
             <a:endParaRPr lang="ko-KR" altLang="en-US"/>
           </a:p>
@@ -1819,7 +1819,7 @@
           <a:p>
             <a:fld id="{11FFDD12-E947-401E-BAC1-FD5DAC2FFF12}" type="datetimeFigureOut">
               <a:rPr lang="ko-KR" altLang="en-US" smtClean="0"/>
-              <a:t>2021-06-24(Thu)</a:t>
+              <a:t>2021-06-25(Fri)</a:t>
             </a:fld>
             <a:endParaRPr lang="ko-KR" altLang="en-US"/>
           </a:p>
@@ -1914,7 +1914,7 @@
           <a:p>
             <a:fld id="{11FFDD12-E947-401E-BAC1-FD5DAC2FFF12}" type="datetimeFigureOut">
               <a:rPr lang="ko-KR" altLang="en-US" smtClean="0"/>
-              <a:t>2021-06-24(Thu)</a:t>
+              <a:t>2021-06-25(Fri)</a:t>
             </a:fld>
             <a:endParaRPr lang="ko-KR" altLang="en-US"/>
           </a:p>
@@ -2189,7 +2189,7 @@
           <a:p>
             <a:fld id="{11FFDD12-E947-401E-BAC1-FD5DAC2FFF12}" type="datetimeFigureOut">
               <a:rPr lang="ko-KR" altLang="en-US" smtClean="0"/>
-              <a:t>2021-06-24(Thu)</a:t>
+              <a:t>2021-06-25(Fri)</a:t>
             </a:fld>
             <a:endParaRPr lang="ko-KR" altLang="en-US"/>
           </a:p>
@@ -2441,7 +2441,7 @@
           <a:p>
             <a:fld id="{11FFDD12-E947-401E-BAC1-FD5DAC2FFF12}" type="datetimeFigureOut">
               <a:rPr lang="ko-KR" altLang="en-US" smtClean="0"/>
-              <a:t>2021-06-24(Thu)</a:t>
+              <a:t>2021-06-25(Fri)</a:t>
             </a:fld>
             <a:endParaRPr lang="ko-KR" altLang="en-US"/>
           </a:p>
@@ -2652,7 +2652,7 @@
           <a:p>
             <a:fld id="{11FFDD12-E947-401E-BAC1-FD5DAC2FFF12}" type="datetimeFigureOut">
               <a:rPr lang="ko-KR" altLang="en-US" smtClean="0"/>
-              <a:t>2021-06-24(Thu)</a:t>
+              <a:t>2021-06-25(Fri)</a:t>
             </a:fld>
             <a:endParaRPr lang="ko-KR" altLang="en-US"/>
           </a:p>
@@ -33208,6 +33208,16 @@
             <a:r>
               <a:rPr lang="en-US" altLang="ko-KR">
                 <a:solidFill>
+                  <a:srgbClr val="00C300"/>
+                </a:solidFill>
+                <a:latin typeface="나눔바른고딕" panose="020B0603020101020101" pitchFamily="50" charset="-127"/>
+                <a:ea typeface="나눔바른고딕" panose="020B0603020101020101" pitchFamily="50" charset="-127"/>
+              </a:rPr>
+              <a:t>D</a:t>
+            </a:r>
+            <a:r>
+              <a:rPr lang="en-US" altLang="ko-KR">
+                <a:solidFill>
                   <a:schemeClr val="tx1">
                     <a:lumMod val="75000"/>
                     <a:lumOff val="25000"/>
@@ -33216,14 +33226,90 @@
                 <a:latin typeface="나눔바른고딕" panose="020B0603020101020101" pitchFamily="50" charset="-127"/>
                 <a:ea typeface="나눔바른고딕" panose="020B0603020101020101" pitchFamily="50" charset="-127"/>
               </a:rPr>
-              <a:t>Decoder-side Scalable CNN</a:t>
+              <a:t>epthwise </a:t>
+            </a:r>
+            <a:r>
+              <a:rPr lang="en-US" altLang="ko-KR">
+                <a:solidFill>
+                  <a:srgbClr val="00C300"/>
+                </a:solidFill>
+                <a:latin typeface="나눔바른고딕" panose="020B0603020101020101" pitchFamily="50" charset="-127"/>
+                <a:ea typeface="나눔바른고딕" panose="020B0603020101020101" pitchFamily="50" charset="-127"/>
+              </a:rPr>
+              <a:t>S</a:t>
+            </a:r>
+            <a:r>
+              <a:rPr lang="en-US" altLang="ko-KR">
+                <a:solidFill>
+                  <a:schemeClr val="tx1">
+                    <a:lumMod val="75000"/>
+                    <a:lumOff val="25000"/>
+                  </a:schemeClr>
+                </a:solidFill>
+                <a:latin typeface="나눔바른고딕" panose="020B0603020101020101" pitchFamily="50" charset="-127"/>
+                <a:ea typeface="나눔바른고딕" panose="020B0603020101020101" pitchFamily="50" charset="-127"/>
+              </a:rPr>
+              <a:t>eparable </a:t>
+            </a:r>
+            <a:r>
+              <a:rPr lang="en-US" altLang="ko-KR">
+                <a:solidFill>
+                  <a:srgbClr val="00C300"/>
+                </a:solidFill>
+                <a:latin typeface="나눔바른고딕" panose="020B0603020101020101" pitchFamily="50" charset="-127"/>
+                <a:ea typeface="나눔바른고딕" panose="020B0603020101020101" pitchFamily="50" charset="-127"/>
+              </a:rPr>
+              <a:t>C</a:t>
+            </a:r>
+            <a:r>
+              <a:rPr lang="en-US" altLang="ko-KR">
+                <a:solidFill>
+                  <a:schemeClr val="tx1">
+                    <a:lumMod val="75000"/>
+                    <a:lumOff val="25000"/>
+                  </a:schemeClr>
+                </a:solidFill>
+                <a:latin typeface="나눔바른고딕" panose="020B0603020101020101" pitchFamily="50" charset="-127"/>
+                <a:ea typeface="나눔바른고딕" panose="020B0603020101020101" pitchFamily="50" charset="-127"/>
+              </a:rPr>
+              <a:t>o</a:t>
+            </a:r>
+            <a:r>
+              <a:rPr lang="en-US" altLang="ko-KR">
+                <a:solidFill>
+                  <a:srgbClr val="00C300"/>
+                </a:solidFill>
+                <a:latin typeface="나눔바른고딕" panose="020B0603020101020101" pitchFamily="50" charset="-127"/>
+                <a:ea typeface="나눔바른고딕" panose="020B0603020101020101" pitchFamily="50" charset="-127"/>
+              </a:rPr>
+              <a:t>n</a:t>
+            </a:r>
+            <a:r>
+              <a:rPr lang="en-US" altLang="ko-KR">
+                <a:solidFill>
+                  <a:schemeClr val="tx1">
+                    <a:lumMod val="75000"/>
+                    <a:lumOff val="25000"/>
+                  </a:schemeClr>
+                </a:solidFill>
+                <a:latin typeface="나눔바른고딕" panose="020B0603020101020101" pitchFamily="50" charset="-127"/>
+                <a:ea typeface="나눔바른고딕" panose="020B0603020101020101" pitchFamily="50" charset="-127"/>
+              </a:rPr>
+              <a:t>volutio</a:t>
+            </a:r>
+            <a:r>
+              <a:rPr lang="en-US" altLang="ko-KR">
+                <a:solidFill>
+                  <a:srgbClr val="00C300"/>
+                </a:solidFill>
+                <a:latin typeface="나눔바른고딕" panose="020B0603020101020101" pitchFamily="50" charset="-127"/>
+                <a:ea typeface="나눔바른고딕" panose="020B0603020101020101" pitchFamily="50" charset="-127"/>
+              </a:rPr>
+              <a:t>n</a:t>
             </a:r>
             <a:endParaRPr lang="ko-KR" altLang="en-US">
               <a:solidFill>
-                <a:schemeClr val="tx1">
-                  <a:lumMod val="75000"/>
-                  <a:lumOff val="25000"/>
-                </a:schemeClr>
+                <a:srgbClr val="00C300"/>
               </a:solidFill>
               <a:latin typeface="나눔바른고딕" panose="020B0603020101020101" pitchFamily="50" charset="-127"/>
               <a:ea typeface="나눔바른고딕" panose="020B0603020101020101" pitchFamily="50" charset="-127"/>

--- a/2021_졸업과제_1번째_진행보고.pptx
+++ b/2021_졸업과제_1번째_진행보고.pptx
@@ -1,36 +1,24 @@
 
 <file path=ppt/presentation.xml><?xml version="1.0" encoding="utf-8"?>
-<p:presentation xmlns:a="http://schemas.openxmlformats.org/drawingml/2006/main" xmlns:r="http://schemas.openxmlformats.org/officeDocument/2006/relationships" xmlns:p="http://schemas.openxmlformats.org/presentationml/2006/main" embedTrueTypeFonts="1">
+<p:presentation xmlns:r="http://schemas.openxmlformats.org/officeDocument/2006/relationships" xmlns:c="http://schemas.openxmlformats.org/drawingml/2006/chart" xmlns:a="http://schemas.openxmlformats.org/drawingml/2006/main" xmlns:dgm="http://schemas.openxmlformats.org/drawingml/2006/diagram" xmlns:dsp="http://schemas.microsoft.com/office/drawing/2008/diagram" xmlns:p="http://schemas.openxmlformats.org/presentationml/2006/main" embedTrueTypeFonts="1">
   <p:sldMasterIdLst>
-    <p:sldMasterId id="2147483648" r:id="rId1"/>
+    <p:sldMasterId id="2147483661" r:id="rId1"/>
   </p:sldMasterIdLst>
   <p:sldIdLst>
     <p:sldId id="256" r:id="rId2"/>
     <p:sldId id="257" r:id="rId3"/>
-    <p:sldId id="278" r:id="rId4"/>
-    <p:sldId id="279" r:id="rId5"/>
-    <p:sldId id="280" r:id="rId6"/>
-    <p:sldId id="282" r:id="rId7"/>
-    <p:sldId id="283" r:id="rId8"/>
-    <p:sldId id="286" r:id="rId9"/>
-    <p:sldId id="284" r:id="rId10"/>
-    <p:sldId id="285" r:id="rId11"/>
-    <p:sldId id="258" r:id="rId12"/>
+    <p:sldId id="258" r:id="rId4"/>
+    <p:sldId id="259" r:id="rId5"/>
+    <p:sldId id="260" r:id="rId6"/>
+    <p:sldId id="261" r:id="rId7"/>
+    <p:sldId id="262" r:id="rId8"/>
+    <p:sldId id="263" r:id="rId9"/>
+    <p:sldId id="264" r:id="rId10"/>
+    <p:sldId id="265" r:id="rId11"/>
+    <p:sldId id="266" r:id="rId12"/>
   </p:sldIdLst>
   <p:sldSz cx="12192000" cy="6858000"/>
   <p:notesSz cx="6858000" cy="9144000"/>
-  <p:embeddedFontLst>
-    <p:embeddedFont>
-      <p:font typeface="나눔바른고딕" panose="020B0603020101020101" pitchFamily="50" charset="-127"/>
-      <p:regular r:id="rId13"/>
-      <p:bold r:id="rId14"/>
-    </p:embeddedFont>
-    <p:embeddedFont>
-      <p:font typeface="맑은 고딕" panose="020B0503020000020004" pitchFamily="50" charset="-127"/>
-      <p:regular r:id="rId15"/>
-      <p:bold r:id="rId16"/>
-    </p:embeddedFont>
-  </p:embeddedFontLst>
   <p:defaultTextStyle>
     <a:defPPr>
       <a:defRPr lang="ko-KR"/>
@@ -126,52 +114,6 @@
       </a:defRPr>
     </a:lvl9pPr>
   </p:defaultTextStyle>
-  <p:extLst>
-    <p:ext uri="{EFAFB233-063F-42B5-8137-9DF3F51BA10A}">
-      <p15:sldGuideLst xmlns:p15="http://schemas.microsoft.com/office/powerpoint/2012/main">
-        <p15:guide id="1" orient="horz" pos="300" userDrawn="1">
-          <p15:clr>
-            <a:srgbClr val="A4A3A4"/>
-          </p15:clr>
-        </p15:guide>
-        <p15:guide id="2" pos="302" userDrawn="1">
-          <p15:clr>
-            <a:srgbClr val="A4A3A4"/>
-          </p15:clr>
-        </p15:guide>
-        <p15:guide id="3" pos="7378" userDrawn="1">
-          <p15:clr>
-            <a:srgbClr val="A4A3A4"/>
-          </p15:clr>
-        </p15:guide>
-        <p15:guide id="4" pos="2615" userDrawn="1">
-          <p15:clr>
-            <a:srgbClr val="A4A3A4"/>
-          </p15:clr>
-        </p15:guide>
-        <p15:guide id="5" pos="7219" userDrawn="1">
-          <p15:clr>
-            <a:srgbClr val="A4A3A4"/>
-          </p15:clr>
-        </p15:guide>
-        <p15:guide id="6" orient="horz" pos="4020" userDrawn="1">
-          <p15:clr>
-            <a:srgbClr val="A4A3A4"/>
-          </p15:clr>
-        </p15:guide>
-        <p15:guide id="7" orient="horz" pos="862" userDrawn="1">
-          <p15:clr>
-            <a:srgbClr val="A4A3A4"/>
-          </p15:clr>
-        </p15:guide>
-        <p15:guide id="8" orient="horz" pos="981" userDrawn="1">
-          <p15:clr>
-            <a:srgbClr val="A4A3A4"/>
-          </p15:clr>
-        </p15:guide>
-      </p15:sldGuideLst>
-    </p:ext>
-  </p:extLst>
 </p:presentation>
 </file>
 
@@ -28326,7 +28268,7 @@
 </file>
 
 <file path=ppt/slides/slide6.xml><?xml version="1.0" encoding="utf-8"?>
-<p:sld xmlns:a="http://schemas.openxmlformats.org/drawingml/2006/main" xmlns:r="http://schemas.openxmlformats.org/officeDocument/2006/relationships" xmlns:p="http://schemas.openxmlformats.org/presentationml/2006/main">
+<p:sld xmlns:r="http://schemas.openxmlformats.org/officeDocument/2006/relationships" xmlns:c="http://schemas.openxmlformats.org/drawingml/2006/chart" xmlns:a="http://schemas.openxmlformats.org/drawingml/2006/main" xmlns:dgm="http://schemas.openxmlformats.org/drawingml/2006/diagram" xmlns:dsp="http://schemas.microsoft.com/office/drawing/2008/diagram" xmlns:p="http://schemas.openxmlformats.org/presentationml/2006/main">
   <p:cSld>
     <p:spTree>
       <p:nvGrpSpPr>
@@ -28344,18 +28286,12 @@
       </p:grpSpPr>
       <p:grpSp>
         <p:nvGrpSpPr>
-          <p:cNvPr id="92" name="그룹 91">
-            <a:extLst>
-              <a:ext uri="{FF2B5EF4-FFF2-40B4-BE49-F238E27FC236}">
-                <a16:creationId xmlns:a16="http://schemas.microsoft.com/office/drawing/2014/main" id="{417ECB2C-18CD-481D-9D4B-8E422723A71A}"/>
-              </a:ext>
-            </a:extLst>
-          </p:cNvPr>
+          <p:cNvPr id="92" name="그룹 91"/>
           <p:cNvGrpSpPr/>
           <p:nvPr/>
         </p:nvGrpSpPr>
         <p:grpSpPr>
-          <a:xfrm>
+          <a:xfrm rot="0">
             <a:off x="4145827" y="1466561"/>
             <a:ext cx="682207" cy="682206"/>
             <a:chOff x="6270029" y="3755207"/>
@@ -28364,13 +28300,7 @@
         </p:grpSpPr>
         <p:sp>
           <p:nvSpPr>
-            <p:cNvPr id="93" name="타원 92">
-              <a:extLst>
-                <a:ext uri="{FF2B5EF4-FFF2-40B4-BE49-F238E27FC236}">
-                  <a16:creationId xmlns:a16="http://schemas.microsoft.com/office/drawing/2014/main" id="{B9A744AC-478A-4360-9860-1D8EAA628E03}"/>
-                </a:ext>
-              </a:extLst>
-            </p:cNvPr>
+            <p:cNvPr id="93" name="타원 92"/>
             <p:cNvSpPr/>
             <p:nvPr/>
           </p:nvSpPr>
@@ -28410,54 +28340,42 @@
             </a:fontRef>
           </p:style>
           <p:txBody>
-            <a:bodyPr rtlCol="0" anchor="ctr"/>
+            <a:bodyPr anchor="ctr"/>
             <a:lstStyle/>
             <a:p>
-              <a:pPr algn="ctr"/>
+              <a:pPr algn="ctr">
+                <a:defRPr/>
+              </a:pPr>
               <a:endParaRPr lang="ko-KR" altLang="en-US" sz="1200"/>
             </a:p>
           </p:txBody>
         </p:sp>
         <p:grpSp>
           <p:nvGrpSpPr>
-            <p:cNvPr id="94" name="Group 5">
-              <a:extLst>
-                <a:ext uri="{FF2B5EF4-FFF2-40B4-BE49-F238E27FC236}">
-                  <a16:creationId xmlns:a16="http://schemas.microsoft.com/office/drawing/2014/main" id="{0BFA70A8-129E-461E-8E6E-0CB139372E1D}"/>
-                </a:ext>
-              </a:extLst>
-            </p:cNvPr>
+            <p:cNvPr id="94" name="Group 5"/>
             <p:cNvGrpSpPr>
               <a:grpSpLocks noChangeAspect="1"/>
             </p:cNvGrpSpPr>
             <p:nvPr/>
           </p:nvGrpSpPr>
-          <p:grpSpPr bwMode="auto">
-            <a:xfrm>
+          <p:grpSpPr>
+            <a:xfrm rot="0">
               <a:off x="6477020" y="3938852"/>
               <a:ext cx="314080" cy="328258"/>
               <a:chOff x="1239" y="1735"/>
               <a:chExt cx="288" cy="301"/>
             </a:xfrm>
             <a:solidFill>
-              <a:srgbClr val="00C300"/>
+              <a:srgbClr val="00c300"/>
             </a:solidFill>
           </p:grpSpPr>
           <p:sp>
             <p:nvSpPr>
-              <p:cNvPr id="95" name="Freeform 7">
-                <a:extLst>
-                  <a:ext uri="{FF2B5EF4-FFF2-40B4-BE49-F238E27FC236}">
-                    <a16:creationId xmlns:a16="http://schemas.microsoft.com/office/drawing/2014/main" id="{26E3EC45-1472-450E-AC46-797D440AAFBA}"/>
-                  </a:ext>
-                </a:extLst>
-              </p:cNvPr>
-              <p:cNvSpPr>
-                <a:spLocks/>
-              </p:cNvSpPr>
+              <p:cNvPr id="95" name="Freeform 7"/>
+              <p:cNvSpPr/>
               <p:nvPr/>
             </p:nvSpPr>
-            <p:spPr bwMode="auto">
+            <p:spPr>
               <a:xfrm>
                 <a:off x="1239" y="1735"/>
                 <a:ext cx="238" cy="280"/>
@@ -28542,7 +28460,6 @@
                   <a:gd name="T74" fmla="*/ 180 w 2621"/>
                   <a:gd name="T75" fmla="*/ 0 h 3074"/>
                 </a:gdLst>
-                <a:ahLst/>
                 <a:cxnLst>
                   <a:cxn ang="0">
                     <a:pos x="T0" y="T1"/>
@@ -28785,37 +28702,30 @@
                 <a:noFill/>
                 <a:prstDash val="solid"/>
                 <a:round/>
-                <a:headEnd/>
-                <a:tailEnd/>
               </a:ln>
             </p:spPr>
             <p:txBody>
-              <a:bodyPr vert="horz" wrap="square" lIns="91440" tIns="45720" rIns="91440" bIns="45720" numCol="1" anchor="t" anchorCtr="0" compatLnSpc="1">
+              <a:bodyPr vert="horz" wrap="square" lIns="91440" tIns="45720" rIns="91440" bIns="45720" anchor="t" anchorCtr="0">
                 <a:prstTxWarp prst="textNoShape">
                   <a:avLst/>
                 </a:prstTxWarp>
               </a:bodyPr>
               <a:lstStyle/>
               <a:p>
+                <a:pPr lvl="0">
+                  <a:defRPr/>
+                </a:pPr>
                 <a:endParaRPr lang="ko-KR" altLang="en-US" sz="1200"/>
               </a:p>
             </p:txBody>
           </p:sp>
           <p:sp>
             <p:nvSpPr>
-              <p:cNvPr id="96" name="Freeform 8">
-                <a:extLst>
-                  <a:ext uri="{FF2B5EF4-FFF2-40B4-BE49-F238E27FC236}">
-                    <a16:creationId xmlns:a16="http://schemas.microsoft.com/office/drawing/2014/main" id="{89B675D5-E3EC-409F-86AA-6EE16C3BC65E}"/>
-                  </a:ext>
-                </a:extLst>
-              </p:cNvPr>
-              <p:cNvSpPr>
-                <a:spLocks/>
-              </p:cNvSpPr>
+              <p:cNvPr id="96" name="Freeform 8"/>
+              <p:cNvSpPr/>
               <p:nvPr/>
             </p:nvSpPr>
-            <p:spPr bwMode="auto">
+            <p:spPr>
               <a:xfrm>
                 <a:off x="1376" y="1910"/>
                 <a:ext cx="151" cy="126"/>
@@ -28900,7 +28810,6 @@
                   <a:gd name="T74" fmla="*/ 1580 w 1668"/>
                   <a:gd name="T75" fmla="*/ 0 h 1391"/>
                 </a:gdLst>
-                <a:ahLst/>
                 <a:cxnLst>
                   <a:cxn ang="0">
                     <a:pos x="T0" y="T1"/>
@@ -29143,37 +29052,30 @@
                 <a:noFill/>
                 <a:prstDash val="solid"/>
                 <a:round/>
-                <a:headEnd/>
-                <a:tailEnd/>
               </a:ln>
             </p:spPr>
             <p:txBody>
-              <a:bodyPr vert="horz" wrap="square" lIns="91440" tIns="45720" rIns="91440" bIns="45720" numCol="1" anchor="t" anchorCtr="0" compatLnSpc="1">
+              <a:bodyPr vert="horz" wrap="square" lIns="91440" tIns="45720" rIns="91440" bIns="45720" anchor="t" anchorCtr="0">
                 <a:prstTxWarp prst="textNoShape">
                   <a:avLst/>
                 </a:prstTxWarp>
               </a:bodyPr>
               <a:lstStyle/>
               <a:p>
+                <a:pPr lvl="0">
+                  <a:defRPr/>
+                </a:pPr>
                 <a:endParaRPr lang="ko-KR" altLang="en-US" sz="1200"/>
               </a:p>
             </p:txBody>
           </p:sp>
           <p:sp>
             <p:nvSpPr>
-              <p:cNvPr id="98" name="Freeform 9">
-                <a:extLst>
-                  <a:ext uri="{FF2B5EF4-FFF2-40B4-BE49-F238E27FC236}">
-                    <a16:creationId xmlns:a16="http://schemas.microsoft.com/office/drawing/2014/main" id="{C683E59B-CC65-4B4B-B704-6306C4B0981E}"/>
-                  </a:ext>
-                </a:extLst>
-              </p:cNvPr>
-              <p:cNvSpPr>
-                <a:spLocks/>
-              </p:cNvSpPr>
+              <p:cNvPr id="98" name="Freeform 9"/>
+              <p:cNvSpPr/>
               <p:nvPr/>
             </p:nvSpPr>
-            <p:spPr bwMode="auto">
+            <p:spPr>
               <a:xfrm>
                 <a:off x="1292" y="1793"/>
                 <a:ext cx="132" cy="33"/>
@@ -29260,7 +29162,6 @@
                   <a:gd name="T76" fmla="*/ 180 w 1446"/>
                   <a:gd name="T77" fmla="*/ 0 h 362"/>
                 </a:gdLst>
-                <a:ahLst/>
                 <a:cxnLst>
                   <a:cxn ang="0">
                     <a:pos x="T0" y="T1"/>
@@ -29509,37 +29410,30 @@
                 <a:noFill/>
                 <a:prstDash val="solid"/>
                 <a:round/>
-                <a:headEnd/>
-                <a:tailEnd/>
               </a:ln>
             </p:spPr>
             <p:txBody>
-              <a:bodyPr vert="horz" wrap="square" lIns="91440" tIns="45720" rIns="91440" bIns="45720" numCol="1" anchor="t" anchorCtr="0" compatLnSpc="1">
+              <a:bodyPr vert="horz" wrap="square" lIns="91440" tIns="45720" rIns="91440" bIns="45720" anchor="t" anchorCtr="0">
                 <a:prstTxWarp prst="textNoShape">
                   <a:avLst/>
                 </a:prstTxWarp>
               </a:bodyPr>
               <a:lstStyle/>
               <a:p>
+                <a:pPr lvl="0">
+                  <a:defRPr/>
+                </a:pPr>
                 <a:endParaRPr lang="ko-KR" altLang="en-US" sz="1200"/>
               </a:p>
             </p:txBody>
           </p:sp>
           <p:sp>
             <p:nvSpPr>
-              <p:cNvPr id="99" name="Freeform 10">
-                <a:extLst>
-                  <a:ext uri="{FF2B5EF4-FFF2-40B4-BE49-F238E27FC236}">
-                    <a16:creationId xmlns:a16="http://schemas.microsoft.com/office/drawing/2014/main" id="{09831800-E439-4CDC-8439-7D7B5877DD81}"/>
-                  </a:ext>
-                </a:extLst>
-              </p:cNvPr>
-              <p:cNvSpPr>
-                <a:spLocks/>
-              </p:cNvSpPr>
+              <p:cNvPr id="99" name="Freeform 10"/>
+              <p:cNvSpPr/>
               <p:nvPr/>
             </p:nvSpPr>
-            <p:spPr bwMode="auto">
+            <p:spPr>
               <a:xfrm>
                 <a:off x="1292" y="1842"/>
                 <a:ext cx="132" cy="33"/>
@@ -29626,7 +29520,6 @@
                   <a:gd name="T76" fmla="*/ 180 w 1446"/>
                   <a:gd name="T77" fmla="*/ 0 h 360"/>
                 </a:gdLst>
-                <a:ahLst/>
                 <a:cxnLst>
                   <a:cxn ang="0">
                     <a:pos x="T0" y="T1"/>
@@ -29875,37 +29768,30 @@
                 <a:noFill/>
                 <a:prstDash val="solid"/>
                 <a:round/>
-                <a:headEnd/>
-                <a:tailEnd/>
               </a:ln>
             </p:spPr>
             <p:txBody>
-              <a:bodyPr vert="horz" wrap="square" lIns="91440" tIns="45720" rIns="91440" bIns="45720" numCol="1" anchor="t" anchorCtr="0" compatLnSpc="1">
+              <a:bodyPr vert="horz" wrap="square" lIns="91440" tIns="45720" rIns="91440" bIns="45720" anchor="t" anchorCtr="0">
                 <a:prstTxWarp prst="textNoShape">
                   <a:avLst/>
                 </a:prstTxWarp>
               </a:bodyPr>
               <a:lstStyle/>
               <a:p>
+                <a:pPr lvl="0">
+                  <a:defRPr/>
+                </a:pPr>
                 <a:endParaRPr lang="ko-KR" altLang="en-US" sz="1200"/>
               </a:p>
             </p:txBody>
           </p:sp>
           <p:sp>
             <p:nvSpPr>
-              <p:cNvPr id="100" name="Freeform 11">
-                <a:extLst>
-                  <a:ext uri="{FF2B5EF4-FFF2-40B4-BE49-F238E27FC236}">
-                    <a16:creationId xmlns:a16="http://schemas.microsoft.com/office/drawing/2014/main" id="{398212E6-C94F-4C15-80DD-7E7F4EFDF41A}"/>
-                  </a:ext>
-                </a:extLst>
-              </p:cNvPr>
-              <p:cNvSpPr>
-                <a:spLocks/>
-              </p:cNvSpPr>
+              <p:cNvPr id="100" name="Freeform 11"/>
+              <p:cNvSpPr/>
               <p:nvPr/>
             </p:nvSpPr>
-            <p:spPr bwMode="auto">
+            <p:spPr>
               <a:xfrm>
                 <a:off x="1292" y="1891"/>
                 <a:ext cx="132" cy="33"/>
@@ -29992,7 +29878,6 @@
                   <a:gd name="T76" fmla="*/ 180 w 1446"/>
                   <a:gd name="T77" fmla="*/ 0 h 362"/>
                 </a:gdLst>
-                <a:ahLst/>
                 <a:cxnLst>
                   <a:cxn ang="0">
                     <a:pos x="T0" y="T1"/>
@@ -30241,18 +30126,19 @@
                 <a:noFill/>
                 <a:prstDash val="solid"/>
                 <a:round/>
-                <a:headEnd/>
-                <a:tailEnd/>
               </a:ln>
             </p:spPr>
             <p:txBody>
-              <a:bodyPr vert="horz" wrap="square" lIns="91440" tIns="45720" rIns="91440" bIns="45720" numCol="1" anchor="t" anchorCtr="0" compatLnSpc="1">
+              <a:bodyPr vert="horz" wrap="square" lIns="91440" tIns="45720" rIns="91440" bIns="45720" anchor="t" anchorCtr="0">
                 <a:prstTxWarp prst="textNoShape">
                   <a:avLst/>
                 </a:prstTxWarp>
               </a:bodyPr>
               <a:lstStyle/>
               <a:p>
+                <a:pPr lvl="0">
+                  <a:defRPr/>
+                </a:pPr>
                 <a:endParaRPr lang="ko-KR" altLang="en-US" sz="1200"/>
               </a:p>
             </p:txBody>
@@ -30268,7 +30154,7 @@
         <p:spPr>
           <a:xfrm>
             <a:off x="1061674" y="2657823"/>
-            <a:ext cx="2044263" cy="366254"/>
+            <a:ext cx="2044263" cy="342552"/>
           </a:xfrm>
           <a:prstGeom prst="rect">
             <a:avLst/>
@@ -30276,7 +30162,7 @@
           <a:noFill/>
         </p:spPr>
         <p:txBody>
-          <a:bodyPr wrap="square" lIns="0" tIns="0" rIns="0" bIns="0" rtlCol="0">
+          <a:bodyPr wrap="square" lIns="0" tIns="0" rIns="0" bIns="0">
             <a:spAutoFit/>
           </a:bodyPr>
           <a:lstStyle/>
@@ -30285,17 +30171,25 @@
               <a:lnSpc>
                 <a:spcPct val="80000"/>
               </a:lnSpc>
+              <a:defRPr/>
             </a:pPr>
             <a:r>
-              <a:rPr lang="ko-KR" altLang="en-US" sz="2800" spc="-100">
+              <a:rPr lang="ko-KR" altLang="en-US" sz="2800" b="0" spc="-100">
                 <a:solidFill>
                   <a:schemeClr val="bg1"/>
                 </a:solidFill>
-                <a:latin typeface="나눔바른고딕" panose="020B0603020101020101" pitchFamily="50" charset="-127"/>
-                <a:ea typeface="나눔바른고딕" panose="020B0603020101020101" pitchFamily="50" charset="-127"/>
+                <a:latin typeface="나눔바른고딕"/>
+                <a:ea typeface="나눔바른고딕"/>
               </a:rPr>
               <a:t>결과 보고</a:t>
             </a:r>
+            <a:endParaRPr lang="ko-KR" altLang="en-US" sz="2800" b="0" spc="-100">
+              <a:solidFill>
+                <a:schemeClr val="bg1"/>
+              </a:solidFill>
+              <a:latin typeface="나눔바른고딕"/>
+              <a:ea typeface="나눔바른고딕"/>
+            </a:endParaRPr>
           </a:p>
         </p:txBody>
       </p:sp>
@@ -30316,19 +30210,21 @@
           <a:noFill/>
         </p:spPr>
         <p:txBody>
-          <a:bodyPr wrap="square" lIns="0" tIns="0" rIns="0" bIns="0" rtlCol="0">
+          <a:bodyPr wrap="square" lIns="0" tIns="0" rIns="0" bIns="0">
             <a:spAutoFit/>
           </a:bodyPr>
           <a:lstStyle/>
           <a:p>
-            <a:pPr algn="r"/>
+            <a:pPr algn="r">
+              <a:defRPr/>
+            </a:pPr>
             <a:r>
               <a:rPr lang="en-US" altLang="ko-KR" sz="1400">
                 <a:solidFill>
                   <a:srgbClr val="009933"/>
                 </a:solidFill>
-                <a:latin typeface="나눔바른고딕" panose="020B0603020101020101" pitchFamily="50" charset="-127"/>
-                <a:ea typeface="나눔바른고딕" panose="020B0603020101020101" pitchFamily="50" charset="-127"/>
+                <a:latin typeface="나눔바른고딕"/>
+                <a:ea typeface="나눔바른고딕"/>
               </a:rPr>
               <a:t>PNU CSE 2021 Graduation</a:t>
             </a:r>
@@ -30337,8 +30233,8 @@
                 <a:solidFill>
                   <a:srgbClr val="009933"/>
                 </a:solidFill>
-                <a:latin typeface="나눔바른고딕" panose="020B0603020101020101" pitchFamily="50" charset="-127"/>
-                <a:ea typeface="나눔바른고딕" panose="020B0603020101020101" pitchFamily="50" charset="-127"/>
+                <a:latin typeface="나눔바른고딕"/>
+                <a:ea typeface="나눔바른고딕"/>
               </a:rPr>
               <a:t> </a:t>
             </a:r>
@@ -30347,8 +30243,8 @@
                 <a:solidFill>
                   <a:srgbClr val="009933"/>
                 </a:solidFill>
-                <a:latin typeface="나눔바른고딕" panose="020B0603020101020101" pitchFamily="50" charset="-127"/>
-                <a:ea typeface="나눔바른고딕" panose="020B0603020101020101" pitchFamily="50" charset="-127"/>
+                <a:latin typeface="나눔바른고딕"/>
+                <a:ea typeface="나눔바른고딕"/>
               </a:rPr>
               <a:t>Project</a:t>
             </a:r>
@@ -30356,8 +30252,8 @@
               <a:solidFill>
                 <a:srgbClr val="009933"/>
               </a:solidFill>
-              <a:latin typeface="나눔바른고딕" panose="020B0603020101020101" pitchFamily="50" charset="-127"/>
-              <a:ea typeface="나눔바른고딕" panose="020B0603020101020101" pitchFamily="50" charset="-127"/>
+              <a:latin typeface="나눔바른고딕"/>
+              <a:ea typeface="나눔바른고딕"/>
             </a:endParaRPr>
           </a:p>
         </p:txBody>
@@ -30379,50 +30275,63 @@
           <a:noFill/>
         </p:spPr>
         <p:txBody>
-          <a:bodyPr wrap="square" lIns="0" tIns="0" rIns="0" bIns="0" rtlCol="0">
+          <a:bodyPr wrap="square" lIns="0" tIns="0" rIns="0" bIns="0">
             <a:spAutoFit/>
           </a:bodyPr>
           <a:lstStyle/>
           <a:p>
+            <a:pPr lvl="0">
+              <a:defRPr/>
+            </a:pPr>
             <a:endParaRPr lang="en-US" altLang="ko-KR" sz="1500">
               <a:solidFill>
                 <a:srgbClr val="686868"/>
               </a:solidFill>
-              <a:latin typeface="나눔바른고딕" panose="020B0603020101020101" pitchFamily="50" charset="-127"/>
-              <a:ea typeface="나눔바른고딕" panose="020B0603020101020101" pitchFamily="50" charset="-127"/>
+              <a:latin typeface="나눔바른고딕"/>
+              <a:ea typeface="나눔바른고딕"/>
             </a:endParaRPr>
           </a:p>
           <a:p>
+            <a:pPr lvl="0">
+              <a:defRPr/>
+            </a:pPr>
             <a:r>
               <a:rPr lang="en-US" altLang="ko-KR" sz="1500">
                 <a:solidFill>
-                  <a:srgbClr val="00C300"/>
+                  <a:srgbClr val="00d8bf"/>
                 </a:solidFill>
-                <a:latin typeface="나눔바른고딕" panose="020B0603020101020101" pitchFamily="50" charset="-127"/>
-                <a:ea typeface="나눔바른고딕" panose="020B0603020101020101" pitchFamily="50" charset="-127"/>
+                <a:latin typeface="나눔바른고딕"/>
+                <a:ea typeface="나눔바른고딕"/>
               </a:rPr>
               <a:t>MFCC</a:t>
             </a:r>
             <a:r>
               <a:rPr lang="ko-KR" altLang="en-US" sz="1500">
                 <a:solidFill>
-                  <a:srgbClr val="00C300"/>
+                  <a:srgbClr val="00d8bf"/>
                 </a:solidFill>
-                <a:latin typeface="나눔바른고딕" panose="020B0603020101020101" pitchFamily="50" charset="-127"/>
-                <a:ea typeface="나눔바른고딕" panose="020B0603020101020101" pitchFamily="50" charset="-127"/>
+                <a:latin typeface="나눔바른고딕"/>
+                <a:ea typeface="나눔바른고딕"/>
               </a:rPr>
               <a:t>란</a:t>
             </a:r>
             <a:r>
               <a:rPr lang="en-US" altLang="ko-KR" sz="1500">
                 <a:solidFill>
-                  <a:srgbClr val="00C300"/>
+                  <a:srgbClr val="00c300"/>
                 </a:solidFill>
-                <a:latin typeface="나눔바른고딕" panose="020B0603020101020101" pitchFamily="50" charset="-127"/>
-                <a:ea typeface="나눔바른고딕" panose="020B0603020101020101" pitchFamily="50" charset="-127"/>
+                <a:latin typeface="나눔바른고딕"/>
+                <a:ea typeface="나눔바른고딕"/>
               </a:rPr>
               <a:t>?</a:t>
             </a:r>
+            <a:endParaRPr lang="en-US" altLang="ko-KR" sz="1500">
+              <a:solidFill>
+                <a:srgbClr val="00c300"/>
+              </a:solidFill>
+              <a:latin typeface="나눔바른고딕"/>
+              <a:ea typeface="나눔바른고딕"/>
+            </a:endParaRPr>
           </a:p>
         </p:txBody>
       </p:sp>
@@ -30433,7 +30342,7 @@
           <p:nvPr/>
         </p:nvGrpSpPr>
         <p:grpSpPr>
-          <a:xfrm>
+          <a:xfrm rot="0">
             <a:off x="1061674" y="3622428"/>
             <a:ext cx="602615" cy="241464"/>
             <a:chOff x="479425" y="2364330"/>
@@ -30480,13 +30389,15 @@
             </a:fontRef>
           </p:style>
           <p:txBody>
-            <a:bodyPr rtlCol="0" anchor="ctr"/>
+            <a:bodyPr anchor="ctr"/>
             <a:lstStyle/>
             <a:p>
-              <a:pPr algn="ctr"/>
+              <a:pPr algn="ctr">
+                <a:defRPr/>
+              </a:pPr>
               <a:endParaRPr lang="ko-KR" altLang="en-US">
-                <a:latin typeface="나눔바른고딕" panose="020B0603020101020101" pitchFamily="50" charset="-127"/>
-                <a:ea typeface="나눔바른고딕" panose="020B0603020101020101" pitchFamily="50" charset="-127"/>
+                <a:latin typeface="나눔바른고딕"/>
+                <a:ea typeface="나눔바른고딕"/>
               </a:endParaRPr>
             </a:p>
           </p:txBody>
@@ -30508,28 +30419,30 @@
             <a:noFill/>
           </p:spPr>
           <p:txBody>
-            <a:bodyPr wrap="square" lIns="0" tIns="0" rIns="0" bIns="0" rtlCol="0">
+            <a:bodyPr wrap="square" lIns="0" tIns="0" rIns="0" bIns="0">
               <a:spAutoFit/>
             </a:bodyPr>
             <a:lstStyle/>
             <a:p>
-              <a:pPr algn="ctr"/>
+              <a:pPr algn="ctr">
+                <a:defRPr/>
+              </a:pPr>
               <a:r>
-                <a:rPr lang="en-US" altLang="ko-KR" sz="1300" spc="-100">
+                <a:rPr lang="en-US" altLang="ko-KR" sz="1300" b="0" spc="-100">
                   <a:solidFill>
                     <a:schemeClr val="bg1"/>
                   </a:solidFill>
-                  <a:latin typeface="나눔바른고딕" panose="020B0603020101020101" pitchFamily="50" charset="-127"/>
-                  <a:ea typeface="나눔바른고딕" panose="020B0603020101020101" pitchFamily="50" charset="-127"/>
+                  <a:latin typeface="나눔바른고딕"/>
+                  <a:ea typeface="나눔바른고딕"/>
                 </a:rPr>
                 <a:t>5  /  9</a:t>
               </a:r>
-              <a:endParaRPr lang="ko-KR" altLang="en-US" sz="1300" spc="-100">
+              <a:endParaRPr lang="ko-KR" altLang="en-US" sz="1300" b="0" spc="-100">
                 <a:solidFill>
                   <a:schemeClr val="bg1"/>
                 </a:solidFill>
-                <a:latin typeface="나눔바른고딕" panose="020B0603020101020101" pitchFamily="50" charset="-127"/>
-                <a:ea typeface="나눔바른고딕" panose="020B0603020101020101" pitchFamily="50" charset="-127"/>
+                <a:latin typeface="나눔바른고딕"/>
+                <a:ea typeface="나눔바른고딕"/>
               </a:endParaRPr>
             </a:p>
           </p:txBody>
@@ -30537,20 +30450,14 @@
       </p:grpSp>
       <p:sp>
         <p:nvSpPr>
-          <p:cNvPr id="108" name="TextBox 107">
-            <a:extLst>
-              <a:ext uri="{FF2B5EF4-FFF2-40B4-BE49-F238E27FC236}">
-                <a16:creationId xmlns:a16="http://schemas.microsoft.com/office/drawing/2014/main" id="{6833281E-CC6A-4646-93BC-9225E7851783}"/>
-              </a:ext>
-            </a:extLst>
-          </p:cNvPr>
+          <p:cNvPr id="108" name="TextBox 107"/>
           <p:cNvSpPr txBox="1"/>
           <p:nvPr/>
         </p:nvSpPr>
         <p:spPr>
           <a:xfrm>
             <a:off x="1061674" y="3076216"/>
-            <a:ext cx="2044263" cy="507831"/>
+            <a:ext cx="2044263" cy="476609"/>
           </a:xfrm>
           <a:prstGeom prst="rect">
             <a:avLst/>
@@ -30558,7 +30465,7 @@
           <a:noFill/>
         </p:spPr>
         <p:txBody>
-          <a:bodyPr wrap="square" lIns="0" tIns="0" rIns="0" bIns="0" rtlCol="0">
+          <a:bodyPr wrap="square" lIns="0" tIns="0" rIns="0" bIns="0">
             <a:spAutoFit/>
           </a:bodyPr>
           <a:lstStyle/>
@@ -30567,72 +30474,69 @@
               <a:lnSpc>
                 <a:spcPct val="80000"/>
               </a:lnSpc>
+              <a:defRPr/>
             </a:pPr>
             <a:r>
-              <a:rPr lang="en-US" altLang="ko-KR" sz="2000" spc="-100">
+              <a:rPr lang="en-US" altLang="ko-KR" sz="2000" b="0" spc="-100">
                 <a:solidFill>
                   <a:schemeClr val="bg1"/>
                 </a:solidFill>
-                <a:latin typeface="나눔바른고딕" panose="020B0603020101020101" pitchFamily="50" charset="-127"/>
-                <a:ea typeface="나눔바른고딕" panose="020B0603020101020101" pitchFamily="50" charset="-127"/>
+                <a:latin typeface="나눔바른고딕"/>
+                <a:ea typeface="나눔바른고딕"/>
               </a:rPr>
               <a:t>Report</a:t>
             </a:r>
+            <a:endParaRPr lang="en-US" altLang="ko-KR" sz="2000" b="0" spc="-100">
+              <a:solidFill>
+                <a:schemeClr val="bg1"/>
+              </a:solidFill>
+              <a:latin typeface="나눔바른고딕"/>
+              <a:ea typeface="나눔바른고딕"/>
+            </a:endParaRPr>
           </a:p>
           <a:p>
             <a:pPr>
               <a:lnSpc>
                 <a:spcPct val="80000"/>
               </a:lnSpc>
+              <a:defRPr/>
             </a:pPr>
             <a:r>
-              <a:rPr lang="en-US" altLang="ko-KR" sz="2000" spc="-100">
+              <a:rPr lang="en-US" altLang="ko-KR" sz="2000" b="0" spc="-100">
                 <a:solidFill>
                   <a:schemeClr val="bg1"/>
                 </a:solidFill>
-                <a:latin typeface="나눔바른고딕" panose="020B0603020101020101" pitchFamily="50" charset="-127"/>
-                <a:ea typeface="나눔바른고딕" panose="020B0603020101020101" pitchFamily="50" charset="-127"/>
+                <a:latin typeface="나눔바른고딕"/>
+                <a:ea typeface="나눔바른고딕"/>
               </a:rPr>
               <a:t>Results ~ MFCC</a:t>
             </a:r>
-            <a:endParaRPr lang="ko-KR" altLang="en-US" sz="2000" spc="-100">
+            <a:endParaRPr lang="ko-KR" altLang="en-US" sz="2000" b="0" spc="-100">
               <a:solidFill>
                 <a:schemeClr val="bg1"/>
               </a:solidFill>
-              <a:latin typeface="나눔바른고딕" panose="020B0603020101020101" pitchFamily="50" charset="-127"/>
-              <a:ea typeface="나눔바른고딕" panose="020B0603020101020101" pitchFamily="50" charset="-127"/>
+              <a:latin typeface="나눔바른고딕"/>
+              <a:ea typeface="나눔바른고딕"/>
             </a:endParaRPr>
           </a:p>
         </p:txBody>
       </p:sp>
       <p:pic>
         <p:nvPicPr>
-          <p:cNvPr id="1026" name="Picture 2" descr="라즈베리파이 활용백서의 표지 디자인을 진행했습니다. 라즈베리를 캐릭터로 만들어서 책 좀 보게 만들어 줬네요. | 일러스트레이션, 표지,  타이포그래피">
-            <a:extLst>
-              <a:ext uri="{FF2B5EF4-FFF2-40B4-BE49-F238E27FC236}">
-                <a16:creationId xmlns:a16="http://schemas.microsoft.com/office/drawing/2014/main" id="{BD47AE51-54F0-4792-9020-E8A05D587C9E}"/>
-              </a:ext>
-            </a:extLst>
-          </p:cNvPr>
+          <p:cNvPr id="1026" name="Picture 2" descr="라즈베리파이 활용백서의 표지 디자인을 진행했습니다. 라즈베리를 캐릭터로 만들어서 책 좀 보게 만들어 줬네요. | 일러스트레이션, 표지,  타이포그래피"/>
           <p:cNvPicPr>
             <a:picLocks noChangeAspect="1" noChangeArrowheads="1"/>
           </p:cNvPicPr>
           <p:nvPr/>
         </p:nvPicPr>
-        <p:blipFill>
-          <a:blip r:embed="rId2" cstate="print">
-            <a:extLst>
-              <a:ext uri="{28A0092B-C50C-407E-A947-70E740481C1C}">
-                <a14:useLocalDpi xmlns:a14="http://schemas.microsoft.com/office/drawing/2010/main" val="0"/>
-              </a:ext>
-            </a:extLst>
-          </a:blip>
+        <p:blipFill rotWithShape="1">
+          <a:blip r:embed="rId2"/>
           <a:srcRect/>
           <a:stretch>
             <a:fillRect/>
           </a:stretch>
         </p:blipFill>
-        <p:spPr bwMode="auto">
+        <p:spPr>
           <a:xfrm>
             <a:off x="10087039" y="4187987"/>
             <a:ext cx="1884218" cy="2355273"/>
@@ -30641,26 +30545,11 @@
             <a:avLst/>
           </a:prstGeom>
           <a:noFill/>
-          <a:extLst>
-            <a:ext uri="{909E8E84-426E-40DD-AFC4-6F175D3DCCD1}">
-              <a14:hiddenFill xmlns:a14="http://schemas.microsoft.com/office/drawing/2010/main">
-                <a:solidFill>
-                  <a:srgbClr val="FFFFFF"/>
-                </a:solidFill>
-              </a14:hiddenFill>
-            </a:ext>
-          </a:extLst>
         </p:spPr>
       </p:pic>
       <p:sp>
         <p:nvSpPr>
-          <p:cNvPr id="30" name="TextBox 29">
-            <a:extLst>
-              <a:ext uri="{FF2B5EF4-FFF2-40B4-BE49-F238E27FC236}">
-                <a16:creationId xmlns:a16="http://schemas.microsoft.com/office/drawing/2014/main" id="{12FBF31D-81FB-442F-BA7D-F068CBE94524}"/>
-              </a:ext>
-            </a:extLst>
-          </p:cNvPr>
+          <p:cNvPr id="30" name="TextBox 29"/>
           <p:cNvSpPr txBox="1"/>
           <p:nvPr/>
         </p:nvSpPr>
@@ -30675,11 +30564,24 @@
           <a:noFill/>
         </p:spPr>
         <p:txBody>
-          <a:bodyPr wrap="square" lIns="0" tIns="0" rIns="0" bIns="0" rtlCol="0">
+          <a:bodyPr wrap="square" lIns="0" tIns="0" rIns="0" bIns="0">
             <a:spAutoFit/>
           </a:bodyPr>
           <a:lstStyle/>
           <a:p>
+            <a:pPr lvl="0">
+              <a:defRPr/>
+            </a:pPr>
+            <a:r>
+              <a:rPr lang="en-US" altLang="ko-KR">
+                <a:solidFill>
+                  <a:srgbClr val="00d8bf"/>
+                </a:solidFill>
+                <a:latin typeface="나눔바른고딕"/>
+                <a:ea typeface="나눔바른고딕"/>
+              </a:rPr>
+              <a:t>M</a:t>
+            </a:r>
             <a:r>
               <a:rPr lang="en-US" altLang="ko-KR">
                 <a:solidFill>
@@ -30688,10 +30590,79 @@
                     <a:lumOff val="25000"/>
                   </a:schemeClr>
                 </a:solidFill>
-                <a:latin typeface="나눔바른고딕" panose="020B0603020101020101" pitchFamily="50" charset="-127"/>
-                <a:ea typeface="나눔바른고딕" panose="020B0603020101020101" pitchFamily="50" charset="-127"/>
+                <a:latin typeface="나눔바른고딕"/>
+                <a:ea typeface="나눔바른고딕"/>
               </a:rPr>
-              <a:t>Mel Frequency Cepstral Coefficient</a:t>
+              <a:t>el </a:t>
+            </a:r>
+            <a:r>
+              <a:rPr lang="en-US" altLang="ko-KR">
+                <a:solidFill>
+                  <a:srgbClr val="00d8bf"/>
+                </a:solidFill>
+                <a:latin typeface="나눔바른고딕"/>
+                <a:ea typeface="나눔바른고딕"/>
+              </a:rPr>
+              <a:t>F</a:t>
+            </a:r>
+            <a:r>
+              <a:rPr lang="en-US" altLang="ko-KR">
+                <a:solidFill>
+                  <a:schemeClr val="tx1">
+                    <a:lumMod val="75000"/>
+                    <a:lumOff val="25000"/>
+                  </a:schemeClr>
+                </a:solidFill>
+                <a:latin typeface="나눔바른고딕"/>
+                <a:ea typeface="나눔바른고딕"/>
+              </a:rPr>
+              <a:t>requency </a:t>
+            </a:r>
+            <a:r>
+              <a:rPr lang="en-US" altLang="ko-KR">
+                <a:solidFill>
+                  <a:srgbClr val="00d8bf"/>
+                </a:solidFill>
+                <a:latin typeface="나눔바른고딕"/>
+                <a:ea typeface="나눔바른고딕"/>
+              </a:rPr>
+              <a:t>C</a:t>
+            </a:r>
+            <a:r>
+              <a:rPr lang="en-US" altLang="ko-KR">
+                <a:solidFill>
+                  <a:schemeClr val="tx1">
+                    <a:lumMod val="75000"/>
+                    <a:lumOff val="25000"/>
+                  </a:schemeClr>
+                </a:solidFill>
+                <a:latin typeface="나눔바른고딕"/>
+                <a:ea typeface="나눔바른고딕"/>
+              </a:rPr>
+              <a:t>epstral </a:t>
+            </a:r>
+            <a:r>
+              <a:rPr lang="en-US" altLang="ko-KR">
+                <a:solidFill>
+                  <a:srgbClr val="00d8bf"/>
+                </a:solidFill>
+                <a:latin typeface="나눔바른고딕"/>
+                <a:ea typeface="나눔바른고딕"/>
+              </a:rPr>
+              <a:t>C</a:t>
+            </a:r>
+            <a:r>
+              <a:rPr lang="en-US" altLang="ko-KR">
+                <a:solidFill>
+                  <a:schemeClr val="tx1">
+                    <a:lumMod val="75000"/>
+                    <a:lumOff val="25000"/>
+                  </a:schemeClr>
+                </a:solidFill>
+                <a:latin typeface="나눔바른고딕"/>
+                <a:ea typeface="나눔바른고딕"/>
+              </a:rPr>
+              <a:t>oefficient</a:t>
             </a:r>
             <a:endParaRPr lang="ko-KR" altLang="en-US">
               <a:solidFill>
@@ -30700,21 +30671,15 @@
                   <a:lumOff val="25000"/>
                 </a:schemeClr>
               </a:solidFill>
-              <a:latin typeface="나눔바른고딕" panose="020B0603020101020101" pitchFamily="50" charset="-127"/>
-              <a:ea typeface="나눔바른고딕" panose="020B0603020101020101" pitchFamily="50" charset="-127"/>
+              <a:latin typeface="나눔바른고딕"/>
+              <a:ea typeface="나눔바른고딕"/>
             </a:endParaRPr>
           </a:p>
         </p:txBody>
       </p:sp>
       <p:sp>
         <p:nvSpPr>
-          <p:cNvPr id="34" name="TextBox 33">
-            <a:extLst>
-              <a:ext uri="{FF2B5EF4-FFF2-40B4-BE49-F238E27FC236}">
-                <a16:creationId xmlns:a16="http://schemas.microsoft.com/office/drawing/2014/main" id="{5D8EC170-AD1F-4A6B-BF09-A50D0A593065}"/>
-              </a:ext>
-            </a:extLst>
-          </p:cNvPr>
+          <p:cNvPr id="34" name="TextBox 33"/>
           <p:cNvSpPr txBox="1"/>
           <p:nvPr/>
         </p:nvSpPr>
@@ -30729,11 +30694,14 @@
           <a:noFill/>
         </p:spPr>
         <p:txBody>
-          <a:bodyPr wrap="square" lIns="0" tIns="0" rIns="0" bIns="0" rtlCol="0">
+          <a:bodyPr wrap="square" lIns="0" tIns="0" rIns="0" bIns="0">
             <a:spAutoFit/>
           </a:bodyPr>
           <a:lstStyle/>
           <a:p>
+            <a:pPr lvl="0">
+              <a:defRPr/>
+            </a:pPr>
             <a:r>
               <a:rPr lang="en-US" altLang="ko-KR" sz="1400">
                 <a:solidFill>
@@ -30742,8 +30710,8 @@
                     <a:lumOff val="25000"/>
                   </a:schemeClr>
                 </a:solidFill>
-                <a:latin typeface="나눔바른고딕" panose="020B0603020101020101" pitchFamily="50" charset="-127"/>
-                <a:ea typeface="나눔바른고딕" panose="020B0603020101020101" pitchFamily="50" charset="-127"/>
+                <a:latin typeface="나눔바른고딕"/>
+                <a:ea typeface="나눔바른고딕"/>
               </a:rPr>
               <a:t>Block Diagram of MFCC Algorithm</a:t>
             </a:r>
@@ -30754,27 +30722,21 @@
                   <a:lumOff val="25000"/>
                 </a:schemeClr>
               </a:solidFill>
-              <a:latin typeface="나눔바른고딕" panose="020B0603020101020101" pitchFamily="50" charset="-127"/>
-              <a:ea typeface="나눔바른고딕" panose="020B0603020101020101" pitchFamily="50" charset="-127"/>
+              <a:latin typeface="나눔바른고딕"/>
+              <a:ea typeface="나눔바른고딕"/>
             </a:endParaRPr>
           </a:p>
         </p:txBody>
       </p:sp>
       <p:pic>
         <p:nvPicPr>
-          <p:cNvPr id="3" name="그림 2">
-            <a:extLst>
-              <a:ext uri="{FF2B5EF4-FFF2-40B4-BE49-F238E27FC236}">
-                <a16:creationId xmlns:a16="http://schemas.microsoft.com/office/drawing/2014/main" id="{D4251714-7678-4E4C-9C04-36A6C5BCA946}"/>
-              </a:ext>
-            </a:extLst>
-          </p:cNvPr>
+          <p:cNvPr id="3" name="그림 2"/>
           <p:cNvPicPr>
             <a:picLocks noChangeAspect="1"/>
           </p:cNvPicPr>
           <p:nvPr/>
         </p:nvPicPr>
-        <p:blipFill>
+        <p:blipFill rotWithShape="1">
           <a:blip r:embed="rId3"/>
           <a:stretch>
             <a:fillRect/>
@@ -30791,20 +30753,23 @@
         </p:spPr>
       </p:pic>
     </p:spTree>
-    <p:extLst>
-      <p:ext uri="{BB962C8B-B14F-4D97-AF65-F5344CB8AC3E}">
-        <p14:creationId xmlns:p14="http://schemas.microsoft.com/office/powerpoint/2010/main" val="2575078071"/>
-      </p:ext>
-    </p:extLst>
   </p:cSld>
   <p:clrMapOvr>
     <a:masterClrMapping/>
   </p:clrMapOvr>
+  <mc:AlternateContent xmlns:mc="http://schemas.openxmlformats.org/markup-compatibility/2006">
+    <mc:Choice xmlns:p14="http://schemas.microsoft.com/office/powerpoint/2010/main" Requires="p14">
+      <p:transition xmlns:mc="http://schemas.openxmlformats.org/markup-compatibility/2006" xmlns:p14="http://schemas.microsoft.com/office/powerpoint/2010/main" mc:Ignorable="p14" p14:dur="500"/>
+    </mc:Choice>
+    <mc:Fallback>
+      <p:transition/>
+    </mc:Fallback>
+  </mc:AlternateContent>
 </p:sld>
 </file>
 
 <file path=ppt/slides/slide7.xml><?xml version="1.0" encoding="utf-8"?>
-<p:sld xmlns:a="http://schemas.openxmlformats.org/drawingml/2006/main" xmlns:r="http://schemas.openxmlformats.org/officeDocument/2006/relationships" xmlns:p="http://schemas.openxmlformats.org/presentationml/2006/main">
+<p:sld xmlns:r="http://schemas.openxmlformats.org/officeDocument/2006/relationships" xmlns:c="http://schemas.openxmlformats.org/drawingml/2006/chart" xmlns:a="http://schemas.openxmlformats.org/drawingml/2006/main" xmlns:dgm="http://schemas.openxmlformats.org/drawingml/2006/diagram" xmlns:dsp="http://schemas.microsoft.com/office/drawing/2008/diagram" xmlns:p="http://schemas.openxmlformats.org/presentationml/2006/main">
   <p:cSld>
     <p:spTree>
       <p:nvGrpSpPr>
@@ -30820,67 +30785,14 @@
           <a:chExt cx="0" cy="0"/>
         </a:xfrm>
       </p:grpSpPr>
-      <p:pic>
-        <p:nvPicPr>
-          <p:cNvPr id="7172" name="Picture 4" descr="https://miro.medium.com/max/980/1*J2vRZJFj1vpacFtzAyoGBw.png">
-            <a:extLst>
-              <a:ext uri="{FF2B5EF4-FFF2-40B4-BE49-F238E27FC236}">
-                <a16:creationId xmlns:a16="http://schemas.microsoft.com/office/drawing/2014/main" id="{95DA61FC-A460-411F-8AD8-BF33FF15240A}"/>
-              </a:ext>
-            </a:extLst>
-          </p:cNvPr>
-          <p:cNvPicPr>
-            <a:picLocks noChangeAspect="1" noChangeArrowheads="1"/>
-          </p:cNvPicPr>
-          <p:nvPr/>
-        </p:nvPicPr>
-        <p:blipFill>
-          <a:blip r:embed="rId2">
-            <a:extLst>
-              <a:ext uri="{28A0092B-C50C-407E-A947-70E740481C1C}">
-                <a14:useLocalDpi xmlns:a14="http://schemas.microsoft.com/office/drawing/2010/main" val="0"/>
-              </a:ext>
-            </a:extLst>
-          </a:blip>
-          <a:srcRect/>
-          <a:stretch>
-            <a:fillRect/>
-          </a:stretch>
-        </p:blipFill>
-        <p:spPr bwMode="auto">
-          <a:xfrm>
-            <a:off x="4841132" y="3287306"/>
-            <a:ext cx="4353091" cy="2712011"/>
-          </a:xfrm>
-          <a:prstGeom prst="rect">
-            <a:avLst/>
-          </a:prstGeom>
-          <a:noFill/>
-          <a:extLst>
-            <a:ext uri="{909E8E84-426E-40DD-AFC4-6F175D3DCCD1}">
-              <a14:hiddenFill xmlns:a14="http://schemas.microsoft.com/office/drawing/2010/main">
-                <a:solidFill>
-                  <a:srgbClr val="FFFFFF"/>
-                </a:solidFill>
-              </a14:hiddenFill>
-            </a:ext>
-          </a:extLst>
-        </p:spPr>
-      </p:pic>
       <p:grpSp>
         <p:nvGrpSpPr>
-          <p:cNvPr id="92" name="그룹 91">
-            <a:extLst>
-              <a:ext uri="{FF2B5EF4-FFF2-40B4-BE49-F238E27FC236}">
-                <a16:creationId xmlns:a16="http://schemas.microsoft.com/office/drawing/2014/main" id="{417ECB2C-18CD-481D-9D4B-8E422723A71A}"/>
-              </a:ext>
-            </a:extLst>
-          </p:cNvPr>
+          <p:cNvPr id="92" name="그룹 91"/>
           <p:cNvGrpSpPr/>
           <p:nvPr/>
         </p:nvGrpSpPr>
         <p:grpSpPr>
-          <a:xfrm>
+          <a:xfrm rot="0">
             <a:off x="4145827" y="1466561"/>
             <a:ext cx="682207" cy="682206"/>
             <a:chOff x="6270029" y="3755207"/>
@@ -30889,13 +30801,7 @@
         </p:grpSpPr>
         <p:sp>
           <p:nvSpPr>
-            <p:cNvPr id="93" name="타원 92">
-              <a:extLst>
-                <a:ext uri="{FF2B5EF4-FFF2-40B4-BE49-F238E27FC236}">
-                  <a16:creationId xmlns:a16="http://schemas.microsoft.com/office/drawing/2014/main" id="{B9A744AC-478A-4360-9860-1D8EAA628E03}"/>
-                </a:ext>
-              </a:extLst>
-            </p:cNvPr>
+            <p:cNvPr id="93" name="타원 92"/>
             <p:cNvSpPr/>
             <p:nvPr/>
           </p:nvSpPr>
@@ -30935,54 +30841,42 @@
             </a:fontRef>
           </p:style>
           <p:txBody>
-            <a:bodyPr rtlCol="0" anchor="ctr"/>
+            <a:bodyPr anchor="ctr"/>
             <a:lstStyle/>
             <a:p>
-              <a:pPr algn="ctr"/>
+              <a:pPr algn="ctr">
+                <a:defRPr/>
+              </a:pPr>
               <a:endParaRPr lang="ko-KR" altLang="en-US" sz="1200"/>
             </a:p>
           </p:txBody>
         </p:sp>
         <p:grpSp>
           <p:nvGrpSpPr>
-            <p:cNvPr id="94" name="Group 5">
-              <a:extLst>
-                <a:ext uri="{FF2B5EF4-FFF2-40B4-BE49-F238E27FC236}">
-                  <a16:creationId xmlns:a16="http://schemas.microsoft.com/office/drawing/2014/main" id="{0BFA70A8-129E-461E-8E6E-0CB139372E1D}"/>
-                </a:ext>
-              </a:extLst>
-            </p:cNvPr>
+            <p:cNvPr id="94" name="Group 5"/>
             <p:cNvGrpSpPr>
               <a:grpSpLocks noChangeAspect="1"/>
             </p:cNvGrpSpPr>
             <p:nvPr/>
           </p:nvGrpSpPr>
-          <p:grpSpPr bwMode="auto">
-            <a:xfrm>
+          <p:grpSpPr>
+            <a:xfrm rot="0">
               <a:off x="6477020" y="3938852"/>
               <a:ext cx="314080" cy="328258"/>
               <a:chOff x="1239" y="1735"/>
               <a:chExt cx="288" cy="301"/>
             </a:xfrm>
             <a:solidFill>
-              <a:srgbClr val="00C300"/>
+              <a:srgbClr val="00c300"/>
             </a:solidFill>
           </p:grpSpPr>
           <p:sp>
             <p:nvSpPr>
-              <p:cNvPr id="95" name="Freeform 7">
-                <a:extLst>
-                  <a:ext uri="{FF2B5EF4-FFF2-40B4-BE49-F238E27FC236}">
-                    <a16:creationId xmlns:a16="http://schemas.microsoft.com/office/drawing/2014/main" id="{26E3EC45-1472-450E-AC46-797D440AAFBA}"/>
-                  </a:ext>
-                </a:extLst>
-              </p:cNvPr>
-              <p:cNvSpPr>
-                <a:spLocks/>
-              </p:cNvSpPr>
+              <p:cNvPr id="95" name="Freeform 7"/>
+              <p:cNvSpPr/>
               <p:nvPr/>
             </p:nvSpPr>
-            <p:spPr bwMode="auto">
+            <p:spPr>
               <a:xfrm>
                 <a:off x="1239" y="1735"/>
                 <a:ext cx="238" cy="280"/>
@@ -31067,7 +30961,6 @@
                   <a:gd name="T74" fmla="*/ 180 w 2621"/>
                   <a:gd name="T75" fmla="*/ 0 h 3074"/>
                 </a:gdLst>
-                <a:ahLst/>
                 <a:cxnLst>
                   <a:cxn ang="0">
                     <a:pos x="T0" y="T1"/>
@@ -31310,37 +31203,30 @@
                 <a:noFill/>
                 <a:prstDash val="solid"/>
                 <a:round/>
-                <a:headEnd/>
-                <a:tailEnd/>
               </a:ln>
             </p:spPr>
             <p:txBody>
-              <a:bodyPr vert="horz" wrap="square" lIns="91440" tIns="45720" rIns="91440" bIns="45720" numCol="1" anchor="t" anchorCtr="0" compatLnSpc="1">
+              <a:bodyPr vert="horz" wrap="square" lIns="91440" tIns="45720" rIns="91440" bIns="45720" anchor="t" anchorCtr="0">
                 <a:prstTxWarp prst="textNoShape">
                   <a:avLst/>
                 </a:prstTxWarp>
               </a:bodyPr>
               <a:lstStyle/>
               <a:p>
+                <a:pPr lvl="0">
+                  <a:defRPr/>
+                </a:pPr>
                 <a:endParaRPr lang="ko-KR" altLang="en-US" sz="1200"/>
               </a:p>
             </p:txBody>
           </p:sp>
           <p:sp>
             <p:nvSpPr>
-              <p:cNvPr id="96" name="Freeform 8">
-                <a:extLst>
-                  <a:ext uri="{FF2B5EF4-FFF2-40B4-BE49-F238E27FC236}">
-                    <a16:creationId xmlns:a16="http://schemas.microsoft.com/office/drawing/2014/main" id="{89B675D5-E3EC-409F-86AA-6EE16C3BC65E}"/>
-                  </a:ext>
-                </a:extLst>
-              </p:cNvPr>
-              <p:cNvSpPr>
-                <a:spLocks/>
-              </p:cNvSpPr>
+              <p:cNvPr id="96" name="Freeform 8"/>
+              <p:cNvSpPr/>
               <p:nvPr/>
             </p:nvSpPr>
-            <p:spPr bwMode="auto">
+            <p:spPr>
               <a:xfrm>
                 <a:off x="1376" y="1910"/>
                 <a:ext cx="151" cy="126"/>
@@ -31425,7 +31311,6 @@
                   <a:gd name="T74" fmla="*/ 1580 w 1668"/>
                   <a:gd name="T75" fmla="*/ 0 h 1391"/>
                 </a:gdLst>
-                <a:ahLst/>
                 <a:cxnLst>
                   <a:cxn ang="0">
                     <a:pos x="T0" y="T1"/>
@@ -31668,37 +31553,30 @@
                 <a:noFill/>
                 <a:prstDash val="solid"/>
                 <a:round/>
-                <a:headEnd/>
-                <a:tailEnd/>
               </a:ln>
             </p:spPr>
             <p:txBody>
-              <a:bodyPr vert="horz" wrap="square" lIns="91440" tIns="45720" rIns="91440" bIns="45720" numCol="1" anchor="t" anchorCtr="0" compatLnSpc="1">
+              <a:bodyPr vert="horz" wrap="square" lIns="91440" tIns="45720" rIns="91440" bIns="45720" anchor="t" anchorCtr="0">
                 <a:prstTxWarp prst="textNoShape">
                   <a:avLst/>
                 </a:prstTxWarp>
               </a:bodyPr>
               <a:lstStyle/>
               <a:p>
+                <a:pPr lvl="0">
+                  <a:defRPr/>
+                </a:pPr>
                 <a:endParaRPr lang="ko-KR" altLang="en-US" sz="1200"/>
               </a:p>
             </p:txBody>
           </p:sp>
           <p:sp>
             <p:nvSpPr>
-              <p:cNvPr id="98" name="Freeform 9">
-                <a:extLst>
-                  <a:ext uri="{FF2B5EF4-FFF2-40B4-BE49-F238E27FC236}">
-                    <a16:creationId xmlns:a16="http://schemas.microsoft.com/office/drawing/2014/main" id="{C683E59B-CC65-4B4B-B704-6306C4B0981E}"/>
-                  </a:ext>
-                </a:extLst>
-              </p:cNvPr>
-              <p:cNvSpPr>
-                <a:spLocks/>
-              </p:cNvSpPr>
+              <p:cNvPr id="98" name="Freeform 9"/>
+              <p:cNvSpPr/>
               <p:nvPr/>
             </p:nvSpPr>
-            <p:spPr bwMode="auto">
+            <p:spPr>
               <a:xfrm>
                 <a:off x="1292" y="1793"/>
                 <a:ext cx="132" cy="33"/>
@@ -31785,7 +31663,6 @@
                   <a:gd name="T76" fmla="*/ 180 w 1446"/>
                   <a:gd name="T77" fmla="*/ 0 h 362"/>
                 </a:gdLst>
-                <a:ahLst/>
                 <a:cxnLst>
                   <a:cxn ang="0">
                     <a:pos x="T0" y="T1"/>
@@ -32034,37 +31911,30 @@
                 <a:noFill/>
                 <a:prstDash val="solid"/>
                 <a:round/>
-                <a:headEnd/>
-                <a:tailEnd/>
               </a:ln>
             </p:spPr>
             <p:txBody>
-              <a:bodyPr vert="horz" wrap="square" lIns="91440" tIns="45720" rIns="91440" bIns="45720" numCol="1" anchor="t" anchorCtr="0" compatLnSpc="1">
+              <a:bodyPr vert="horz" wrap="square" lIns="91440" tIns="45720" rIns="91440" bIns="45720" anchor="t" anchorCtr="0">
                 <a:prstTxWarp prst="textNoShape">
                   <a:avLst/>
                 </a:prstTxWarp>
               </a:bodyPr>
               <a:lstStyle/>
               <a:p>
+                <a:pPr lvl="0">
+                  <a:defRPr/>
+                </a:pPr>
                 <a:endParaRPr lang="ko-KR" altLang="en-US" sz="1200"/>
               </a:p>
             </p:txBody>
           </p:sp>
           <p:sp>
             <p:nvSpPr>
-              <p:cNvPr id="99" name="Freeform 10">
-                <a:extLst>
-                  <a:ext uri="{FF2B5EF4-FFF2-40B4-BE49-F238E27FC236}">
-                    <a16:creationId xmlns:a16="http://schemas.microsoft.com/office/drawing/2014/main" id="{09831800-E439-4CDC-8439-7D7B5877DD81}"/>
-                  </a:ext>
-                </a:extLst>
-              </p:cNvPr>
-              <p:cNvSpPr>
-                <a:spLocks/>
-              </p:cNvSpPr>
+              <p:cNvPr id="99" name="Freeform 10"/>
+              <p:cNvSpPr/>
               <p:nvPr/>
             </p:nvSpPr>
-            <p:spPr bwMode="auto">
+            <p:spPr>
               <a:xfrm>
                 <a:off x="1292" y="1842"/>
                 <a:ext cx="132" cy="33"/>
@@ -32151,7 +32021,6 @@
                   <a:gd name="T76" fmla="*/ 180 w 1446"/>
                   <a:gd name="T77" fmla="*/ 0 h 360"/>
                 </a:gdLst>
-                <a:ahLst/>
                 <a:cxnLst>
                   <a:cxn ang="0">
                     <a:pos x="T0" y="T1"/>
@@ -32400,37 +32269,30 @@
                 <a:noFill/>
                 <a:prstDash val="solid"/>
                 <a:round/>
-                <a:headEnd/>
-                <a:tailEnd/>
               </a:ln>
             </p:spPr>
             <p:txBody>
-              <a:bodyPr vert="horz" wrap="square" lIns="91440" tIns="45720" rIns="91440" bIns="45720" numCol="1" anchor="t" anchorCtr="0" compatLnSpc="1">
+              <a:bodyPr vert="horz" wrap="square" lIns="91440" tIns="45720" rIns="91440" bIns="45720" anchor="t" anchorCtr="0">
                 <a:prstTxWarp prst="textNoShape">
                   <a:avLst/>
                 </a:prstTxWarp>
               </a:bodyPr>
               <a:lstStyle/>
               <a:p>
+                <a:pPr lvl="0">
+                  <a:defRPr/>
+                </a:pPr>
                 <a:endParaRPr lang="ko-KR" altLang="en-US" sz="1200"/>
               </a:p>
             </p:txBody>
           </p:sp>
           <p:sp>
             <p:nvSpPr>
-              <p:cNvPr id="100" name="Freeform 11">
-                <a:extLst>
-                  <a:ext uri="{FF2B5EF4-FFF2-40B4-BE49-F238E27FC236}">
-                    <a16:creationId xmlns:a16="http://schemas.microsoft.com/office/drawing/2014/main" id="{398212E6-C94F-4C15-80DD-7E7F4EFDF41A}"/>
-                  </a:ext>
-                </a:extLst>
-              </p:cNvPr>
-              <p:cNvSpPr>
-                <a:spLocks/>
-              </p:cNvSpPr>
+              <p:cNvPr id="100" name="Freeform 11"/>
+              <p:cNvSpPr/>
               <p:nvPr/>
             </p:nvSpPr>
-            <p:spPr bwMode="auto">
+            <p:spPr>
               <a:xfrm>
                 <a:off x="1292" y="1891"/>
                 <a:ext cx="132" cy="33"/>
@@ -32517,7 +32379,6 @@
                   <a:gd name="T76" fmla="*/ 180 w 1446"/>
                   <a:gd name="T77" fmla="*/ 0 h 362"/>
                 </a:gdLst>
-                <a:ahLst/>
                 <a:cxnLst>
                   <a:cxn ang="0">
                     <a:pos x="T0" y="T1"/>
@@ -32766,18 +32627,19 @@
                 <a:noFill/>
                 <a:prstDash val="solid"/>
                 <a:round/>
-                <a:headEnd/>
-                <a:tailEnd/>
               </a:ln>
             </p:spPr>
             <p:txBody>
-              <a:bodyPr vert="horz" wrap="square" lIns="91440" tIns="45720" rIns="91440" bIns="45720" numCol="1" anchor="t" anchorCtr="0" compatLnSpc="1">
+              <a:bodyPr vert="horz" wrap="square" lIns="91440" tIns="45720" rIns="91440" bIns="45720" anchor="t" anchorCtr="0">
                 <a:prstTxWarp prst="textNoShape">
                   <a:avLst/>
                 </a:prstTxWarp>
               </a:bodyPr>
               <a:lstStyle/>
               <a:p>
+                <a:pPr lvl="0">
+                  <a:defRPr/>
+                </a:pPr>
                 <a:endParaRPr lang="ko-KR" altLang="en-US" sz="1200"/>
               </a:p>
             </p:txBody>
@@ -32793,7 +32655,7 @@
         <p:spPr>
           <a:xfrm>
             <a:off x="1061674" y="2657823"/>
-            <a:ext cx="2044263" cy="366254"/>
+            <a:ext cx="2044263" cy="342552"/>
           </a:xfrm>
           <a:prstGeom prst="rect">
             <a:avLst/>
@@ -32801,7 +32663,7 @@
           <a:noFill/>
         </p:spPr>
         <p:txBody>
-          <a:bodyPr wrap="square" lIns="0" tIns="0" rIns="0" bIns="0" rtlCol="0">
+          <a:bodyPr wrap="square" lIns="0" tIns="0" rIns="0" bIns="0">
             <a:spAutoFit/>
           </a:bodyPr>
           <a:lstStyle/>
@@ -32810,17 +32672,25 @@
               <a:lnSpc>
                 <a:spcPct val="80000"/>
               </a:lnSpc>
+              <a:defRPr/>
             </a:pPr>
             <a:r>
-              <a:rPr lang="ko-KR" altLang="en-US" sz="2800" spc="-100">
+              <a:rPr lang="ko-KR" altLang="en-US" sz="2800" b="0" spc="-100">
                 <a:solidFill>
                   <a:schemeClr val="bg1"/>
                 </a:solidFill>
-                <a:latin typeface="나눔바른고딕" panose="020B0603020101020101" pitchFamily="50" charset="-127"/>
-                <a:ea typeface="나눔바른고딕" panose="020B0603020101020101" pitchFamily="50" charset="-127"/>
+                <a:latin typeface="나눔바른고딕"/>
+                <a:ea typeface="나눔바른고딕"/>
               </a:rPr>
               <a:t>결과 보고</a:t>
             </a:r>
+            <a:endParaRPr lang="ko-KR" altLang="en-US" sz="2800" b="0" spc="-100">
+              <a:solidFill>
+                <a:schemeClr val="bg1"/>
+              </a:solidFill>
+              <a:latin typeface="나눔바른고딕"/>
+              <a:ea typeface="나눔바른고딕"/>
+            </a:endParaRPr>
           </a:p>
         </p:txBody>
       </p:sp>
@@ -32841,19 +32711,21 @@
           <a:noFill/>
         </p:spPr>
         <p:txBody>
-          <a:bodyPr wrap="square" lIns="0" tIns="0" rIns="0" bIns="0" rtlCol="0">
+          <a:bodyPr wrap="square" lIns="0" tIns="0" rIns="0" bIns="0">
             <a:spAutoFit/>
           </a:bodyPr>
           <a:lstStyle/>
           <a:p>
-            <a:pPr algn="r"/>
+            <a:pPr algn="r">
+              <a:defRPr/>
+            </a:pPr>
             <a:r>
               <a:rPr lang="en-US" altLang="ko-KR" sz="1400">
                 <a:solidFill>
                   <a:srgbClr val="009933"/>
                 </a:solidFill>
-                <a:latin typeface="나눔바른고딕" panose="020B0603020101020101" pitchFamily="50" charset="-127"/>
-                <a:ea typeface="나눔바른고딕" panose="020B0603020101020101" pitchFamily="50" charset="-127"/>
+                <a:latin typeface="나눔바른고딕"/>
+                <a:ea typeface="나눔바른고딕"/>
               </a:rPr>
               <a:t>PNU CSE 2021 Graduation</a:t>
             </a:r>
@@ -32862,8 +32734,8 @@
                 <a:solidFill>
                   <a:srgbClr val="009933"/>
                 </a:solidFill>
-                <a:latin typeface="나눔바른고딕" panose="020B0603020101020101" pitchFamily="50" charset="-127"/>
-                <a:ea typeface="나눔바른고딕" panose="020B0603020101020101" pitchFamily="50" charset="-127"/>
+                <a:latin typeface="나눔바른고딕"/>
+                <a:ea typeface="나눔바른고딕"/>
               </a:rPr>
               <a:t> </a:t>
             </a:r>
@@ -32872,8 +32744,8 @@
                 <a:solidFill>
                   <a:srgbClr val="009933"/>
                 </a:solidFill>
-                <a:latin typeface="나눔바른고딕" panose="020B0603020101020101" pitchFamily="50" charset="-127"/>
-                <a:ea typeface="나눔바른고딕" panose="020B0603020101020101" pitchFamily="50" charset="-127"/>
+                <a:latin typeface="나눔바른고딕"/>
+                <a:ea typeface="나눔바른고딕"/>
               </a:rPr>
               <a:t>Project</a:t>
             </a:r>
@@ -32881,8 +32753,8 @@
               <a:solidFill>
                 <a:srgbClr val="009933"/>
               </a:solidFill>
-              <a:latin typeface="나눔바른고딕" panose="020B0603020101020101" pitchFamily="50" charset="-127"/>
-              <a:ea typeface="나눔바른고딕" panose="020B0603020101020101" pitchFamily="50" charset="-127"/>
+              <a:latin typeface="나눔바른고딕"/>
+              <a:ea typeface="나눔바른고딕"/>
             </a:endParaRPr>
           </a:p>
         </p:txBody>
@@ -32904,50 +32776,63 @@
           <a:noFill/>
         </p:spPr>
         <p:txBody>
-          <a:bodyPr wrap="square" lIns="0" tIns="0" rIns="0" bIns="0" rtlCol="0">
+          <a:bodyPr wrap="square" lIns="0" tIns="0" rIns="0" bIns="0">
             <a:spAutoFit/>
           </a:bodyPr>
           <a:lstStyle/>
           <a:p>
+            <a:pPr lvl="0">
+              <a:defRPr/>
+            </a:pPr>
             <a:endParaRPr lang="en-US" altLang="ko-KR" sz="1500">
               <a:solidFill>
                 <a:srgbClr val="686868"/>
               </a:solidFill>
-              <a:latin typeface="나눔바른고딕" panose="020B0603020101020101" pitchFamily="50" charset="-127"/>
-              <a:ea typeface="나눔바른고딕" panose="020B0603020101020101" pitchFamily="50" charset="-127"/>
+              <a:latin typeface="나눔바른고딕"/>
+              <a:ea typeface="나눔바른고딕"/>
             </a:endParaRPr>
           </a:p>
           <a:p>
+            <a:pPr lvl="0">
+              <a:defRPr/>
+            </a:pPr>
             <a:r>
               <a:rPr lang="en-US" altLang="ko-KR" sz="1500">
                 <a:solidFill>
-                  <a:srgbClr val="00C300"/>
+                  <a:srgbClr val="00c300"/>
                 </a:solidFill>
-                <a:latin typeface="나눔바른고딕" panose="020B0603020101020101" pitchFamily="50" charset="-127"/>
-                <a:ea typeface="나눔바른고딕" panose="020B0603020101020101" pitchFamily="50" charset="-127"/>
+                <a:latin typeface="나눔바른고딕"/>
+                <a:ea typeface="나눔바른고딕"/>
               </a:rPr>
               <a:t>DS-CNN</a:t>
             </a:r>
             <a:r>
               <a:rPr lang="ko-KR" altLang="en-US" sz="1500">
                 <a:solidFill>
-                  <a:srgbClr val="00C300"/>
+                  <a:srgbClr val="00c300"/>
                 </a:solidFill>
-                <a:latin typeface="나눔바른고딕" panose="020B0603020101020101" pitchFamily="50" charset="-127"/>
-                <a:ea typeface="나눔바른고딕" panose="020B0603020101020101" pitchFamily="50" charset="-127"/>
+                <a:latin typeface="나눔바른고딕"/>
+                <a:ea typeface="나눔바른고딕"/>
               </a:rPr>
               <a:t>이란</a:t>
             </a:r>
             <a:r>
               <a:rPr lang="en-US" altLang="ko-KR" sz="1500">
                 <a:solidFill>
-                  <a:srgbClr val="00C300"/>
+                  <a:srgbClr val="00c300"/>
                 </a:solidFill>
-                <a:latin typeface="나눔바른고딕" panose="020B0603020101020101" pitchFamily="50" charset="-127"/>
-                <a:ea typeface="나눔바른고딕" panose="020B0603020101020101" pitchFamily="50" charset="-127"/>
+                <a:latin typeface="나눔바른고딕"/>
+                <a:ea typeface="나눔바른고딕"/>
               </a:rPr>
               <a:t>?</a:t>
             </a:r>
+            <a:endParaRPr lang="en-US" altLang="ko-KR" sz="1500">
+              <a:solidFill>
+                <a:srgbClr val="00c300"/>
+              </a:solidFill>
+              <a:latin typeface="나눔바른고딕"/>
+              <a:ea typeface="나눔바른고딕"/>
+            </a:endParaRPr>
           </a:p>
         </p:txBody>
       </p:sp>
@@ -32958,7 +32843,7 @@
           <p:nvPr/>
         </p:nvGrpSpPr>
         <p:grpSpPr>
-          <a:xfrm>
+          <a:xfrm rot="0">
             <a:off x="1061674" y="3622428"/>
             <a:ext cx="602615" cy="241464"/>
             <a:chOff x="479425" y="2364330"/>
@@ -33005,13 +32890,15 @@
             </a:fontRef>
           </p:style>
           <p:txBody>
-            <a:bodyPr rtlCol="0" anchor="ctr"/>
+            <a:bodyPr anchor="ctr"/>
             <a:lstStyle/>
             <a:p>
-              <a:pPr algn="ctr"/>
+              <a:pPr algn="ctr">
+                <a:defRPr/>
+              </a:pPr>
               <a:endParaRPr lang="ko-KR" altLang="en-US">
-                <a:latin typeface="나눔바른고딕" panose="020B0603020101020101" pitchFamily="50" charset="-127"/>
-                <a:ea typeface="나눔바른고딕" panose="020B0603020101020101" pitchFamily="50" charset="-127"/>
+                <a:latin typeface="나눔바른고딕"/>
+                <a:ea typeface="나눔바른고딕"/>
               </a:endParaRPr>
             </a:p>
           </p:txBody>
@@ -33033,28 +32920,30 @@
             <a:noFill/>
           </p:spPr>
           <p:txBody>
-            <a:bodyPr wrap="square" lIns="0" tIns="0" rIns="0" bIns="0" rtlCol="0">
+            <a:bodyPr wrap="square" lIns="0" tIns="0" rIns="0" bIns="0">
               <a:spAutoFit/>
             </a:bodyPr>
             <a:lstStyle/>
             <a:p>
-              <a:pPr algn="ctr"/>
+              <a:pPr algn="ctr">
+                <a:defRPr/>
+              </a:pPr>
               <a:r>
-                <a:rPr lang="en-US" altLang="ko-KR" sz="1300" spc="-100">
+                <a:rPr lang="en-US" altLang="ko-KR" sz="1300" b="0" spc="-100">
                   <a:solidFill>
                     <a:schemeClr val="bg1"/>
                   </a:solidFill>
-                  <a:latin typeface="나눔바른고딕" panose="020B0603020101020101" pitchFamily="50" charset="-127"/>
-                  <a:ea typeface="나눔바른고딕" panose="020B0603020101020101" pitchFamily="50" charset="-127"/>
+                  <a:latin typeface="나눔바른고딕"/>
+                  <a:ea typeface="나눔바른고딕"/>
                 </a:rPr>
                 <a:t>6  /  9</a:t>
               </a:r>
-              <a:endParaRPr lang="ko-KR" altLang="en-US" sz="1300" spc="-100">
+              <a:endParaRPr lang="ko-KR" altLang="en-US" sz="1300" b="0" spc="-100">
                 <a:solidFill>
                   <a:schemeClr val="bg1"/>
                 </a:solidFill>
-                <a:latin typeface="나눔바른고딕" panose="020B0603020101020101" pitchFamily="50" charset="-127"/>
-                <a:ea typeface="나눔바른고딕" panose="020B0603020101020101" pitchFamily="50" charset="-127"/>
+                <a:latin typeface="나눔바른고딕"/>
+                <a:ea typeface="나눔바른고딕"/>
               </a:endParaRPr>
             </a:p>
           </p:txBody>
@@ -33062,20 +32951,14 @@
       </p:grpSp>
       <p:sp>
         <p:nvSpPr>
-          <p:cNvPr id="108" name="TextBox 107">
-            <a:extLst>
-              <a:ext uri="{FF2B5EF4-FFF2-40B4-BE49-F238E27FC236}">
-                <a16:creationId xmlns:a16="http://schemas.microsoft.com/office/drawing/2014/main" id="{6833281E-CC6A-4646-93BC-9225E7851783}"/>
-              </a:ext>
-            </a:extLst>
-          </p:cNvPr>
+          <p:cNvPr id="108" name="TextBox 107"/>
           <p:cNvSpPr txBox="1"/>
           <p:nvPr/>
         </p:nvSpPr>
         <p:spPr>
           <a:xfrm>
             <a:off x="1061674" y="3076216"/>
-            <a:ext cx="2044263" cy="507831"/>
+            <a:ext cx="2044263" cy="476609"/>
           </a:xfrm>
           <a:prstGeom prst="rect">
             <a:avLst/>
@@ -33083,7 +32966,7 @@
           <a:noFill/>
         </p:spPr>
         <p:txBody>
-          <a:bodyPr wrap="square" lIns="0" tIns="0" rIns="0" bIns="0" rtlCol="0">
+          <a:bodyPr wrap="square" lIns="0" tIns="0" rIns="0" bIns="0">
             <a:spAutoFit/>
           </a:bodyPr>
           <a:lstStyle/>
@@ -33092,72 +32975,69 @@
               <a:lnSpc>
                 <a:spcPct val="80000"/>
               </a:lnSpc>
+              <a:defRPr/>
             </a:pPr>
             <a:r>
-              <a:rPr lang="en-US" altLang="ko-KR" sz="2000" spc="-100">
+              <a:rPr lang="en-US" altLang="ko-KR" sz="2000" b="0" spc="-100">
                 <a:solidFill>
                   <a:schemeClr val="bg1"/>
                 </a:solidFill>
-                <a:latin typeface="나눔바른고딕" panose="020B0603020101020101" pitchFamily="50" charset="-127"/>
-                <a:ea typeface="나눔바른고딕" panose="020B0603020101020101" pitchFamily="50" charset="-127"/>
+                <a:latin typeface="나눔바른고딕"/>
+                <a:ea typeface="나눔바른고딕"/>
               </a:rPr>
               <a:t>Report</a:t>
             </a:r>
+            <a:endParaRPr lang="en-US" altLang="ko-KR" sz="2000" b="0" spc="-100">
+              <a:solidFill>
+                <a:schemeClr val="bg1"/>
+              </a:solidFill>
+              <a:latin typeface="나눔바른고딕"/>
+              <a:ea typeface="나눔바른고딕"/>
+            </a:endParaRPr>
           </a:p>
           <a:p>
             <a:pPr>
               <a:lnSpc>
                 <a:spcPct val="80000"/>
               </a:lnSpc>
+              <a:defRPr/>
             </a:pPr>
             <a:r>
-              <a:rPr lang="en-US" altLang="ko-KR" sz="2000" spc="-100">
+              <a:rPr lang="en-US" altLang="ko-KR" sz="2000" b="0" spc="-100">
                 <a:solidFill>
                   <a:schemeClr val="bg1"/>
                 </a:solidFill>
-                <a:latin typeface="나눔바른고딕" panose="020B0603020101020101" pitchFamily="50" charset="-127"/>
-                <a:ea typeface="나눔바른고딕" panose="020B0603020101020101" pitchFamily="50" charset="-127"/>
+                <a:latin typeface="나눔바른고딕"/>
+                <a:ea typeface="나눔바른고딕"/>
               </a:rPr>
               <a:t>Results ~ DS-CNN</a:t>
             </a:r>
-            <a:endParaRPr lang="ko-KR" altLang="en-US" sz="2000" spc="-100">
+            <a:endParaRPr lang="ko-KR" altLang="en-US" sz="2000" b="0" spc="-100">
               <a:solidFill>
                 <a:schemeClr val="bg1"/>
               </a:solidFill>
-              <a:latin typeface="나눔바른고딕" panose="020B0603020101020101" pitchFamily="50" charset="-127"/>
-              <a:ea typeface="나눔바른고딕" panose="020B0603020101020101" pitchFamily="50" charset="-127"/>
+              <a:latin typeface="나눔바른고딕"/>
+              <a:ea typeface="나눔바른고딕"/>
             </a:endParaRPr>
           </a:p>
         </p:txBody>
       </p:sp>
       <p:pic>
         <p:nvPicPr>
-          <p:cNvPr id="1026" name="Picture 2" descr="라즈베리파이 활용백서의 표지 디자인을 진행했습니다. 라즈베리를 캐릭터로 만들어서 책 좀 보게 만들어 줬네요. | 일러스트레이션, 표지,  타이포그래피">
-            <a:extLst>
-              <a:ext uri="{FF2B5EF4-FFF2-40B4-BE49-F238E27FC236}">
-                <a16:creationId xmlns:a16="http://schemas.microsoft.com/office/drawing/2014/main" id="{BD47AE51-54F0-4792-9020-E8A05D587C9E}"/>
-              </a:ext>
-            </a:extLst>
-          </p:cNvPr>
+          <p:cNvPr id="1026" name="Picture 2" descr="라즈베리파이 활용백서의 표지 디자인을 진행했습니다. 라즈베리를 캐릭터로 만들어서 책 좀 보게 만들어 줬네요. | 일러스트레이션, 표지,  타이포그래피"/>
           <p:cNvPicPr>
             <a:picLocks noChangeAspect="1" noChangeArrowheads="1"/>
           </p:cNvPicPr>
           <p:nvPr/>
         </p:nvPicPr>
-        <p:blipFill>
-          <a:blip r:embed="rId3" cstate="print">
-            <a:extLst>
-              <a:ext uri="{28A0092B-C50C-407E-A947-70E740481C1C}">
-                <a14:useLocalDpi xmlns:a14="http://schemas.microsoft.com/office/drawing/2010/main" val="0"/>
-              </a:ext>
-            </a:extLst>
-          </a:blip>
+        <p:blipFill rotWithShape="1">
+          <a:blip r:embed="rId2"/>
           <a:srcRect/>
           <a:stretch>
             <a:fillRect/>
           </a:stretch>
         </p:blipFill>
-        <p:spPr bwMode="auto">
+        <p:spPr>
           <a:xfrm>
             <a:off x="10087039" y="4187987"/>
             <a:ext cx="1884218" cy="2355273"/>
@@ -33166,33 +33046,18 @@
             <a:avLst/>
           </a:prstGeom>
           <a:noFill/>
-          <a:extLst>
-            <a:ext uri="{909E8E84-426E-40DD-AFC4-6F175D3DCCD1}">
-              <a14:hiddenFill xmlns:a14="http://schemas.microsoft.com/office/drawing/2010/main">
-                <a:solidFill>
-                  <a:srgbClr val="FFFFFF"/>
-                </a:solidFill>
-              </a14:hiddenFill>
-            </a:ext>
-          </a:extLst>
         </p:spPr>
       </p:pic>
       <p:sp>
         <p:nvSpPr>
-          <p:cNvPr id="30" name="TextBox 29">
-            <a:extLst>
-              <a:ext uri="{FF2B5EF4-FFF2-40B4-BE49-F238E27FC236}">
-                <a16:creationId xmlns:a16="http://schemas.microsoft.com/office/drawing/2014/main" id="{12FBF31D-81FB-442F-BA7D-F068CBE94524}"/>
-              </a:ext>
-            </a:extLst>
-          </p:cNvPr>
+          <p:cNvPr id="30" name="TextBox 29"/>
           <p:cNvSpPr txBox="1"/>
           <p:nvPr/>
         </p:nvSpPr>
         <p:spPr>
           <a:xfrm>
             <a:off x="4124702" y="2797202"/>
-            <a:ext cx="4866752" cy="276999"/>
+            <a:ext cx="5476948" cy="269848"/>
           </a:xfrm>
           <a:prstGeom prst="rect">
             <a:avLst/>
@@ -33200,18 +33065,21 @@
           <a:noFill/>
         </p:spPr>
         <p:txBody>
-          <a:bodyPr wrap="square" lIns="0" tIns="0" rIns="0" bIns="0" rtlCol="0">
+          <a:bodyPr wrap="square" lIns="0" tIns="0" rIns="0" bIns="0">
             <a:spAutoFit/>
           </a:bodyPr>
           <a:lstStyle/>
           <a:p>
+            <a:pPr lvl="0">
+              <a:defRPr/>
+            </a:pPr>
             <a:r>
               <a:rPr lang="en-US" altLang="ko-KR">
                 <a:solidFill>
-                  <a:srgbClr val="00C300"/>
+                  <a:srgbClr val="00c300"/>
                 </a:solidFill>
-                <a:latin typeface="나눔바른고딕" panose="020B0603020101020101" pitchFamily="50" charset="-127"/>
-                <a:ea typeface="나눔바른고딕" panose="020B0603020101020101" pitchFamily="50" charset="-127"/>
+                <a:latin typeface="나눔바른고딕"/>
+                <a:ea typeface="나눔바른고딕"/>
               </a:rPr>
               <a:t>D</a:t>
             </a:r>
@@ -33223,18 +33091,18 @@
                     <a:lumOff val="25000"/>
                   </a:schemeClr>
                 </a:solidFill>
-                <a:latin typeface="나눔바른고딕" panose="020B0603020101020101" pitchFamily="50" charset="-127"/>
-                <a:ea typeface="나눔바른고딕" panose="020B0603020101020101" pitchFamily="50" charset="-127"/>
+                <a:latin typeface="나눔바른고딕"/>
+                <a:ea typeface="나눔바른고딕"/>
               </a:rPr>
               <a:t>epthwise </a:t>
             </a:r>
             <a:r>
               <a:rPr lang="en-US" altLang="ko-KR">
                 <a:solidFill>
-                  <a:srgbClr val="00C300"/>
+                  <a:srgbClr val="00c300"/>
                 </a:solidFill>
-                <a:latin typeface="나눔바른고딕" panose="020B0603020101020101" pitchFamily="50" charset="-127"/>
-                <a:ea typeface="나눔바른고딕" panose="020B0603020101020101" pitchFamily="50" charset="-127"/>
+                <a:latin typeface="나눔바른고딕"/>
+                <a:ea typeface="나눔바른고딕"/>
               </a:rPr>
               <a:t>S</a:t>
             </a:r>
@@ -33246,18 +33114,18 @@
                     <a:lumOff val="25000"/>
                   </a:schemeClr>
                 </a:solidFill>
-                <a:latin typeface="나눔바른고딕" panose="020B0603020101020101" pitchFamily="50" charset="-127"/>
-                <a:ea typeface="나눔바른고딕" panose="020B0603020101020101" pitchFamily="50" charset="-127"/>
+                <a:latin typeface="나눔바른고딕"/>
+                <a:ea typeface="나눔바른고딕"/>
               </a:rPr>
               <a:t>eparable </a:t>
             </a:r>
             <a:r>
               <a:rPr lang="en-US" altLang="ko-KR">
                 <a:solidFill>
-                  <a:srgbClr val="00C300"/>
+                  <a:srgbClr val="00c300"/>
                 </a:solidFill>
-                <a:latin typeface="나눔바른고딕" panose="020B0603020101020101" pitchFamily="50" charset="-127"/>
-                <a:ea typeface="나눔바른고딕" panose="020B0603020101020101" pitchFamily="50" charset="-127"/>
+                <a:latin typeface="나눔바른고딕"/>
+                <a:ea typeface="나눔바른고딕"/>
               </a:rPr>
               <a:t>C</a:t>
             </a:r>
@@ -33269,20 +33137,30 @@
                     <a:lumOff val="25000"/>
                   </a:schemeClr>
                 </a:solidFill>
-                <a:latin typeface="나눔바른고딕" panose="020B0603020101020101" pitchFamily="50" charset="-127"/>
-                <a:ea typeface="나눔바른고딕" panose="020B0603020101020101" pitchFamily="50" charset="-127"/>
+                <a:latin typeface="나눔바른고딕"/>
+                <a:ea typeface="나눔바른고딕"/>
               </a:rPr>
-              <a:t>o</a:t>
+              <a:t>onvolution</a:t>
+            </a:r>
+            <a:r>
+              <a:rPr lang="ko-KR" altLang="en-US">
+                <a:solidFill>
+                  <a:srgbClr val="00c300"/>
+                </a:solidFill>
+                <a:latin typeface="나눔바른고딕"/>
+                <a:ea typeface="나눔바른고딕"/>
+              </a:rPr>
+              <a:t> </a:t>
             </a:r>
             <a:r>
               <a:rPr lang="en-US" altLang="ko-KR">
                 <a:solidFill>
-                  <a:srgbClr val="00C300"/>
+                  <a:srgbClr val="00c300"/>
                 </a:solidFill>
-                <a:latin typeface="나눔바른고딕" panose="020B0603020101020101" pitchFamily="50" charset="-127"/>
-                <a:ea typeface="나눔바른고딕" panose="020B0603020101020101" pitchFamily="50" charset="-127"/>
+                <a:latin typeface="나눔바른고딕"/>
+                <a:ea typeface="나눔바른고딕"/>
               </a:rPr>
-              <a:t>n</a:t>
+              <a:t>N</a:t>
             </a:r>
             <a:r>
               <a:rPr lang="en-US" altLang="ko-KR">
@@ -33292,47 +33170,57 @@
                     <a:lumOff val="25000"/>
                   </a:schemeClr>
                 </a:solidFill>
-                <a:latin typeface="나눔바른고딕" panose="020B0603020101020101" pitchFamily="50" charset="-127"/>
-                <a:ea typeface="나눔바른고딕" panose="020B0603020101020101" pitchFamily="50" charset="-127"/>
+                <a:latin typeface="나눔바른고딕"/>
+                <a:ea typeface="나눔바른고딕"/>
               </a:rPr>
-              <a:t>volutio</a:t>
+              <a:t>eural</a:t>
             </a:r>
             <a:r>
               <a:rPr lang="en-US" altLang="ko-KR">
                 <a:solidFill>
-                  <a:srgbClr val="00C300"/>
+                  <a:srgbClr val="00c300"/>
                 </a:solidFill>
-                <a:latin typeface="나눔바른고딕" panose="020B0603020101020101" pitchFamily="50" charset="-127"/>
-                <a:ea typeface="나눔바른고딕" panose="020B0603020101020101" pitchFamily="50" charset="-127"/>
+                <a:latin typeface="나눔바른고딕"/>
+                <a:ea typeface="나눔바른고딕"/>
               </a:rPr>
-              <a:t>n</a:t>
+              <a:t> N</a:t>
             </a:r>
-            <a:endParaRPr lang="ko-KR" altLang="en-US">
+            <a:r>
+              <a:rPr lang="en-US" altLang="ko-KR">
+                <a:solidFill>
+                  <a:schemeClr val="tx1">
+                    <a:lumMod val="75000"/>
+                    <a:lumOff val="25000"/>
+                  </a:schemeClr>
+                </a:solidFill>
+                <a:latin typeface="나눔바른고딕"/>
+                <a:ea typeface="나눔바른고딕"/>
+              </a:rPr>
+              <a:t>etwork</a:t>
+            </a:r>
+            <a:endParaRPr lang="en-US" altLang="ko-KR">
               <a:solidFill>
-                <a:srgbClr val="00C300"/>
+                <a:schemeClr val="tx1">
+                  <a:lumMod val="75000"/>
+                  <a:lumOff val="25000"/>
+                </a:schemeClr>
               </a:solidFill>
-              <a:latin typeface="나눔바른고딕" panose="020B0603020101020101" pitchFamily="50" charset="-127"/>
-              <a:ea typeface="나눔바른고딕" panose="020B0603020101020101" pitchFamily="50" charset="-127"/>
+              <a:latin typeface="나눔바른고딕"/>
+              <a:ea typeface="나눔바른고딕"/>
             </a:endParaRPr>
           </a:p>
         </p:txBody>
       </p:sp>
       <p:sp>
         <p:nvSpPr>
-          <p:cNvPr id="34" name="TextBox 33">
-            <a:extLst>
-              <a:ext uri="{FF2B5EF4-FFF2-40B4-BE49-F238E27FC236}">
-                <a16:creationId xmlns:a16="http://schemas.microsoft.com/office/drawing/2014/main" id="{5D8EC170-AD1F-4A6B-BF09-A50D0A593065}"/>
-              </a:ext>
-            </a:extLst>
-          </p:cNvPr>
+          <p:cNvPr id="34" name="TextBox 33"/>
           <p:cNvSpPr txBox="1"/>
           <p:nvPr/>
         </p:nvSpPr>
         <p:spPr>
           <a:xfrm>
-            <a:off x="5488444" y="6104700"/>
-            <a:ext cx="4110711" cy="215444"/>
+            <a:off x="5175905" y="6015403"/>
+            <a:ext cx="4110711" cy="204422"/>
           </a:xfrm>
           <a:prstGeom prst="rect">
             <a:avLst/>
@@ -33340,11 +33228,14 @@
           <a:noFill/>
         </p:spPr>
         <p:txBody>
-          <a:bodyPr wrap="square" lIns="0" tIns="0" rIns="0" bIns="0" rtlCol="0">
+          <a:bodyPr wrap="square" lIns="0" tIns="0" rIns="0" bIns="0">
             <a:spAutoFit/>
           </a:bodyPr>
           <a:lstStyle/>
           <a:p>
+            <a:pPr lvl="0">
+              <a:defRPr/>
+            </a:pPr>
             <a:r>
               <a:rPr lang="en-US" altLang="ko-KR" sz="1400">
                 <a:solidFill>
@@ -33353,8 +33244,8 @@
                     <a:lumOff val="25000"/>
                   </a:schemeClr>
                 </a:solidFill>
-                <a:latin typeface="나눔바른고딕" panose="020B0603020101020101" pitchFamily="50" charset="-127"/>
-                <a:ea typeface="나눔바른고딕" panose="020B0603020101020101" pitchFamily="50" charset="-127"/>
+                <a:latin typeface="나눔바른고딕"/>
+                <a:ea typeface="나눔바른고딕"/>
               </a:rPr>
               <a:t>An Example of Application Scenario Of DS-CNN</a:t>
             </a:r>
@@ -33365,22 +33256,49 @@
                   <a:lumOff val="25000"/>
                 </a:schemeClr>
               </a:solidFill>
-              <a:latin typeface="나눔바른고딕" panose="020B0603020101020101" pitchFamily="50" charset="-127"/>
-              <a:ea typeface="나눔바른고딕" panose="020B0603020101020101" pitchFamily="50" charset="-127"/>
+              <a:latin typeface="나눔바른고딕"/>
+              <a:ea typeface="나눔바른고딕"/>
             </a:endParaRPr>
           </a:p>
         </p:txBody>
       </p:sp>
+      <p:pic>
+        <p:nvPicPr>
+          <p:cNvPr id="7173" name=""/>
+          <p:cNvPicPr>
+            <a:picLocks noChangeAspect="1"/>
+          </p:cNvPicPr>
+          <p:nvPr/>
+        </p:nvPicPr>
+        <p:blipFill rotWithShape="1">
+          <a:blip r:embed="rId3"/>
+          <a:stretch>
+            <a:fillRect/>
+          </a:stretch>
+        </p:blipFill>
+        <p:spPr>
+          <a:xfrm>
+            <a:off x="4607719" y="3754040"/>
+            <a:ext cx="5018247" cy="1924645"/>
+          </a:xfrm>
+          <a:prstGeom prst="rect">
+            <a:avLst/>
+          </a:prstGeom>
+        </p:spPr>
+      </p:pic>
     </p:spTree>
-    <p:extLst>
-      <p:ext uri="{BB962C8B-B14F-4D97-AF65-F5344CB8AC3E}">
-        <p14:creationId xmlns:p14="http://schemas.microsoft.com/office/powerpoint/2010/main" val="1994942996"/>
-      </p:ext>
-    </p:extLst>
   </p:cSld>
   <p:clrMapOvr>
     <a:masterClrMapping/>
   </p:clrMapOvr>
+  <mc:AlternateContent xmlns:mc="http://schemas.openxmlformats.org/markup-compatibility/2006">
+    <mc:Choice xmlns:p14="http://schemas.microsoft.com/office/powerpoint/2010/main" Requires="p14">
+      <p:transition xmlns:mc="http://schemas.openxmlformats.org/markup-compatibility/2006" xmlns:p14="http://schemas.microsoft.com/office/powerpoint/2010/main" mc:Ignorable="p14" p14:dur="500"/>
+    </mc:Choice>
+    <mc:Fallback>
+      <p:transition/>
+    </mc:Fallback>
+  </mc:AlternateContent>
 </p:sld>
 </file>
 
@@ -36407,7 +36325,7 @@
 </file>
 
 <file path=ppt/slides/slide9.xml><?xml version="1.0" encoding="utf-8"?>
-<p:sld xmlns:a="http://schemas.openxmlformats.org/drawingml/2006/main" xmlns:r="http://schemas.openxmlformats.org/officeDocument/2006/relationships" xmlns:p="http://schemas.openxmlformats.org/presentationml/2006/main">
+<p:sld xmlns:r="http://schemas.openxmlformats.org/officeDocument/2006/relationships" xmlns:c="http://schemas.openxmlformats.org/drawingml/2006/chart" xmlns:a="http://schemas.openxmlformats.org/drawingml/2006/main" xmlns:dgm="http://schemas.openxmlformats.org/drawingml/2006/diagram" xmlns:dsp="http://schemas.microsoft.com/office/drawing/2008/diagram" xmlns:p="http://schemas.openxmlformats.org/presentationml/2006/main">
   <p:cSld>
     <p:spTree>
       <p:nvGrpSpPr>
@@ -36425,18 +36343,12 @@
       </p:grpSpPr>
       <p:grpSp>
         <p:nvGrpSpPr>
-          <p:cNvPr id="92" name="그룹 91">
-            <a:extLst>
-              <a:ext uri="{FF2B5EF4-FFF2-40B4-BE49-F238E27FC236}">
-                <a16:creationId xmlns:a16="http://schemas.microsoft.com/office/drawing/2014/main" id="{417ECB2C-18CD-481D-9D4B-8E422723A71A}"/>
-              </a:ext>
-            </a:extLst>
-          </p:cNvPr>
+          <p:cNvPr id="92" name="그룹 91"/>
           <p:cNvGrpSpPr/>
           <p:nvPr/>
         </p:nvGrpSpPr>
         <p:grpSpPr>
-          <a:xfrm>
+          <a:xfrm rot="0">
             <a:off x="4145827" y="1466561"/>
             <a:ext cx="682207" cy="682206"/>
             <a:chOff x="6270029" y="3755207"/>
@@ -36445,13 +36357,7 @@
         </p:grpSpPr>
         <p:sp>
           <p:nvSpPr>
-            <p:cNvPr id="93" name="타원 92">
-              <a:extLst>
-                <a:ext uri="{FF2B5EF4-FFF2-40B4-BE49-F238E27FC236}">
-                  <a16:creationId xmlns:a16="http://schemas.microsoft.com/office/drawing/2014/main" id="{B9A744AC-478A-4360-9860-1D8EAA628E03}"/>
-                </a:ext>
-              </a:extLst>
-            </p:cNvPr>
+            <p:cNvPr id="93" name="타원 92"/>
             <p:cNvSpPr/>
             <p:nvPr/>
           </p:nvSpPr>
@@ -36491,54 +36397,42 @@
             </a:fontRef>
           </p:style>
           <p:txBody>
-            <a:bodyPr rtlCol="0" anchor="ctr"/>
+            <a:bodyPr anchor="ctr"/>
             <a:lstStyle/>
             <a:p>
-              <a:pPr algn="ctr"/>
+              <a:pPr algn="ctr">
+                <a:defRPr/>
+              </a:pPr>
               <a:endParaRPr lang="ko-KR" altLang="en-US" sz="1200"/>
             </a:p>
           </p:txBody>
         </p:sp>
         <p:grpSp>
           <p:nvGrpSpPr>
-            <p:cNvPr id="94" name="Group 5">
-              <a:extLst>
-                <a:ext uri="{FF2B5EF4-FFF2-40B4-BE49-F238E27FC236}">
-                  <a16:creationId xmlns:a16="http://schemas.microsoft.com/office/drawing/2014/main" id="{0BFA70A8-129E-461E-8E6E-0CB139372E1D}"/>
-                </a:ext>
-              </a:extLst>
-            </p:cNvPr>
+            <p:cNvPr id="94" name="Group 5"/>
             <p:cNvGrpSpPr>
               <a:grpSpLocks noChangeAspect="1"/>
             </p:cNvGrpSpPr>
             <p:nvPr/>
           </p:nvGrpSpPr>
-          <p:grpSpPr bwMode="auto">
-            <a:xfrm>
+          <p:grpSpPr>
+            <a:xfrm rot="0">
               <a:off x="6477020" y="3938852"/>
               <a:ext cx="314080" cy="328258"/>
               <a:chOff x="1239" y="1735"/>
               <a:chExt cx="288" cy="301"/>
             </a:xfrm>
             <a:solidFill>
-              <a:srgbClr val="00C300"/>
+              <a:srgbClr val="00c300"/>
             </a:solidFill>
           </p:grpSpPr>
           <p:sp>
             <p:nvSpPr>
-              <p:cNvPr id="95" name="Freeform 7">
-                <a:extLst>
-                  <a:ext uri="{FF2B5EF4-FFF2-40B4-BE49-F238E27FC236}">
-                    <a16:creationId xmlns:a16="http://schemas.microsoft.com/office/drawing/2014/main" id="{26E3EC45-1472-450E-AC46-797D440AAFBA}"/>
-                  </a:ext>
-                </a:extLst>
-              </p:cNvPr>
-              <p:cNvSpPr>
-                <a:spLocks/>
-              </p:cNvSpPr>
+              <p:cNvPr id="95" name="Freeform 7"/>
+              <p:cNvSpPr/>
               <p:nvPr/>
             </p:nvSpPr>
-            <p:spPr bwMode="auto">
+            <p:spPr>
               <a:xfrm>
                 <a:off x="1239" y="1735"/>
                 <a:ext cx="238" cy="280"/>
@@ -36623,7 +36517,6 @@
                   <a:gd name="T74" fmla="*/ 180 w 2621"/>
                   <a:gd name="T75" fmla="*/ 0 h 3074"/>
                 </a:gdLst>
-                <a:ahLst/>
                 <a:cxnLst>
                   <a:cxn ang="0">
                     <a:pos x="T0" y="T1"/>
@@ -36866,37 +36759,30 @@
                 <a:noFill/>
                 <a:prstDash val="solid"/>
                 <a:round/>
-                <a:headEnd/>
-                <a:tailEnd/>
               </a:ln>
             </p:spPr>
             <p:txBody>
-              <a:bodyPr vert="horz" wrap="square" lIns="91440" tIns="45720" rIns="91440" bIns="45720" numCol="1" anchor="t" anchorCtr="0" compatLnSpc="1">
+              <a:bodyPr vert="horz" wrap="square" lIns="91440" tIns="45720" rIns="91440" bIns="45720" anchor="t" anchorCtr="0">
                 <a:prstTxWarp prst="textNoShape">
                   <a:avLst/>
                 </a:prstTxWarp>
               </a:bodyPr>
               <a:lstStyle/>
               <a:p>
+                <a:pPr lvl="0">
+                  <a:defRPr/>
+                </a:pPr>
                 <a:endParaRPr lang="ko-KR" altLang="en-US" sz="1200"/>
               </a:p>
             </p:txBody>
           </p:sp>
           <p:sp>
             <p:nvSpPr>
-              <p:cNvPr id="96" name="Freeform 8">
-                <a:extLst>
-                  <a:ext uri="{FF2B5EF4-FFF2-40B4-BE49-F238E27FC236}">
-                    <a16:creationId xmlns:a16="http://schemas.microsoft.com/office/drawing/2014/main" id="{89B675D5-E3EC-409F-86AA-6EE16C3BC65E}"/>
-                  </a:ext>
-                </a:extLst>
-              </p:cNvPr>
-              <p:cNvSpPr>
-                <a:spLocks/>
-              </p:cNvSpPr>
+              <p:cNvPr id="96" name="Freeform 8"/>
+              <p:cNvSpPr/>
               <p:nvPr/>
             </p:nvSpPr>
-            <p:spPr bwMode="auto">
+            <p:spPr>
               <a:xfrm>
                 <a:off x="1376" y="1910"/>
                 <a:ext cx="151" cy="126"/>
@@ -36981,7 +36867,6 @@
                   <a:gd name="T74" fmla="*/ 1580 w 1668"/>
                   <a:gd name="T75" fmla="*/ 0 h 1391"/>
                 </a:gdLst>
-                <a:ahLst/>
                 <a:cxnLst>
                   <a:cxn ang="0">
                     <a:pos x="T0" y="T1"/>
@@ -37224,37 +37109,30 @@
                 <a:noFill/>
                 <a:prstDash val="solid"/>
                 <a:round/>
-                <a:headEnd/>
-                <a:tailEnd/>
               </a:ln>
             </p:spPr>
             <p:txBody>
-              <a:bodyPr vert="horz" wrap="square" lIns="91440" tIns="45720" rIns="91440" bIns="45720" numCol="1" anchor="t" anchorCtr="0" compatLnSpc="1">
+              <a:bodyPr vert="horz" wrap="square" lIns="91440" tIns="45720" rIns="91440" bIns="45720" anchor="t" anchorCtr="0">
                 <a:prstTxWarp prst="textNoShape">
                   <a:avLst/>
                 </a:prstTxWarp>
               </a:bodyPr>
               <a:lstStyle/>
               <a:p>
+                <a:pPr lvl="0">
+                  <a:defRPr/>
+                </a:pPr>
                 <a:endParaRPr lang="ko-KR" altLang="en-US" sz="1200"/>
               </a:p>
             </p:txBody>
           </p:sp>
           <p:sp>
             <p:nvSpPr>
-              <p:cNvPr id="98" name="Freeform 9">
-                <a:extLst>
-                  <a:ext uri="{FF2B5EF4-FFF2-40B4-BE49-F238E27FC236}">
-                    <a16:creationId xmlns:a16="http://schemas.microsoft.com/office/drawing/2014/main" id="{C683E59B-CC65-4B4B-B704-6306C4B0981E}"/>
-                  </a:ext>
-                </a:extLst>
-              </p:cNvPr>
-              <p:cNvSpPr>
-                <a:spLocks/>
-              </p:cNvSpPr>
+              <p:cNvPr id="98" name="Freeform 9"/>
+              <p:cNvSpPr/>
               <p:nvPr/>
             </p:nvSpPr>
-            <p:spPr bwMode="auto">
+            <p:spPr>
               <a:xfrm>
                 <a:off x="1292" y="1793"/>
                 <a:ext cx="132" cy="33"/>
@@ -37341,7 +37219,6 @@
                   <a:gd name="T76" fmla="*/ 180 w 1446"/>
                   <a:gd name="T77" fmla="*/ 0 h 362"/>
                 </a:gdLst>
-                <a:ahLst/>
                 <a:cxnLst>
                   <a:cxn ang="0">
                     <a:pos x="T0" y="T1"/>
@@ -37590,37 +37467,30 @@
                 <a:noFill/>
                 <a:prstDash val="solid"/>
                 <a:round/>
-                <a:headEnd/>
-                <a:tailEnd/>
               </a:ln>
             </p:spPr>
             <p:txBody>
-              <a:bodyPr vert="horz" wrap="square" lIns="91440" tIns="45720" rIns="91440" bIns="45720" numCol="1" anchor="t" anchorCtr="0" compatLnSpc="1">
+              <a:bodyPr vert="horz" wrap="square" lIns="91440" tIns="45720" rIns="91440" bIns="45720" anchor="t" anchorCtr="0">
                 <a:prstTxWarp prst="textNoShape">
                   <a:avLst/>
                 </a:prstTxWarp>
               </a:bodyPr>
               <a:lstStyle/>
               <a:p>
+                <a:pPr lvl="0">
+                  <a:defRPr/>
+                </a:pPr>
                 <a:endParaRPr lang="ko-KR" altLang="en-US" sz="1200"/>
               </a:p>
             </p:txBody>
           </p:sp>
           <p:sp>
             <p:nvSpPr>
-              <p:cNvPr id="99" name="Freeform 10">
-                <a:extLst>
-                  <a:ext uri="{FF2B5EF4-FFF2-40B4-BE49-F238E27FC236}">
-                    <a16:creationId xmlns:a16="http://schemas.microsoft.com/office/drawing/2014/main" id="{09831800-E439-4CDC-8439-7D7B5877DD81}"/>
-                  </a:ext>
-                </a:extLst>
-              </p:cNvPr>
-              <p:cNvSpPr>
-                <a:spLocks/>
-              </p:cNvSpPr>
+              <p:cNvPr id="99" name="Freeform 10"/>
+              <p:cNvSpPr/>
               <p:nvPr/>
             </p:nvSpPr>
-            <p:spPr bwMode="auto">
+            <p:spPr>
               <a:xfrm>
                 <a:off x="1292" y="1842"/>
                 <a:ext cx="132" cy="33"/>
@@ -37707,7 +37577,6 @@
                   <a:gd name="T76" fmla="*/ 180 w 1446"/>
                   <a:gd name="T77" fmla="*/ 0 h 360"/>
                 </a:gdLst>
-                <a:ahLst/>
                 <a:cxnLst>
                   <a:cxn ang="0">
                     <a:pos x="T0" y="T1"/>
@@ -37956,37 +37825,30 @@
                 <a:noFill/>
                 <a:prstDash val="solid"/>
                 <a:round/>
-                <a:headEnd/>
-                <a:tailEnd/>
               </a:ln>
             </p:spPr>
             <p:txBody>
-              <a:bodyPr vert="horz" wrap="square" lIns="91440" tIns="45720" rIns="91440" bIns="45720" numCol="1" anchor="t" anchorCtr="0" compatLnSpc="1">
+              <a:bodyPr vert="horz" wrap="square" lIns="91440" tIns="45720" rIns="91440" bIns="45720" anchor="t" anchorCtr="0">
                 <a:prstTxWarp prst="textNoShape">
                   <a:avLst/>
                 </a:prstTxWarp>
               </a:bodyPr>
               <a:lstStyle/>
               <a:p>
+                <a:pPr lvl="0">
+                  <a:defRPr/>
+                </a:pPr>
                 <a:endParaRPr lang="ko-KR" altLang="en-US" sz="1200"/>
               </a:p>
             </p:txBody>
           </p:sp>
           <p:sp>
             <p:nvSpPr>
-              <p:cNvPr id="100" name="Freeform 11">
-                <a:extLst>
-                  <a:ext uri="{FF2B5EF4-FFF2-40B4-BE49-F238E27FC236}">
-                    <a16:creationId xmlns:a16="http://schemas.microsoft.com/office/drawing/2014/main" id="{398212E6-C94F-4C15-80DD-7E7F4EFDF41A}"/>
-                  </a:ext>
-                </a:extLst>
-              </p:cNvPr>
-              <p:cNvSpPr>
-                <a:spLocks/>
-              </p:cNvSpPr>
+              <p:cNvPr id="100" name="Freeform 11"/>
+              <p:cNvSpPr/>
               <p:nvPr/>
             </p:nvSpPr>
-            <p:spPr bwMode="auto">
+            <p:spPr>
               <a:xfrm>
                 <a:off x="1292" y="1891"/>
                 <a:ext cx="132" cy="33"/>
@@ -38073,7 +37935,6 @@
                   <a:gd name="T76" fmla="*/ 180 w 1446"/>
                   <a:gd name="T77" fmla="*/ 0 h 362"/>
                 </a:gdLst>
-                <a:ahLst/>
                 <a:cxnLst>
                   <a:cxn ang="0">
                     <a:pos x="T0" y="T1"/>
@@ -38322,18 +38183,19 @@
                 <a:noFill/>
                 <a:prstDash val="solid"/>
                 <a:round/>
-                <a:headEnd/>
-                <a:tailEnd/>
               </a:ln>
             </p:spPr>
             <p:txBody>
-              <a:bodyPr vert="horz" wrap="square" lIns="91440" tIns="45720" rIns="91440" bIns="45720" numCol="1" anchor="t" anchorCtr="0" compatLnSpc="1">
+              <a:bodyPr vert="horz" wrap="square" lIns="91440" tIns="45720" rIns="91440" bIns="45720" anchor="t" anchorCtr="0">
                 <a:prstTxWarp prst="textNoShape">
                   <a:avLst/>
                 </a:prstTxWarp>
               </a:bodyPr>
               <a:lstStyle/>
               <a:p>
+                <a:pPr lvl="0">
+                  <a:defRPr/>
+                </a:pPr>
                 <a:endParaRPr lang="ko-KR" altLang="en-US" sz="1200"/>
               </a:p>
             </p:txBody>
@@ -38349,7 +38211,7 @@
         <p:spPr>
           <a:xfrm>
             <a:off x="1061674" y="2657823"/>
-            <a:ext cx="2233189" cy="366254"/>
+            <a:ext cx="2233189" cy="342552"/>
           </a:xfrm>
           <a:prstGeom prst="rect">
             <a:avLst/>
@@ -38357,7 +38219,7 @@
           <a:noFill/>
         </p:spPr>
         <p:txBody>
-          <a:bodyPr wrap="square" lIns="0" tIns="0" rIns="0" bIns="0" rtlCol="0">
+          <a:bodyPr wrap="square" lIns="0" tIns="0" rIns="0" bIns="0">
             <a:spAutoFit/>
           </a:bodyPr>
           <a:lstStyle/>
@@ -38366,17 +38228,25 @@
               <a:lnSpc>
                 <a:spcPct val="80000"/>
               </a:lnSpc>
+              <a:defRPr/>
             </a:pPr>
             <a:r>
-              <a:rPr lang="ko-KR" altLang="en-US" sz="2800" spc="-100">
+              <a:rPr lang="ko-KR" altLang="en-US" sz="2800" b="0" spc="-100">
                 <a:solidFill>
                   <a:schemeClr val="bg1"/>
                 </a:solidFill>
-                <a:latin typeface="나눔바른고딕" panose="020B0603020101020101" pitchFamily="50" charset="-127"/>
-                <a:ea typeface="나눔바른고딕" panose="020B0603020101020101" pitchFamily="50" charset="-127"/>
+                <a:latin typeface="나눔바른고딕"/>
+                <a:ea typeface="나눔바른고딕"/>
               </a:rPr>
               <a:t>진행 예정 사항</a:t>
             </a:r>
+            <a:endParaRPr lang="ko-KR" altLang="en-US" sz="2800" b="0" spc="-100">
+              <a:solidFill>
+                <a:schemeClr val="bg1"/>
+              </a:solidFill>
+              <a:latin typeface="나눔바른고딕"/>
+              <a:ea typeface="나눔바른고딕"/>
+            </a:endParaRPr>
           </a:p>
         </p:txBody>
       </p:sp>
@@ -38397,19 +38267,21 @@
           <a:noFill/>
         </p:spPr>
         <p:txBody>
-          <a:bodyPr wrap="square" lIns="0" tIns="0" rIns="0" bIns="0" rtlCol="0">
+          <a:bodyPr wrap="square" lIns="0" tIns="0" rIns="0" bIns="0">
             <a:spAutoFit/>
           </a:bodyPr>
           <a:lstStyle/>
           <a:p>
-            <a:pPr algn="r"/>
+            <a:pPr algn="r">
+              <a:defRPr/>
+            </a:pPr>
             <a:r>
               <a:rPr lang="en-US" altLang="ko-KR" sz="1400">
                 <a:solidFill>
                   <a:srgbClr val="009933"/>
                 </a:solidFill>
-                <a:latin typeface="나눔바른고딕" panose="020B0603020101020101" pitchFamily="50" charset="-127"/>
-                <a:ea typeface="나눔바른고딕" panose="020B0603020101020101" pitchFamily="50" charset="-127"/>
+                <a:latin typeface="나눔바른고딕"/>
+                <a:ea typeface="나눔바른고딕"/>
               </a:rPr>
               <a:t>PNU CSE 2021 Graduation</a:t>
             </a:r>
@@ -38418,8 +38290,8 @@
                 <a:solidFill>
                   <a:srgbClr val="009933"/>
                 </a:solidFill>
-                <a:latin typeface="나눔바른고딕" panose="020B0603020101020101" pitchFamily="50" charset="-127"/>
-                <a:ea typeface="나눔바른고딕" panose="020B0603020101020101" pitchFamily="50" charset="-127"/>
+                <a:latin typeface="나눔바른고딕"/>
+                <a:ea typeface="나눔바른고딕"/>
               </a:rPr>
               <a:t> </a:t>
             </a:r>
@@ -38428,8 +38300,8 @@
                 <a:solidFill>
                   <a:srgbClr val="009933"/>
                 </a:solidFill>
-                <a:latin typeface="나눔바른고딕" panose="020B0603020101020101" pitchFamily="50" charset="-127"/>
-                <a:ea typeface="나눔바른고딕" panose="020B0603020101020101" pitchFamily="50" charset="-127"/>
+                <a:latin typeface="나눔바른고딕"/>
+                <a:ea typeface="나눔바른고딕"/>
               </a:rPr>
               <a:t>Project</a:t>
             </a:r>
@@ -38437,8 +38309,8 @@
               <a:solidFill>
                 <a:srgbClr val="009933"/>
               </a:solidFill>
-              <a:latin typeface="나눔바른고딕" panose="020B0603020101020101" pitchFamily="50" charset="-127"/>
-              <a:ea typeface="나눔바른고딕" panose="020B0603020101020101" pitchFamily="50" charset="-127"/>
+              <a:latin typeface="나눔바른고딕"/>
+              <a:ea typeface="나눔바른고딕"/>
             </a:endParaRPr>
           </a:p>
         </p:txBody>
@@ -38460,30 +38332,43 @@
           <a:noFill/>
         </p:spPr>
         <p:txBody>
-          <a:bodyPr wrap="square" lIns="0" tIns="0" rIns="0" bIns="0" rtlCol="0">
+          <a:bodyPr wrap="square" lIns="0" tIns="0" rIns="0" bIns="0">
             <a:spAutoFit/>
           </a:bodyPr>
           <a:lstStyle/>
           <a:p>
+            <a:pPr lvl="0">
+              <a:defRPr/>
+            </a:pPr>
             <a:endParaRPr lang="en-US" altLang="ko-KR" sz="1500">
               <a:solidFill>
                 <a:srgbClr val="686868"/>
               </a:solidFill>
-              <a:latin typeface="나눔바른고딕" panose="020B0603020101020101" pitchFamily="50" charset="-127"/>
-              <a:ea typeface="나눔바른고딕" panose="020B0603020101020101" pitchFamily="50" charset="-127"/>
+              <a:latin typeface="나눔바른고딕"/>
+              <a:ea typeface="나눔바른고딕"/>
             </a:endParaRPr>
           </a:p>
           <a:p>
+            <a:pPr lvl="0">
+              <a:defRPr/>
+            </a:pPr>
             <a:r>
               <a:rPr lang="en-US" altLang="ko-KR" sz="1500">
                 <a:solidFill>
-                  <a:srgbClr val="00C300"/>
+                  <a:srgbClr val="00c300"/>
                 </a:solidFill>
-                <a:latin typeface="나눔바른고딕" panose="020B0603020101020101" pitchFamily="50" charset="-127"/>
-                <a:ea typeface="나눔바른고딕" panose="020B0603020101020101" pitchFamily="50" charset="-127"/>
+                <a:latin typeface="나눔바른고딕"/>
+                <a:ea typeface="나눔바른고딕"/>
               </a:rPr>
               <a:t> Scheduled List</a:t>
             </a:r>
+            <a:endParaRPr lang="en-US" altLang="ko-KR" sz="1500">
+              <a:solidFill>
+                <a:srgbClr val="00c300"/>
+              </a:solidFill>
+              <a:latin typeface="나눔바른고딕"/>
+              <a:ea typeface="나눔바른고딕"/>
+            </a:endParaRPr>
           </a:p>
         </p:txBody>
       </p:sp>
@@ -38494,7 +38379,7 @@
           <p:nvPr/>
         </p:nvGrpSpPr>
         <p:grpSpPr>
-          <a:xfrm>
+          <a:xfrm rot="0">
             <a:off x="1061674" y="3622428"/>
             <a:ext cx="602615" cy="241464"/>
             <a:chOff x="479425" y="2364330"/>
@@ -38541,13 +38426,15 @@
             </a:fontRef>
           </p:style>
           <p:txBody>
-            <a:bodyPr rtlCol="0" anchor="ctr"/>
+            <a:bodyPr anchor="ctr"/>
             <a:lstStyle/>
             <a:p>
-              <a:pPr algn="ctr"/>
+              <a:pPr algn="ctr">
+                <a:defRPr/>
+              </a:pPr>
               <a:endParaRPr lang="ko-KR" altLang="en-US">
-                <a:latin typeface="나눔바른고딕" panose="020B0603020101020101" pitchFamily="50" charset="-127"/>
-                <a:ea typeface="나눔바른고딕" panose="020B0603020101020101" pitchFamily="50" charset="-127"/>
+                <a:latin typeface="나눔바른고딕"/>
+                <a:ea typeface="나눔바른고딕"/>
               </a:endParaRPr>
             </a:p>
           </p:txBody>
@@ -38569,28 +38456,30 @@
             <a:noFill/>
           </p:spPr>
           <p:txBody>
-            <a:bodyPr wrap="square" lIns="0" tIns="0" rIns="0" bIns="0" rtlCol="0">
+            <a:bodyPr wrap="square" lIns="0" tIns="0" rIns="0" bIns="0">
               <a:spAutoFit/>
             </a:bodyPr>
             <a:lstStyle/>
             <a:p>
-              <a:pPr algn="ctr"/>
+              <a:pPr algn="ctr">
+                <a:defRPr/>
+              </a:pPr>
               <a:r>
-                <a:rPr lang="en-US" altLang="ko-KR" sz="1300" spc="-100">
+                <a:rPr lang="en-US" altLang="ko-KR" sz="1300" b="0" spc="-100">
                   <a:solidFill>
                     <a:schemeClr val="bg1"/>
                   </a:solidFill>
-                  <a:latin typeface="나눔바른고딕" panose="020B0603020101020101" pitchFamily="50" charset="-127"/>
-                  <a:ea typeface="나눔바른고딕" panose="020B0603020101020101" pitchFamily="50" charset="-127"/>
+                  <a:latin typeface="나눔바른고딕"/>
+                  <a:ea typeface="나눔바른고딕"/>
                 </a:rPr>
                 <a:t>8  /  9</a:t>
               </a:r>
-              <a:endParaRPr lang="ko-KR" altLang="en-US" sz="1300" spc="-100">
+              <a:endParaRPr lang="ko-KR" altLang="en-US" sz="1300" b="0" spc="-100">
                 <a:solidFill>
                   <a:schemeClr val="bg1"/>
                 </a:solidFill>
-                <a:latin typeface="나눔바른고딕" panose="020B0603020101020101" pitchFamily="50" charset="-127"/>
-                <a:ea typeface="나눔바른고딕" panose="020B0603020101020101" pitchFamily="50" charset="-127"/>
+                <a:latin typeface="나눔바른고딕"/>
+                <a:ea typeface="나눔바른고딕"/>
               </a:endParaRPr>
             </a:p>
           </p:txBody>
@@ -38604,7 +38493,7 @@
           </p:cNvSpPr>
           <p:nvPr/>
         </p:nvSpPr>
-        <p:spPr bwMode="auto">
+        <p:spPr>
           <a:xfrm>
             <a:off x="4198086" y="3117968"/>
             <a:ext cx="212531" cy="227669"/>
@@ -38729,7 +38618,6 @@
               <a:gd name="T114" fmla="*/ 320 w 3330"/>
               <a:gd name="T115" fmla="*/ 0 h 3429"/>
             </a:gdLst>
-            <a:ahLst/>
             <a:cxnLst>
               <a:cxn ang="0">
                 <a:pos x="T0" y="T1"/>
@@ -39263,37 +39151,32 @@
             </a:pathLst>
           </a:custGeom>
           <a:solidFill>
-            <a:srgbClr val="00C300"/>
+            <a:srgbClr val="00c300"/>
           </a:solidFill>
           <a:ln w="0">
             <a:noFill/>
             <a:prstDash val="solid"/>
             <a:round/>
-            <a:headEnd/>
-            <a:tailEnd/>
           </a:ln>
         </p:spPr>
         <p:txBody>
-          <a:bodyPr vert="horz" wrap="square" lIns="91440" tIns="45720" rIns="91440" bIns="45720" numCol="1" anchor="t" anchorCtr="0" compatLnSpc="1">
+          <a:bodyPr vert="horz" wrap="square" lIns="91440" tIns="45720" rIns="91440" bIns="45720" anchor="t" anchorCtr="0">
             <a:prstTxWarp prst="textNoShape">
               <a:avLst/>
             </a:prstTxWarp>
           </a:bodyPr>
           <a:lstStyle/>
           <a:p>
+            <a:pPr lvl="0">
+              <a:defRPr/>
+            </a:pPr>
             <a:endParaRPr lang="ko-KR" altLang="en-US"/>
           </a:p>
         </p:txBody>
       </p:sp>
       <p:sp>
         <p:nvSpPr>
-          <p:cNvPr id="102" name="TextBox 101">
-            <a:extLst>
-              <a:ext uri="{FF2B5EF4-FFF2-40B4-BE49-F238E27FC236}">
-                <a16:creationId xmlns:a16="http://schemas.microsoft.com/office/drawing/2014/main" id="{72D402EE-F0AF-44B1-8B24-135786D93C66}"/>
-              </a:ext>
-            </a:extLst>
-          </p:cNvPr>
+          <p:cNvPr id="102" name="TextBox 101"/>
           <p:cNvSpPr txBox="1"/>
           <p:nvPr/>
         </p:nvSpPr>
@@ -39308,11 +39191,14 @@
           <a:noFill/>
         </p:spPr>
         <p:txBody>
-          <a:bodyPr wrap="square" lIns="0" tIns="0" rIns="0" bIns="0" rtlCol="0">
+          <a:bodyPr wrap="square" lIns="0" tIns="0" rIns="0" bIns="0">
             <a:spAutoFit/>
           </a:bodyPr>
           <a:lstStyle/>
           <a:p>
+            <a:pPr lvl="0">
+              <a:defRPr/>
+            </a:pPr>
             <a:r>
               <a:rPr lang="ko-KR" altLang="en-US">
                 <a:solidFill>
@@ -39321,8 +39207,8 @@
                     <a:lumOff val="25000"/>
                   </a:schemeClr>
                 </a:solidFill>
-                <a:latin typeface="나눔바른고딕" panose="020B0603020101020101" pitchFamily="50" charset="-127"/>
-                <a:ea typeface="나눔바른고딕" panose="020B0603020101020101" pitchFamily="50" charset="-127"/>
+                <a:latin typeface="나눔바른고딕"/>
+                <a:ea typeface="나눔바른고딕"/>
               </a:rPr>
               <a:t>학습을 위한 다양한 소음 및 음성 </a:t>
             </a:r>
@@ -39334,8 +39220,8 @@
                     <a:lumOff val="25000"/>
                   </a:schemeClr>
                 </a:solidFill>
-                <a:latin typeface="나눔바른고딕" panose="020B0603020101020101" pitchFamily="50" charset="-127"/>
-                <a:ea typeface="나눔바른고딕" panose="020B0603020101020101" pitchFamily="50" charset="-127"/>
+                <a:latin typeface="나눔바른고딕"/>
+                <a:ea typeface="나눔바른고딕"/>
               </a:rPr>
               <a:t>DATA-SET</a:t>
             </a:r>
@@ -39347,30 +39233,34 @@
                     <a:lumOff val="25000"/>
                   </a:schemeClr>
                 </a:solidFill>
-                <a:latin typeface="나눔바른고딕" panose="020B0603020101020101" pitchFamily="50" charset="-127"/>
-                <a:ea typeface="나눔바른고딕" panose="020B0603020101020101" pitchFamily="50" charset="-127"/>
+                <a:latin typeface="나눔바른고딕"/>
+                <a:ea typeface="나눔바른고딕"/>
               </a:rPr>
               <a:t> 수집</a:t>
             </a:r>
+            <a:endParaRPr lang="ko-KR" altLang="en-US">
+              <a:solidFill>
+                <a:schemeClr val="tx1">
+                  <a:lumMod val="75000"/>
+                  <a:lumOff val="25000"/>
+                </a:schemeClr>
+              </a:solidFill>
+              <a:latin typeface="나눔바른고딕"/>
+              <a:ea typeface="나눔바른고딕"/>
+            </a:endParaRPr>
           </a:p>
         </p:txBody>
       </p:sp>
       <p:sp>
         <p:nvSpPr>
-          <p:cNvPr id="108" name="TextBox 107">
-            <a:extLst>
-              <a:ext uri="{FF2B5EF4-FFF2-40B4-BE49-F238E27FC236}">
-                <a16:creationId xmlns:a16="http://schemas.microsoft.com/office/drawing/2014/main" id="{6833281E-CC6A-4646-93BC-9225E7851783}"/>
-              </a:ext>
-            </a:extLst>
-          </p:cNvPr>
+          <p:cNvPr id="108" name="TextBox 107"/>
           <p:cNvSpPr txBox="1"/>
           <p:nvPr/>
         </p:nvSpPr>
         <p:spPr>
           <a:xfrm>
             <a:off x="1061674" y="3076216"/>
-            <a:ext cx="1687391" cy="507831"/>
+            <a:ext cx="1687391" cy="476609"/>
           </a:xfrm>
           <a:prstGeom prst="rect">
             <a:avLst/>
@@ -39378,7 +39268,7 @@
           <a:noFill/>
         </p:spPr>
         <p:txBody>
-          <a:bodyPr wrap="square" lIns="0" tIns="0" rIns="0" bIns="0" rtlCol="0">
+          <a:bodyPr wrap="square" lIns="0" tIns="0" rIns="0" bIns="0">
             <a:spAutoFit/>
           </a:bodyPr>
           <a:lstStyle/>
@@ -39387,72 +39277,69 @@
               <a:lnSpc>
                 <a:spcPct val="80000"/>
               </a:lnSpc>
+              <a:defRPr/>
             </a:pPr>
             <a:r>
-              <a:rPr lang="en-US" altLang="ko-KR" sz="2000" spc="-100">
+              <a:rPr lang="en-US" altLang="ko-KR" sz="2000" b="0" spc="-100">
                 <a:solidFill>
                   <a:schemeClr val="bg1"/>
                 </a:solidFill>
-                <a:latin typeface="나눔바른고딕" panose="020B0603020101020101" pitchFamily="50" charset="-127"/>
-                <a:ea typeface="나눔바른고딕" panose="020B0603020101020101" pitchFamily="50" charset="-127"/>
+                <a:latin typeface="나눔바른고딕"/>
+                <a:ea typeface="나눔바른고딕"/>
               </a:rPr>
               <a:t>Scheduled</a:t>
             </a:r>
+            <a:endParaRPr lang="en-US" altLang="ko-KR" sz="2000" b="0" spc="-100">
+              <a:solidFill>
+                <a:schemeClr val="bg1"/>
+              </a:solidFill>
+              <a:latin typeface="나눔바른고딕"/>
+              <a:ea typeface="나눔바른고딕"/>
+            </a:endParaRPr>
           </a:p>
           <a:p>
             <a:pPr>
               <a:lnSpc>
                 <a:spcPct val="80000"/>
               </a:lnSpc>
+              <a:defRPr/>
             </a:pPr>
             <a:r>
-              <a:rPr lang="en-US" altLang="ko-KR" sz="2000" spc="-100">
+              <a:rPr lang="en-US" altLang="ko-KR" sz="2000" b="0" spc="-100">
                 <a:solidFill>
                   <a:schemeClr val="bg1"/>
                 </a:solidFill>
-                <a:latin typeface="나눔바른고딕" panose="020B0603020101020101" pitchFamily="50" charset="-127"/>
-                <a:ea typeface="나눔바른고딕" panose="020B0603020101020101" pitchFamily="50" charset="-127"/>
+                <a:latin typeface="나눔바른고딕"/>
+                <a:ea typeface="나눔바른고딕"/>
               </a:rPr>
               <a:t>List</a:t>
             </a:r>
-            <a:endParaRPr lang="ko-KR" altLang="en-US" sz="2000" spc="-100">
+            <a:endParaRPr lang="ko-KR" altLang="en-US" sz="2000" b="0" spc="-100">
               <a:solidFill>
                 <a:schemeClr val="bg1"/>
               </a:solidFill>
-              <a:latin typeface="나눔바른고딕" panose="020B0603020101020101" pitchFamily="50" charset="-127"/>
-              <a:ea typeface="나눔바른고딕" panose="020B0603020101020101" pitchFamily="50" charset="-127"/>
+              <a:latin typeface="나눔바른고딕"/>
+              <a:ea typeface="나눔바른고딕"/>
             </a:endParaRPr>
           </a:p>
         </p:txBody>
       </p:sp>
       <p:pic>
         <p:nvPicPr>
-          <p:cNvPr id="1026" name="Picture 2" descr="라즈베리파이 활용백서의 표지 디자인을 진행했습니다. 라즈베리를 캐릭터로 만들어서 책 좀 보게 만들어 줬네요. | 일러스트레이션, 표지,  타이포그래피">
-            <a:extLst>
-              <a:ext uri="{FF2B5EF4-FFF2-40B4-BE49-F238E27FC236}">
-                <a16:creationId xmlns:a16="http://schemas.microsoft.com/office/drawing/2014/main" id="{BD47AE51-54F0-4792-9020-E8A05D587C9E}"/>
-              </a:ext>
-            </a:extLst>
-          </p:cNvPr>
+          <p:cNvPr id="1026" name="Picture 2" descr="라즈베리파이 활용백서의 표지 디자인을 진행했습니다. 라즈베리를 캐릭터로 만들어서 책 좀 보게 만들어 줬네요. | 일러스트레이션, 표지,  타이포그래피"/>
           <p:cNvPicPr>
             <a:picLocks noChangeAspect="1" noChangeArrowheads="1"/>
           </p:cNvPicPr>
           <p:nvPr/>
         </p:nvPicPr>
-        <p:blipFill>
-          <a:blip r:embed="rId2" cstate="print">
-            <a:extLst>
-              <a:ext uri="{28A0092B-C50C-407E-A947-70E740481C1C}">
-                <a14:useLocalDpi xmlns:a14="http://schemas.microsoft.com/office/drawing/2010/main" val="0"/>
-              </a:ext>
-            </a:extLst>
-          </a:blip>
+        <p:blipFill rotWithShape="1">
+          <a:blip r:embed="rId2"/>
           <a:srcRect/>
           <a:stretch>
             <a:fillRect/>
           </a:stretch>
         </p:blipFill>
-        <p:spPr bwMode="auto">
+        <p:spPr>
           <a:xfrm>
             <a:off x="10087039" y="4187987"/>
             <a:ext cx="1884218" cy="2355273"/>
@@ -39461,32 +39348,17 @@
             <a:avLst/>
           </a:prstGeom>
           <a:noFill/>
-          <a:extLst>
-            <a:ext uri="{909E8E84-426E-40DD-AFC4-6F175D3DCCD1}">
-              <a14:hiddenFill xmlns:a14="http://schemas.microsoft.com/office/drawing/2010/main">
-                <a:solidFill>
-                  <a:srgbClr val="FFFFFF"/>
-                </a:solidFill>
-              </a14:hiddenFill>
-            </a:ext>
-          </a:extLst>
         </p:spPr>
       </p:pic>
       <p:sp>
         <p:nvSpPr>
-          <p:cNvPr id="30" name="Freeform 57">
-            <a:extLst>
-              <a:ext uri="{FF2B5EF4-FFF2-40B4-BE49-F238E27FC236}">
-                <a16:creationId xmlns:a16="http://schemas.microsoft.com/office/drawing/2014/main" id="{88CFD796-92CD-4FD6-9986-C43AEEF9A7A8}"/>
-              </a:ext>
-            </a:extLst>
-          </p:cNvPr>
+          <p:cNvPr id="30" name="Freeform 57"/>
           <p:cNvSpPr>
             <a:spLocks noEditPoints="1"/>
           </p:cNvSpPr>
           <p:nvPr/>
         </p:nvSpPr>
-        <p:spPr bwMode="auto">
+        <p:spPr>
           <a:xfrm>
             <a:off x="4198086" y="3891492"/>
             <a:ext cx="212531" cy="227669"/>
@@ -39611,7 +39483,6 @@
               <a:gd name="T114" fmla="*/ 320 w 3330"/>
               <a:gd name="T115" fmla="*/ 0 h 3429"/>
             </a:gdLst>
-            <a:ahLst/>
             <a:cxnLst>
               <a:cxn ang="0">
                 <a:pos x="T0" y="T1"/>
@@ -40145,37 +40016,32 @@
             </a:pathLst>
           </a:custGeom>
           <a:solidFill>
-            <a:srgbClr val="00C300"/>
+            <a:srgbClr val="00c300"/>
           </a:solidFill>
           <a:ln w="0">
             <a:noFill/>
             <a:prstDash val="solid"/>
             <a:round/>
-            <a:headEnd/>
-            <a:tailEnd/>
           </a:ln>
         </p:spPr>
         <p:txBody>
-          <a:bodyPr vert="horz" wrap="square" lIns="91440" tIns="45720" rIns="91440" bIns="45720" numCol="1" anchor="t" anchorCtr="0" compatLnSpc="1">
+          <a:bodyPr vert="horz" wrap="square" lIns="91440" tIns="45720" rIns="91440" bIns="45720" anchor="t" anchorCtr="0">
             <a:prstTxWarp prst="textNoShape">
               <a:avLst/>
             </a:prstTxWarp>
           </a:bodyPr>
           <a:lstStyle/>
           <a:p>
+            <a:pPr lvl="0">
+              <a:defRPr/>
+            </a:pPr>
             <a:endParaRPr lang="ko-KR" altLang="en-US"/>
           </a:p>
         </p:txBody>
       </p:sp>
       <p:sp>
         <p:nvSpPr>
-          <p:cNvPr id="31" name="TextBox 30">
-            <a:extLst>
-              <a:ext uri="{FF2B5EF4-FFF2-40B4-BE49-F238E27FC236}">
-                <a16:creationId xmlns:a16="http://schemas.microsoft.com/office/drawing/2014/main" id="{123A40AC-F092-428C-8CA9-8A76B31D5614}"/>
-              </a:ext>
-            </a:extLst>
-          </p:cNvPr>
+          <p:cNvPr id="31" name="TextBox 30"/>
           <p:cNvSpPr txBox="1"/>
           <p:nvPr/>
         </p:nvSpPr>
@@ -40190,11 +40056,14 @@
           <a:noFill/>
         </p:spPr>
         <p:txBody>
-          <a:bodyPr wrap="square" lIns="0" tIns="0" rIns="0" bIns="0" rtlCol="0">
+          <a:bodyPr wrap="square" lIns="0" tIns="0" rIns="0" bIns="0">
             <a:spAutoFit/>
           </a:bodyPr>
           <a:lstStyle/>
           <a:p>
+            <a:pPr lvl="0">
+              <a:defRPr/>
+            </a:pPr>
             <a:r>
               <a:rPr lang="en-US" altLang="ko-KR">
                 <a:solidFill>
@@ -40203,10 +40072,10 @@
                     <a:lumOff val="25000"/>
                   </a:schemeClr>
                 </a:solidFill>
-                <a:latin typeface="나눔바른고딕" panose="020B0603020101020101" pitchFamily="50" charset="-127"/>
-                <a:ea typeface="나눔바른고딕" panose="020B0603020101020101" pitchFamily="50" charset="-127"/>
+                <a:latin typeface="나눔바른고딕"/>
+                <a:ea typeface="나눔바른고딕"/>
               </a:rPr>
-              <a:t>Tensorflow </a:t>
+              <a:t>Tensorflow</a:t>
             </a:r>
             <a:r>
               <a:rPr lang="ko-KR" altLang="en-US">
@@ -40216,10 +40085,10 @@
                     <a:lumOff val="25000"/>
                   </a:schemeClr>
                 </a:solidFill>
-                <a:latin typeface="나눔바른고딕" panose="020B0603020101020101" pitchFamily="50" charset="-127"/>
-                <a:ea typeface="나눔바른고딕" panose="020B0603020101020101" pitchFamily="50" charset="-127"/>
+                <a:latin typeface="나눔바른고딕"/>
+                <a:ea typeface="나눔바른고딕"/>
               </a:rPr>
-              <a:t>하에서 </a:t>
+              <a:t>를 이용해 </a:t>
             </a:r>
             <a:r>
               <a:rPr lang="en-US" altLang="ko-KR">
@@ -40229,8 +40098,8 @@
                     <a:lumOff val="25000"/>
                   </a:schemeClr>
                 </a:solidFill>
-                <a:latin typeface="나눔바른고딕" panose="020B0603020101020101" pitchFamily="50" charset="-127"/>
-                <a:ea typeface="나눔바른고딕" panose="020B0603020101020101" pitchFamily="50" charset="-127"/>
+                <a:latin typeface="나눔바른고딕"/>
+                <a:ea typeface="나눔바른고딕"/>
               </a:rPr>
               <a:t>MFCC</a:t>
             </a:r>
@@ -40242,10 +40111,10 @@
                     <a:lumOff val="25000"/>
                   </a:schemeClr>
                 </a:solidFill>
-                <a:latin typeface="나눔바른고딕" panose="020B0603020101020101" pitchFamily="50" charset="-127"/>
-                <a:ea typeface="나눔바른고딕" panose="020B0603020101020101" pitchFamily="50" charset="-127"/>
+                <a:latin typeface="나눔바른고딕"/>
+                <a:ea typeface="나눔바른고딕"/>
               </a:rPr>
-              <a:t>를 이용</a:t>
+              <a:t> 구현</a:t>
             </a:r>
             <a:r>
               <a:rPr lang="en-US" altLang="ko-KR">
@@ -40255,8 +40124,8 @@
                     <a:lumOff val="25000"/>
                   </a:schemeClr>
                 </a:solidFill>
-                <a:latin typeface="나눔바른고딕" panose="020B0603020101020101" pitchFamily="50" charset="-127"/>
-                <a:ea typeface="나눔바른고딕" panose="020B0603020101020101" pitchFamily="50" charset="-127"/>
+                <a:latin typeface="나눔바른고딕"/>
+                <a:ea typeface="나눔바른고딕"/>
               </a:rPr>
               <a:t>, DS-CNN </a:t>
             </a:r>
@@ -40268,29 +40137,33 @@
                     <a:lumOff val="25000"/>
                   </a:schemeClr>
                 </a:solidFill>
-                <a:latin typeface="나눔바른고딕" panose="020B0603020101020101" pitchFamily="50" charset="-127"/>
-                <a:ea typeface="나눔바른고딕" panose="020B0603020101020101" pitchFamily="50" charset="-127"/>
+                <a:latin typeface="나눔바른고딕"/>
+                <a:ea typeface="나눔바른고딕"/>
               </a:rPr>
               <a:t>모델 적용</a:t>
             </a:r>
+            <a:endParaRPr lang="ko-KR" altLang="en-US">
+              <a:solidFill>
+                <a:schemeClr val="tx1">
+                  <a:lumMod val="75000"/>
+                  <a:lumOff val="25000"/>
+                </a:schemeClr>
+              </a:solidFill>
+              <a:latin typeface="나눔바른고딕"/>
+              <a:ea typeface="나눔바른고딕"/>
+            </a:endParaRPr>
           </a:p>
         </p:txBody>
       </p:sp>
       <p:sp>
         <p:nvSpPr>
-          <p:cNvPr id="22" name="Freeform 57">
-            <a:extLst>
-              <a:ext uri="{FF2B5EF4-FFF2-40B4-BE49-F238E27FC236}">
-                <a16:creationId xmlns:a16="http://schemas.microsoft.com/office/drawing/2014/main" id="{3A4BB393-8F1F-4F54-B9D7-EB26292901C1}"/>
-              </a:ext>
-            </a:extLst>
-          </p:cNvPr>
+          <p:cNvPr id="22" name="Freeform 57"/>
           <p:cNvSpPr>
             <a:spLocks noEditPoints="1"/>
           </p:cNvSpPr>
           <p:nvPr/>
         </p:nvSpPr>
-        <p:spPr bwMode="auto">
+        <p:spPr>
           <a:xfrm>
             <a:off x="4198086" y="4709517"/>
             <a:ext cx="212531" cy="227669"/>
@@ -40415,7 +40288,6 @@
               <a:gd name="T114" fmla="*/ 320 w 3330"/>
               <a:gd name="T115" fmla="*/ 0 h 3429"/>
             </a:gdLst>
-            <a:ahLst/>
             <a:cxnLst>
               <a:cxn ang="0">
                 <a:pos x="T0" y="T1"/>
@@ -40949,43 +40821,38 @@
             </a:pathLst>
           </a:custGeom>
           <a:solidFill>
-            <a:srgbClr val="00C300"/>
+            <a:srgbClr val="00c300"/>
           </a:solidFill>
           <a:ln w="0">
             <a:noFill/>
             <a:prstDash val="solid"/>
             <a:round/>
-            <a:headEnd/>
-            <a:tailEnd/>
           </a:ln>
         </p:spPr>
         <p:txBody>
-          <a:bodyPr vert="horz" wrap="square" lIns="91440" tIns="45720" rIns="91440" bIns="45720" numCol="1" anchor="t" anchorCtr="0" compatLnSpc="1">
+          <a:bodyPr vert="horz" wrap="square" lIns="91440" tIns="45720" rIns="91440" bIns="45720" anchor="t" anchorCtr="0">
             <a:prstTxWarp prst="textNoShape">
               <a:avLst/>
             </a:prstTxWarp>
           </a:bodyPr>
           <a:lstStyle/>
           <a:p>
+            <a:pPr lvl="0">
+              <a:defRPr/>
+            </a:pPr>
             <a:endParaRPr lang="ko-KR" altLang="en-US"/>
           </a:p>
         </p:txBody>
       </p:sp>
       <p:sp>
         <p:nvSpPr>
-          <p:cNvPr id="24" name="Freeform 57">
-            <a:extLst>
-              <a:ext uri="{FF2B5EF4-FFF2-40B4-BE49-F238E27FC236}">
-                <a16:creationId xmlns:a16="http://schemas.microsoft.com/office/drawing/2014/main" id="{2470E318-716F-4797-B1C0-A57031155BF3}"/>
-              </a:ext>
-            </a:extLst>
-          </p:cNvPr>
+          <p:cNvPr id="24" name="Freeform 57"/>
           <p:cNvSpPr>
             <a:spLocks noEditPoints="1"/>
           </p:cNvSpPr>
           <p:nvPr/>
         </p:nvSpPr>
-        <p:spPr bwMode="auto">
+        <p:spPr>
           <a:xfrm>
             <a:off x="4187347" y="5504295"/>
             <a:ext cx="212531" cy="227669"/>
@@ -41110,7 +40977,6 @@
               <a:gd name="T114" fmla="*/ 320 w 3330"/>
               <a:gd name="T115" fmla="*/ 0 h 3429"/>
             </a:gdLst>
-            <a:ahLst/>
             <a:cxnLst>
               <a:cxn ang="0">
                 <a:pos x="T0" y="T1"/>
@@ -41644,37 +41510,32 @@
             </a:pathLst>
           </a:custGeom>
           <a:solidFill>
-            <a:srgbClr val="00C300"/>
+            <a:srgbClr val="00c300"/>
           </a:solidFill>
           <a:ln w="0">
             <a:noFill/>
             <a:prstDash val="solid"/>
             <a:round/>
-            <a:headEnd/>
-            <a:tailEnd/>
           </a:ln>
         </p:spPr>
         <p:txBody>
-          <a:bodyPr vert="horz" wrap="square" lIns="91440" tIns="45720" rIns="91440" bIns="45720" numCol="1" anchor="t" anchorCtr="0" compatLnSpc="1">
+          <a:bodyPr vert="horz" wrap="square" lIns="91440" tIns="45720" rIns="91440" bIns="45720" anchor="t" anchorCtr="0">
             <a:prstTxWarp prst="textNoShape">
               <a:avLst/>
             </a:prstTxWarp>
           </a:bodyPr>
           <a:lstStyle/>
           <a:p>
+            <a:pPr lvl="0">
+              <a:defRPr/>
+            </a:pPr>
             <a:endParaRPr lang="ko-KR" altLang="en-US"/>
           </a:p>
         </p:txBody>
       </p:sp>
       <p:sp>
         <p:nvSpPr>
-          <p:cNvPr id="25" name="TextBox 24">
-            <a:extLst>
-              <a:ext uri="{FF2B5EF4-FFF2-40B4-BE49-F238E27FC236}">
-                <a16:creationId xmlns:a16="http://schemas.microsoft.com/office/drawing/2014/main" id="{C6B49AB8-42FF-4212-9BF5-859FEBCB23F5}"/>
-              </a:ext>
-            </a:extLst>
-          </p:cNvPr>
+          <p:cNvPr id="25" name="TextBox 24"/>
           <p:cNvSpPr txBox="1"/>
           <p:nvPr/>
         </p:nvSpPr>
@@ -41689,11 +41550,14 @@
           <a:noFill/>
         </p:spPr>
         <p:txBody>
-          <a:bodyPr wrap="square" lIns="0" tIns="0" rIns="0" bIns="0" rtlCol="0">
+          <a:bodyPr wrap="square" lIns="0" tIns="0" rIns="0" bIns="0">
             <a:spAutoFit/>
           </a:bodyPr>
           <a:lstStyle/>
           <a:p>
+            <a:pPr lvl="0">
+              <a:defRPr/>
+            </a:pPr>
             <a:r>
               <a:rPr lang="en-US" altLang="ko-KR">
                 <a:solidFill>
@@ -41702,10 +41566,10 @@
                     <a:lumOff val="25000"/>
                   </a:schemeClr>
                 </a:solidFill>
-                <a:latin typeface="나눔바른고딕" panose="020B0603020101020101" pitchFamily="50" charset="-127"/>
-                <a:ea typeface="나눔바른고딕" panose="020B0603020101020101" pitchFamily="50" charset="-127"/>
+                <a:latin typeface="나눔바른고딕"/>
+                <a:ea typeface="나눔바른고딕"/>
               </a:rPr>
-              <a:t>Raspberry Pi </a:t>
+              <a:t>Raspberry Pi</a:t>
             </a:r>
             <a:r>
               <a:rPr lang="ko-KR" altLang="en-US">
@@ -41715,23 +41579,27 @@
                     <a:lumOff val="25000"/>
                   </a:schemeClr>
                 </a:solidFill>
-                <a:latin typeface="나눔바른고딕" panose="020B0603020101020101" pitchFamily="50" charset="-127"/>
-                <a:ea typeface="나눔바른고딕" panose="020B0603020101020101" pitchFamily="50" charset="-127"/>
+                <a:latin typeface="나눔바른고딕"/>
+                <a:ea typeface="나눔바른고딕"/>
               </a:rPr>
-              <a:t>환경 적용으로 임베디드 기기에 모델 적용</a:t>
+              <a:t>를 사용해 임베디드 기기에 모델 적용</a:t>
             </a:r>
+            <a:endParaRPr lang="ko-KR" altLang="en-US">
+              <a:solidFill>
+                <a:schemeClr val="tx1">
+                  <a:lumMod val="75000"/>
+                  <a:lumOff val="25000"/>
+                </a:schemeClr>
+              </a:solidFill>
+              <a:latin typeface="나눔바른고딕"/>
+              <a:ea typeface="나눔바른고딕"/>
+            </a:endParaRPr>
           </a:p>
         </p:txBody>
       </p:sp>
       <p:sp>
         <p:nvSpPr>
-          <p:cNvPr id="26" name="TextBox 25">
-            <a:extLst>
-              <a:ext uri="{FF2B5EF4-FFF2-40B4-BE49-F238E27FC236}">
-                <a16:creationId xmlns:a16="http://schemas.microsoft.com/office/drawing/2014/main" id="{1686CE9E-A90B-46B5-8E76-62D3B274C062}"/>
-              </a:ext>
-            </a:extLst>
-          </p:cNvPr>
+          <p:cNvPr id="26" name="TextBox 25"/>
           <p:cNvSpPr txBox="1"/>
           <p:nvPr/>
         </p:nvSpPr>
@@ -41746,11 +41614,14 @@
           <a:noFill/>
         </p:spPr>
         <p:txBody>
-          <a:bodyPr wrap="square" lIns="0" tIns="0" rIns="0" bIns="0" rtlCol="0">
+          <a:bodyPr wrap="square" lIns="0" tIns="0" rIns="0" bIns="0">
             <a:spAutoFit/>
           </a:bodyPr>
           <a:lstStyle/>
           <a:p>
+            <a:pPr lvl="0">
+              <a:defRPr/>
+            </a:pPr>
             <a:r>
               <a:rPr lang="ko-KR" altLang="en-US">
                 <a:solidFill>
@@ -41759,76 +41630,89 @@
                     <a:lumOff val="25000"/>
                   </a:schemeClr>
                 </a:solidFill>
-                <a:latin typeface="나눔바른고딕" panose="020B0603020101020101" pitchFamily="50" charset="-127"/>
-                <a:ea typeface="나눔바른고딕" panose="020B0603020101020101" pitchFamily="50" charset="-127"/>
+                <a:latin typeface="나눔바른고딕"/>
+                <a:ea typeface="나눔바른고딕"/>
               </a:rPr>
               <a:t>최종적으로 소음 내성을 가진 학습 모델 제작 </a:t>
             </a:r>
+            <a:endParaRPr lang="ko-KR" altLang="en-US">
+              <a:solidFill>
+                <a:schemeClr val="tx1">
+                  <a:lumMod val="75000"/>
+                  <a:lumOff val="25000"/>
+                </a:schemeClr>
+              </a:solidFill>
+              <a:latin typeface="나눔바른고딕"/>
+              <a:ea typeface="나눔바른고딕"/>
+            </a:endParaRPr>
           </a:p>
         </p:txBody>
       </p:sp>
     </p:spTree>
-    <p:extLst>
-      <p:ext uri="{BB962C8B-B14F-4D97-AF65-F5344CB8AC3E}">
-        <p14:creationId xmlns:p14="http://schemas.microsoft.com/office/powerpoint/2010/main" val="3598197442"/>
-      </p:ext>
-    </p:extLst>
   </p:cSld>
   <p:clrMapOvr>
     <a:masterClrMapping/>
   </p:clrMapOvr>
+  <mc:AlternateContent xmlns:mc="http://schemas.openxmlformats.org/markup-compatibility/2006">
+    <mc:Choice xmlns:p14="http://schemas.microsoft.com/office/powerpoint/2010/main" Requires="p14">
+      <p:transition xmlns:mc="http://schemas.openxmlformats.org/markup-compatibility/2006" xmlns:p14="http://schemas.microsoft.com/office/powerpoint/2010/main" mc:Ignorable="p14" p14:dur="500"/>
+    </mc:Choice>
+    <mc:Fallback>
+      <p:transition/>
+    </mc:Fallback>
+  </mc:AlternateContent>
 </p:sld>
 </file>
 
 <file path=ppt/theme/theme1.xml><?xml version="1.0" encoding="utf-8"?>
-<a:theme xmlns:a="http://schemas.openxmlformats.org/drawingml/2006/main" name="Office 테마">
+<a:theme xmlns:r="http://schemas.openxmlformats.org/officeDocument/2006/relationships" xmlns:c="http://schemas.openxmlformats.org/drawingml/2006/chart" xmlns:dgm="http://schemas.openxmlformats.org/drawingml/2006/diagram" xmlns:dsp="http://schemas.microsoft.com/office/drawing/2008/diagram" xmlns:a="http://schemas.openxmlformats.org/drawingml/2006/main" xmlns:pic="http://schemas.openxmlformats.org/drawingml/2006/picture" xmlns:wp="http://schemas.openxmlformats.org/drawingml/2006/wordprocessingDrawing" xmlns:xdr="http://schemas.openxmlformats.org/drawingml/2006/spreadsheetDrawing" xmlns:p="http://schemas.openxmlformats.org/presentationml/2006/main" name="Office 테마">
   <a:themeElements>
     <a:clrScheme name="Office">
       <a:dk1>
         <a:sysClr val="windowText" lastClr="000000"/>
       </a:dk1>
       <a:lt1>
-        <a:sysClr val="window" lastClr="FFFFFF"/>
+        <a:sysClr val="window" lastClr="ffffff"/>
       </a:lt1>
       <a:dk2>
-        <a:srgbClr val="44546A"/>
+        <a:srgbClr val="44546a"/>
       </a:dk2>
       <a:lt2>
-        <a:srgbClr val="E7E6E6"/>
+        <a:srgbClr val="e7e6e6"/>
       </a:lt2>
       <a:accent1>
-        <a:srgbClr val="5B9BD5"/>
+        <a:srgbClr val="5b9bd5"/>
       </a:accent1>
       <a:accent2>
-        <a:srgbClr val="ED7D31"/>
+        <a:srgbClr val="ed7d31"/>
       </a:accent2>
       <a:accent3>
-        <a:srgbClr val="A5A5A5"/>
+        <a:srgbClr val="a5a5a5"/>
       </a:accent3>
       <a:accent4>
-        <a:srgbClr val="FFC000"/>
+        <a:srgbClr val="ffc000"/>
       </a:accent4>
       <a:accent5>
-        <a:srgbClr val="4472C4"/>
+        <a:srgbClr val="4472c4"/>
       </a:accent5>
       <a:accent6>
-        <a:srgbClr val="70AD47"/>
+        <a:srgbClr val="70ad47"/>
       </a:accent6>
       <a:hlink>
-        <a:srgbClr val="0563C1"/>
+        <a:srgbClr val="0563c1"/>
       </a:hlink>
       <a:folHlink>
-        <a:srgbClr val="954F72"/>
+        <a:srgbClr val="954f72"/>
       </a:folHlink>
     </a:clrScheme>
     <a:fontScheme name="Office">
       <a:majorFont>
-        <a:latin typeface="맑은 고딕" panose="020F0302020204030204"/>
+        <a:latin typeface="맑은 고딕" panose="20"/>
         <a:ea typeface=""/>
         <a:cs typeface=""/>
-        <a:font script="Jpan" typeface="ＭＳ Ｐゴシック"/>
+        <a:font script="Jpan" typeface="MS PGothic"/>
         <a:font script="Hang" typeface="맑은 고딕"/>
-        <a:font script="Hans" typeface="宋体"/>
+        <a:font script="Hans" typeface="SimSun"/>
         <a:font script="Hant" typeface="新細明體"/>
         <a:font script="Arab" typeface="Times New Roman"/>
         <a:font script="Hebr" typeface="Times New Roman"/>
@@ -41858,12 +41742,12 @@
         <a:font script="Geor" typeface="Sylfaen"/>
       </a:majorFont>
       <a:minorFont>
-        <a:latin typeface="맑은 고딕" panose="020F0502020204030204"/>
+        <a:latin typeface="맑은 고딕" panose="20"/>
         <a:ea typeface=""/>
         <a:cs typeface=""/>
-        <a:font script="Jpan" typeface="ＭＳ Ｐゴシック"/>
+        <a:font script="Jpan" typeface="MS PGothic"/>
         <a:font script="Hang" typeface="맑은 고딕"/>
-        <a:font script="Hans" typeface="宋体"/>
+        <a:font script="Hans" typeface="SimSun"/>
         <a:font script="Hant" typeface="新細明體"/>
         <a:font script="Arab" typeface="Arial"/>
         <a:font script="Hebr" typeface="Arial"/>
@@ -41957,21 +41841,21 @@
             <a:schemeClr val="phClr"/>
           </a:solidFill>
           <a:prstDash val="solid"/>
-          <a:miter lim="800000"/>
+          <a:miter/>
         </a:ln>
         <a:ln w="12700" cap="flat" cmpd="sng" algn="ctr">
           <a:solidFill>
             <a:schemeClr val="phClr"/>
           </a:solidFill>
           <a:prstDash val="solid"/>
-          <a:miter lim="800000"/>
+          <a:miter/>
         </a:ln>
         <a:ln w="19050" cap="flat" cmpd="sng" algn="ctr">
           <a:solidFill>
             <a:schemeClr val="phClr"/>
           </a:solidFill>
           <a:prstDash val="solid"/>
-          <a:miter lim="800000"/>
+          <a:miter/>
         </a:ln>
       </a:lnStyleLst>
       <a:effectStyleLst>
@@ -42031,12 +41915,5 @@
       </a:bgFillStyleLst>
     </a:fmtScheme>
   </a:themeElements>
-  <a:objectDefaults/>
-  <a:extraClrSchemeLst/>
-  <a:extLst>
-    <a:ext uri="{05A4C25C-085E-4340-85A3-A5531E510DB2}">
-      <thm15:themeFamily xmlns:thm15="http://schemas.microsoft.com/office/thememl/2012/main" name="Office Theme" id="{62F939B6-93AF-4DB8-9C6B-D6C7DFDC589F}" vid="{4A3C46E8-61CC-4603-A589-7422A47A8E4A}"/>
-    </a:ext>
-  </a:extLst>
 </a:theme>
 </file>
--- a/2021_졸업과제_1번째_진행보고.pptx
+++ b/2021_졸업과제_1번째_진행보고.pptx
@@ -2,7 +2,7 @@
 <file path=ppt/presentation.xml><?xml version="1.0" encoding="utf-8"?>
 <p:presentation xmlns:r="http://schemas.openxmlformats.org/officeDocument/2006/relationships" xmlns:c="http://schemas.openxmlformats.org/drawingml/2006/chart" xmlns:a="http://schemas.openxmlformats.org/drawingml/2006/main" xmlns:dgm="http://schemas.openxmlformats.org/drawingml/2006/diagram" xmlns:dsp="http://schemas.microsoft.com/office/drawing/2008/diagram" xmlns:p="http://schemas.openxmlformats.org/presentationml/2006/main" embedTrueTypeFonts="1">
   <p:sldMasterIdLst>
-    <p:sldMasterId id="2147483661" r:id="rId1"/>
+    <p:sldMasterId id="2147483662" r:id="rId1"/>
   </p:sldMasterIdLst>
   <p:sldIdLst>
     <p:sldId id="256" r:id="rId2"/>
@@ -33303,7 +33303,7 @@
 </file>
 
 <file path=ppt/slides/slide8.xml><?xml version="1.0" encoding="utf-8"?>
-<p:sld xmlns:a="http://schemas.openxmlformats.org/drawingml/2006/main" xmlns:r="http://schemas.openxmlformats.org/officeDocument/2006/relationships" xmlns:p="http://schemas.openxmlformats.org/presentationml/2006/main">
+<p:sld xmlns:r="http://schemas.openxmlformats.org/officeDocument/2006/relationships" xmlns:c="http://schemas.openxmlformats.org/drawingml/2006/chart" xmlns:a="http://schemas.openxmlformats.org/drawingml/2006/main" xmlns:dgm="http://schemas.openxmlformats.org/drawingml/2006/diagram" xmlns:dsp="http://schemas.microsoft.com/office/drawing/2008/diagram" xmlns:p="http://schemas.openxmlformats.org/presentationml/2006/main">
   <p:cSld>
     <p:spTree>
       <p:nvGrpSpPr>
@@ -33321,18 +33321,12 @@
       </p:grpSpPr>
       <p:grpSp>
         <p:nvGrpSpPr>
-          <p:cNvPr id="92" name="그룹 91">
-            <a:extLst>
-              <a:ext uri="{FF2B5EF4-FFF2-40B4-BE49-F238E27FC236}">
-                <a16:creationId xmlns:a16="http://schemas.microsoft.com/office/drawing/2014/main" id="{417ECB2C-18CD-481D-9D4B-8E422723A71A}"/>
-              </a:ext>
-            </a:extLst>
-          </p:cNvPr>
+          <p:cNvPr id="92" name="그룹 91"/>
           <p:cNvGrpSpPr/>
           <p:nvPr/>
         </p:nvGrpSpPr>
         <p:grpSpPr>
-          <a:xfrm>
+          <a:xfrm rot="0">
             <a:off x="4145827" y="1466561"/>
             <a:ext cx="682207" cy="682206"/>
             <a:chOff x="6270029" y="3755207"/>
@@ -33341,13 +33335,7 @@
         </p:grpSpPr>
         <p:sp>
           <p:nvSpPr>
-            <p:cNvPr id="93" name="타원 92">
-              <a:extLst>
-                <a:ext uri="{FF2B5EF4-FFF2-40B4-BE49-F238E27FC236}">
-                  <a16:creationId xmlns:a16="http://schemas.microsoft.com/office/drawing/2014/main" id="{B9A744AC-478A-4360-9860-1D8EAA628E03}"/>
-                </a:ext>
-              </a:extLst>
-            </p:cNvPr>
+            <p:cNvPr id="93" name="타원 92"/>
             <p:cNvSpPr/>
             <p:nvPr/>
           </p:nvSpPr>
@@ -33387,54 +33375,42 @@
             </a:fontRef>
           </p:style>
           <p:txBody>
-            <a:bodyPr rtlCol="0" anchor="ctr"/>
+            <a:bodyPr anchor="ctr"/>
             <a:lstStyle/>
             <a:p>
-              <a:pPr algn="ctr"/>
+              <a:pPr algn="ctr">
+                <a:defRPr/>
+              </a:pPr>
               <a:endParaRPr lang="ko-KR" altLang="en-US" sz="1200"/>
             </a:p>
           </p:txBody>
         </p:sp>
         <p:grpSp>
           <p:nvGrpSpPr>
-            <p:cNvPr id="94" name="Group 5">
-              <a:extLst>
-                <a:ext uri="{FF2B5EF4-FFF2-40B4-BE49-F238E27FC236}">
-                  <a16:creationId xmlns:a16="http://schemas.microsoft.com/office/drawing/2014/main" id="{0BFA70A8-129E-461E-8E6E-0CB139372E1D}"/>
-                </a:ext>
-              </a:extLst>
-            </p:cNvPr>
+            <p:cNvPr id="94" name="Group 5"/>
             <p:cNvGrpSpPr>
               <a:grpSpLocks noChangeAspect="1"/>
             </p:cNvGrpSpPr>
             <p:nvPr/>
           </p:nvGrpSpPr>
-          <p:grpSpPr bwMode="auto">
-            <a:xfrm>
+          <p:grpSpPr>
+            <a:xfrm rot="0">
               <a:off x="6477020" y="3938852"/>
               <a:ext cx="314080" cy="328258"/>
               <a:chOff x="1239" y="1735"/>
               <a:chExt cx="288" cy="301"/>
             </a:xfrm>
             <a:solidFill>
-              <a:srgbClr val="00C300"/>
+              <a:srgbClr val="00c300"/>
             </a:solidFill>
           </p:grpSpPr>
           <p:sp>
             <p:nvSpPr>
-              <p:cNvPr id="95" name="Freeform 7">
-                <a:extLst>
-                  <a:ext uri="{FF2B5EF4-FFF2-40B4-BE49-F238E27FC236}">
-                    <a16:creationId xmlns:a16="http://schemas.microsoft.com/office/drawing/2014/main" id="{26E3EC45-1472-450E-AC46-797D440AAFBA}"/>
-                  </a:ext>
-                </a:extLst>
-              </p:cNvPr>
-              <p:cNvSpPr>
-                <a:spLocks/>
-              </p:cNvSpPr>
+              <p:cNvPr id="95" name="Freeform 7"/>
+              <p:cNvSpPr/>
               <p:nvPr/>
             </p:nvSpPr>
-            <p:spPr bwMode="auto">
+            <p:spPr>
               <a:xfrm>
                 <a:off x="1239" y="1735"/>
                 <a:ext cx="238" cy="280"/>
@@ -33519,7 +33495,6 @@
                   <a:gd name="T74" fmla="*/ 180 w 2621"/>
                   <a:gd name="T75" fmla="*/ 0 h 3074"/>
                 </a:gdLst>
-                <a:ahLst/>
                 <a:cxnLst>
                   <a:cxn ang="0">
                     <a:pos x="T0" y="T1"/>
@@ -33762,37 +33737,30 @@
                 <a:noFill/>
                 <a:prstDash val="solid"/>
                 <a:round/>
-                <a:headEnd/>
-                <a:tailEnd/>
               </a:ln>
             </p:spPr>
             <p:txBody>
-              <a:bodyPr vert="horz" wrap="square" lIns="91440" tIns="45720" rIns="91440" bIns="45720" numCol="1" anchor="t" anchorCtr="0" compatLnSpc="1">
+              <a:bodyPr vert="horz" wrap="square" lIns="91440" tIns="45720" rIns="91440" bIns="45720" anchor="t" anchorCtr="0">
                 <a:prstTxWarp prst="textNoShape">
                   <a:avLst/>
                 </a:prstTxWarp>
               </a:bodyPr>
               <a:lstStyle/>
               <a:p>
+                <a:pPr lvl="0">
+                  <a:defRPr/>
+                </a:pPr>
                 <a:endParaRPr lang="ko-KR" altLang="en-US" sz="1200"/>
               </a:p>
             </p:txBody>
           </p:sp>
           <p:sp>
             <p:nvSpPr>
-              <p:cNvPr id="96" name="Freeform 8">
-                <a:extLst>
-                  <a:ext uri="{FF2B5EF4-FFF2-40B4-BE49-F238E27FC236}">
-                    <a16:creationId xmlns:a16="http://schemas.microsoft.com/office/drawing/2014/main" id="{89B675D5-E3EC-409F-86AA-6EE16C3BC65E}"/>
-                  </a:ext>
-                </a:extLst>
-              </p:cNvPr>
-              <p:cNvSpPr>
-                <a:spLocks/>
-              </p:cNvSpPr>
+              <p:cNvPr id="96" name="Freeform 8"/>
+              <p:cNvSpPr/>
               <p:nvPr/>
             </p:nvSpPr>
-            <p:spPr bwMode="auto">
+            <p:spPr>
               <a:xfrm>
                 <a:off x="1376" y="1910"/>
                 <a:ext cx="151" cy="126"/>
@@ -33877,7 +33845,6 @@
                   <a:gd name="T74" fmla="*/ 1580 w 1668"/>
                   <a:gd name="T75" fmla="*/ 0 h 1391"/>
                 </a:gdLst>
-                <a:ahLst/>
                 <a:cxnLst>
                   <a:cxn ang="0">
                     <a:pos x="T0" y="T1"/>
@@ -34120,37 +34087,30 @@
                 <a:noFill/>
                 <a:prstDash val="solid"/>
                 <a:round/>
-                <a:headEnd/>
-                <a:tailEnd/>
               </a:ln>
             </p:spPr>
             <p:txBody>
-              <a:bodyPr vert="horz" wrap="square" lIns="91440" tIns="45720" rIns="91440" bIns="45720" numCol="1" anchor="t" anchorCtr="0" compatLnSpc="1">
+              <a:bodyPr vert="horz" wrap="square" lIns="91440" tIns="45720" rIns="91440" bIns="45720" anchor="t" anchorCtr="0">
                 <a:prstTxWarp prst="textNoShape">
                   <a:avLst/>
                 </a:prstTxWarp>
               </a:bodyPr>
               <a:lstStyle/>
               <a:p>
+                <a:pPr lvl="0">
+                  <a:defRPr/>
+                </a:pPr>
                 <a:endParaRPr lang="ko-KR" altLang="en-US" sz="1200"/>
               </a:p>
             </p:txBody>
           </p:sp>
           <p:sp>
             <p:nvSpPr>
-              <p:cNvPr id="98" name="Freeform 9">
-                <a:extLst>
-                  <a:ext uri="{FF2B5EF4-FFF2-40B4-BE49-F238E27FC236}">
-                    <a16:creationId xmlns:a16="http://schemas.microsoft.com/office/drawing/2014/main" id="{C683E59B-CC65-4B4B-B704-6306C4B0981E}"/>
-                  </a:ext>
-                </a:extLst>
-              </p:cNvPr>
-              <p:cNvSpPr>
-                <a:spLocks/>
-              </p:cNvSpPr>
+              <p:cNvPr id="98" name="Freeform 9"/>
+              <p:cNvSpPr/>
               <p:nvPr/>
             </p:nvSpPr>
-            <p:spPr bwMode="auto">
+            <p:spPr>
               <a:xfrm>
                 <a:off x="1292" y="1793"/>
                 <a:ext cx="132" cy="33"/>
@@ -34237,7 +34197,6 @@
                   <a:gd name="T76" fmla="*/ 180 w 1446"/>
                   <a:gd name="T77" fmla="*/ 0 h 362"/>
                 </a:gdLst>
-                <a:ahLst/>
                 <a:cxnLst>
                   <a:cxn ang="0">
                     <a:pos x="T0" y="T1"/>
@@ -34486,37 +34445,30 @@
                 <a:noFill/>
                 <a:prstDash val="solid"/>
                 <a:round/>
-                <a:headEnd/>
-                <a:tailEnd/>
               </a:ln>
             </p:spPr>
             <p:txBody>
-              <a:bodyPr vert="horz" wrap="square" lIns="91440" tIns="45720" rIns="91440" bIns="45720" numCol="1" anchor="t" anchorCtr="0" compatLnSpc="1">
+              <a:bodyPr vert="horz" wrap="square" lIns="91440" tIns="45720" rIns="91440" bIns="45720" anchor="t" anchorCtr="0">
                 <a:prstTxWarp prst="textNoShape">
                   <a:avLst/>
                 </a:prstTxWarp>
               </a:bodyPr>
               <a:lstStyle/>
               <a:p>
+                <a:pPr lvl="0">
+                  <a:defRPr/>
+                </a:pPr>
                 <a:endParaRPr lang="ko-KR" altLang="en-US" sz="1200"/>
               </a:p>
             </p:txBody>
           </p:sp>
           <p:sp>
             <p:nvSpPr>
-              <p:cNvPr id="99" name="Freeform 10">
-                <a:extLst>
-                  <a:ext uri="{FF2B5EF4-FFF2-40B4-BE49-F238E27FC236}">
-                    <a16:creationId xmlns:a16="http://schemas.microsoft.com/office/drawing/2014/main" id="{09831800-E439-4CDC-8439-7D7B5877DD81}"/>
-                  </a:ext>
-                </a:extLst>
-              </p:cNvPr>
-              <p:cNvSpPr>
-                <a:spLocks/>
-              </p:cNvSpPr>
+              <p:cNvPr id="99" name="Freeform 10"/>
+              <p:cNvSpPr/>
               <p:nvPr/>
             </p:nvSpPr>
-            <p:spPr bwMode="auto">
+            <p:spPr>
               <a:xfrm>
                 <a:off x="1292" y="1842"/>
                 <a:ext cx="132" cy="33"/>
@@ -34603,7 +34555,6 @@
                   <a:gd name="T76" fmla="*/ 180 w 1446"/>
                   <a:gd name="T77" fmla="*/ 0 h 360"/>
                 </a:gdLst>
-                <a:ahLst/>
                 <a:cxnLst>
                   <a:cxn ang="0">
                     <a:pos x="T0" y="T1"/>
@@ -34852,37 +34803,30 @@
                 <a:noFill/>
                 <a:prstDash val="solid"/>
                 <a:round/>
-                <a:headEnd/>
-                <a:tailEnd/>
               </a:ln>
             </p:spPr>
             <p:txBody>
-              <a:bodyPr vert="horz" wrap="square" lIns="91440" tIns="45720" rIns="91440" bIns="45720" numCol="1" anchor="t" anchorCtr="0" compatLnSpc="1">
+              <a:bodyPr vert="horz" wrap="square" lIns="91440" tIns="45720" rIns="91440" bIns="45720" anchor="t" anchorCtr="0">
                 <a:prstTxWarp prst="textNoShape">
                   <a:avLst/>
                 </a:prstTxWarp>
               </a:bodyPr>
               <a:lstStyle/>
               <a:p>
+                <a:pPr lvl="0">
+                  <a:defRPr/>
+                </a:pPr>
                 <a:endParaRPr lang="ko-KR" altLang="en-US" sz="1200"/>
               </a:p>
             </p:txBody>
           </p:sp>
           <p:sp>
             <p:nvSpPr>
-              <p:cNvPr id="100" name="Freeform 11">
-                <a:extLst>
-                  <a:ext uri="{FF2B5EF4-FFF2-40B4-BE49-F238E27FC236}">
-                    <a16:creationId xmlns:a16="http://schemas.microsoft.com/office/drawing/2014/main" id="{398212E6-C94F-4C15-80DD-7E7F4EFDF41A}"/>
-                  </a:ext>
-                </a:extLst>
-              </p:cNvPr>
-              <p:cNvSpPr>
-                <a:spLocks/>
-              </p:cNvSpPr>
+              <p:cNvPr id="100" name="Freeform 11"/>
+              <p:cNvSpPr/>
               <p:nvPr/>
             </p:nvSpPr>
-            <p:spPr bwMode="auto">
+            <p:spPr>
               <a:xfrm>
                 <a:off x="1292" y="1891"/>
                 <a:ext cx="132" cy="33"/>
@@ -34969,7 +34913,6 @@
                   <a:gd name="T76" fmla="*/ 180 w 1446"/>
                   <a:gd name="T77" fmla="*/ 0 h 362"/>
                 </a:gdLst>
-                <a:ahLst/>
                 <a:cxnLst>
                   <a:cxn ang="0">
                     <a:pos x="T0" y="T1"/>
@@ -35218,18 +35161,19 @@
                 <a:noFill/>
                 <a:prstDash val="solid"/>
                 <a:round/>
-                <a:headEnd/>
-                <a:tailEnd/>
               </a:ln>
             </p:spPr>
             <p:txBody>
-              <a:bodyPr vert="horz" wrap="square" lIns="91440" tIns="45720" rIns="91440" bIns="45720" numCol="1" anchor="t" anchorCtr="0" compatLnSpc="1">
+              <a:bodyPr vert="horz" wrap="square" lIns="91440" tIns="45720" rIns="91440" bIns="45720" anchor="t" anchorCtr="0">
                 <a:prstTxWarp prst="textNoShape">
                   <a:avLst/>
                 </a:prstTxWarp>
               </a:bodyPr>
               <a:lstStyle/>
               <a:p>
+                <a:pPr lvl="0">
+                  <a:defRPr/>
+                </a:pPr>
                 <a:endParaRPr lang="ko-KR" altLang="en-US" sz="1200"/>
               </a:p>
             </p:txBody>
@@ -35245,7 +35189,7 @@
         <p:spPr>
           <a:xfrm>
             <a:off x="1061674" y="2657823"/>
-            <a:ext cx="1704773" cy="366254"/>
+            <a:ext cx="1704773" cy="342552"/>
           </a:xfrm>
           <a:prstGeom prst="rect">
             <a:avLst/>
@@ -35253,7 +35197,7 @@
           <a:noFill/>
         </p:spPr>
         <p:txBody>
-          <a:bodyPr wrap="square" lIns="0" tIns="0" rIns="0" bIns="0" rtlCol="0">
+          <a:bodyPr wrap="square" lIns="0" tIns="0" rIns="0" bIns="0">
             <a:spAutoFit/>
           </a:bodyPr>
           <a:lstStyle/>
@@ -35262,17 +35206,25 @@
               <a:lnSpc>
                 <a:spcPct val="80000"/>
               </a:lnSpc>
+              <a:defRPr/>
             </a:pPr>
             <a:r>
-              <a:rPr lang="ko-KR" altLang="en-US" sz="2800" spc="-100">
+              <a:rPr lang="ko-KR" altLang="en-US" sz="2800" b="0" spc="-100">
                 <a:solidFill>
                   <a:schemeClr val="bg1"/>
                 </a:solidFill>
-                <a:latin typeface="나눔바른고딕" panose="020B0603020101020101" pitchFamily="50" charset="-127"/>
-                <a:ea typeface="나눔바른고딕" panose="020B0603020101020101" pitchFamily="50" charset="-127"/>
+                <a:latin typeface="나눔바른고딕"/>
+                <a:ea typeface="나눔바른고딕"/>
               </a:rPr>
               <a:t>결과 보고</a:t>
             </a:r>
+            <a:endParaRPr lang="ko-KR" altLang="en-US" sz="2800" b="0" spc="-100">
+              <a:solidFill>
+                <a:schemeClr val="bg1"/>
+              </a:solidFill>
+              <a:latin typeface="나눔바른고딕"/>
+              <a:ea typeface="나눔바른고딕"/>
+            </a:endParaRPr>
           </a:p>
         </p:txBody>
       </p:sp>
@@ -35293,19 +35245,21 @@
           <a:noFill/>
         </p:spPr>
         <p:txBody>
-          <a:bodyPr wrap="square" lIns="0" tIns="0" rIns="0" bIns="0" rtlCol="0">
+          <a:bodyPr wrap="square" lIns="0" tIns="0" rIns="0" bIns="0">
             <a:spAutoFit/>
           </a:bodyPr>
           <a:lstStyle/>
           <a:p>
-            <a:pPr algn="r"/>
+            <a:pPr algn="r">
+              <a:defRPr/>
+            </a:pPr>
             <a:r>
               <a:rPr lang="en-US" altLang="ko-KR" sz="1400">
                 <a:solidFill>
                   <a:srgbClr val="009933"/>
                 </a:solidFill>
-                <a:latin typeface="나눔바른고딕" panose="020B0603020101020101" pitchFamily="50" charset="-127"/>
-                <a:ea typeface="나눔바른고딕" panose="020B0603020101020101" pitchFamily="50" charset="-127"/>
+                <a:latin typeface="나눔바른고딕"/>
+                <a:ea typeface="나눔바른고딕"/>
               </a:rPr>
               <a:t>PNU CSE 2021 Graduation</a:t>
             </a:r>
@@ -35314,8 +35268,8 @@
                 <a:solidFill>
                   <a:srgbClr val="009933"/>
                 </a:solidFill>
-                <a:latin typeface="나눔바른고딕" panose="020B0603020101020101" pitchFamily="50" charset="-127"/>
-                <a:ea typeface="나눔바른고딕" panose="020B0603020101020101" pitchFamily="50" charset="-127"/>
+                <a:latin typeface="나눔바른고딕"/>
+                <a:ea typeface="나눔바른고딕"/>
               </a:rPr>
               <a:t> </a:t>
             </a:r>
@@ -35324,8 +35278,8 @@
                 <a:solidFill>
                   <a:srgbClr val="009933"/>
                 </a:solidFill>
-                <a:latin typeface="나눔바른고딕" panose="020B0603020101020101" pitchFamily="50" charset="-127"/>
-                <a:ea typeface="나눔바른고딕" panose="020B0603020101020101" pitchFamily="50" charset="-127"/>
+                <a:latin typeface="나눔바른고딕"/>
+                <a:ea typeface="나눔바른고딕"/>
               </a:rPr>
               <a:t>Project</a:t>
             </a:r>
@@ -35333,8 +35287,8 @@
               <a:solidFill>
                 <a:srgbClr val="009933"/>
               </a:solidFill>
-              <a:latin typeface="나눔바른고딕" panose="020B0603020101020101" pitchFamily="50" charset="-127"/>
-              <a:ea typeface="나눔바른고딕" panose="020B0603020101020101" pitchFamily="50" charset="-127"/>
+              <a:latin typeface="나눔바른고딕"/>
+              <a:ea typeface="나눔바른고딕"/>
             </a:endParaRPr>
           </a:p>
         </p:txBody>
@@ -35356,46 +35310,52 @@
           <a:noFill/>
         </p:spPr>
         <p:txBody>
-          <a:bodyPr wrap="square" lIns="0" tIns="0" rIns="0" bIns="0" rtlCol="0">
+          <a:bodyPr wrap="square" lIns="0" tIns="0" rIns="0" bIns="0">
             <a:spAutoFit/>
           </a:bodyPr>
           <a:lstStyle/>
           <a:p>
+            <a:pPr lvl="0">
+              <a:defRPr/>
+            </a:pPr>
             <a:endParaRPr lang="en-US" altLang="ko-KR" sz="1500">
               <a:solidFill>
                 <a:srgbClr val="686868"/>
               </a:solidFill>
-              <a:latin typeface="나눔바른고딕" panose="020B0603020101020101" pitchFamily="50" charset="-127"/>
-              <a:ea typeface="나눔바른고딕" panose="020B0603020101020101" pitchFamily="50" charset="-127"/>
+              <a:latin typeface="나눔바른고딕"/>
+              <a:ea typeface="나눔바른고딕"/>
             </a:endParaRPr>
           </a:p>
           <a:p>
+            <a:pPr lvl="0">
+              <a:defRPr/>
+            </a:pPr>
             <a:r>
               <a:rPr lang="en-US" altLang="ko-KR" sz="1500">
                 <a:solidFill>
-                  <a:srgbClr val="00C300"/>
+                  <a:srgbClr val="00c300"/>
                 </a:solidFill>
-                <a:latin typeface="나눔바른고딕" panose="020B0603020101020101" pitchFamily="50" charset="-127"/>
-                <a:ea typeface="나눔바른고딕" panose="020B0603020101020101" pitchFamily="50" charset="-127"/>
+                <a:latin typeface="나눔바른고딕"/>
+                <a:ea typeface="나눔바른고딕"/>
               </a:rPr>
               <a:t>Cloud STT API</a:t>
             </a:r>
             <a:r>
               <a:rPr lang="ko-KR" altLang="en-US" sz="1500">
                 <a:solidFill>
-                  <a:srgbClr val="00C300"/>
+                  <a:srgbClr val="00c300"/>
                 </a:solidFill>
-                <a:latin typeface="나눔바른고딕" panose="020B0603020101020101" pitchFamily="50" charset="-127"/>
-                <a:ea typeface="나눔바른고딕" panose="020B0603020101020101" pitchFamily="50" charset="-127"/>
+                <a:latin typeface="나눔바른고딕"/>
+                <a:ea typeface="나눔바른고딕"/>
               </a:rPr>
               <a:t>를 통한 음성인식 결과 보고</a:t>
             </a:r>
             <a:endParaRPr lang="en-US" altLang="ko-KR" sz="1500">
               <a:solidFill>
-                <a:srgbClr val="00C300"/>
+                <a:srgbClr val="00c300"/>
               </a:solidFill>
-              <a:latin typeface="나눔바른고딕" panose="020B0603020101020101" pitchFamily="50" charset="-127"/>
-              <a:ea typeface="나눔바른고딕" panose="020B0603020101020101" pitchFamily="50" charset="-127"/>
+              <a:latin typeface="나눔바른고딕"/>
+              <a:ea typeface="나눔바른고딕"/>
             </a:endParaRPr>
           </a:p>
         </p:txBody>
@@ -35407,7 +35367,7 @@
           <p:nvPr/>
         </p:nvGrpSpPr>
         <p:grpSpPr>
-          <a:xfrm>
+          <a:xfrm rot="0">
             <a:off x="1061674" y="3622428"/>
             <a:ext cx="602615" cy="241464"/>
             <a:chOff x="479425" y="2364330"/>
@@ -35454,13 +35414,15 @@
             </a:fontRef>
           </p:style>
           <p:txBody>
-            <a:bodyPr rtlCol="0" anchor="ctr"/>
+            <a:bodyPr anchor="ctr"/>
             <a:lstStyle/>
             <a:p>
-              <a:pPr algn="ctr"/>
+              <a:pPr algn="ctr">
+                <a:defRPr/>
+              </a:pPr>
               <a:endParaRPr lang="ko-KR" altLang="en-US">
-                <a:latin typeface="나눔바른고딕" panose="020B0603020101020101" pitchFamily="50" charset="-127"/>
-                <a:ea typeface="나눔바른고딕" panose="020B0603020101020101" pitchFamily="50" charset="-127"/>
+                <a:latin typeface="나눔바른고딕"/>
+                <a:ea typeface="나눔바른고딕"/>
               </a:endParaRPr>
             </a:p>
           </p:txBody>
@@ -35482,28 +35444,30 @@
             <a:noFill/>
           </p:spPr>
           <p:txBody>
-            <a:bodyPr wrap="square" lIns="0" tIns="0" rIns="0" bIns="0" rtlCol="0">
+            <a:bodyPr wrap="square" lIns="0" tIns="0" rIns="0" bIns="0">
               <a:spAutoFit/>
             </a:bodyPr>
             <a:lstStyle/>
             <a:p>
-              <a:pPr algn="ctr"/>
+              <a:pPr algn="ctr">
+                <a:defRPr/>
+              </a:pPr>
               <a:r>
-                <a:rPr lang="en-US" altLang="ko-KR" sz="1300" spc="-100">
+                <a:rPr lang="en-US" altLang="ko-KR" sz="1300" b="0" spc="-100">
                   <a:solidFill>
                     <a:schemeClr val="bg1"/>
                   </a:solidFill>
-                  <a:latin typeface="나눔바른고딕" panose="020B0603020101020101" pitchFamily="50" charset="-127"/>
-                  <a:ea typeface="나눔바른고딕" panose="020B0603020101020101" pitchFamily="50" charset="-127"/>
+                  <a:latin typeface="나눔바른고딕"/>
+                  <a:ea typeface="나눔바른고딕"/>
                 </a:rPr>
                 <a:t>7  /  9</a:t>
               </a:r>
-              <a:endParaRPr lang="ko-KR" altLang="en-US" sz="1300" spc="-100">
+              <a:endParaRPr lang="ko-KR" altLang="en-US" sz="1300" b="0" spc="-100">
                 <a:solidFill>
                   <a:schemeClr val="bg1"/>
                 </a:solidFill>
-                <a:latin typeface="나눔바른고딕" panose="020B0603020101020101" pitchFamily="50" charset="-127"/>
-                <a:ea typeface="나눔바른고딕" panose="020B0603020101020101" pitchFamily="50" charset="-127"/>
+                <a:latin typeface="나눔바른고딕"/>
+                <a:ea typeface="나눔바른고딕"/>
               </a:endParaRPr>
             </a:p>
           </p:txBody>
@@ -35511,20 +35475,14 @@
       </p:grpSp>
       <p:sp>
         <p:nvSpPr>
-          <p:cNvPr id="108" name="TextBox 107">
-            <a:extLst>
-              <a:ext uri="{FF2B5EF4-FFF2-40B4-BE49-F238E27FC236}">
-                <a16:creationId xmlns:a16="http://schemas.microsoft.com/office/drawing/2014/main" id="{6833281E-CC6A-4646-93BC-9225E7851783}"/>
-              </a:ext>
-            </a:extLst>
-          </p:cNvPr>
+          <p:cNvPr id="108" name="TextBox 107"/>
           <p:cNvSpPr txBox="1"/>
           <p:nvPr/>
         </p:nvSpPr>
         <p:spPr>
           <a:xfrm>
             <a:off x="1061674" y="3076216"/>
-            <a:ext cx="2044263" cy="507831"/>
+            <a:ext cx="2044263" cy="476609"/>
           </a:xfrm>
           <a:prstGeom prst="rect">
             <a:avLst/>
@@ -35532,7 +35490,7 @@
           <a:noFill/>
         </p:spPr>
         <p:txBody>
-          <a:bodyPr wrap="square" lIns="0" tIns="0" rIns="0" bIns="0" rtlCol="0">
+          <a:bodyPr wrap="square" lIns="0" tIns="0" rIns="0" bIns="0">
             <a:spAutoFit/>
           </a:bodyPr>
           <a:lstStyle/>
@@ -35541,53 +35499,56 @@
               <a:lnSpc>
                 <a:spcPct val="80000"/>
               </a:lnSpc>
+              <a:defRPr/>
             </a:pPr>
             <a:r>
-              <a:rPr lang="en-US" altLang="ko-KR" sz="2000" spc="-100">
+              <a:rPr lang="en-US" altLang="ko-KR" sz="2000" b="0" spc="-100">
                 <a:solidFill>
                   <a:schemeClr val="bg1"/>
                 </a:solidFill>
-                <a:latin typeface="나눔바른고딕" panose="020B0603020101020101" pitchFamily="50" charset="-127"/>
-                <a:ea typeface="나눔바른고딕" panose="020B0603020101020101" pitchFamily="50" charset="-127"/>
+                <a:latin typeface="나눔바른고딕"/>
+                <a:ea typeface="나눔바른고딕"/>
               </a:rPr>
               <a:t>Report</a:t>
             </a:r>
+            <a:endParaRPr lang="en-US" altLang="ko-KR" sz="2000" b="0" spc="-100">
+              <a:solidFill>
+                <a:schemeClr val="bg1"/>
+              </a:solidFill>
+              <a:latin typeface="나눔바른고딕"/>
+              <a:ea typeface="나눔바른고딕"/>
+            </a:endParaRPr>
           </a:p>
           <a:p>
             <a:pPr>
               <a:lnSpc>
                 <a:spcPct val="80000"/>
               </a:lnSpc>
+              <a:defRPr/>
             </a:pPr>
             <a:r>
-              <a:rPr lang="en-US" altLang="ko-KR" sz="2000" spc="-100">
+              <a:rPr lang="en-US" altLang="ko-KR" sz="2000" b="0" spc="-100">
                 <a:solidFill>
                   <a:schemeClr val="bg1"/>
                 </a:solidFill>
-                <a:latin typeface="나눔바른고딕" panose="020B0603020101020101" pitchFamily="50" charset="-127"/>
-                <a:ea typeface="나눔바른고딕" panose="020B0603020101020101" pitchFamily="50" charset="-127"/>
+                <a:latin typeface="나눔바른고딕"/>
+                <a:ea typeface="나눔바른고딕"/>
               </a:rPr>
               <a:t>Results ~ STT API</a:t>
             </a:r>
-            <a:endParaRPr lang="ko-KR" altLang="en-US" sz="2000" spc="-100">
+            <a:endParaRPr lang="ko-KR" altLang="en-US" sz="2000" b="0" spc="-100">
               <a:solidFill>
                 <a:schemeClr val="bg1"/>
               </a:solidFill>
-              <a:latin typeface="나눔바른고딕" panose="020B0603020101020101" pitchFamily="50" charset="-127"/>
-              <a:ea typeface="나눔바른고딕" panose="020B0603020101020101" pitchFamily="50" charset="-127"/>
+              <a:latin typeface="나눔바른고딕"/>
+              <a:ea typeface="나눔바른고딕"/>
             </a:endParaRPr>
           </a:p>
         </p:txBody>
       </p:sp>
       <p:sp>
         <p:nvSpPr>
-          <p:cNvPr id="34" name="TextBox 33">
-            <a:extLst>
-              <a:ext uri="{FF2B5EF4-FFF2-40B4-BE49-F238E27FC236}">
-                <a16:creationId xmlns:a16="http://schemas.microsoft.com/office/drawing/2014/main" id="{5D8EC170-AD1F-4A6B-BF09-A50D0A593065}"/>
-              </a:ext>
-            </a:extLst>
-          </p:cNvPr>
+          <p:cNvPr id="34" name="TextBox 33"/>
           <p:cNvSpPr txBox="1"/>
           <p:nvPr/>
         </p:nvSpPr>
@@ -35602,11 +35563,14 @@
           <a:noFill/>
         </p:spPr>
         <p:txBody>
-          <a:bodyPr wrap="square" lIns="0" tIns="0" rIns="0" bIns="0" rtlCol="0">
+          <a:bodyPr wrap="square" lIns="0" tIns="0" rIns="0" bIns="0">
             <a:spAutoFit/>
           </a:bodyPr>
           <a:lstStyle/>
           <a:p>
+            <a:pPr lvl="0">
+              <a:defRPr/>
+            </a:pPr>
             <a:r>
               <a:rPr lang="en-US" altLang="ko-KR" sz="1400">
                 <a:solidFill>
@@ -35615,8 +35579,8 @@
                     <a:lumOff val="25000"/>
                   </a:schemeClr>
                 </a:solidFill>
-                <a:latin typeface="나눔바른고딕" panose="020B0603020101020101" pitchFamily="50" charset="-127"/>
-                <a:ea typeface="나눔바른고딕" panose="020B0603020101020101" pitchFamily="50" charset="-127"/>
+                <a:latin typeface="나눔바른고딕"/>
+                <a:ea typeface="나눔바른고딕"/>
               </a:rPr>
               <a:t>Librosa</a:t>
             </a:r>
@@ -35628,8 +35592,8 @@
                     <a:lumOff val="25000"/>
                   </a:schemeClr>
                 </a:solidFill>
-                <a:latin typeface="나눔바른고딕" panose="020B0603020101020101" pitchFamily="50" charset="-127"/>
-                <a:ea typeface="나눔바른고딕" panose="020B0603020101020101" pitchFamily="50" charset="-127"/>
+                <a:latin typeface="나눔바른고딕"/>
+                <a:ea typeface="나눔바른고딕"/>
               </a:rPr>
               <a:t> 등으로 전처리 후의 음성 파일을 입력한 </a:t>
             </a:r>
@@ -35641,8 +35605,8 @@
                     <a:lumOff val="25000"/>
                   </a:schemeClr>
                 </a:solidFill>
-                <a:latin typeface="나눔바른고딕" panose="020B0603020101020101" pitchFamily="50" charset="-127"/>
-                <a:ea typeface="나눔바른고딕" panose="020B0603020101020101" pitchFamily="50" charset="-127"/>
+                <a:latin typeface="나눔바른고딕"/>
+                <a:ea typeface="나눔바른고딕"/>
               </a:rPr>
               <a:t>Kakao STT API</a:t>
             </a:r>
@@ -35654,11 +35618,21 @@
                     <a:lumOff val="25000"/>
                   </a:schemeClr>
                 </a:solidFill>
-                <a:latin typeface="나눔바른고딕" panose="020B0603020101020101" pitchFamily="50" charset="-127"/>
-                <a:ea typeface="나눔바른고딕" panose="020B0603020101020101" pitchFamily="50" charset="-127"/>
+                <a:latin typeface="나눔바른고딕"/>
+                <a:ea typeface="나눔바른고딕"/>
               </a:rPr>
               <a:t> 예제</a:t>
             </a:r>
+            <a:endParaRPr lang="ko-KR" altLang="en-US" sz="1400">
+              <a:solidFill>
+                <a:schemeClr val="tx1">
+                  <a:lumMod val="75000"/>
+                  <a:lumOff val="25000"/>
+                </a:schemeClr>
+              </a:solidFill>
+              <a:latin typeface="나눔바른고딕"/>
+              <a:ea typeface="나눔바른고딕"/>
+            </a:endParaRPr>
           </a:p>
         </p:txBody>
       </p:sp>
@@ -35666,11 +35640,6 @@
         <p:nvPicPr>
           <p:cNvPr id="5" name="sound_countryShower">
             <a:hlinkClick r:id="" action="ppaction://media"/>
-            <a:extLst>
-              <a:ext uri="{FF2B5EF4-FFF2-40B4-BE49-F238E27FC236}">
-                <a16:creationId xmlns:a16="http://schemas.microsoft.com/office/drawing/2014/main" id="{66094AF6-E1F7-48B6-B68B-3BE33B7BF709}"/>
-              </a:ext>
-            </a:extLst>
           </p:cNvPr>
           <p:cNvPicPr>
             <a:picLocks noChangeAspect="1"/>
@@ -35679,12 +35648,12 @@
             <a:audioFile r:link="rId2"/>
             <p:extLst>
               <p:ext uri="{DAA4B4D4-6D71-4841-9C94-3DE7FCFB9230}">
-                <p14:media xmlns:p14="http://schemas.microsoft.com/office/powerpoint/2010/main" r:embed="rId1"/>
+                <p14:media xmlns:p14="http://schemas.microsoft.com/office/powerpoint/2010/main" r:embed="rId3"/>
               </p:ext>
             </p:extLst>
           </p:nvPr>
         </p:nvPicPr>
-        <p:blipFill>
+        <p:blipFill rotWithShape="1">
           <a:blip r:embed="rId4"/>
           <a:stretch>
             <a:fillRect/>
@@ -35702,23 +35671,11 @@
       </p:pic>
       <p:graphicFrame>
         <p:nvGraphicFramePr>
-          <p:cNvPr id="23" name="표 22">
-            <a:extLst>
-              <a:ext uri="{FF2B5EF4-FFF2-40B4-BE49-F238E27FC236}">
-                <a16:creationId xmlns:a16="http://schemas.microsoft.com/office/drawing/2014/main" id="{6C5F9E08-85DD-4F96-8690-A1CFABA190BF}"/>
-              </a:ext>
-            </a:extLst>
-          </p:cNvPr>
+          <p:cNvPr id="23" name="표 22"/>
           <p:cNvGraphicFramePr>
             <a:graphicFrameLocks noGrp="1"/>
           </p:cNvGraphicFramePr>
-          <p:nvPr>
-            <p:extLst>
-              <p:ext uri="{D42A27DB-BD31-4B8C-83A1-F6EECF244321}">
-                <p14:modId xmlns:p14="http://schemas.microsoft.com/office/powerpoint/2010/main" val="639696075"/>
-              </p:ext>
-            </p:extLst>
-          </p:nvPr>
+          <p:nvPr/>
         </p:nvGraphicFramePr>
         <p:xfrm>
           <a:off x="4554570" y="2840950"/>
@@ -35729,40 +35686,31 @@
             <a:tbl>
               <a:tblPr firstRow="1" bandRow="1"/>
               <a:tblGrid>
-                <a:gridCol w="2506974">
-                  <a:extLst>
-                    <a:ext uri="{9D8B030D-6E8A-4147-A177-3AD203B41FA5}">
-                      <a16:colId xmlns:a16="http://schemas.microsoft.com/office/drawing/2014/main" val="20000"/>
-                    </a:ext>
-                  </a:extLst>
-                </a:gridCol>
-                <a:gridCol w="3963905">
-                  <a:extLst>
-                    <a:ext uri="{9D8B030D-6E8A-4147-A177-3AD203B41FA5}">
-                      <a16:colId xmlns:a16="http://schemas.microsoft.com/office/drawing/2014/main" val="20001"/>
-                    </a:ext>
-                  </a:extLst>
-                </a:gridCol>
+                <a:gridCol w="2506974"/>
+                <a:gridCol w="3963905"/>
               </a:tblGrid>
               <a:tr h="242572">
                 <a:tc>
                   <a:txBody>
-                    <a:bodyPr/>
-                    <a:lstStyle/>
+                    <a:bodyPr vert="horz" lIns="91440" tIns="45720" rIns="91440" bIns="45720" anchor="t" anchorCtr="0"/>
                     <a:p>
                       <a:pPr algn="ctr">
                         <a:defRPr/>
                       </a:pPr>
                       <a:r>
                         <a:rPr lang="ko-KR" altLang="en-US" sz="1400" b="1">
-                          <a:latin typeface="나눔바른고딕" panose="020B0603020101020101" pitchFamily="50" charset="-127"/>
-                          <a:ea typeface="나눔바른고딕" panose="020B0603020101020101" pitchFamily="50" charset="-127"/>
+                          <a:latin typeface="나눔바른고딕"/>
+                          <a:ea typeface="나눔바른고딕"/>
                         </a:rPr>
                         <a:t>비고</a:t>
                       </a:r>
+                      <a:endParaRPr lang="ko-KR" altLang="en-US" sz="1400" b="1">
+                        <a:latin typeface="나눔바른고딕"/>
+                        <a:ea typeface="나눔바른고딕"/>
+                      </a:endParaRPr>
                     </a:p>
                   </a:txBody>
-                  <a:tcPr>
+                  <a:tcPr marL="91440" marR="91440">
                     <a:lnL w="9525" cap="flat" cmpd="sng" algn="ctr">
                       <a:noFill/>
                       <a:prstDash val="solid"/>
@@ -35776,28 +35724,31 @@
                       <a:round/>
                     </a:lnT>
                     <a:solidFill>
-                      <a:srgbClr val="D9D9D9"/>
+                      <a:srgbClr val="d9d9d9"/>
                     </a:solidFill>
                   </a:tcPr>
                 </a:tc>
                 <a:tc>
                   <a:txBody>
-                    <a:bodyPr/>
-                    <a:lstStyle/>
+                    <a:bodyPr vert="horz" lIns="91440" tIns="45720" rIns="91440" bIns="45720" anchor="t" anchorCtr="0"/>
                     <a:p>
                       <a:pPr algn="ctr">
                         <a:defRPr/>
                       </a:pPr>
                       <a:r>
                         <a:rPr lang="ko-KR" altLang="en-US" sz="1400" b="1">
-                          <a:latin typeface="나눔바른고딕" panose="020B0603020101020101" pitchFamily="50" charset="-127"/>
-                          <a:ea typeface="나눔바른고딕" panose="020B0603020101020101" pitchFamily="50" charset="-127"/>
+                          <a:latin typeface="나눔바른고딕"/>
+                          <a:ea typeface="나눔바른고딕"/>
                         </a:rPr>
                         <a:t>출력 내용</a:t>
                       </a:r>
+                      <a:endParaRPr lang="ko-KR" altLang="en-US" sz="1400" b="1">
+                        <a:latin typeface="나눔바른고딕"/>
+                        <a:ea typeface="나눔바른고딕"/>
+                      </a:endParaRPr>
                     </a:p>
                   </a:txBody>
-                  <a:tcPr>
+                  <a:tcPr marL="91440" marR="91440">
                     <a:lnR w="28575" cap="flat" cmpd="sng" algn="ctr">
                       <a:solidFill>
                         <a:schemeClr val="lt1"/>
@@ -35813,35 +35764,33 @@
                       <a:round/>
                     </a:lnT>
                     <a:solidFill>
-                      <a:srgbClr val="D9D9D9"/>
+                      <a:srgbClr val="d9d9d9"/>
                     </a:solidFill>
                   </a:tcPr>
                 </a:tc>
-                <a:extLst>
-                  <a:ext uri="{0D108BD9-81ED-4DB2-BD59-A6C34878D82A}">
-                    <a16:rowId xmlns:a16="http://schemas.microsoft.com/office/drawing/2014/main" val="10000"/>
-                  </a:ext>
-                </a:extLst>
               </a:tr>
               <a:tr h="455026">
                 <a:tc>
                   <a:txBody>
-                    <a:bodyPr/>
-                    <a:lstStyle/>
+                    <a:bodyPr vert="horz" lIns="91440" tIns="45720" rIns="91440" bIns="45720" anchor="t" anchorCtr="0"/>
                     <a:p>
                       <a:pPr algn="ctr">
                         <a:defRPr/>
                       </a:pPr>
                       <a:r>
                         <a:rPr lang="ko-KR" altLang="en-US" sz="1400">
-                          <a:latin typeface="나눔바른고딕" panose="020B0603020101020101" pitchFamily="50" charset="-127"/>
-                          <a:ea typeface="나눔바른고딕" panose="020B0603020101020101" pitchFamily="50" charset="-127"/>
+                          <a:latin typeface="나눔바른고딕"/>
+                          <a:ea typeface="나눔바른고딕"/>
                         </a:rPr>
                         <a:t>원본</a:t>
                       </a:r>
+                      <a:endParaRPr lang="ko-KR" altLang="en-US" sz="1400">
+                        <a:latin typeface="나눔바른고딕"/>
+                        <a:ea typeface="나눔바른고딕"/>
+                      </a:endParaRPr>
                     </a:p>
                   </a:txBody>
-                  <a:tcPr>
+                  <a:tcPr marL="91440" marR="91440">
                     <a:lnL w="9525" cap="flat" cmpd="sng" algn="ctr">
                       <a:noFill/>
                       <a:prstDash val="solid"/>
@@ -35851,29 +35800,32 @@
                 </a:tc>
                 <a:tc>
                   <a:txBody>
-                    <a:bodyPr/>
-                    <a:lstStyle/>
+                    <a:bodyPr vert="horz" lIns="91440" tIns="45720" rIns="91440" bIns="45720" anchor="t" anchorCtr="0"/>
                     <a:p>
                       <a:pPr algn="ctr">
                         <a:defRPr/>
                       </a:pPr>
                       <a:r>
                         <a:rPr lang="ko-KR" altLang="en-US" sz="1400">
-                          <a:latin typeface="나눔바른고딕" panose="020B0603020101020101" pitchFamily="50" charset="-127"/>
-                          <a:ea typeface="나눔바른고딕" panose="020B0603020101020101" pitchFamily="50" charset="-127"/>
+                          <a:latin typeface="나눔바른고딕"/>
+                          <a:ea typeface="나눔바른고딕"/>
                         </a:rPr>
                         <a:t>국가는 재해를 예방하고 그 위험으로부터 국민을 보호하기 위하여 노력하여야 한다</a:t>
                       </a:r>
                       <a:r>
                         <a:rPr lang="en-US" altLang="ko-KR" sz="1400">
-                          <a:latin typeface="나눔바른고딕" panose="020B0603020101020101" pitchFamily="50" charset="-127"/>
-                          <a:ea typeface="나눔바른고딕" panose="020B0603020101020101" pitchFamily="50" charset="-127"/>
+                          <a:latin typeface="나눔바른고딕"/>
+                          <a:ea typeface="나눔바른고딕"/>
                         </a:rPr>
                         <a:t>.</a:t>
                       </a:r>
+                      <a:endParaRPr lang="en-US" altLang="ko-KR" sz="1400">
+                        <a:latin typeface="나눔바른고딕"/>
+                        <a:ea typeface="나눔바른고딕"/>
+                      </a:endParaRPr>
                     </a:p>
                   </a:txBody>
-                  <a:tcPr>
+                  <a:tcPr marL="91440" marR="91440">
                     <a:lnR w="28575" cap="flat" cmpd="sng" algn="ctr">
                       <a:solidFill>
                         <a:schemeClr val="lt1"/>
@@ -35883,31 +35835,29 @@
                     </a:lnR>
                   </a:tcPr>
                 </a:tc>
-                <a:extLst>
-                  <a:ext uri="{0D108BD9-81ED-4DB2-BD59-A6C34878D82A}">
-                    <a16:rowId xmlns:a16="http://schemas.microsoft.com/office/drawing/2014/main" val="10001"/>
-                  </a:ext>
-                </a:extLst>
               </a:tr>
               <a:tr h="455026">
                 <a:tc>
                   <a:txBody>
-                    <a:bodyPr/>
-                    <a:lstStyle/>
+                    <a:bodyPr vert="horz" lIns="91440" tIns="45720" rIns="91440" bIns="45720" anchor="t" anchorCtr="0"/>
                     <a:p>
                       <a:pPr algn="ctr">
                         <a:defRPr/>
                       </a:pPr>
                       <a:r>
                         <a:rPr lang="ko-KR" altLang="en-US" sz="1400">
-                          <a:latin typeface="나눔바른고딕" panose="020B0603020101020101" pitchFamily="50" charset="-127"/>
-                          <a:ea typeface="나눔바른고딕" panose="020B0603020101020101" pitchFamily="50" charset="-127"/>
+                          <a:latin typeface="나눔바른고딕"/>
+                          <a:ea typeface="나눔바른고딕"/>
                         </a:rPr>
                         <a:t>대화 도중 양치질하는 소음</a:t>
                       </a:r>
+                      <a:endParaRPr lang="ko-KR" altLang="en-US" sz="1400">
+                        <a:latin typeface="나눔바른고딕"/>
+                        <a:ea typeface="나눔바른고딕"/>
+                      </a:endParaRPr>
                     </a:p>
                   </a:txBody>
-                  <a:tcPr>
+                  <a:tcPr marL="91440" marR="91440">
                     <a:lnL w="9525" cap="flat" cmpd="sng" algn="ctr">
                       <a:noFill/>
                       <a:prstDash val="solid"/>
@@ -35917,29 +35867,32 @@
                 </a:tc>
                 <a:tc>
                   <a:txBody>
-                    <a:bodyPr/>
-                    <a:lstStyle/>
+                    <a:bodyPr vert="horz" lIns="91440" tIns="45720" rIns="91440" bIns="45720" anchor="t" anchorCtr="0"/>
                     <a:p>
                       <a:pPr algn="ctr">
                         <a:defRPr/>
                       </a:pPr>
                       <a:r>
                         <a:rPr lang="ko-KR" altLang="en-US" sz="1400">
-                          <a:latin typeface="나눔바른고딕" panose="020B0603020101020101" pitchFamily="50" charset="-127"/>
-                          <a:ea typeface="나눔바른고딕" panose="020B0603020101020101" pitchFamily="50" charset="-127"/>
+                          <a:latin typeface="나눔바른고딕"/>
+                          <a:ea typeface="나눔바른고딕"/>
                         </a:rPr>
                         <a:t>국가는 재해를 예방하고 그 위험으로부터 국민을 보호하기 위하여 노력하여야 한다</a:t>
                       </a:r>
                       <a:r>
                         <a:rPr lang="en-US" altLang="ko-KR" sz="1400">
-                          <a:latin typeface="나눔바른고딕" panose="020B0603020101020101" pitchFamily="50" charset="-127"/>
-                          <a:ea typeface="나눔바른고딕" panose="020B0603020101020101" pitchFamily="50" charset="-127"/>
+                          <a:latin typeface="나눔바른고딕"/>
+                          <a:ea typeface="나눔바른고딕"/>
                         </a:rPr>
                         <a:t>.</a:t>
                       </a:r>
+                      <a:endParaRPr lang="en-US" altLang="ko-KR" sz="1400">
+                        <a:latin typeface="나눔바른고딕"/>
+                        <a:ea typeface="나눔바른고딕"/>
+                      </a:endParaRPr>
                     </a:p>
                   </a:txBody>
-                  <a:tcPr>
+                  <a:tcPr marL="91440" marR="91440">
                     <a:lnR w="28575" cap="flat" cmpd="sng" algn="ctr">
                       <a:solidFill>
                         <a:schemeClr val="lt1"/>
@@ -35949,31 +35902,29 @@
                     </a:lnR>
                   </a:tcPr>
                 </a:tc>
-                <a:extLst>
-                  <a:ext uri="{0D108BD9-81ED-4DB2-BD59-A6C34878D82A}">
-                    <a16:rowId xmlns:a16="http://schemas.microsoft.com/office/drawing/2014/main" val="10002"/>
-                  </a:ext>
-                </a:extLst>
               </a:tr>
               <a:tr h="455026">
                 <a:tc>
                   <a:txBody>
-                    <a:bodyPr/>
-                    <a:lstStyle/>
+                    <a:bodyPr vert="horz" lIns="91440" tIns="45720" rIns="91440" bIns="45720" anchor="t" anchorCtr="0"/>
                     <a:p>
                       <a:pPr algn="ctr">
                         <a:defRPr/>
                       </a:pPr>
                       <a:r>
                         <a:rPr lang="ko-KR" altLang="en-US" sz="1400">
-                          <a:latin typeface="나눔바른고딕" panose="020B0603020101020101" pitchFamily="50" charset="-127"/>
-                          <a:ea typeface="나눔바른고딕" panose="020B0603020101020101" pitchFamily="50" charset="-127"/>
+                          <a:latin typeface="나눔바른고딕"/>
+                          <a:ea typeface="나눔바른고딕"/>
                         </a:rPr>
                         <a:t>샤워장의 물이 떨어지는 소음</a:t>
                       </a:r>
+                      <a:endParaRPr lang="ko-KR" altLang="en-US" sz="1400">
+                        <a:latin typeface="나눔바른고딕"/>
+                        <a:ea typeface="나눔바른고딕"/>
+                      </a:endParaRPr>
                     </a:p>
                   </a:txBody>
-                  <a:tcPr>
+                  <a:tcPr marL="91440" marR="91440">
                     <a:lnL w="9525" cap="flat" cmpd="sng" algn="ctr">
                       <a:noFill/>
                       <a:prstDash val="solid"/>
@@ -35983,8 +35934,7 @@
                 </a:tc>
                 <a:tc>
                   <a:txBody>
-                    <a:bodyPr/>
-                    <a:lstStyle/>
+                    <a:bodyPr vert="horz" lIns="91440" tIns="45720" rIns="91440" bIns="45720" anchor="t" anchorCtr="0"/>
                     <a:p>
                       <a:pPr algn="ctr">
                         <a:defRPr/>
@@ -35992,47 +35942,68 @@
                       <a:r>
                         <a:rPr lang="ko-KR" altLang="en-US" sz="1400">
                           <a:solidFill>
-                            <a:srgbClr val="FF0000"/>
+                            <a:srgbClr val="ff0000"/>
                           </a:solidFill>
-                          <a:latin typeface="나눔바른고딕" panose="020B0603020101020101" pitchFamily="50" charset="-127"/>
-                          <a:ea typeface="나눔바른고딕" panose="020B0603020101020101" pitchFamily="50" charset="-127"/>
+                          <a:latin typeface="나눔바른고딕"/>
+                          <a:ea typeface="나눔바른고딕"/>
                         </a:rPr>
                         <a:t>북한의 대회</a:t>
                       </a:r>
                       <a:r>
                         <a:rPr lang="ko-KR" altLang="en-US" sz="1400">
-                          <a:latin typeface="나눔바른고딕" panose="020B0603020101020101" pitchFamily="50" charset="-127"/>
-                          <a:ea typeface="나눔바른고딕" panose="020B0603020101020101" pitchFamily="50" charset="-127"/>
+                          <a:latin typeface="나눔바른고딕"/>
+                          <a:ea typeface="나눔바른고딕"/>
                         </a:rPr>
                         <a:t>로 예방하고 그 위험으로부터 국민을 </a:t>
                       </a:r>
                       <a:r>
                         <a:rPr lang="ko-KR" altLang="en-US" sz="1400">
                           <a:solidFill>
-                            <a:srgbClr val="FF0000"/>
+                            <a:srgbClr val="ff0000"/>
                           </a:solidFill>
-                          <a:latin typeface="나눔바른고딕" panose="020B0603020101020101" pitchFamily="50" charset="-127"/>
-                          <a:ea typeface="나눔바른고딕" panose="020B0603020101020101" pitchFamily="50" charset="-127"/>
+                          <a:latin typeface="나눔바른고딕"/>
+                          <a:ea typeface="나눔바른고딕"/>
                         </a:rPr>
                         <a:t>보험</a:t>
                       </a:r>
                       <a:r>
                         <a:rPr lang="ko-KR" altLang="en-US" sz="1400">
-                          <a:latin typeface="나눔바른고딕" panose="020B0603020101020101" pitchFamily="50" charset="-127"/>
-                          <a:ea typeface="나눔바른고딕" panose="020B0603020101020101" pitchFamily="50" charset="-127"/>
+                          <a:latin typeface="나눔바른고딕"/>
+                          <a:ea typeface="나눔바른고딕"/>
                         </a:rPr>
-                        <a:t> 위하여 노역하여야 한다</a:t>
+                        <a:t> 위하여 </a:t>
+                      </a:r>
+                      <a:r>
+                        <a:rPr lang="ko-KR" altLang="en-US" sz="1400">
+                          <a:solidFill>
+                            <a:srgbClr val="ff0000"/>
+                          </a:solidFill>
+                          <a:latin typeface="나눔바른고딕"/>
+                          <a:ea typeface="나눔바른고딕"/>
+                        </a:rPr>
+                        <a:t>노역</a:t>
+                      </a:r>
+                      <a:r>
+                        <a:rPr lang="ko-KR" altLang="en-US" sz="1400">
+                          <a:latin typeface="나눔바른고딕"/>
+                          <a:ea typeface="나눔바른고딕"/>
+                        </a:rPr>
+                        <a:t>하여야 한다</a:t>
                       </a:r>
                       <a:r>
                         <a:rPr lang="en-US" altLang="ko-KR" sz="1400">
-                          <a:latin typeface="나눔바른고딕" panose="020B0603020101020101" pitchFamily="50" charset="-127"/>
-                          <a:ea typeface="나눔바른고딕" panose="020B0603020101020101" pitchFamily="50" charset="-127"/>
+                          <a:latin typeface="나눔바른고딕"/>
+                          <a:ea typeface="나눔바른고딕"/>
                         </a:rPr>
                         <a:t>.</a:t>
                       </a:r>
+                      <a:endParaRPr lang="en-US" altLang="ko-KR" sz="1400">
+                        <a:latin typeface="나눔바른고딕"/>
+                        <a:ea typeface="나눔바른고딕"/>
+                      </a:endParaRPr>
                     </a:p>
                   </a:txBody>
-                  <a:tcPr>
+                  <a:tcPr marL="91440" marR="91440">
                     <a:lnR w="28575" cap="flat" cmpd="sng" algn="ctr">
                       <a:solidFill>
                         <a:schemeClr val="lt1"/>
@@ -36042,31 +36013,29 @@
                     </a:lnR>
                   </a:tcPr>
                 </a:tc>
-                <a:extLst>
-                  <a:ext uri="{0D108BD9-81ED-4DB2-BD59-A6C34878D82A}">
-                    <a16:rowId xmlns:a16="http://schemas.microsoft.com/office/drawing/2014/main" val="10003"/>
-                  </a:ext>
-                </a:extLst>
               </a:tr>
               <a:tr h="262067">
                 <a:tc>
                   <a:txBody>
-                    <a:bodyPr/>
-                    <a:lstStyle/>
+                    <a:bodyPr vert="horz" lIns="91440" tIns="45720" rIns="91440" bIns="45720" anchor="t" anchorCtr="0"/>
                     <a:p>
                       <a:pPr algn="ctr">
                         <a:defRPr/>
                       </a:pPr>
                       <a:r>
                         <a:rPr lang="ko-KR" altLang="en-US" sz="1400">
-                          <a:latin typeface="나눔바른고딕" panose="020B0603020101020101" pitchFamily="50" charset="-127"/>
-                          <a:ea typeface="나눔바른고딕" panose="020B0603020101020101" pitchFamily="50" charset="-127"/>
+                          <a:latin typeface="나눔바른고딕"/>
+                          <a:ea typeface="나눔바른고딕"/>
                         </a:rPr>
                         <a:t>스포츠 경기장의 환호 소음</a:t>
                       </a:r>
+                      <a:endParaRPr lang="ko-KR" altLang="en-US" sz="1400">
+                        <a:latin typeface="나눔바른고딕"/>
+                        <a:ea typeface="나눔바른고딕"/>
+                      </a:endParaRPr>
                     </a:p>
                   </a:txBody>
-                  <a:tcPr>
+                  <a:tcPr marL="91440" marR="91440">
                     <a:lnL w="9525" cap="flat" cmpd="sng" algn="ctr">
                       <a:noFill/>
                       <a:prstDash val="solid"/>
@@ -36076,8 +36045,7 @@
                 </a:tc>
                 <a:tc>
                   <a:txBody>
-                    <a:bodyPr/>
-                    <a:lstStyle/>
+                    <a:bodyPr vert="horz" lIns="91440" tIns="45720" rIns="91440" bIns="45720" anchor="t" anchorCtr="0"/>
                     <a:p>
                       <a:pPr algn="ctr">
                         <a:defRPr/>
@@ -36085,16 +36053,23 @@
                       <a:r>
                         <a:rPr lang="ko-KR" altLang="en-US" sz="1400">
                           <a:solidFill>
-                            <a:srgbClr val="FF0000"/>
+                            <a:srgbClr val="ff0000"/>
                           </a:solidFill>
-                          <a:latin typeface="나눔바른고딕" panose="020B0603020101020101" pitchFamily="50" charset="-127"/>
-                          <a:ea typeface="나눔바른고딕" panose="020B0603020101020101" pitchFamily="50" charset="-127"/>
+                          <a:latin typeface="나눔바른고딕"/>
+                          <a:ea typeface="나눔바른고딕"/>
                         </a:rPr>
                         <a:t>인식 불능</a:t>
                       </a:r>
+                      <a:endParaRPr lang="ko-KR" altLang="en-US" sz="1400">
+                        <a:solidFill>
+                          <a:srgbClr val="ff0000"/>
+                        </a:solidFill>
+                        <a:latin typeface="나눔바른고딕"/>
+                        <a:ea typeface="나눔바른고딕"/>
+                      </a:endParaRPr>
                     </a:p>
                   </a:txBody>
-                  <a:tcPr>
+                  <a:tcPr marL="91440" marR="91440">
                     <a:lnR w="28575" cap="flat" cmpd="sng" algn="ctr">
                       <a:solidFill>
                         <a:schemeClr val="lt1"/>
@@ -36104,31 +36079,29 @@
                     </a:lnR>
                   </a:tcPr>
                 </a:tc>
-                <a:extLst>
-                  <a:ext uri="{0D108BD9-81ED-4DB2-BD59-A6C34878D82A}">
-                    <a16:rowId xmlns:a16="http://schemas.microsoft.com/office/drawing/2014/main" val="10004"/>
-                  </a:ext>
-                </a:extLst>
               </a:tr>
               <a:tr h="455026">
                 <a:tc>
                   <a:txBody>
-                    <a:bodyPr/>
-                    <a:lstStyle/>
+                    <a:bodyPr vert="horz" lIns="91440" tIns="45720" rIns="91440" bIns="45720" anchor="t" anchorCtr="0"/>
                     <a:p>
                       <a:pPr algn="ctr">
                         <a:defRPr/>
                       </a:pPr>
                       <a:r>
                         <a:rPr lang="ko-KR" altLang="en-US" sz="1400">
-                          <a:latin typeface="나눔바른고딕" panose="020B0603020101020101" pitchFamily="50" charset="-127"/>
-                          <a:ea typeface="나눔바른고딕" panose="020B0603020101020101" pitchFamily="50" charset="-127"/>
+                          <a:latin typeface="나눔바른고딕"/>
+                          <a:ea typeface="나눔바른고딕"/>
                         </a:rPr>
                         <a:t>대중들이 야유하는 소음</a:t>
                       </a:r>
+                      <a:endParaRPr lang="ko-KR" altLang="en-US" sz="1400">
+                        <a:latin typeface="나눔바른고딕"/>
+                        <a:ea typeface="나눔바른고딕"/>
+                      </a:endParaRPr>
                     </a:p>
                   </a:txBody>
-                  <a:tcPr>
+                  <a:tcPr marL="91440" marR="91440">
                     <a:lnL w="9525" cap="flat" cmpd="sng" algn="ctr">
                       <a:noFill/>
                       <a:prstDash val="solid"/>
@@ -36145,62 +36118,68 @@
                 </a:tc>
                 <a:tc>
                   <a:txBody>
-                    <a:bodyPr/>
-                    <a:lstStyle/>
+                    <a:bodyPr vert="horz" lIns="91440" tIns="45720" rIns="91440" bIns="45720" anchor="t" anchorCtr="0"/>
                     <a:p>
                       <a:pPr algn="ctr">
                         <a:defRPr/>
                       </a:pPr>
                       <a:r>
                         <a:rPr lang="ko-KR" altLang="en-US" sz="1400">
-                          <a:latin typeface="나눔바른고딕" panose="020B0603020101020101" pitchFamily="50" charset="-127"/>
-                          <a:ea typeface="나눔바른고딕" panose="020B0603020101020101" pitchFamily="50" charset="-127"/>
+                          <a:latin typeface="나눔바른고딕"/>
+                          <a:ea typeface="나눔바른고딕"/>
                         </a:rPr>
                         <a:t>국가는 재해를 예방하고 </a:t>
                       </a:r>
                       <a:r>
                         <a:rPr lang="ko-KR" altLang="en-US" sz="1400">
                           <a:solidFill>
-                            <a:srgbClr val="FF0000"/>
+                            <a:srgbClr val="ff0000"/>
                           </a:solidFill>
-                          <a:latin typeface="나눔바른고딕" panose="020B0603020101020101" pitchFamily="50" charset="-127"/>
-                          <a:ea typeface="나눔바른고딕" panose="020B0603020101020101" pitchFamily="50" charset="-127"/>
+                          <a:latin typeface="나눔바른고딕"/>
+                          <a:ea typeface="나눔바른고딕"/>
                         </a:rPr>
                         <a:t>위험도 있고 민의 고향이에요</a:t>
                       </a:r>
                       <a:r>
                         <a:rPr lang="en-US" altLang="ko-KR" sz="1400">
                           <a:solidFill>
-                            <a:srgbClr val="FF0000"/>
+                            <a:srgbClr val="ff0000"/>
                           </a:solidFill>
-                          <a:latin typeface="나눔바른고딕" panose="020B0603020101020101" pitchFamily="50" charset="-127"/>
-                          <a:ea typeface="나눔바른고딕" panose="020B0603020101020101" pitchFamily="50" charset="-127"/>
+                          <a:latin typeface="나눔바른고딕"/>
+                          <a:ea typeface="나눔바른고딕"/>
                         </a:rPr>
                         <a:t>.</a:t>
                       </a:r>
                       <a:r>
                         <a:rPr lang="ko-KR" altLang="en-US" sz="1400">
                           <a:solidFill>
-                            <a:srgbClr val="FF0000"/>
+                            <a:srgbClr val="ff0000"/>
                           </a:solidFill>
-                          <a:latin typeface="나눔바른고딕" panose="020B0603020101020101" pitchFamily="50" charset="-127"/>
-                          <a:ea typeface="나눔바른고딕" panose="020B0603020101020101" pitchFamily="50" charset="-127"/>
+                          <a:latin typeface="나눔바른고딕"/>
+                          <a:ea typeface="나눔바른고딕"/>
                         </a:rPr>
                         <a:t> 거려야 한다</a:t>
                       </a:r>
                       <a:r>
                         <a:rPr lang="en-US" altLang="ko-KR" sz="1400">
                           <a:solidFill>
-                            <a:srgbClr val="FF0000"/>
+                            <a:srgbClr val="ff0000"/>
                           </a:solidFill>
-                          <a:latin typeface="나눔바른고딕" panose="020B0603020101020101" pitchFamily="50" charset="-127"/>
-                          <a:ea typeface="나눔바른고딕" panose="020B0603020101020101" pitchFamily="50" charset="-127"/>
+                          <a:latin typeface="나눔바른고딕"/>
+                          <a:ea typeface="나눔바른고딕"/>
                         </a:rPr>
                         <a:t>.</a:t>
                       </a:r>
+                      <a:endParaRPr lang="en-US" altLang="ko-KR" sz="1400">
+                        <a:solidFill>
+                          <a:srgbClr val="ff0000"/>
+                        </a:solidFill>
+                        <a:latin typeface="나눔바른고딕"/>
+                        <a:ea typeface="나눔바른고딕"/>
+                      </a:endParaRPr>
                     </a:p>
                   </a:txBody>
-                  <a:tcPr>
+                  <a:tcPr marL="91440" marR="91440">
                     <a:lnR w="28575" cap="flat" cmpd="sng" algn="ctr">
                       <a:solidFill>
                         <a:schemeClr val="lt1"/>
@@ -36217,26 +36196,24 @@
                     </a:lnB>
                   </a:tcPr>
                 </a:tc>
-                <a:extLst>
-                  <a:ext uri="{0D108BD9-81ED-4DB2-BD59-A6C34878D82A}">
-                    <a16:rowId xmlns:a16="http://schemas.microsoft.com/office/drawing/2014/main" val="10005"/>
-                  </a:ext>
-                </a:extLst>
               </a:tr>
             </a:tbl>
           </a:graphicData>
         </a:graphic>
       </p:graphicFrame>
     </p:spTree>
-    <p:extLst>
-      <p:ext uri="{BB962C8B-B14F-4D97-AF65-F5344CB8AC3E}">
-        <p14:creationId xmlns:p14="http://schemas.microsoft.com/office/powerpoint/2010/main" val="2449027965"/>
-      </p:ext>
-    </p:extLst>
   </p:cSld>
   <p:clrMapOvr>
     <a:masterClrMapping/>
   </p:clrMapOvr>
+  <mc:AlternateContent xmlns:mc="http://schemas.openxmlformats.org/markup-compatibility/2006">
+    <mc:Choice xmlns:p14="http://schemas.microsoft.com/office/powerpoint/2010/main" Requires="p14">
+      <p:transition xmlns:mc="http://schemas.openxmlformats.org/markup-compatibility/2006" xmlns:p14="http://schemas.microsoft.com/office/powerpoint/2010/main" mc:Ignorable="p14" p14:dur="500"/>
+    </mc:Choice>
+    <mc:Fallback>
+      <p:transition/>
+    </mc:Fallback>
+  </mc:AlternateContent>
   <p:timing>
     <p:tnLst>
       <p:par>
